--- a/di.pptx
+++ b/di.pptx
@@ -5,24 +5,25 @@
     <p:sldMasterId id="2147483648" r:id="rId1"/>
   </p:sldMasterIdLst>
   <p:notesMasterIdLst>
-    <p:notesMasterId r:id="rId17"/>
+    <p:notesMasterId r:id="rId18"/>
   </p:notesMasterIdLst>
   <p:sldIdLst>
-    <p:sldId id="271" r:id="rId2"/>
-    <p:sldId id="272" r:id="rId3"/>
-    <p:sldId id="273" r:id="rId4"/>
-    <p:sldId id="275" r:id="rId5"/>
-    <p:sldId id="279" r:id="rId6"/>
-    <p:sldId id="276" r:id="rId7"/>
-    <p:sldId id="277" r:id="rId8"/>
-    <p:sldId id="296" r:id="rId9"/>
-    <p:sldId id="286" r:id="rId10"/>
-    <p:sldId id="297" r:id="rId11"/>
-    <p:sldId id="289" r:id="rId12"/>
-    <p:sldId id="291" r:id="rId13"/>
-    <p:sldId id="292" r:id="rId14"/>
-    <p:sldId id="293" r:id="rId15"/>
-    <p:sldId id="294" r:id="rId16"/>
+    <p:sldId id="298" r:id="rId2"/>
+    <p:sldId id="271" r:id="rId3"/>
+    <p:sldId id="272" r:id="rId4"/>
+    <p:sldId id="273" r:id="rId5"/>
+    <p:sldId id="275" r:id="rId6"/>
+    <p:sldId id="279" r:id="rId7"/>
+    <p:sldId id="276" r:id="rId8"/>
+    <p:sldId id="277" r:id="rId9"/>
+    <p:sldId id="296" r:id="rId10"/>
+    <p:sldId id="286" r:id="rId11"/>
+    <p:sldId id="297" r:id="rId12"/>
+    <p:sldId id="289" r:id="rId13"/>
+    <p:sldId id="291" r:id="rId14"/>
+    <p:sldId id="299" r:id="rId15"/>
+    <p:sldId id="292" r:id="rId16"/>
+    <p:sldId id="294" r:id="rId17"/>
   </p:sldIdLst>
   <p:sldSz cx="12192000" cy="6858000"/>
   <p:notesSz cx="6858000" cy="9144000"/>
@@ -560,7 +561,7 @@
           <a:p>
             <a:fld id="{DC348DFF-10E5-4AE9-8016-9910A89BCDEE}" type="slidenum">
               <a:rPr lang="ru-RU" smtClean="0"/>
-              <a:t>2</a:t>
+              <a:t>3</a:t>
             </a:fld>
             <a:endParaRPr lang="ru-RU"/>
           </a:p>
@@ -656,7 +657,7 @@
           <a:p>
             <a:fld id="{DC348DFF-10E5-4AE9-8016-9910A89BCDEE}" type="slidenum">
               <a:rPr lang="ru-RU" smtClean="0"/>
-              <a:t>3</a:t>
+              <a:t>4</a:t>
             </a:fld>
             <a:endParaRPr lang="ru-RU"/>
           </a:p>
@@ -753,7 +754,7 @@
             <a:fld id="{89329285-B0FC-44C9-9749-E258C7AB2264}" type="slidenum">
               <a:rPr lang="ru-RU" smtClean="0"/>
               <a:pPr/>
-              <a:t>5</a:t>
+              <a:t>6</a:t>
             </a:fld>
             <a:endParaRPr lang="ru-RU"/>
           </a:p>
@@ -3645,35 +3646,6 @@
       </p:grpSpPr>
       <p:sp>
         <p:nvSpPr>
-          <p:cNvPr id="2" name="Заголовок 1"/>
-          <p:cNvSpPr>
-            <a:spLocks noGrp="1"/>
-          </p:cNvSpPr>
-          <p:nvPr>
-            <p:ph type="title"/>
-          </p:nvPr>
-        </p:nvSpPr>
-        <p:spPr/>
-        <p:txBody>
-          <a:bodyPr>
-            <a:normAutofit/>
-          </a:bodyPr>
-          <a:lstStyle/>
-          <a:p>
-            <a:r>
-              <a:rPr lang="en-US" sz="4000" dirty="0"/>
-              <a:t>Dependency </a:t>
-            </a:r>
-            <a:r>
-              <a:rPr lang="en-US" sz="4000" b="1" i="1" dirty="0"/>
-              <a:t>Injection</a:t>
-            </a:r>
-            <a:endParaRPr lang="ru-RU" sz="4000" b="1" i="1" dirty="0"/>
-          </a:p>
-        </p:txBody>
-      </p:sp>
-      <p:sp>
-        <p:nvSpPr>
           <p:cNvPr id="3" name="Текст 2"/>
           <p:cNvSpPr>
             <a:spLocks noGrp="1"/>
@@ -3682,37 +3654,48 @@
             <p:ph type="body" idx="1"/>
           </p:nvPr>
         </p:nvSpPr>
-        <p:spPr/>
-        <p:txBody>
-          <a:bodyPr/>
+        <p:spPr>
+          <a:xfrm>
+            <a:off x="831850" y="2015595"/>
+            <a:ext cx="10515600" cy="1500187"/>
+          </a:xfrm>
+        </p:spPr>
+        <p:txBody>
+          <a:bodyPr>
+            <a:normAutofit/>
+          </a:bodyPr>
           <a:lstStyle/>
           <a:p>
             <a:r>
-              <a:rPr lang="ru-RU" dirty="0" smtClean="0"/>
-              <a:t>явное управление зависимостями</a:t>
-            </a:r>
-            <a:endParaRPr lang="ru-RU" dirty="0"/>
+              <a:rPr lang="en-US" sz="4400" dirty="0">
+                <a:hlinkClick r:id="rId2"/>
+              </a:rPr>
+              <a:t>https://</a:t>
+            </a:r>
+            <a:r>
+              <a:rPr lang="en-US" sz="4400" dirty="0" smtClean="0">
+                <a:hlinkClick r:id="rId2"/>
+              </a:rPr>
+              <a:t>github.com/kontur-csharper/di</a:t>
+            </a:r>
+            <a:r>
+              <a:rPr lang="en-US" sz="4400" dirty="0" smtClean="0"/>
+              <a:t> </a:t>
+            </a:r>
+            <a:endParaRPr lang="ru-RU" sz="2800" dirty="0"/>
           </a:p>
         </p:txBody>
       </p:sp>
     </p:spTree>
     <p:extLst>
       <p:ext uri="{BB962C8B-B14F-4D97-AF65-F5344CB8AC3E}">
-        <p14:creationId xmlns:p14="http://schemas.microsoft.com/office/powerpoint/2010/main" val="2697701005"/>
+        <p14:creationId xmlns:p14="http://schemas.microsoft.com/office/powerpoint/2010/main" val="2907180145"/>
       </p:ext>
     </p:extLst>
   </p:cSld>
   <p:clrMapOvr>
     <a:masterClrMapping/>
   </p:clrMapOvr>
-  <mc:AlternateContent xmlns:mc="http://schemas.openxmlformats.org/markup-compatibility/2006" xmlns:p14="http://schemas.microsoft.com/office/powerpoint/2010/main">
-    <mc:Choice Requires="p14">
-      <p:transition spd="slow" p14:dur="2000"/>
-    </mc:Choice>
-    <mc:Fallback xmlns="">
-      <p:transition spd="slow"/>
-    </mc:Fallback>
-  </mc:AlternateContent>
   <p:timing>
     <p:tnLst>
       <p:par>
@@ -3742,56 +3725,963 @@
       </p:grpSpPr>
       <p:sp>
         <p:nvSpPr>
-          <p:cNvPr id="2" name="Заголовок 1"/>
+          <p:cNvPr id="4" name="Rectangle 1"/>
           <p:cNvSpPr>
-            <a:spLocks noGrp="1"/>
+            <a:spLocks noGrp="1" noChangeArrowheads="1"/>
           </p:cNvSpPr>
           <p:nvPr>
-            <p:ph type="title"/>
+            <p:ph idx="1"/>
           </p:nvPr>
         </p:nvSpPr>
-        <p:spPr/>
-        <p:txBody>
-          <a:bodyPr/>
+        <p:spPr bwMode="auto">
+          <a:xfrm>
+            <a:off x="1127827" y="523398"/>
+            <a:ext cx="10269044" cy="4585871"/>
+          </a:xfrm>
+          <a:prstGeom prst="rect">
+            <a:avLst/>
+          </a:prstGeom>
+          <a:noFill/>
+          <a:ln>
+            <a:noFill/>
+          </a:ln>
+          <a:effectLst/>
+          <a:extLst/>
+        </p:spPr>
+        <p:txBody>
+          <a:bodyPr vert="horz" wrap="square" lIns="91440" tIns="45720" rIns="91440" bIns="45720" numCol="1" rtlCol="0" anchor="ctr" anchorCtr="0" compatLnSpc="1">
+            <a:prstTxWarp prst="textNoShape">
+              <a:avLst/>
+            </a:prstTxWarp>
+            <a:spAutoFit/>
+          </a:bodyPr>
           <a:lstStyle/>
           <a:p>
-            <a:r>
-              <a:rPr lang="en-US" dirty="0" smtClean="0"/>
-              <a:t>!Service Locator</a:t>
-            </a:r>
-            <a:endParaRPr lang="ru-RU" dirty="0"/>
-          </a:p>
-        </p:txBody>
-      </p:sp>
-      <p:sp>
-        <p:nvSpPr>
-          <p:cNvPr id="3" name="Текст 2"/>
-          <p:cNvSpPr>
-            <a:spLocks noGrp="1"/>
-          </p:cNvSpPr>
-          <p:nvPr>
-            <p:ph type="body" idx="1"/>
-          </p:nvPr>
-        </p:nvSpPr>
-        <p:spPr/>
-        <p:txBody>
-          <a:bodyPr/>
-          <a:lstStyle/>
-          <a:p>
-            <a:endParaRPr lang="ru-RU"/>
+            <a:pPr marL="0" indent="0" eaLnBrk="0" fontAlgn="base" hangingPunct="0">
+              <a:lnSpc>
+                <a:spcPct val="100000"/>
+              </a:lnSpc>
+              <a:spcBef>
+                <a:spcPct val="0"/>
+              </a:spcBef>
+              <a:spcAft>
+                <a:spcPct val="0"/>
+              </a:spcAft>
+              <a:buNone/>
+            </a:pPr>
+            <a:r>
+              <a:rPr lang="ru-RU" altLang="ru-RU" sz="2400" dirty="0" err="1">
+                <a:solidFill>
+                  <a:srgbClr val="000088"/>
+                </a:solidFill>
+                <a:latin typeface="Consolas" panose="020B0609020204030204" pitchFamily="49" charset="0"/>
+                <a:cs typeface="Consolas" panose="020B0609020204030204" pitchFamily="49" charset="0"/>
+              </a:rPr>
+              <a:t>public</a:t>
+            </a:r>
+            <a:r>
+              <a:rPr lang="ru-RU" altLang="ru-RU" sz="2400" dirty="0">
+                <a:solidFill>
+                  <a:srgbClr val="000000"/>
+                </a:solidFill>
+                <a:latin typeface="Consolas" panose="020B0609020204030204" pitchFamily="49" charset="0"/>
+                <a:cs typeface="Consolas" panose="020B0609020204030204" pitchFamily="49" charset="0"/>
+              </a:rPr>
+              <a:t> </a:t>
+            </a:r>
+            <a:r>
+              <a:rPr lang="ru-RU" altLang="ru-RU" sz="2400" dirty="0" err="1">
+                <a:solidFill>
+                  <a:srgbClr val="000088"/>
+                </a:solidFill>
+                <a:latin typeface="Consolas" panose="020B0609020204030204" pitchFamily="49" charset="0"/>
+                <a:cs typeface="Consolas" panose="020B0609020204030204" pitchFamily="49" charset="0"/>
+              </a:rPr>
+              <a:t>class</a:t>
+            </a:r>
+            <a:r>
+              <a:rPr lang="ru-RU" altLang="ru-RU" sz="2400" dirty="0">
+                <a:solidFill>
+                  <a:srgbClr val="000000"/>
+                </a:solidFill>
+                <a:latin typeface="Consolas" panose="020B0609020204030204" pitchFamily="49" charset="0"/>
+                <a:cs typeface="Consolas" panose="020B0609020204030204" pitchFamily="49" charset="0"/>
+              </a:rPr>
+              <a:t> </a:t>
+            </a:r>
+            <a:r>
+              <a:rPr lang="ru-RU" altLang="ru-RU" sz="2400" dirty="0" err="1">
+                <a:solidFill>
+                  <a:srgbClr val="660066"/>
+                </a:solidFill>
+                <a:latin typeface="Consolas" panose="020B0609020204030204" pitchFamily="49" charset="0"/>
+                <a:cs typeface="Consolas" panose="020B0609020204030204" pitchFamily="49" charset="0"/>
+              </a:rPr>
+              <a:t>Robot</a:t>
+            </a:r>
+            <a:r>
+              <a:rPr lang="ru-RU" altLang="ru-RU" sz="2400" dirty="0">
+                <a:solidFill>
+                  <a:srgbClr val="000000"/>
+                </a:solidFill>
+                <a:latin typeface="Consolas" panose="020B0609020204030204" pitchFamily="49" charset="0"/>
+                <a:cs typeface="Consolas" panose="020B0609020204030204" pitchFamily="49" charset="0"/>
+              </a:rPr>
+              <a:t> </a:t>
+            </a:r>
+            <a:r>
+              <a:rPr lang="ru-RU" altLang="ru-RU" sz="2400" dirty="0">
+                <a:solidFill>
+                  <a:srgbClr val="666600"/>
+                </a:solidFill>
+                <a:latin typeface="Consolas" panose="020B0609020204030204" pitchFamily="49" charset="0"/>
+                <a:cs typeface="Consolas" panose="020B0609020204030204" pitchFamily="49" charset="0"/>
+              </a:rPr>
+              <a:t>:</a:t>
+            </a:r>
+            <a:r>
+              <a:rPr lang="ru-RU" altLang="ru-RU" sz="2400" dirty="0">
+                <a:solidFill>
+                  <a:srgbClr val="000000"/>
+                </a:solidFill>
+                <a:latin typeface="Consolas" panose="020B0609020204030204" pitchFamily="49" charset="0"/>
+                <a:cs typeface="Consolas" panose="020B0609020204030204" pitchFamily="49" charset="0"/>
+              </a:rPr>
+              <a:t> </a:t>
+            </a:r>
+            <a:r>
+              <a:rPr lang="ru-RU" altLang="ru-RU" sz="2400" dirty="0">
+                <a:solidFill>
+                  <a:srgbClr val="660066"/>
+                </a:solidFill>
+                <a:latin typeface="Consolas" panose="020B0609020204030204" pitchFamily="49" charset="0"/>
+                <a:cs typeface="Consolas" panose="020B0609020204030204" pitchFamily="49" charset="0"/>
+              </a:rPr>
+              <a:t>I</a:t>
+            </a:r>
+            <a:r>
+              <a:rPr lang="en-US" altLang="ru-RU" sz="2400" dirty="0">
+                <a:solidFill>
+                  <a:srgbClr val="660066"/>
+                </a:solidFill>
+                <a:latin typeface="Consolas" panose="020B0609020204030204" pitchFamily="49" charset="0"/>
+                <a:cs typeface="Consolas" panose="020B0609020204030204" pitchFamily="49" charset="0"/>
+              </a:rPr>
+              <a:t>R</a:t>
+            </a:r>
+            <a:r>
+              <a:rPr lang="ru-RU" altLang="ru-RU" sz="2400" dirty="0" err="1">
+                <a:solidFill>
+                  <a:srgbClr val="660066"/>
+                </a:solidFill>
+                <a:latin typeface="Consolas" panose="020B0609020204030204" pitchFamily="49" charset="0"/>
+                <a:cs typeface="Consolas" panose="020B0609020204030204" pitchFamily="49" charset="0"/>
+              </a:rPr>
+              <a:t>obot</a:t>
+            </a:r>
+            <a:r>
+              <a:rPr lang="en-US" altLang="ru-RU" sz="2400" dirty="0">
+                <a:solidFill>
+                  <a:srgbClr val="000000"/>
+                </a:solidFill>
+                <a:latin typeface="Consolas" panose="020B0609020204030204" pitchFamily="49" charset="0"/>
+                <a:cs typeface="Consolas" panose="020B0609020204030204" pitchFamily="49" charset="0"/>
+              </a:rPr>
+              <a:t> </a:t>
+            </a:r>
+            <a:r>
+              <a:rPr lang="ru-RU" altLang="ru-RU" sz="2400" dirty="0">
+                <a:solidFill>
+                  <a:srgbClr val="666600"/>
+                </a:solidFill>
+                <a:latin typeface="Consolas" panose="020B0609020204030204" pitchFamily="49" charset="0"/>
+                <a:cs typeface="Consolas" panose="020B0609020204030204" pitchFamily="49" charset="0"/>
+              </a:rPr>
+              <a:t>{</a:t>
+            </a:r>
+            <a:r>
+              <a:rPr lang="ru-RU" altLang="ru-RU" sz="2400" dirty="0">
+                <a:solidFill>
+                  <a:srgbClr val="000000"/>
+                </a:solidFill>
+                <a:latin typeface="Consolas" panose="020B0609020204030204" pitchFamily="49" charset="0"/>
+                <a:cs typeface="Consolas" panose="020B0609020204030204" pitchFamily="49" charset="0"/>
+              </a:rPr>
+              <a:t/>
+            </a:r>
+            <a:br>
+              <a:rPr lang="ru-RU" altLang="ru-RU" sz="2400" dirty="0">
+                <a:solidFill>
+                  <a:srgbClr val="000000"/>
+                </a:solidFill>
+                <a:latin typeface="Consolas" panose="020B0609020204030204" pitchFamily="49" charset="0"/>
+                <a:cs typeface="Consolas" panose="020B0609020204030204" pitchFamily="49" charset="0"/>
+              </a:rPr>
+            </a:br>
+            <a:r>
+              <a:rPr lang="ru-RU" altLang="ru-RU" sz="2400" dirty="0">
+                <a:solidFill>
+                  <a:srgbClr val="000000"/>
+                </a:solidFill>
+                <a:latin typeface="Consolas" panose="020B0609020204030204" pitchFamily="49" charset="0"/>
+                <a:cs typeface="Consolas" panose="020B0609020204030204" pitchFamily="49" charset="0"/>
+              </a:rPr>
+              <a:t>    </a:t>
+            </a:r>
+            <a:r>
+              <a:rPr lang="ru-RU" altLang="ru-RU" sz="2400" dirty="0" err="1">
+                <a:solidFill>
+                  <a:srgbClr val="000088"/>
+                </a:solidFill>
+                <a:latin typeface="Consolas" panose="020B0609020204030204" pitchFamily="49" charset="0"/>
+                <a:cs typeface="Consolas" panose="020B0609020204030204" pitchFamily="49" charset="0"/>
+              </a:rPr>
+              <a:t>public</a:t>
+            </a:r>
+            <a:r>
+              <a:rPr lang="ru-RU" altLang="ru-RU" sz="2400" dirty="0">
+                <a:solidFill>
+                  <a:srgbClr val="000000"/>
+                </a:solidFill>
+                <a:latin typeface="Consolas" panose="020B0609020204030204" pitchFamily="49" charset="0"/>
+                <a:cs typeface="Consolas" panose="020B0609020204030204" pitchFamily="49" charset="0"/>
+              </a:rPr>
+              <a:t> </a:t>
+            </a:r>
+            <a:r>
+              <a:rPr lang="ru-RU" altLang="ru-RU" sz="2400" dirty="0" err="1">
+                <a:solidFill>
+                  <a:srgbClr val="660066"/>
+                </a:solidFill>
+                <a:latin typeface="Consolas" panose="020B0609020204030204" pitchFamily="49" charset="0"/>
+                <a:cs typeface="Consolas" panose="020B0609020204030204" pitchFamily="49" charset="0"/>
+              </a:rPr>
+              <a:t>Robot</a:t>
+            </a:r>
+            <a:r>
+              <a:rPr lang="ru-RU" altLang="ru-RU" sz="2400" dirty="0">
+                <a:solidFill>
+                  <a:srgbClr val="666600"/>
+                </a:solidFill>
+                <a:latin typeface="Consolas" panose="020B0609020204030204" pitchFamily="49" charset="0"/>
+                <a:cs typeface="Consolas" panose="020B0609020204030204" pitchFamily="49" charset="0"/>
+              </a:rPr>
+              <a:t>(</a:t>
+            </a:r>
+            <a:r>
+              <a:rPr lang="ru-RU" altLang="ru-RU" sz="2400" dirty="0" err="1">
+                <a:solidFill>
+                  <a:srgbClr val="660066"/>
+                </a:solidFill>
+                <a:latin typeface="Consolas" panose="020B0609020204030204" pitchFamily="49" charset="0"/>
+                <a:cs typeface="Consolas" panose="020B0609020204030204" pitchFamily="49" charset="0"/>
+              </a:rPr>
+              <a:t>IDistanceSensor</a:t>
+            </a:r>
+            <a:r>
+              <a:rPr lang="ru-RU" altLang="ru-RU" sz="2400" dirty="0">
+                <a:solidFill>
+                  <a:srgbClr val="000000"/>
+                </a:solidFill>
+                <a:latin typeface="Consolas" panose="020B0609020204030204" pitchFamily="49" charset="0"/>
+                <a:cs typeface="Consolas" panose="020B0609020204030204" pitchFamily="49" charset="0"/>
+              </a:rPr>
+              <a:t> </a:t>
+            </a:r>
+            <a:r>
+              <a:rPr lang="ru-RU" altLang="ru-RU" sz="2400" dirty="0" err="1">
+                <a:solidFill>
+                  <a:srgbClr val="000000"/>
+                </a:solidFill>
+                <a:latin typeface="Consolas" panose="020B0609020204030204" pitchFamily="49" charset="0"/>
+                <a:cs typeface="Consolas" panose="020B0609020204030204" pitchFamily="49" charset="0"/>
+              </a:rPr>
+              <a:t>distanceSensor</a:t>
+            </a:r>
+            <a:r>
+              <a:rPr lang="ru-RU" altLang="ru-RU" sz="2400" dirty="0">
+                <a:solidFill>
+                  <a:srgbClr val="666600"/>
+                </a:solidFill>
+                <a:latin typeface="Consolas" panose="020B0609020204030204" pitchFamily="49" charset="0"/>
+                <a:cs typeface="Consolas" panose="020B0609020204030204" pitchFamily="49" charset="0"/>
+              </a:rPr>
+              <a:t>)</a:t>
+            </a:r>
+            <a:r>
+              <a:rPr lang="en-US" altLang="ru-RU" sz="2400" dirty="0">
+                <a:solidFill>
+                  <a:srgbClr val="666600"/>
+                </a:solidFill>
+                <a:latin typeface="Consolas" panose="020B0609020204030204" pitchFamily="49" charset="0"/>
+                <a:cs typeface="Consolas" panose="020B0609020204030204" pitchFamily="49" charset="0"/>
+              </a:rPr>
+              <a:t> </a:t>
+            </a:r>
+            <a:r>
+              <a:rPr lang="ru-RU" altLang="ru-RU" sz="2400" dirty="0">
+                <a:solidFill>
+                  <a:srgbClr val="666600"/>
+                </a:solidFill>
+                <a:latin typeface="Consolas" panose="020B0609020204030204" pitchFamily="49" charset="0"/>
+                <a:cs typeface="Consolas" panose="020B0609020204030204" pitchFamily="49" charset="0"/>
+              </a:rPr>
+              <a:t>{</a:t>
+            </a:r>
+            <a:r>
+              <a:rPr lang="ru-RU" altLang="ru-RU" sz="2400" dirty="0">
+                <a:solidFill>
+                  <a:srgbClr val="000000"/>
+                </a:solidFill>
+                <a:latin typeface="Consolas" panose="020B0609020204030204" pitchFamily="49" charset="0"/>
+                <a:cs typeface="Consolas" panose="020B0609020204030204" pitchFamily="49" charset="0"/>
+              </a:rPr>
+              <a:t/>
+            </a:r>
+            <a:br>
+              <a:rPr lang="ru-RU" altLang="ru-RU" sz="2400" dirty="0">
+                <a:solidFill>
+                  <a:srgbClr val="000000"/>
+                </a:solidFill>
+                <a:latin typeface="Consolas" panose="020B0609020204030204" pitchFamily="49" charset="0"/>
+                <a:cs typeface="Consolas" panose="020B0609020204030204" pitchFamily="49" charset="0"/>
+              </a:rPr>
+            </a:br>
+            <a:r>
+              <a:rPr lang="ru-RU" altLang="ru-RU" sz="2400" dirty="0">
+                <a:solidFill>
+                  <a:srgbClr val="000000"/>
+                </a:solidFill>
+                <a:latin typeface="Consolas" panose="020B0609020204030204" pitchFamily="49" charset="0"/>
+                <a:cs typeface="Consolas" panose="020B0609020204030204" pitchFamily="49" charset="0"/>
+              </a:rPr>
+              <a:t>        </a:t>
+            </a:r>
+            <a:r>
+              <a:rPr lang="en-US" altLang="ru-RU" sz="2400" dirty="0" err="1">
+                <a:solidFill>
+                  <a:srgbClr val="000088"/>
+                </a:solidFill>
+                <a:latin typeface="Consolas" panose="020B0609020204030204" pitchFamily="49" charset="0"/>
+                <a:cs typeface="Consolas" panose="020B0609020204030204" pitchFamily="49" charset="0"/>
+              </a:rPr>
+              <a:t>this.</a:t>
+            </a:r>
+            <a:r>
+              <a:rPr lang="en-US" altLang="ru-RU" sz="2400" dirty="0" err="1">
+                <a:solidFill>
+                  <a:srgbClr val="660066"/>
+                </a:solidFill>
+                <a:latin typeface="Consolas" panose="020B0609020204030204" pitchFamily="49" charset="0"/>
+                <a:cs typeface="Consolas" panose="020B0609020204030204" pitchFamily="49" charset="0"/>
+              </a:rPr>
+              <a:t>d</a:t>
+            </a:r>
+            <a:r>
+              <a:rPr lang="ru-RU" altLang="ru-RU" sz="2400" dirty="0" err="1">
+                <a:solidFill>
+                  <a:srgbClr val="660066"/>
+                </a:solidFill>
+                <a:latin typeface="Consolas" panose="020B0609020204030204" pitchFamily="49" charset="0"/>
+                <a:cs typeface="Consolas" panose="020B0609020204030204" pitchFamily="49" charset="0"/>
+              </a:rPr>
+              <a:t>istanceSensor</a:t>
+            </a:r>
+            <a:r>
+              <a:rPr lang="ru-RU" altLang="ru-RU" sz="2400" dirty="0">
+                <a:solidFill>
+                  <a:srgbClr val="000000"/>
+                </a:solidFill>
+                <a:latin typeface="Consolas" panose="020B0609020204030204" pitchFamily="49" charset="0"/>
+                <a:cs typeface="Consolas" panose="020B0609020204030204" pitchFamily="49" charset="0"/>
+              </a:rPr>
+              <a:t> </a:t>
+            </a:r>
+            <a:r>
+              <a:rPr lang="ru-RU" altLang="ru-RU" sz="2400" dirty="0">
+                <a:solidFill>
+                  <a:srgbClr val="666600"/>
+                </a:solidFill>
+                <a:latin typeface="Consolas" panose="020B0609020204030204" pitchFamily="49" charset="0"/>
+                <a:cs typeface="Consolas" panose="020B0609020204030204" pitchFamily="49" charset="0"/>
+              </a:rPr>
+              <a:t>=</a:t>
+            </a:r>
+            <a:r>
+              <a:rPr lang="ru-RU" altLang="ru-RU" sz="2400" dirty="0">
+                <a:solidFill>
+                  <a:srgbClr val="000000"/>
+                </a:solidFill>
+                <a:latin typeface="Consolas" panose="020B0609020204030204" pitchFamily="49" charset="0"/>
+                <a:cs typeface="Consolas" panose="020B0609020204030204" pitchFamily="49" charset="0"/>
+              </a:rPr>
+              <a:t> </a:t>
+            </a:r>
+            <a:r>
+              <a:rPr lang="ru-RU" altLang="ru-RU" sz="2400" dirty="0" err="1">
+                <a:solidFill>
+                  <a:srgbClr val="000000"/>
+                </a:solidFill>
+                <a:latin typeface="Consolas" panose="020B0609020204030204" pitchFamily="49" charset="0"/>
+                <a:cs typeface="Consolas" panose="020B0609020204030204" pitchFamily="49" charset="0"/>
+              </a:rPr>
+              <a:t>distanceSensor</a:t>
+            </a:r>
+            <a:r>
+              <a:rPr lang="ru-RU" altLang="ru-RU" sz="2400" dirty="0">
+                <a:solidFill>
+                  <a:srgbClr val="666600"/>
+                </a:solidFill>
+                <a:latin typeface="Consolas" panose="020B0609020204030204" pitchFamily="49" charset="0"/>
+                <a:cs typeface="Consolas" panose="020B0609020204030204" pitchFamily="49" charset="0"/>
+              </a:rPr>
+              <a:t>;</a:t>
+            </a:r>
+            <a:r>
+              <a:rPr lang="ru-RU" altLang="ru-RU" sz="2400" dirty="0">
+                <a:solidFill>
+                  <a:srgbClr val="000000"/>
+                </a:solidFill>
+                <a:latin typeface="Consolas" panose="020B0609020204030204" pitchFamily="49" charset="0"/>
+                <a:cs typeface="Consolas" panose="020B0609020204030204" pitchFamily="49" charset="0"/>
+              </a:rPr>
+              <a:t/>
+            </a:r>
+            <a:br>
+              <a:rPr lang="ru-RU" altLang="ru-RU" sz="2400" dirty="0">
+                <a:solidFill>
+                  <a:srgbClr val="000000"/>
+                </a:solidFill>
+                <a:latin typeface="Consolas" panose="020B0609020204030204" pitchFamily="49" charset="0"/>
+                <a:cs typeface="Consolas" panose="020B0609020204030204" pitchFamily="49" charset="0"/>
+              </a:rPr>
+            </a:br>
+            <a:r>
+              <a:rPr lang="ru-RU" altLang="ru-RU" sz="2400" dirty="0">
+                <a:solidFill>
+                  <a:srgbClr val="000000"/>
+                </a:solidFill>
+                <a:latin typeface="Consolas" panose="020B0609020204030204" pitchFamily="49" charset="0"/>
+                <a:cs typeface="Consolas" panose="020B0609020204030204" pitchFamily="49" charset="0"/>
+              </a:rPr>
+              <a:t>    </a:t>
+            </a:r>
+            <a:r>
+              <a:rPr lang="ru-RU" altLang="ru-RU" sz="2400" dirty="0">
+                <a:solidFill>
+                  <a:srgbClr val="666600"/>
+                </a:solidFill>
+                <a:latin typeface="Consolas" panose="020B0609020204030204" pitchFamily="49" charset="0"/>
+                <a:cs typeface="Consolas" panose="020B0609020204030204" pitchFamily="49" charset="0"/>
+              </a:rPr>
+              <a:t>}</a:t>
+            </a:r>
+            <a:r>
+              <a:rPr lang="ru-RU" altLang="ru-RU" sz="2400" dirty="0">
+                <a:solidFill>
+                  <a:srgbClr val="000000"/>
+                </a:solidFill>
+                <a:latin typeface="Consolas" panose="020B0609020204030204" pitchFamily="49" charset="0"/>
+                <a:cs typeface="Consolas" panose="020B0609020204030204" pitchFamily="49" charset="0"/>
+              </a:rPr>
+              <a:t/>
+            </a:r>
+            <a:br>
+              <a:rPr lang="ru-RU" altLang="ru-RU" sz="2400" dirty="0">
+                <a:solidFill>
+                  <a:srgbClr val="000000"/>
+                </a:solidFill>
+                <a:latin typeface="Consolas" panose="020B0609020204030204" pitchFamily="49" charset="0"/>
+                <a:cs typeface="Consolas" panose="020B0609020204030204" pitchFamily="49" charset="0"/>
+              </a:rPr>
+            </a:br>
+            <a:r>
+              <a:rPr lang="ru-RU" altLang="ru-RU" sz="2400" dirty="0">
+                <a:solidFill>
+                  <a:srgbClr val="000000"/>
+                </a:solidFill>
+                <a:latin typeface="Consolas" panose="020B0609020204030204" pitchFamily="49" charset="0"/>
+                <a:cs typeface="Consolas" panose="020B0609020204030204" pitchFamily="49" charset="0"/>
+              </a:rPr>
+              <a:t>    </a:t>
+            </a:r>
+            <a:r>
+              <a:rPr lang="ru-RU" altLang="ru-RU" sz="2400" dirty="0">
+                <a:solidFill>
+                  <a:srgbClr val="880000"/>
+                </a:solidFill>
+                <a:latin typeface="Consolas" panose="020B0609020204030204" pitchFamily="49" charset="0"/>
+                <a:cs typeface="Consolas" panose="020B0609020204030204" pitchFamily="49" charset="0"/>
+              </a:rPr>
+              <a:t>// ...</a:t>
+            </a:r>
+            <a:r>
+              <a:rPr lang="ru-RU" altLang="ru-RU" sz="2400" dirty="0">
+                <a:solidFill>
+                  <a:srgbClr val="000000"/>
+                </a:solidFill>
+                <a:latin typeface="Consolas" panose="020B0609020204030204" pitchFamily="49" charset="0"/>
+                <a:cs typeface="Consolas" panose="020B0609020204030204" pitchFamily="49" charset="0"/>
+              </a:rPr>
+              <a:t/>
+            </a:r>
+            <a:br>
+              <a:rPr lang="ru-RU" altLang="ru-RU" sz="2400" dirty="0">
+                <a:solidFill>
+                  <a:srgbClr val="000000"/>
+                </a:solidFill>
+                <a:latin typeface="Consolas" panose="020B0609020204030204" pitchFamily="49" charset="0"/>
+                <a:cs typeface="Consolas" panose="020B0609020204030204" pitchFamily="49" charset="0"/>
+              </a:rPr>
+            </a:br>
+            <a:r>
+              <a:rPr lang="ru-RU" altLang="ru-RU" sz="2400" dirty="0">
+                <a:solidFill>
+                  <a:srgbClr val="666600"/>
+                </a:solidFill>
+                <a:latin typeface="Consolas" panose="020B0609020204030204" pitchFamily="49" charset="0"/>
+                <a:cs typeface="Consolas" panose="020B0609020204030204" pitchFamily="49" charset="0"/>
+              </a:rPr>
+              <a:t>} </a:t>
+            </a:r>
+            <a:endParaRPr lang="en-US" altLang="ru-RU" sz="2400" dirty="0">
+              <a:solidFill>
+                <a:srgbClr val="666600"/>
+              </a:solidFill>
+              <a:latin typeface="Consolas" panose="020B0609020204030204" pitchFamily="49" charset="0"/>
+              <a:cs typeface="Consolas" panose="020B0609020204030204" pitchFamily="49" charset="0"/>
+            </a:endParaRPr>
+          </a:p>
+          <a:p>
+            <a:pPr marL="0" indent="0" eaLnBrk="0" fontAlgn="base" hangingPunct="0">
+              <a:lnSpc>
+                <a:spcPct val="100000"/>
+              </a:lnSpc>
+              <a:spcBef>
+                <a:spcPct val="0"/>
+              </a:spcBef>
+              <a:spcAft>
+                <a:spcPct val="0"/>
+              </a:spcAft>
+              <a:buNone/>
+            </a:pPr>
+            <a:endParaRPr lang="en-US" altLang="ru-RU" sz="2400" dirty="0">
+              <a:solidFill>
+                <a:srgbClr val="000088"/>
+              </a:solidFill>
+              <a:latin typeface="Consolas" panose="020B0609020204030204" pitchFamily="49" charset="0"/>
+              <a:cs typeface="Consolas" panose="020B0609020204030204" pitchFamily="49" charset="0"/>
+            </a:endParaRPr>
+          </a:p>
+          <a:p>
+            <a:pPr marL="0" indent="0" eaLnBrk="0" fontAlgn="base" hangingPunct="0">
+              <a:lnSpc>
+                <a:spcPct val="100000"/>
+              </a:lnSpc>
+              <a:spcBef>
+                <a:spcPct val="0"/>
+              </a:spcBef>
+              <a:spcAft>
+                <a:spcPct val="0"/>
+              </a:spcAft>
+              <a:buNone/>
+            </a:pPr>
+            <a:r>
+              <a:rPr lang="ru-RU" altLang="ru-RU" sz="2400" dirty="0" err="1">
+                <a:solidFill>
+                  <a:srgbClr val="000088"/>
+                </a:solidFill>
+                <a:latin typeface="Consolas" panose="020B0609020204030204" pitchFamily="49" charset="0"/>
+                <a:cs typeface="Consolas" panose="020B0609020204030204" pitchFamily="49" charset="0"/>
+              </a:rPr>
+              <a:t>public</a:t>
+            </a:r>
+            <a:r>
+              <a:rPr lang="ru-RU" altLang="ru-RU" sz="2400" dirty="0">
+                <a:solidFill>
+                  <a:srgbClr val="000000"/>
+                </a:solidFill>
+                <a:latin typeface="Consolas" panose="020B0609020204030204" pitchFamily="49" charset="0"/>
+                <a:cs typeface="Consolas" panose="020B0609020204030204" pitchFamily="49" charset="0"/>
+              </a:rPr>
+              <a:t> </a:t>
+            </a:r>
+            <a:r>
+              <a:rPr lang="ru-RU" altLang="ru-RU" sz="2400" dirty="0" err="1">
+                <a:solidFill>
+                  <a:srgbClr val="000088"/>
+                </a:solidFill>
+                <a:latin typeface="Consolas" panose="020B0609020204030204" pitchFamily="49" charset="0"/>
+                <a:cs typeface="Consolas" panose="020B0609020204030204" pitchFamily="49" charset="0"/>
+              </a:rPr>
+              <a:t>class</a:t>
+            </a:r>
+            <a:r>
+              <a:rPr lang="ru-RU" altLang="ru-RU" sz="2400" dirty="0">
+                <a:solidFill>
+                  <a:srgbClr val="000000"/>
+                </a:solidFill>
+                <a:latin typeface="Consolas" panose="020B0609020204030204" pitchFamily="49" charset="0"/>
+                <a:cs typeface="Consolas" panose="020B0609020204030204" pitchFamily="49" charset="0"/>
+              </a:rPr>
+              <a:t> </a:t>
+            </a:r>
+            <a:r>
+              <a:rPr lang="ru-RU" altLang="ru-RU" sz="2400" dirty="0" err="1">
+                <a:solidFill>
+                  <a:srgbClr val="660066"/>
+                </a:solidFill>
+                <a:latin typeface="Consolas" panose="020B0609020204030204" pitchFamily="49" charset="0"/>
+                <a:cs typeface="Consolas" panose="020B0609020204030204" pitchFamily="49" charset="0"/>
+              </a:rPr>
+              <a:t>OpticalSensor</a:t>
+            </a:r>
+            <a:r>
+              <a:rPr lang="ru-RU" altLang="ru-RU" sz="2400" dirty="0">
+                <a:solidFill>
+                  <a:srgbClr val="000000"/>
+                </a:solidFill>
+                <a:latin typeface="Consolas" panose="020B0609020204030204" pitchFamily="49" charset="0"/>
+                <a:cs typeface="Consolas" panose="020B0609020204030204" pitchFamily="49" charset="0"/>
+              </a:rPr>
+              <a:t> </a:t>
+            </a:r>
+            <a:r>
+              <a:rPr lang="ru-RU" altLang="ru-RU" sz="2400" dirty="0">
+                <a:solidFill>
+                  <a:srgbClr val="666600"/>
+                </a:solidFill>
+                <a:latin typeface="Consolas" panose="020B0609020204030204" pitchFamily="49" charset="0"/>
+                <a:cs typeface="Consolas" panose="020B0609020204030204" pitchFamily="49" charset="0"/>
+              </a:rPr>
+              <a:t>:</a:t>
+            </a:r>
+            <a:r>
+              <a:rPr lang="ru-RU" altLang="ru-RU" sz="2400" dirty="0">
+                <a:solidFill>
+                  <a:srgbClr val="000000"/>
+                </a:solidFill>
+                <a:latin typeface="Consolas" panose="020B0609020204030204" pitchFamily="49" charset="0"/>
+                <a:cs typeface="Consolas" panose="020B0609020204030204" pitchFamily="49" charset="0"/>
+              </a:rPr>
+              <a:t> </a:t>
+            </a:r>
+            <a:r>
+              <a:rPr lang="ru-RU" altLang="ru-RU" sz="2400" dirty="0" err="1">
+                <a:solidFill>
+                  <a:srgbClr val="660066"/>
+                </a:solidFill>
+                <a:latin typeface="Consolas" panose="020B0609020204030204" pitchFamily="49" charset="0"/>
+                <a:cs typeface="Consolas" panose="020B0609020204030204" pitchFamily="49" charset="0"/>
+              </a:rPr>
+              <a:t>IDistanceSensor</a:t>
+            </a:r>
+            <a:r>
+              <a:rPr lang="en-US" altLang="ru-RU" sz="2400" dirty="0">
+                <a:solidFill>
+                  <a:srgbClr val="660066"/>
+                </a:solidFill>
+                <a:latin typeface="Consolas" panose="020B0609020204030204" pitchFamily="49" charset="0"/>
+                <a:cs typeface="Consolas" panose="020B0609020204030204" pitchFamily="49" charset="0"/>
+              </a:rPr>
+              <a:t> </a:t>
+            </a:r>
+            <a:r>
+              <a:rPr lang="ru-RU" altLang="ru-RU" sz="2400" dirty="0">
+                <a:solidFill>
+                  <a:srgbClr val="666600"/>
+                </a:solidFill>
+                <a:latin typeface="Consolas" panose="020B0609020204030204" pitchFamily="49" charset="0"/>
+                <a:cs typeface="Consolas" panose="020B0609020204030204" pitchFamily="49" charset="0"/>
+              </a:rPr>
+              <a:t>{</a:t>
+            </a:r>
+            <a:r>
+              <a:rPr lang="en-US" altLang="ru-RU" sz="2400" dirty="0">
+                <a:solidFill>
+                  <a:srgbClr val="666600"/>
+                </a:solidFill>
+                <a:latin typeface="Consolas" panose="020B0609020204030204" pitchFamily="49" charset="0"/>
+                <a:cs typeface="Consolas" panose="020B0609020204030204" pitchFamily="49" charset="0"/>
+              </a:rPr>
+              <a:t> </a:t>
+            </a:r>
+          </a:p>
+          <a:p>
+            <a:pPr marL="0" indent="0" eaLnBrk="0" fontAlgn="base" hangingPunct="0">
+              <a:lnSpc>
+                <a:spcPct val="100000"/>
+              </a:lnSpc>
+              <a:spcBef>
+                <a:spcPct val="0"/>
+              </a:spcBef>
+              <a:spcAft>
+                <a:spcPct val="0"/>
+              </a:spcAft>
+              <a:buNone/>
+            </a:pPr>
+            <a:r>
+              <a:rPr lang="en-US" altLang="ru-RU" sz="2400" dirty="0">
+                <a:solidFill>
+                  <a:srgbClr val="666600"/>
+                </a:solidFill>
+                <a:latin typeface="Consolas" panose="020B0609020204030204" pitchFamily="49" charset="0"/>
+                <a:cs typeface="Consolas" panose="020B0609020204030204" pitchFamily="49" charset="0"/>
+              </a:rPr>
+              <a:t>	...</a:t>
+            </a:r>
+          </a:p>
+          <a:p>
+            <a:pPr marL="0" indent="0" eaLnBrk="0" fontAlgn="base" hangingPunct="0">
+              <a:lnSpc>
+                <a:spcPct val="100000"/>
+              </a:lnSpc>
+              <a:spcBef>
+                <a:spcPct val="0"/>
+              </a:spcBef>
+              <a:spcAft>
+                <a:spcPct val="0"/>
+              </a:spcAft>
+              <a:buNone/>
+            </a:pPr>
+            <a:r>
+              <a:rPr lang="ru-RU" altLang="ru-RU" sz="2400" dirty="0">
+                <a:solidFill>
+                  <a:srgbClr val="666600"/>
+                </a:solidFill>
+                <a:latin typeface="Consolas" panose="020B0609020204030204" pitchFamily="49" charset="0"/>
+                <a:cs typeface="Consolas" panose="020B0609020204030204" pitchFamily="49" charset="0"/>
+              </a:rPr>
+              <a:t>}</a:t>
+            </a:r>
+            <a:endParaRPr lang="en-US" altLang="ru-RU" sz="2400" dirty="0">
+              <a:solidFill>
+                <a:srgbClr val="666600"/>
+              </a:solidFill>
+              <a:latin typeface="Consolas" panose="020B0609020204030204" pitchFamily="49" charset="0"/>
+              <a:cs typeface="Consolas" panose="020B0609020204030204" pitchFamily="49" charset="0"/>
+            </a:endParaRPr>
+          </a:p>
+          <a:p>
+            <a:pPr marL="0" indent="0" eaLnBrk="0" fontAlgn="base" hangingPunct="0">
+              <a:lnSpc>
+                <a:spcPct val="100000"/>
+              </a:lnSpc>
+              <a:spcBef>
+                <a:spcPct val="0"/>
+              </a:spcBef>
+              <a:spcAft>
+                <a:spcPct val="0"/>
+              </a:spcAft>
+              <a:buNone/>
+            </a:pPr>
+            <a:r>
+              <a:rPr lang="ru-RU" altLang="ru-RU" sz="2000" dirty="0">
+                <a:solidFill>
+                  <a:srgbClr val="000000"/>
+                </a:solidFill>
+                <a:latin typeface="Consolas" panose="020B0609020204030204" pitchFamily="49" charset="0"/>
+                <a:cs typeface="Consolas" panose="020B0609020204030204" pitchFamily="49" charset="0"/>
+              </a:rPr>
+              <a:t/>
+            </a:r>
+            <a:br>
+              <a:rPr lang="ru-RU" altLang="ru-RU" sz="2000" dirty="0">
+                <a:solidFill>
+                  <a:srgbClr val="000000"/>
+                </a:solidFill>
+                <a:latin typeface="Consolas" panose="020B0609020204030204" pitchFamily="49" charset="0"/>
+                <a:cs typeface="Consolas" panose="020B0609020204030204" pitchFamily="49" charset="0"/>
+              </a:rPr>
+            </a:br>
+            <a:r>
+              <a:rPr kumimoji="0" lang="ru-RU" altLang="ru-RU" sz="3200" b="0" i="0" u="none" strike="noStrike" cap="none" normalizeH="0" baseline="0" dirty="0" err="1" smtClean="0">
+                <a:ln>
+                  <a:noFill/>
+                </a:ln>
+                <a:solidFill>
+                  <a:srgbClr val="660066"/>
+                </a:solidFill>
+                <a:effectLst/>
+                <a:latin typeface="Consolas" panose="020B0609020204030204" pitchFamily="49" charset="0"/>
+                <a:cs typeface="Consolas" panose="020B0609020204030204" pitchFamily="49" charset="0"/>
+              </a:rPr>
+              <a:t>IRobot</a:t>
+            </a:r>
+            <a:r>
+              <a:rPr kumimoji="0" lang="ru-RU" altLang="ru-RU" sz="3200" b="0" i="0" u="none" strike="noStrike" cap="none" normalizeH="0" baseline="0" dirty="0" smtClean="0">
+                <a:ln>
+                  <a:noFill/>
+                </a:ln>
+                <a:solidFill>
+                  <a:srgbClr val="000000"/>
+                </a:solidFill>
+                <a:effectLst/>
+                <a:latin typeface="Consolas" panose="020B0609020204030204" pitchFamily="49" charset="0"/>
+                <a:cs typeface="Consolas" panose="020B0609020204030204" pitchFamily="49" charset="0"/>
+              </a:rPr>
+              <a:t> </a:t>
+            </a:r>
+            <a:r>
+              <a:rPr kumimoji="0" lang="ru-RU" altLang="ru-RU" sz="3200" b="0" i="0" u="none" strike="noStrike" cap="none" normalizeH="0" baseline="0" dirty="0" err="1" smtClean="0">
+                <a:ln>
+                  <a:noFill/>
+                </a:ln>
+                <a:solidFill>
+                  <a:srgbClr val="000000"/>
+                </a:solidFill>
+                <a:effectLst/>
+                <a:latin typeface="Consolas" panose="020B0609020204030204" pitchFamily="49" charset="0"/>
+                <a:cs typeface="Consolas" panose="020B0609020204030204" pitchFamily="49" charset="0"/>
+              </a:rPr>
+              <a:t>robot</a:t>
+            </a:r>
+            <a:r>
+              <a:rPr kumimoji="0" lang="ru-RU" altLang="ru-RU" sz="3200" b="0" i="0" u="none" strike="noStrike" cap="none" normalizeH="0" baseline="0" dirty="0" smtClean="0">
+                <a:ln>
+                  <a:noFill/>
+                </a:ln>
+                <a:solidFill>
+                  <a:srgbClr val="000000"/>
+                </a:solidFill>
+                <a:effectLst/>
+                <a:latin typeface="Consolas" panose="020B0609020204030204" pitchFamily="49" charset="0"/>
+                <a:cs typeface="Consolas" panose="020B0609020204030204" pitchFamily="49" charset="0"/>
+              </a:rPr>
+              <a:t> </a:t>
+            </a:r>
+            <a:r>
+              <a:rPr kumimoji="0" lang="ru-RU" altLang="ru-RU" sz="3200" b="0" i="0" u="none" strike="noStrike" cap="none" normalizeH="0" baseline="0" dirty="0" smtClean="0">
+                <a:ln>
+                  <a:noFill/>
+                </a:ln>
+                <a:solidFill>
+                  <a:srgbClr val="666600"/>
+                </a:solidFill>
+                <a:effectLst/>
+                <a:latin typeface="Consolas" panose="020B0609020204030204" pitchFamily="49" charset="0"/>
+                <a:cs typeface="Consolas" panose="020B0609020204030204" pitchFamily="49" charset="0"/>
+              </a:rPr>
+              <a:t>=</a:t>
+            </a:r>
+            <a:r>
+              <a:rPr kumimoji="0" lang="ru-RU" altLang="ru-RU" sz="3200" b="0" i="0" u="none" strike="noStrike" cap="none" normalizeH="0" baseline="0" dirty="0" smtClean="0">
+                <a:ln>
+                  <a:noFill/>
+                </a:ln>
+                <a:solidFill>
+                  <a:srgbClr val="000000"/>
+                </a:solidFill>
+                <a:effectLst/>
+                <a:latin typeface="Consolas" panose="020B0609020204030204" pitchFamily="49" charset="0"/>
+                <a:cs typeface="Consolas" panose="020B0609020204030204" pitchFamily="49" charset="0"/>
+              </a:rPr>
+              <a:t> </a:t>
+            </a:r>
+            <a:r>
+              <a:rPr kumimoji="0" lang="ru-RU" altLang="ru-RU" sz="3200" b="0" i="0" u="none" strike="noStrike" cap="none" normalizeH="0" baseline="0" dirty="0" err="1" smtClean="0">
+                <a:ln>
+                  <a:noFill/>
+                </a:ln>
+                <a:solidFill>
+                  <a:srgbClr val="000000"/>
+                </a:solidFill>
+                <a:effectLst/>
+                <a:latin typeface="Consolas" panose="020B0609020204030204" pitchFamily="49" charset="0"/>
+                <a:cs typeface="Consolas" panose="020B0609020204030204" pitchFamily="49" charset="0"/>
+              </a:rPr>
+              <a:t>container</a:t>
+            </a:r>
+            <a:r>
+              <a:rPr kumimoji="0" lang="ru-RU" altLang="ru-RU" sz="3200" b="0" i="0" u="none" strike="noStrike" cap="none" normalizeH="0" baseline="0" dirty="0" err="1" smtClean="0">
+                <a:ln>
+                  <a:noFill/>
+                </a:ln>
+                <a:solidFill>
+                  <a:srgbClr val="666600"/>
+                </a:solidFill>
+                <a:effectLst/>
+                <a:latin typeface="Consolas" panose="020B0609020204030204" pitchFamily="49" charset="0"/>
+                <a:cs typeface="Consolas" panose="020B0609020204030204" pitchFamily="49" charset="0"/>
+              </a:rPr>
+              <a:t>.</a:t>
+            </a:r>
+            <a:r>
+              <a:rPr kumimoji="0" lang="ru-RU" altLang="ru-RU" sz="3200" b="0" i="0" u="none" strike="noStrike" cap="none" normalizeH="0" baseline="0" dirty="0" err="1" smtClean="0">
+                <a:ln>
+                  <a:noFill/>
+                </a:ln>
+                <a:solidFill>
+                  <a:srgbClr val="660066"/>
+                </a:solidFill>
+                <a:effectLst/>
+                <a:latin typeface="Consolas" panose="020B0609020204030204" pitchFamily="49" charset="0"/>
+                <a:cs typeface="Consolas" panose="020B0609020204030204" pitchFamily="49" charset="0"/>
+              </a:rPr>
+              <a:t>Get</a:t>
+            </a:r>
+            <a:r>
+              <a:rPr kumimoji="0" lang="ru-RU" altLang="ru-RU" sz="3200" b="0" i="0" u="none" strike="noStrike" cap="none" normalizeH="0" baseline="0" dirty="0" smtClean="0">
+                <a:ln>
+                  <a:noFill/>
+                </a:ln>
+                <a:solidFill>
+                  <a:srgbClr val="666600"/>
+                </a:solidFill>
+                <a:effectLst/>
+                <a:latin typeface="Consolas" panose="020B0609020204030204" pitchFamily="49" charset="0"/>
+                <a:cs typeface="Consolas" panose="020B0609020204030204" pitchFamily="49" charset="0"/>
+              </a:rPr>
+              <a:t>&lt;</a:t>
+            </a:r>
+            <a:r>
+              <a:rPr kumimoji="0" lang="ru-RU" altLang="ru-RU" sz="3200" b="0" i="0" u="none" strike="noStrike" cap="none" normalizeH="0" baseline="0" dirty="0" err="1" smtClean="0">
+                <a:ln>
+                  <a:noFill/>
+                </a:ln>
+                <a:solidFill>
+                  <a:srgbClr val="660066"/>
+                </a:solidFill>
+                <a:effectLst/>
+                <a:latin typeface="Consolas" panose="020B0609020204030204" pitchFamily="49" charset="0"/>
+                <a:cs typeface="Consolas" panose="020B0609020204030204" pitchFamily="49" charset="0"/>
+              </a:rPr>
+              <a:t>IRobot</a:t>
+            </a:r>
+            <a:r>
+              <a:rPr lang="ru-RU" altLang="ru-RU" sz="3200" dirty="0" smtClean="0">
+                <a:solidFill>
+                  <a:srgbClr val="666600"/>
+                </a:solidFill>
+                <a:latin typeface="Consolas" panose="020B0609020204030204" pitchFamily="49" charset="0"/>
+                <a:cs typeface="Consolas" panose="020B0609020204030204" pitchFamily="49" charset="0"/>
+              </a:rPr>
+              <a:t>&gt;();</a:t>
+            </a:r>
+            <a:endParaRPr lang="ru-RU" altLang="ru-RU" sz="9600" dirty="0">
+              <a:latin typeface="Consolas" panose="020B0609020204030204" pitchFamily="49" charset="0"/>
+              <a:cs typeface="Consolas" panose="020B0609020204030204" pitchFamily="49" charset="0"/>
+            </a:endParaRPr>
           </a:p>
         </p:txBody>
       </p:sp>
     </p:spTree>
     <p:extLst>
       <p:ext uri="{BB962C8B-B14F-4D97-AF65-F5344CB8AC3E}">
-        <p14:creationId xmlns:p14="http://schemas.microsoft.com/office/powerpoint/2010/main" val="790166754"/>
+        <p14:creationId xmlns:p14="http://schemas.microsoft.com/office/powerpoint/2010/main" val="2230040949"/>
       </p:ext>
     </p:extLst>
   </p:cSld>
   <p:clrMapOvr>
     <a:masterClrMapping/>
   </p:clrMapOvr>
+  <p:timing>
+    <p:tnLst>
+      <p:par>
+        <p:cTn id="1" dur="indefinite" restart="never" nodeType="tmRoot"/>
+      </p:par>
+    </p:tnLst>
+  </p:timing>
 </p:sld>
 </file>
 
@@ -3827,6 +4717,85 @@
           <a:bodyPr/>
           <a:lstStyle/>
           <a:p>
+            <a:r>
+              <a:rPr lang="en-US" dirty="0" smtClean="0"/>
+              <a:t>!Service Locator</a:t>
+            </a:r>
+            <a:endParaRPr lang="ru-RU" dirty="0"/>
+          </a:p>
+        </p:txBody>
+      </p:sp>
+      <p:sp>
+        <p:nvSpPr>
+          <p:cNvPr id="3" name="Текст 2"/>
+          <p:cNvSpPr>
+            <a:spLocks noGrp="1"/>
+          </p:cNvSpPr>
+          <p:nvPr>
+            <p:ph type="body" idx="1"/>
+          </p:nvPr>
+        </p:nvSpPr>
+        <p:spPr/>
+        <p:txBody>
+          <a:bodyPr/>
+          <a:lstStyle/>
+          <a:p>
+            <a:endParaRPr lang="ru-RU"/>
+          </a:p>
+        </p:txBody>
+      </p:sp>
+    </p:spTree>
+    <p:extLst>
+      <p:ext uri="{BB962C8B-B14F-4D97-AF65-F5344CB8AC3E}">
+        <p14:creationId xmlns:p14="http://schemas.microsoft.com/office/powerpoint/2010/main" val="790166754"/>
+      </p:ext>
+    </p:extLst>
+  </p:cSld>
+  <p:clrMapOvr>
+    <a:masterClrMapping/>
+  </p:clrMapOvr>
+  <p:timing>
+    <p:tnLst>
+      <p:par>
+        <p:cTn id="1" dur="indefinite" restart="never" nodeType="tmRoot"/>
+      </p:par>
+    </p:tnLst>
+  </p:timing>
+</p:sld>
+</file>
+
+<file path=ppt/slides/slide12.xml><?xml version="1.0" encoding="utf-8"?>
+<p:sld xmlns:a="http://schemas.openxmlformats.org/drawingml/2006/main" xmlns:r="http://schemas.openxmlformats.org/officeDocument/2006/relationships" xmlns:p="http://schemas.openxmlformats.org/presentationml/2006/main">
+  <p:cSld>
+    <p:spTree>
+      <p:nvGrpSpPr>
+        <p:cNvPr id="1" name=""/>
+        <p:cNvGrpSpPr/>
+        <p:nvPr/>
+      </p:nvGrpSpPr>
+      <p:grpSpPr>
+        <a:xfrm>
+          <a:off x="0" y="0"/>
+          <a:ext cx="0" cy="0"/>
+          <a:chOff x="0" y="0"/>
+          <a:chExt cx="0" cy="0"/>
+        </a:xfrm>
+      </p:grpSpPr>
+      <p:sp>
+        <p:nvSpPr>
+          <p:cNvPr id="2" name="Заголовок 1"/>
+          <p:cNvSpPr>
+            <a:spLocks noGrp="1"/>
+          </p:cNvSpPr>
+          <p:nvPr>
+            <p:ph type="title"/>
+          </p:nvPr>
+        </p:nvSpPr>
+        <p:spPr/>
+        <p:txBody>
+          <a:bodyPr/>
+          <a:lstStyle/>
+          <a:p>
             <a:pPr fontAlgn="base"/>
             <a:r>
               <a:rPr lang="en-US" dirty="0"/>
@@ -4056,7 +5025,7 @@
 </p:sld>
 </file>
 
-<file path=ppt/slides/slide12.xml><?xml version="1.0" encoding="utf-8"?>
+<file path=ppt/slides/slide13.xml><?xml version="1.0" encoding="utf-8"?>
 <p:sld xmlns:a="http://schemas.openxmlformats.org/drawingml/2006/main" xmlns:r="http://schemas.openxmlformats.org/officeDocument/2006/relationships" xmlns:p="http://schemas.openxmlformats.org/presentationml/2006/main">
   <p:cSld>
     <p:spTree>
@@ -4944,483 +5913,6 @@
 </p:sld>
 </file>
 
-<file path=ppt/slides/slide13.xml><?xml version="1.0" encoding="utf-8"?>
-<p:sld xmlns:a="http://schemas.openxmlformats.org/drawingml/2006/main" xmlns:r="http://schemas.openxmlformats.org/officeDocument/2006/relationships" xmlns:p="http://schemas.openxmlformats.org/presentationml/2006/main">
-  <p:cSld>
-    <p:spTree>
-      <p:nvGrpSpPr>
-        <p:cNvPr id="1" name=""/>
-        <p:cNvGrpSpPr/>
-        <p:nvPr/>
-      </p:nvGrpSpPr>
-      <p:grpSpPr>
-        <a:xfrm>
-          <a:off x="0" y="0"/>
-          <a:ext cx="0" cy="0"/>
-          <a:chOff x="0" y="0"/>
-          <a:chExt cx="0" cy="0"/>
-        </a:xfrm>
-      </p:grpSpPr>
-      <p:sp>
-        <p:nvSpPr>
-          <p:cNvPr id="2" name="Заголовок 1"/>
-          <p:cNvSpPr>
-            <a:spLocks noGrp="1"/>
-          </p:cNvSpPr>
-          <p:nvPr>
-            <p:ph type="title"/>
-          </p:nvPr>
-        </p:nvSpPr>
-        <p:spPr/>
-        <p:txBody>
-          <a:bodyPr/>
-          <a:lstStyle/>
-          <a:p>
-            <a:r>
-              <a:rPr lang="en-US" dirty="0" err="1" smtClean="0">
-                <a:solidFill>
-                  <a:srgbClr val="2B91AF"/>
-                </a:solidFill>
-                <a:highlight>
-                  <a:srgbClr val="FFFFFF"/>
-                </a:highlight>
-                <a:latin typeface="Consolas" panose="020B0609020204030204" pitchFamily="49" charset="0"/>
-              </a:rPr>
-              <a:t>Func</a:t>
-            </a:r>
-            <a:r>
-              <a:rPr lang="en-US" dirty="0" smtClean="0">
-                <a:solidFill>
-                  <a:srgbClr val="000000"/>
-                </a:solidFill>
-                <a:highlight>
-                  <a:srgbClr val="FFFFFF"/>
-                </a:highlight>
-                <a:latin typeface="Consolas" panose="020B0609020204030204" pitchFamily="49" charset="0"/>
-              </a:rPr>
-              <a:t>&lt;TArg1, TArg2, </a:t>
-            </a:r>
-            <a:r>
-              <a:rPr lang="en-US" dirty="0" err="1" smtClean="0">
-                <a:solidFill>
-                  <a:srgbClr val="000000"/>
-                </a:solidFill>
-                <a:highlight>
-                  <a:srgbClr val="FFFFFF"/>
-                </a:highlight>
-                <a:latin typeface="Consolas" panose="020B0609020204030204" pitchFamily="49" charset="0"/>
-              </a:rPr>
-              <a:t>TDependency</a:t>
-            </a:r>
-            <a:r>
-              <a:rPr lang="en-US" dirty="0" smtClean="0">
-                <a:solidFill>
-                  <a:srgbClr val="000000"/>
-                </a:solidFill>
-                <a:highlight>
-                  <a:srgbClr val="FFFFFF"/>
-                </a:highlight>
-                <a:latin typeface="Consolas" panose="020B0609020204030204" pitchFamily="49" charset="0"/>
-              </a:rPr>
-              <a:t>&gt;</a:t>
-            </a:r>
-            <a:endParaRPr lang="ru-RU" dirty="0">
-              <a:solidFill>
-                <a:srgbClr val="000000"/>
-              </a:solidFill>
-              <a:highlight>
-                <a:srgbClr val="FFFFFF"/>
-              </a:highlight>
-              <a:latin typeface="Consolas" panose="020B0609020204030204" pitchFamily="49" charset="0"/>
-            </a:endParaRPr>
-          </a:p>
-        </p:txBody>
-      </p:sp>
-      <p:sp>
-        <p:nvSpPr>
-          <p:cNvPr id="3" name="Объект 2"/>
-          <p:cNvSpPr>
-            <a:spLocks noGrp="1"/>
-          </p:cNvSpPr>
-          <p:nvPr>
-            <p:ph idx="1"/>
-          </p:nvPr>
-        </p:nvSpPr>
-        <p:spPr>
-          <a:xfrm>
-            <a:off x="952500" y="1825625"/>
-            <a:ext cx="10985500" cy="4351338"/>
-          </a:xfrm>
-        </p:spPr>
-        <p:txBody>
-          <a:bodyPr>
-            <a:normAutofit/>
-          </a:bodyPr>
-          <a:lstStyle/>
-          <a:p>
-            <a:pPr marL="0" indent="0">
-              <a:buNone/>
-            </a:pPr>
-            <a:r>
-              <a:rPr lang="en-US" dirty="0" err="1">
-                <a:solidFill>
-                  <a:srgbClr val="0000FF"/>
-                </a:solidFill>
-                <a:highlight>
-                  <a:srgbClr val="FFFFFF"/>
-                </a:highlight>
-                <a:latin typeface="Consolas" panose="020B0609020204030204" pitchFamily="49" charset="0"/>
-              </a:rPr>
-              <a:t>var</a:t>
-            </a:r>
-            <a:r>
-              <a:rPr lang="en-US" dirty="0">
-                <a:solidFill>
-                  <a:srgbClr val="000000"/>
-                </a:solidFill>
-                <a:highlight>
-                  <a:srgbClr val="FFFFFF"/>
-                </a:highlight>
-                <a:latin typeface="Consolas" panose="020B0609020204030204" pitchFamily="49" charset="0"/>
-              </a:rPr>
-              <a:t> </a:t>
-            </a:r>
-            <a:r>
-              <a:rPr lang="en-US" dirty="0" smtClean="0">
-                <a:solidFill>
-                  <a:srgbClr val="000000"/>
-                </a:solidFill>
-                <a:highlight>
-                  <a:srgbClr val="FFFFFF"/>
-                </a:highlight>
-                <a:latin typeface="Consolas" panose="020B0609020204030204" pitchFamily="49" charset="0"/>
-              </a:rPr>
-              <a:t>factory = </a:t>
-            </a:r>
-            <a:br>
-              <a:rPr lang="en-US" dirty="0" smtClean="0">
-                <a:solidFill>
-                  <a:srgbClr val="000000"/>
-                </a:solidFill>
-                <a:highlight>
-                  <a:srgbClr val="FFFFFF"/>
-                </a:highlight>
-                <a:latin typeface="Consolas" panose="020B0609020204030204" pitchFamily="49" charset="0"/>
-              </a:rPr>
-            </a:br>
-            <a:r>
-              <a:rPr lang="en-US" dirty="0" smtClean="0">
-                <a:solidFill>
-                  <a:srgbClr val="000000"/>
-                </a:solidFill>
-                <a:highlight>
-                  <a:srgbClr val="FFFFFF"/>
-                </a:highlight>
-                <a:latin typeface="Consolas" panose="020B0609020204030204" pitchFamily="49" charset="0"/>
-              </a:rPr>
-              <a:t>	</a:t>
-            </a:r>
-            <a:r>
-              <a:rPr lang="en-US" dirty="0" err="1" smtClean="0">
-                <a:solidFill>
-                  <a:srgbClr val="000000"/>
-                </a:solidFill>
-                <a:highlight>
-                  <a:srgbClr val="FFFFFF"/>
-                </a:highlight>
-                <a:latin typeface="Consolas" panose="020B0609020204030204" pitchFamily="49" charset="0"/>
-              </a:rPr>
-              <a:t>container.Get</a:t>
-            </a:r>
-            <a:r>
-              <a:rPr lang="en-US" dirty="0" smtClean="0">
-                <a:solidFill>
-                  <a:srgbClr val="000000"/>
-                </a:solidFill>
-                <a:highlight>
-                  <a:srgbClr val="FFFFFF"/>
-                </a:highlight>
-                <a:latin typeface="Consolas" panose="020B0609020204030204" pitchFamily="49" charset="0"/>
-              </a:rPr>
-              <a:t>&lt;</a:t>
-            </a:r>
-            <a:r>
-              <a:rPr lang="en-US" dirty="0" err="1" smtClean="0">
-                <a:solidFill>
-                  <a:srgbClr val="2B91AF"/>
-                </a:solidFill>
-                <a:highlight>
-                  <a:srgbClr val="FFFFFF"/>
-                </a:highlight>
-                <a:latin typeface="Consolas" panose="020B0609020204030204" pitchFamily="49" charset="0"/>
-              </a:rPr>
-              <a:t>Func</a:t>
-            </a:r>
-            <a:r>
-              <a:rPr lang="en-US" dirty="0" smtClean="0">
-                <a:solidFill>
-                  <a:srgbClr val="000000"/>
-                </a:solidFill>
-                <a:highlight>
-                  <a:srgbClr val="FFFFFF"/>
-                </a:highlight>
-                <a:latin typeface="Consolas" panose="020B0609020204030204" pitchFamily="49" charset="0"/>
-              </a:rPr>
-              <a:t>&lt;</a:t>
-            </a:r>
-            <a:r>
-              <a:rPr lang="en-US" dirty="0" err="1" smtClean="0">
-                <a:solidFill>
-                  <a:srgbClr val="0000FF"/>
-                </a:solidFill>
-                <a:highlight>
-                  <a:srgbClr val="FFFFFF"/>
-                </a:highlight>
-                <a:latin typeface="Consolas" panose="020B0609020204030204" pitchFamily="49" charset="0"/>
-              </a:rPr>
-              <a:t>int</a:t>
-            </a:r>
-            <a:r>
-              <a:rPr lang="en-US" dirty="0">
-                <a:solidFill>
-                  <a:srgbClr val="000000"/>
-                </a:solidFill>
-                <a:highlight>
-                  <a:srgbClr val="FFFFFF"/>
-                </a:highlight>
-                <a:latin typeface="Consolas" panose="020B0609020204030204" pitchFamily="49" charset="0"/>
-              </a:rPr>
-              <a:t>, </a:t>
-            </a:r>
-            <a:r>
-              <a:rPr lang="en-US" dirty="0" smtClean="0">
-                <a:solidFill>
-                  <a:srgbClr val="0000FF"/>
-                </a:solidFill>
-                <a:highlight>
-                  <a:srgbClr val="FFFFFF"/>
-                </a:highlight>
-                <a:latin typeface="Consolas" panose="020B0609020204030204" pitchFamily="49" charset="0"/>
-              </a:rPr>
-              <a:t>string</a:t>
-            </a:r>
-            <a:r>
-              <a:rPr lang="en-US" dirty="0">
-                <a:solidFill>
-                  <a:srgbClr val="000000"/>
-                </a:solidFill>
-                <a:highlight>
-                  <a:srgbClr val="FFFFFF"/>
-                </a:highlight>
-                <a:latin typeface="Consolas" panose="020B0609020204030204" pitchFamily="49" charset="0"/>
-              </a:rPr>
-              <a:t>, </a:t>
-            </a:r>
-            <a:r>
-              <a:rPr lang="en-US" dirty="0" err="1">
-                <a:solidFill>
-                  <a:srgbClr val="2B91AF"/>
-                </a:solidFill>
-                <a:highlight>
-                  <a:srgbClr val="FFFFFF"/>
-                </a:highlight>
-                <a:latin typeface="Consolas" panose="020B0609020204030204" pitchFamily="49" charset="0"/>
-              </a:rPr>
-              <a:t>MyClass</a:t>
-            </a:r>
-            <a:r>
-              <a:rPr lang="en-US" dirty="0" smtClean="0">
-                <a:solidFill>
-                  <a:srgbClr val="000000"/>
-                </a:solidFill>
-                <a:highlight>
-                  <a:srgbClr val="FFFFFF"/>
-                </a:highlight>
-                <a:latin typeface="Consolas" panose="020B0609020204030204" pitchFamily="49" charset="0"/>
-              </a:rPr>
-              <a:t>&gt;&gt;();</a:t>
-            </a:r>
-            <a:endParaRPr lang="ru-RU" dirty="0" smtClean="0">
-              <a:solidFill>
-                <a:srgbClr val="000000"/>
-              </a:solidFill>
-              <a:highlight>
-                <a:srgbClr val="FFFFFF"/>
-              </a:highlight>
-              <a:latin typeface="Consolas" panose="020B0609020204030204" pitchFamily="49" charset="0"/>
-            </a:endParaRPr>
-          </a:p>
-          <a:p>
-            <a:pPr marL="0" indent="0">
-              <a:buNone/>
-            </a:pPr>
-            <a:endParaRPr lang="ru-RU" dirty="0">
-              <a:solidFill>
-                <a:srgbClr val="000000"/>
-              </a:solidFill>
-              <a:highlight>
-                <a:srgbClr val="FFFFFF"/>
-              </a:highlight>
-              <a:latin typeface="Consolas" panose="020B0609020204030204" pitchFamily="49" charset="0"/>
-            </a:endParaRPr>
-          </a:p>
-          <a:p>
-            <a:pPr marL="0" indent="0">
-              <a:buNone/>
-            </a:pPr>
-            <a:r>
-              <a:rPr lang="en-US" dirty="0" err="1">
-                <a:solidFill>
-                  <a:srgbClr val="2B91AF"/>
-                </a:solidFill>
-                <a:highlight>
-                  <a:srgbClr val="FFFFFF"/>
-                </a:highlight>
-                <a:latin typeface="Consolas" panose="020B0609020204030204" pitchFamily="49" charset="0"/>
-              </a:rPr>
-              <a:t>MyClass</a:t>
-            </a:r>
-            <a:r>
-              <a:rPr lang="en-US" dirty="0">
-                <a:solidFill>
-                  <a:srgbClr val="2B91AF"/>
-                </a:solidFill>
-                <a:highlight>
-                  <a:srgbClr val="FFFFFF"/>
-                </a:highlight>
-                <a:latin typeface="Consolas" panose="020B0609020204030204" pitchFamily="49" charset="0"/>
-              </a:rPr>
-              <a:t> </a:t>
-            </a:r>
-            <a:r>
-              <a:rPr lang="en-US" dirty="0" smtClean="0">
-                <a:solidFill>
-                  <a:srgbClr val="000000"/>
-                </a:solidFill>
-                <a:highlight>
-                  <a:srgbClr val="FFFFFF"/>
-                </a:highlight>
-                <a:latin typeface="Consolas" panose="020B0609020204030204" pitchFamily="49" charset="0"/>
-              </a:rPr>
-              <a:t>c = factory(42, “!”);</a:t>
-            </a:r>
-          </a:p>
-          <a:p>
-            <a:pPr marL="0" indent="0">
-              <a:buNone/>
-            </a:pPr>
-            <a:endParaRPr lang="en-US" dirty="0" smtClean="0">
-              <a:solidFill>
-                <a:srgbClr val="000000"/>
-              </a:solidFill>
-              <a:highlight>
-                <a:srgbClr val="FFFFFF"/>
-              </a:highlight>
-              <a:latin typeface="Consolas" panose="020B0609020204030204" pitchFamily="49" charset="0"/>
-            </a:endParaRPr>
-          </a:p>
-          <a:p>
-            <a:pPr marL="0" indent="0">
-              <a:buNone/>
-            </a:pPr>
-            <a:endParaRPr lang="en-US" dirty="0">
-              <a:solidFill>
-                <a:srgbClr val="000000"/>
-              </a:solidFill>
-              <a:highlight>
-                <a:srgbClr val="FFFFFF"/>
-              </a:highlight>
-              <a:latin typeface="Consolas" panose="020B0609020204030204" pitchFamily="49" charset="0"/>
-            </a:endParaRPr>
-          </a:p>
-          <a:p>
-            <a:pPr marL="0" indent="0">
-              <a:buNone/>
-            </a:pPr>
-            <a:endParaRPr lang="en-US" dirty="0">
-              <a:solidFill>
-                <a:srgbClr val="000000"/>
-              </a:solidFill>
-              <a:highlight>
-                <a:srgbClr val="FFFFFF"/>
-              </a:highlight>
-              <a:latin typeface="Consolas" panose="020B0609020204030204" pitchFamily="49" charset="0"/>
-            </a:endParaRPr>
-          </a:p>
-          <a:p>
-            <a:pPr marL="0" indent="0">
-              <a:buNone/>
-            </a:pPr>
-            <a:r>
-              <a:rPr lang="en-US" sz="2400" dirty="0">
-                <a:solidFill>
-                  <a:srgbClr val="000000"/>
-                </a:solidFill>
-                <a:highlight>
-                  <a:srgbClr val="FFFFFF"/>
-                </a:highlight>
-                <a:latin typeface="Consolas" panose="020B0609020204030204" pitchFamily="49" charset="0"/>
-                <a:hlinkClick r:id="rId2"/>
-              </a:rPr>
-              <a:t>https://</a:t>
-            </a:r>
-            <a:r>
-              <a:rPr lang="en-US" sz="2400" dirty="0" smtClean="0">
-                <a:solidFill>
-                  <a:srgbClr val="000000"/>
-                </a:solidFill>
-                <a:highlight>
-                  <a:srgbClr val="FFFFFF"/>
-                </a:highlight>
-                <a:latin typeface="Consolas" panose="020B0609020204030204" pitchFamily="49" charset="0"/>
-                <a:hlinkClick r:id="rId2"/>
-              </a:rPr>
-              <a:t>github.com/ninject/Ninject.Extensions.Factory/wiki</a:t>
-            </a:r>
-            <a:r>
-              <a:rPr lang="en-US" sz="2400" dirty="0" smtClean="0">
-                <a:solidFill>
-                  <a:srgbClr val="000000"/>
-                </a:solidFill>
-                <a:highlight>
-                  <a:srgbClr val="FFFFFF"/>
-                </a:highlight>
-                <a:latin typeface="Consolas" panose="020B0609020204030204" pitchFamily="49" charset="0"/>
-              </a:rPr>
-              <a:t> </a:t>
-            </a:r>
-            <a:endParaRPr lang="en-US" dirty="0">
-              <a:solidFill>
-                <a:srgbClr val="000000"/>
-              </a:solidFill>
-              <a:highlight>
-                <a:srgbClr val="FFFFFF"/>
-              </a:highlight>
-              <a:latin typeface="Consolas" panose="020B0609020204030204" pitchFamily="49" charset="0"/>
-            </a:endParaRPr>
-          </a:p>
-        </p:txBody>
-      </p:sp>
-    </p:spTree>
-    <p:extLst>
-      <p:ext uri="{BB962C8B-B14F-4D97-AF65-F5344CB8AC3E}">
-        <p14:creationId xmlns:p14="http://schemas.microsoft.com/office/powerpoint/2010/main" val="868167625"/>
-      </p:ext>
-    </p:extLst>
-  </p:cSld>
-  <p:clrMapOvr>
-    <a:masterClrMapping/>
-  </p:clrMapOvr>
-  <p:timing>
-    <p:tnLst>
-      <p:par>
-        <p:cTn id="1" dur="indefinite" restart="never" nodeType="tmRoot"/>
-      </p:par>
-    </p:tnLst>
-  </p:timing>
-</p:sld>
-</file>
-
 <file path=ppt/slides/slide14.xml><?xml version="1.0" encoding="utf-8"?>
 <p:sld xmlns:a="http://schemas.openxmlformats.org/drawingml/2006/main" xmlns:r="http://schemas.openxmlformats.org/officeDocument/2006/relationships" xmlns:p="http://schemas.openxmlformats.org/presentationml/2006/main">
   <p:cSld>
@@ -5606,7 +6098,7 @@
     </p:spTree>
     <p:extLst>
       <p:ext uri="{BB962C8B-B14F-4D97-AF65-F5344CB8AC3E}">
-        <p14:creationId xmlns:p14="http://schemas.microsoft.com/office/powerpoint/2010/main" val="2784918346"/>
+        <p14:creationId xmlns:p14="http://schemas.microsoft.com/office/powerpoint/2010/main" val="262900150"/>
       </p:ext>
     </p:extLst>
   </p:cSld>
@@ -5656,6 +6148,483 @@
           <a:lstStyle/>
           <a:p>
             <a:r>
+              <a:rPr lang="en-US" dirty="0" err="1" smtClean="0">
+                <a:solidFill>
+                  <a:srgbClr val="2B91AF"/>
+                </a:solidFill>
+                <a:highlight>
+                  <a:srgbClr val="FFFFFF"/>
+                </a:highlight>
+                <a:latin typeface="Consolas" panose="020B0609020204030204" pitchFamily="49" charset="0"/>
+              </a:rPr>
+              <a:t>Func</a:t>
+            </a:r>
+            <a:r>
+              <a:rPr lang="en-US" dirty="0" smtClean="0">
+                <a:solidFill>
+                  <a:srgbClr val="000000"/>
+                </a:solidFill>
+                <a:highlight>
+                  <a:srgbClr val="FFFFFF"/>
+                </a:highlight>
+                <a:latin typeface="Consolas" panose="020B0609020204030204" pitchFamily="49" charset="0"/>
+              </a:rPr>
+              <a:t>&lt;TArg1, TArg2, </a:t>
+            </a:r>
+            <a:r>
+              <a:rPr lang="en-US" dirty="0" err="1" smtClean="0">
+                <a:solidFill>
+                  <a:srgbClr val="000000"/>
+                </a:solidFill>
+                <a:highlight>
+                  <a:srgbClr val="FFFFFF"/>
+                </a:highlight>
+                <a:latin typeface="Consolas" panose="020B0609020204030204" pitchFamily="49" charset="0"/>
+              </a:rPr>
+              <a:t>TDependency</a:t>
+            </a:r>
+            <a:r>
+              <a:rPr lang="en-US" dirty="0" smtClean="0">
+                <a:solidFill>
+                  <a:srgbClr val="000000"/>
+                </a:solidFill>
+                <a:highlight>
+                  <a:srgbClr val="FFFFFF"/>
+                </a:highlight>
+                <a:latin typeface="Consolas" panose="020B0609020204030204" pitchFamily="49" charset="0"/>
+              </a:rPr>
+              <a:t>&gt;</a:t>
+            </a:r>
+            <a:endParaRPr lang="ru-RU" dirty="0">
+              <a:solidFill>
+                <a:srgbClr val="000000"/>
+              </a:solidFill>
+              <a:highlight>
+                <a:srgbClr val="FFFFFF"/>
+              </a:highlight>
+              <a:latin typeface="Consolas" panose="020B0609020204030204" pitchFamily="49" charset="0"/>
+            </a:endParaRPr>
+          </a:p>
+        </p:txBody>
+      </p:sp>
+      <p:sp>
+        <p:nvSpPr>
+          <p:cNvPr id="3" name="Объект 2"/>
+          <p:cNvSpPr>
+            <a:spLocks noGrp="1"/>
+          </p:cNvSpPr>
+          <p:nvPr>
+            <p:ph idx="1"/>
+          </p:nvPr>
+        </p:nvSpPr>
+        <p:spPr>
+          <a:xfrm>
+            <a:off x="952500" y="1825625"/>
+            <a:ext cx="10985500" cy="4351338"/>
+          </a:xfrm>
+        </p:spPr>
+        <p:txBody>
+          <a:bodyPr>
+            <a:normAutofit/>
+          </a:bodyPr>
+          <a:lstStyle/>
+          <a:p>
+            <a:pPr marL="0" indent="0">
+              <a:buNone/>
+            </a:pPr>
+            <a:r>
+              <a:rPr lang="en-US" dirty="0" err="1">
+                <a:solidFill>
+                  <a:srgbClr val="0000FF"/>
+                </a:solidFill>
+                <a:highlight>
+                  <a:srgbClr val="FFFFFF"/>
+                </a:highlight>
+                <a:latin typeface="Consolas" panose="020B0609020204030204" pitchFamily="49" charset="0"/>
+              </a:rPr>
+              <a:t>var</a:t>
+            </a:r>
+            <a:r>
+              <a:rPr lang="en-US" dirty="0">
+                <a:solidFill>
+                  <a:srgbClr val="000000"/>
+                </a:solidFill>
+                <a:highlight>
+                  <a:srgbClr val="FFFFFF"/>
+                </a:highlight>
+                <a:latin typeface="Consolas" panose="020B0609020204030204" pitchFamily="49" charset="0"/>
+              </a:rPr>
+              <a:t> </a:t>
+            </a:r>
+            <a:r>
+              <a:rPr lang="en-US" dirty="0" smtClean="0">
+                <a:solidFill>
+                  <a:srgbClr val="000000"/>
+                </a:solidFill>
+                <a:highlight>
+                  <a:srgbClr val="FFFFFF"/>
+                </a:highlight>
+                <a:latin typeface="Consolas" panose="020B0609020204030204" pitchFamily="49" charset="0"/>
+              </a:rPr>
+              <a:t>factory = </a:t>
+            </a:r>
+            <a:br>
+              <a:rPr lang="en-US" dirty="0" smtClean="0">
+                <a:solidFill>
+                  <a:srgbClr val="000000"/>
+                </a:solidFill>
+                <a:highlight>
+                  <a:srgbClr val="FFFFFF"/>
+                </a:highlight>
+                <a:latin typeface="Consolas" panose="020B0609020204030204" pitchFamily="49" charset="0"/>
+              </a:rPr>
+            </a:br>
+            <a:r>
+              <a:rPr lang="en-US" dirty="0" smtClean="0">
+                <a:solidFill>
+                  <a:srgbClr val="000000"/>
+                </a:solidFill>
+                <a:highlight>
+                  <a:srgbClr val="FFFFFF"/>
+                </a:highlight>
+                <a:latin typeface="Consolas" panose="020B0609020204030204" pitchFamily="49" charset="0"/>
+              </a:rPr>
+              <a:t>	</a:t>
+            </a:r>
+            <a:r>
+              <a:rPr lang="en-US" dirty="0" err="1" smtClean="0">
+                <a:solidFill>
+                  <a:srgbClr val="000000"/>
+                </a:solidFill>
+                <a:highlight>
+                  <a:srgbClr val="FFFFFF"/>
+                </a:highlight>
+                <a:latin typeface="Consolas" panose="020B0609020204030204" pitchFamily="49" charset="0"/>
+              </a:rPr>
+              <a:t>container.Get</a:t>
+            </a:r>
+            <a:r>
+              <a:rPr lang="en-US" dirty="0" smtClean="0">
+                <a:solidFill>
+                  <a:srgbClr val="000000"/>
+                </a:solidFill>
+                <a:highlight>
+                  <a:srgbClr val="FFFFFF"/>
+                </a:highlight>
+                <a:latin typeface="Consolas" panose="020B0609020204030204" pitchFamily="49" charset="0"/>
+              </a:rPr>
+              <a:t>&lt;</a:t>
+            </a:r>
+            <a:r>
+              <a:rPr lang="en-US" dirty="0" err="1" smtClean="0">
+                <a:solidFill>
+                  <a:srgbClr val="2B91AF"/>
+                </a:solidFill>
+                <a:highlight>
+                  <a:srgbClr val="FFFFFF"/>
+                </a:highlight>
+                <a:latin typeface="Consolas" panose="020B0609020204030204" pitchFamily="49" charset="0"/>
+              </a:rPr>
+              <a:t>Func</a:t>
+            </a:r>
+            <a:r>
+              <a:rPr lang="en-US" dirty="0" smtClean="0">
+                <a:solidFill>
+                  <a:srgbClr val="000000"/>
+                </a:solidFill>
+                <a:highlight>
+                  <a:srgbClr val="FFFFFF"/>
+                </a:highlight>
+                <a:latin typeface="Consolas" panose="020B0609020204030204" pitchFamily="49" charset="0"/>
+              </a:rPr>
+              <a:t>&lt;</a:t>
+            </a:r>
+            <a:r>
+              <a:rPr lang="en-US" dirty="0" err="1" smtClean="0">
+                <a:solidFill>
+                  <a:srgbClr val="0000FF"/>
+                </a:solidFill>
+                <a:highlight>
+                  <a:srgbClr val="FFFFFF"/>
+                </a:highlight>
+                <a:latin typeface="Consolas" panose="020B0609020204030204" pitchFamily="49" charset="0"/>
+              </a:rPr>
+              <a:t>int</a:t>
+            </a:r>
+            <a:r>
+              <a:rPr lang="en-US" dirty="0">
+                <a:solidFill>
+                  <a:srgbClr val="000000"/>
+                </a:solidFill>
+                <a:highlight>
+                  <a:srgbClr val="FFFFFF"/>
+                </a:highlight>
+                <a:latin typeface="Consolas" panose="020B0609020204030204" pitchFamily="49" charset="0"/>
+              </a:rPr>
+              <a:t>, </a:t>
+            </a:r>
+            <a:r>
+              <a:rPr lang="en-US" dirty="0" smtClean="0">
+                <a:solidFill>
+                  <a:srgbClr val="0000FF"/>
+                </a:solidFill>
+                <a:highlight>
+                  <a:srgbClr val="FFFFFF"/>
+                </a:highlight>
+                <a:latin typeface="Consolas" panose="020B0609020204030204" pitchFamily="49" charset="0"/>
+              </a:rPr>
+              <a:t>string</a:t>
+            </a:r>
+            <a:r>
+              <a:rPr lang="en-US" dirty="0">
+                <a:solidFill>
+                  <a:srgbClr val="000000"/>
+                </a:solidFill>
+                <a:highlight>
+                  <a:srgbClr val="FFFFFF"/>
+                </a:highlight>
+                <a:latin typeface="Consolas" panose="020B0609020204030204" pitchFamily="49" charset="0"/>
+              </a:rPr>
+              <a:t>, </a:t>
+            </a:r>
+            <a:r>
+              <a:rPr lang="en-US" dirty="0" err="1">
+                <a:solidFill>
+                  <a:srgbClr val="2B91AF"/>
+                </a:solidFill>
+                <a:highlight>
+                  <a:srgbClr val="FFFFFF"/>
+                </a:highlight>
+                <a:latin typeface="Consolas" panose="020B0609020204030204" pitchFamily="49" charset="0"/>
+              </a:rPr>
+              <a:t>MyClass</a:t>
+            </a:r>
+            <a:r>
+              <a:rPr lang="en-US" dirty="0" smtClean="0">
+                <a:solidFill>
+                  <a:srgbClr val="000000"/>
+                </a:solidFill>
+                <a:highlight>
+                  <a:srgbClr val="FFFFFF"/>
+                </a:highlight>
+                <a:latin typeface="Consolas" panose="020B0609020204030204" pitchFamily="49" charset="0"/>
+              </a:rPr>
+              <a:t>&gt;&gt;();</a:t>
+            </a:r>
+            <a:endParaRPr lang="ru-RU" dirty="0" smtClean="0">
+              <a:solidFill>
+                <a:srgbClr val="000000"/>
+              </a:solidFill>
+              <a:highlight>
+                <a:srgbClr val="FFFFFF"/>
+              </a:highlight>
+              <a:latin typeface="Consolas" panose="020B0609020204030204" pitchFamily="49" charset="0"/>
+            </a:endParaRPr>
+          </a:p>
+          <a:p>
+            <a:pPr marL="0" indent="0">
+              <a:buNone/>
+            </a:pPr>
+            <a:endParaRPr lang="ru-RU" dirty="0">
+              <a:solidFill>
+                <a:srgbClr val="000000"/>
+              </a:solidFill>
+              <a:highlight>
+                <a:srgbClr val="FFFFFF"/>
+              </a:highlight>
+              <a:latin typeface="Consolas" panose="020B0609020204030204" pitchFamily="49" charset="0"/>
+            </a:endParaRPr>
+          </a:p>
+          <a:p>
+            <a:pPr marL="0" indent="0">
+              <a:buNone/>
+            </a:pPr>
+            <a:r>
+              <a:rPr lang="en-US" dirty="0" err="1">
+                <a:solidFill>
+                  <a:srgbClr val="2B91AF"/>
+                </a:solidFill>
+                <a:highlight>
+                  <a:srgbClr val="FFFFFF"/>
+                </a:highlight>
+                <a:latin typeface="Consolas" panose="020B0609020204030204" pitchFamily="49" charset="0"/>
+              </a:rPr>
+              <a:t>MyClass</a:t>
+            </a:r>
+            <a:r>
+              <a:rPr lang="en-US" dirty="0">
+                <a:solidFill>
+                  <a:srgbClr val="2B91AF"/>
+                </a:solidFill>
+                <a:highlight>
+                  <a:srgbClr val="FFFFFF"/>
+                </a:highlight>
+                <a:latin typeface="Consolas" panose="020B0609020204030204" pitchFamily="49" charset="0"/>
+              </a:rPr>
+              <a:t> </a:t>
+            </a:r>
+            <a:r>
+              <a:rPr lang="en-US" dirty="0" smtClean="0">
+                <a:solidFill>
+                  <a:srgbClr val="000000"/>
+                </a:solidFill>
+                <a:highlight>
+                  <a:srgbClr val="FFFFFF"/>
+                </a:highlight>
+                <a:latin typeface="Consolas" panose="020B0609020204030204" pitchFamily="49" charset="0"/>
+              </a:rPr>
+              <a:t>c = factory(42, “!”);</a:t>
+            </a:r>
+          </a:p>
+          <a:p>
+            <a:pPr marL="0" indent="0">
+              <a:buNone/>
+            </a:pPr>
+            <a:endParaRPr lang="en-US" dirty="0" smtClean="0">
+              <a:solidFill>
+                <a:srgbClr val="000000"/>
+              </a:solidFill>
+              <a:highlight>
+                <a:srgbClr val="FFFFFF"/>
+              </a:highlight>
+              <a:latin typeface="Consolas" panose="020B0609020204030204" pitchFamily="49" charset="0"/>
+            </a:endParaRPr>
+          </a:p>
+          <a:p>
+            <a:pPr marL="0" indent="0">
+              <a:buNone/>
+            </a:pPr>
+            <a:endParaRPr lang="en-US" dirty="0">
+              <a:solidFill>
+                <a:srgbClr val="000000"/>
+              </a:solidFill>
+              <a:highlight>
+                <a:srgbClr val="FFFFFF"/>
+              </a:highlight>
+              <a:latin typeface="Consolas" panose="020B0609020204030204" pitchFamily="49" charset="0"/>
+            </a:endParaRPr>
+          </a:p>
+          <a:p>
+            <a:pPr marL="0" indent="0">
+              <a:buNone/>
+            </a:pPr>
+            <a:endParaRPr lang="en-US" dirty="0">
+              <a:solidFill>
+                <a:srgbClr val="000000"/>
+              </a:solidFill>
+              <a:highlight>
+                <a:srgbClr val="FFFFFF"/>
+              </a:highlight>
+              <a:latin typeface="Consolas" panose="020B0609020204030204" pitchFamily="49" charset="0"/>
+            </a:endParaRPr>
+          </a:p>
+          <a:p>
+            <a:pPr marL="0" indent="0">
+              <a:buNone/>
+            </a:pPr>
+            <a:r>
+              <a:rPr lang="en-US" sz="2400" dirty="0">
+                <a:solidFill>
+                  <a:srgbClr val="000000"/>
+                </a:solidFill>
+                <a:highlight>
+                  <a:srgbClr val="FFFFFF"/>
+                </a:highlight>
+                <a:latin typeface="Consolas" panose="020B0609020204030204" pitchFamily="49" charset="0"/>
+                <a:hlinkClick r:id="rId2"/>
+              </a:rPr>
+              <a:t>https://</a:t>
+            </a:r>
+            <a:r>
+              <a:rPr lang="en-US" sz="2400" dirty="0" smtClean="0">
+                <a:solidFill>
+                  <a:srgbClr val="000000"/>
+                </a:solidFill>
+                <a:highlight>
+                  <a:srgbClr val="FFFFFF"/>
+                </a:highlight>
+                <a:latin typeface="Consolas" panose="020B0609020204030204" pitchFamily="49" charset="0"/>
+                <a:hlinkClick r:id="rId2"/>
+              </a:rPr>
+              <a:t>github.com/ninject/Ninject.Extensions.Factory/wiki</a:t>
+            </a:r>
+            <a:r>
+              <a:rPr lang="en-US" sz="2400" dirty="0" smtClean="0">
+                <a:solidFill>
+                  <a:srgbClr val="000000"/>
+                </a:solidFill>
+                <a:highlight>
+                  <a:srgbClr val="FFFFFF"/>
+                </a:highlight>
+                <a:latin typeface="Consolas" panose="020B0609020204030204" pitchFamily="49" charset="0"/>
+              </a:rPr>
+              <a:t> </a:t>
+            </a:r>
+            <a:endParaRPr lang="en-US" dirty="0">
+              <a:solidFill>
+                <a:srgbClr val="000000"/>
+              </a:solidFill>
+              <a:highlight>
+                <a:srgbClr val="FFFFFF"/>
+              </a:highlight>
+              <a:latin typeface="Consolas" panose="020B0609020204030204" pitchFamily="49" charset="0"/>
+            </a:endParaRPr>
+          </a:p>
+        </p:txBody>
+      </p:sp>
+    </p:spTree>
+    <p:extLst>
+      <p:ext uri="{BB962C8B-B14F-4D97-AF65-F5344CB8AC3E}">
+        <p14:creationId xmlns:p14="http://schemas.microsoft.com/office/powerpoint/2010/main" val="868167625"/>
+      </p:ext>
+    </p:extLst>
+  </p:cSld>
+  <p:clrMapOvr>
+    <a:masterClrMapping/>
+  </p:clrMapOvr>
+  <p:timing>
+    <p:tnLst>
+      <p:par>
+        <p:cTn id="1" dur="indefinite" restart="never" nodeType="tmRoot"/>
+      </p:par>
+    </p:tnLst>
+  </p:timing>
+</p:sld>
+</file>
+
+<file path=ppt/slides/slide16.xml><?xml version="1.0" encoding="utf-8"?>
+<p:sld xmlns:a="http://schemas.openxmlformats.org/drawingml/2006/main" xmlns:r="http://schemas.openxmlformats.org/officeDocument/2006/relationships" xmlns:p="http://schemas.openxmlformats.org/presentationml/2006/main">
+  <p:cSld>
+    <p:spTree>
+      <p:nvGrpSpPr>
+        <p:cNvPr id="1" name=""/>
+        <p:cNvGrpSpPr/>
+        <p:nvPr/>
+      </p:nvGrpSpPr>
+      <p:grpSpPr>
+        <a:xfrm>
+          <a:off x="0" y="0"/>
+          <a:ext cx="0" cy="0"/>
+          <a:chOff x="0" y="0"/>
+          <a:chExt cx="0" cy="0"/>
+        </a:xfrm>
+      </p:grpSpPr>
+      <p:sp>
+        <p:nvSpPr>
+          <p:cNvPr id="2" name="Заголовок 1"/>
+          <p:cNvSpPr>
+            <a:spLocks noGrp="1"/>
+          </p:cNvSpPr>
+          <p:nvPr>
+            <p:ph type="title"/>
+          </p:nvPr>
+        </p:nvSpPr>
+        <p:spPr/>
+        <p:txBody>
+          <a:bodyPr/>
+          <a:lstStyle/>
+          <a:p>
+            <a:r>
               <a:rPr lang="ru-RU" dirty="0" smtClean="0"/>
               <a:t>Прочие особенности</a:t>
             </a:r>
@@ -5804,6 +6773,103 @@
 </file>
 
 <file path=ppt/slides/slide2.xml><?xml version="1.0" encoding="utf-8"?>
+<p:sld xmlns:a="http://schemas.openxmlformats.org/drawingml/2006/main" xmlns:r="http://schemas.openxmlformats.org/officeDocument/2006/relationships" xmlns:p="http://schemas.openxmlformats.org/presentationml/2006/main">
+  <p:cSld>
+    <p:spTree>
+      <p:nvGrpSpPr>
+        <p:cNvPr id="1" name=""/>
+        <p:cNvGrpSpPr/>
+        <p:nvPr/>
+      </p:nvGrpSpPr>
+      <p:grpSpPr>
+        <a:xfrm>
+          <a:off x="0" y="0"/>
+          <a:ext cx="0" cy="0"/>
+          <a:chOff x="0" y="0"/>
+          <a:chExt cx="0" cy="0"/>
+        </a:xfrm>
+      </p:grpSpPr>
+      <p:sp>
+        <p:nvSpPr>
+          <p:cNvPr id="2" name="Заголовок 1"/>
+          <p:cNvSpPr>
+            <a:spLocks noGrp="1"/>
+          </p:cNvSpPr>
+          <p:nvPr>
+            <p:ph type="title"/>
+          </p:nvPr>
+        </p:nvSpPr>
+        <p:spPr/>
+        <p:txBody>
+          <a:bodyPr>
+            <a:normAutofit/>
+          </a:bodyPr>
+          <a:lstStyle/>
+          <a:p>
+            <a:r>
+              <a:rPr lang="en-US" sz="4000" dirty="0"/>
+              <a:t>Dependency </a:t>
+            </a:r>
+            <a:r>
+              <a:rPr lang="en-US" sz="4000" b="1" i="1" dirty="0"/>
+              <a:t>Injection</a:t>
+            </a:r>
+            <a:endParaRPr lang="ru-RU" sz="4000" b="1" i="1" dirty="0"/>
+          </a:p>
+        </p:txBody>
+      </p:sp>
+      <p:sp>
+        <p:nvSpPr>
+          <p:cNvPr id="3" name="Текст 2"/>
+          <p:cNvSpPr>
+            <a:spLocks noGrp="1"/>
+          </p:cNvSpPr>
+          <p:nvPr>
+            <p:ph type="body" idx="1"/>
+          </p:nvPr>
+        </p:nvSpPr>
+        <p:spPr/>
+        <p:txBody>
+          <a:bodyPr/>
+          <a:lstStyle/>
+          <a:p>
+            <a:r>
+              <a:rPr lang="ru-RU" dirty="0" smtClean="0"/>
+              <a:t>явное управление зависимостями</a:t>
+            </a:r>
+            <a:endParaRPr lang="ru-RU" dirty="0"/>
+          </a:p>
+        </p:txBody>
+      </p:sp>
+    </p:spTree>
+    <p:extLst>
+      <p:ext uri="{BB962C8B-B14F-4D97-AF65-F5344CB8AC3E}">
+        <p14:creationId xmlns:p14="http://schemas.microsoft.com/office/powerpoint/2010/main" val="2697701005"/>
+      </p:ext>
+    </p:extLst>
+  </p:cSld>
+  <p:clrMapOvr>
+    <a:masterClrMapping/>
+  </p:clrMapOvr>
+  <mc:AlternateContent xmlns:mc="http://schemas.openxmlformats.org/markup-compatibility/2006" xmlns:p14="http://schemas.microsoft.com/office/powerpoint/2010/main">
+    <mc:Choice Requires="p14">
+      <p:transition spd="slow" p14:dur="2000"/>
+    </mc:Choice>
+    <mc:Fallback xmlns="">
+      <p:transition spd="slow"/>
+    </mc:Fallback>
+  </mc:AlternateContent>
+  <p:timing>
+    <p:tnLst>
+      <p:par>
+        <p:cTn id="1" dur="indefinite" restart="never" nodeType="tmRoot"/>
+      </p:par>
+    </p:tnLst>
+  </p:timing>
+</p:sld>
+</file>
+
+<file path=ppt/slides/slide3.xml><?xml version="1.0" encoding="utf-8"?>
 <p:sld xmlns:a="http://schemas.openxmlformats.org/drawingml/2006/main" xmlns:r="http://schemas.openxmlformats.org/officeDocument/2006/relationships" xmlns:p="http://schemas.openxmlformats.org/presentationml/2006/main">
   <p:cSld>
     <p:spTree>
@@ -6565,7 +7631,7 @@
 </p:sld>
 </file>
 
-<file path=ppt/slides/slide3.xml><?xml version="1.0" encoding="utf-8"?>
+<file path=ppt/slides/slide4.xml><?xml version="1.0" encoding="utf-8"?>
 <p:sld xmlns:a="http://schemas.openxmlformats.org/drawingml/2006/main" xmlns:r="http://schemas.openxmlformats.org/officeDocument/2006/relationships" xmlns:p="http://schemas.openxmlformats.org/presentationml/2006/main">
   <p:cSld>
     <p:spTree>
@@ -7242,7 +8308,7 @@
 </p:sld>
 </file>
 
-<file path=ppt/slides/slide4.xml><?xml version="1.0" encoding="utf-8"?>
+<file path=ppt/slides/slide5.xml><?xml version="1.0" encoding="utf-8"?>
 <p:sld xmlns:a="http://schemas.openxmlformats.org/drawingml/2006/main" xmlns:r="http://schemas.openxmlformats.org/officeDocument/2006/relationships" xmlns:p="http://schemas.openxmlformats.org/presentationml/2006/main">
   <p:cSld>
     <p:spTree>
@@ -7751,7 +8817,7 @@
 </p:sld>
 </file>
 
-<file path=ppt/slides/slide5.xml><?xml version="1.0" encoding="utf-8"?>
+<file path=ppt/slides/slide6.xml><?xml version="1.0" encoding="utf-8"?>
 <p:sld xmlns:a="http://schemas.openxmlformats.org/drawingml/2006/main" xmlns:r="http://schemas.openxmlformats.org/officeDocument/2006/relationships" xmlns:p="http://schemas.openxmlformats.org/presentationml/2006/main">
   <p:cSld>
     <p:spTree>
@@ -10554,7 +11620,7 @@
 </p:sld>
 </file>
 
-<file path=ppt/slides/slide6.xml><?xml version="1.0" encoding="utf-8"?>
+<file path=ppt/slides/slide7.xml><?xml version="1.0" encoding="utf-8"?>
 <p:sld xmlns:a="http://schemas.openxmlformats.org/drawingml/2006/main" xmlns:r="http://schemas.openxmlformats.org/officeDocument/2006/relationships" xmlns:p="http://schemas.openxmlformats.org/presentationml/2006/main">
   <p:cSld>
     <p:spTree>
@@ -11240,7 +12306,7 @@
 </p:sld>
 </file>
 
-<file path=ppt/slides/slide7.xml><?xml version="1.0" encoding="utf-8"?>
+<file path=ppt/slides/slide8.xml><?xml version="1.0" encoding="utf-8"?>
 <p:sld xmlns:a="http://schemas.openxmlformats.org/drawingml/2006/main" xmlns:r="http://schemas.openxmlformats.org/officeDocument/2006/relationships" xmlns:p="http://schemas.openxmlformats.org/presentationml/2006/main">
   <p:cSld>
     <p:spTree>
@@ -11381,78 +12447,6 @@
 </p:sld>
 </file>
 
-<file path=ppt/slides/slide8.xml><?xml version="1.0" encoding="utf-8"?>
-<p:sld xmlns:a="http://schemas.openxmlformats.org/drawingml/2006/main" xmlns:r="http://schemas.openxmlformats.org/officeDocument/2006/relationships" xmlns:p="http://schemas.openxmlformats.org/presentationml/2006/main">
-  <p:cSld>
-    <p:spTree>
-      <p:nvGrpSpPr>
-        <p:cNvPr id="1" name=""/>
-        <p:cNvGrpSpPr/>
-        <p:nvPr/>
-      </p:nvGrpSpPr>
-      <p:grpSpPr>
-        <a:xfrm>
-          <a:off x="0" y="0"/>
-          <a:ext cx="0" cy="0"/>
-          <a:chOff x="0" y="0"/>
-          <a:chExt cx="0" cy="0"/>
-        </a:xfrm>
-      </p:grpSpPr>
-      <p:sp>
-        <p:nvSpPr>
-          <p:cNvPr id="2" name="Заголовок 1"/>
-          <p:cNvSpPr>
-            <a:spLocks noGrp="1"/>
-          </p:cNvSpPr>
-          <p:nvPr>
-            <p:ph type="title"/>
-          </p:nvPr>
-        </p:nvSpPr>
-        <p:spPr/>
-        <p:txBody>
-          <a:bodyPr/>
-          <a:lstStyle/>
-          <a:p>
-            <a:r>
-              <a:rPr lang="en-US" dirty="0" smtClean="0"/>
-              <a:t>DI Container</a:t>
-            </a:r>
-            <a:endParaRPr lang="ru-RU" dirty="0"/>
-          </a:p>
-        </p:txBody>
-      </p:sp>
-      <p:sp>
-        <p:nvSpPr>
-          <p:cNvPr id="3" name="Текст 2"/>
-          <p:cNvSpPr>
-            <a:spLocks noGrp="1"/>
-          </p:cNvSpPr>
-          <p:nvPr>
-            <p:ph type="body" idx="1"/>
-          </p:nvPr>
-        </p:nvSpPr>
-        <p:spPr/>
-        <p:txBody>
-          <a:bodyPr/>
-          <a:lstStyle/>
-          <a:p>
-            <a:endParaRPr lang="ru-RU"/>
-          </a:p>
-        </p:txBody>
-      </p:sp>
-    </p:spTree>
-    <p:extLst>
-      <p:ext uri="{BB962C8B-B14F-4D97-AF65-F5344CB8AC3E}">
-        <p14:creationId xmlns:p14="http://schemas.microsoft.com/office/powerpoint/2010/main" val="215197585"/>
-      </p:ext>
-    </p:extLst>
-  </p:cSld>
-  <p:clrMapOvr>
-    <a:masterClrMapping/>
-  </p:clrMapOvr>
-</p:sld>
-</file>
-
 <file path=ppt/slides/slide9.xml><?xml version="1.0" encoding="utf-8"?>
 <p:sld xmlns:a="http://schemas.openxmlformats.org/drawingml/2006/main" xmlns:r="http://schemas.openxmlformats.org/officeDocument/2006/relationships" xmlns:p="http://schemas.openxmlformats.org/presentationml/2006/main">
   <p:cSld>
@@ -11472,950 +12466,50 @@
       </p:grpSpPr>
       <p:sp>
         <p:nvSpPr>
-          <p:cNvPr id="4" name="Rectangle 1"/>
+          <p:cNvPr id="2" name="Заголовок 1"/>
           <p:cNvSpPr>
-            <a:spLocks noGrp="1" noChangeArrowheads="1"/>
+            <a:spLocks noGrp="1"/>
           </p:cNvSpPr>
           <p:nvPr>
-            <p:ph idx="1"/>
+            <p:ph type="title"/>
           </p:nvPr>
         </p:nvSpPr>
-        <p:spPr bwMode="auto">
-          <a:xfrm>
-            <a:off x="1127827" y="523398"/>
-            <a:ext cx="10269044" cy="4585871"/>
-          </a:xfrm>
-          <a:prstGeom prst="rect">
-            <a:avLst/>
-          </a:prstGeom>
-          <a:noFill/>
-          <a:ln>
-            <a:noFill/>
-          </a:ln>
-          <a:effectLst/>
-          <a:extLst/>
-        </p:spPr>
-        <p:txBody>
-          <a:bodyPr vert="horz" wrap="square" lIns="91440" tIns="45720" rIns="91440" bIns="45720" numCol="1" rtlCol="0" anchor="ctr" anchorCtr="0" compatLnSpc="1">
-            <a:prstTxWarp prst="textNoShape">
-              <a:avLst/>
-            </a:prstTxWarp>
-            <a:spAutoFit/>
-          </a:bodyPr>
+        <p:spPr/>
+        <p:txBody>
+          <a:bodyPr/>
           <a:lstStyle/>
           <a:p>
-            <a:pPr marL="0" indent="0" eaLnBrk="0" fontAlgn="base" hangingPunct="0">
-              <a:lnSpc>
-                <a:spcPct val="100000"/>
-              </a:lnSpc>
-              <a:spcBef>
-                <a:spcPct val="0"/>
-              </a:spcBef>
-              <a:spcAft>
-                <a:spcPct val="0"/>
-              </a:spcAft>
-              <a:buNone/>
-            </a:pPr>
-            <a:r>
-              <a:rPr lang="ru-RU" altLang="ru-RU" sz="2400" dirty="0" err="1">
-                <a:solidFill>
-                  <a:srgbClr val="000088"/>
-                </a:solidFill>
-                <a:latin typeface="Consolas" panose="020B0609020204030204" pitchFamily="49" charset="0"/>
-                <a:cs typeface="Consolas" panose="020B0609020204030204" pitchFamily="49" charset="0"/>
-              </a:rPr>
-              <a:t>public</a:t>
-            </a:r>
-            <a:r>
-              <a:rPr lang="ru-RU" altLang="ru-RU" sz="2400" dirty="0">
-                <a:solidFill>
-                  <a:srgbClr val="000000"/>
-                </a:solidFill>
-                <a:latin typeface="Consolas" panose="020B0609020204030204" pitchFamily="49" charset="0"/>
-                <a:cs typeface="Consolas" panose="020B0609020204030204" pitchFamily="49" charset="0"/>
-              </a:rPr>
-              <a:t> </a:t>
-            </a:r>
-            <a:r>
-              <a:rPr lang="ru-RU" altLang="ru-RU" sz="2400" dirty="0" err="1">
-                <a:solidFill>
-                  <a:srgbClr val="000088"/>
-                </a:solidFill>
-                <a:latin typeface="Consolas" panose="020B0609020204030204" pitchFamily="49" charset="0"/>
-                <a:cs typeface="Consolas" panose="020B0609020204030204" pitchFamily="49" charset="0"/>
-              </a:rPr>
-              <a:t>class</a:t>
-            </a:r>
-            <a:r>
-              <a:rPr lang="ru-RU" altLang="ru-RU" sz="2400" dirty="0">
-                <a:solidFill>
-                  <a:srgbClr val="000000"/>
-                </a:solidFill>
-                <a:latin typeface="Consolas" panose="020B0609020204030204" pitchFamily="49" charset="0"/>
-                <a:cs typeface="Consolas" panose="020B0609020204030204" pitchFamily="49" charset="0"/>
-              </a:rPr>
-              <a:t> </a:t>
-            </a:r>
-            <a:r>
-              <a:rPr lang="ru-RU" altLang="ru-RU" sz="2400" dirty="0" err="1">
-                <a:solidFill>
-                  <a:srgbClr val="660066"/>
-                </a:solidFill>
-                <a:latin typeface="Consolas" panose="020B0609020204030204" pitchFamily="49" charset="0"/>
-                <a:cs typeface="Consolas" panose="020B0609020204030204" pitchFamily="49" charset="0"/>
-              </a:rPr>
-              <a:t>Robot</a:t>
-            </a:r>
-            <a:r>
-              <a:rPr lang="ru-RU" altLang="ru-RU" sz="2400" dirty="0">
-                <a:solidFill>
-                  <a:srgbClr val="000000"/>
-                </a:solidFill>
-                <a:latin typeface="Consolas" panose="020B0609020204030204" pitchFamily="49" charset="0"/>
-                <a:cs typeface="Consolas" panose="020B0609020204030204" pitchFamily="49" charset="0"/>
-              </a:rPr>
-              <a:t> </a:t>
-            </a:r>
-            <a:r>
-              <a:rPr lang="ru-RU" altLang="ru-RU" sz="2400" dirty="0">
-                <a:solidFill>
-                  <a:srgbClr val="666600"/>
-                </a:solidFill>
-                <a:latin typeface="Consolas" panose="020B0609020204030204" pitchFamily="49" charset="0"/>
-                <a:cs typeface="Consolas" panose="020B0609020204030204" pitchFamily="49" charset="0"/>
-              </a:rPr>
-              <a:t>:</a:t>
-            </a:r>
-            <a:r>
-              <a:rPr lang="ru-RU" altLang="ru-RU" sz="2400" dirty="0">
-                <a:solidFill>
-                  <a:srgbClr val="000000"/>
-                </a:solidFill>
-                <a:latin typeface="Consolas" panose="020B0609020204030204" pitchFamily="49" charset="0"/>
-                <a:cs typeface="Consolas" panose="020B0609020204030204" pitchFamily="49" charset="0"/>
-              </a:rPr>
-              <a:t> </a:t>
-            </a:r>
-            <a:r>
-              <a:rPr lang="ru-RU" altLang="ru-RU" sz="2400" dirty="0">
-                <a:solidFill>
-                  <a:srgbClr val="660066"/>
-                </a:solidFill>
-                <a:latin typeface="Consolas" panose="020B0609020204030204" pitchFamily="49" charset="0"/>
-                <a:cs typeface="Consolas" panose="020B0609020204030204" pitchFamily="49" charset="0"/>
-              </a:rPr>
-              <a:t>I</a:t>
-            </a:r>
-            <a:r>
-              <a:rPr lang="en-US" altLang="ru-RU" sz="2400" dirty="0">
-                <a:solidFill>
-                  <a:srgbClr val="660066"/>
-                </a:solidFill>
-                <a:latin typeface="Consolas" panose="020B0609020204030204" pitchFamily="49" charset="0"/>
-                <a:cs typeface="Consolas" panose="020B0609020204030204" pitchFamily="49" charset="0"/>
-              </a:rPr>
-              <a:t>R</a:t>
-            </a:r>
-            <a:r>
-              <a:rPr lang="ru-RU" altLang="ru-RU" sz="2400" dirty="0" err="1">
-                <a:solidFill>
-                  <a:srgbClr val="660066"/>
-                </a:solidFill>
-                <a:latin typeface="Consolas" panose="020B0609020204030204" pitchFamily="49" charset="0"/>
-                <a:cs typeface="Consolas" panose="020B0609020204030204" pitchFamily="49" charset="0"/>
-              </a:rPr>
-              <a:t>obot</a:t>
-            </a:r>
-            <a:r>
-              <a:rPr lang="en-US" altLang="ru-RU" sz="2400" dirty="0">
-                <a:solidFill>
-                  <a:srgbClr val="000000"/>
-                </a:solidFill>
-                <a:latin typeface="Consolas" panose="020B0609020204030204" pitchFamily="49" charset="0"/>
-                <a:cs typeface="Consolas" panose="020B0609020204030204" pitchFamily="49" charset="0"/>
-              </a:rPr>
-              <a:t> </a:t>
-            </a:r>
-            <a:r>
-              <a:rPr lang="ru-RU" altLang="ru-RU" sz="2400" dirty="0">
-                <a:solidFill>
-                  <a:srgbClr val="666600"/>
-                </a:solidFill>
-                <a:latin typeface="Consolas" panose="020B0609020204030204" pitchFamily="49" charset="0"/>
-                <a:cs typeface="Consolas" panose="020B0609020204030204" pitchFamily="49" charset="0"/>
-              </a:rPr>
-              <a:t>{</a:t>
-            </a:r>
-            <a:r>
-              <a:rPr lang="ru-RU" altLang="ru-RU" sz="2400" dirty="0">
-                <a:solidFill>
-                  <a:srgbClr val="000000"/>
-                </a:solidFill>
-                <a:latin typeface="Consolas" panose="020B0609020204030204" pitchFamily="49" charset="0"/>
-                <a:cs typeface="Consolas" panose="020B0609020204030204" pitchFamily="49" charset="0"/>
-              </a:rPr>
-              <a:t/>
-            </a:r>
-            <a:br>
-              <a:rPr lang="ru-RU" altLang="ru-RU" sz="2400" dirty="0">
-                <a:solidFill>
-                  <a:srgbClr val="000000"/>
-                </a:solidFill>
-                <a:latin typeface="Consolas" panose="020B0609020204030204" pitchFamily="49" charset="0"/>
-                <a:cs typeface="Consolas" panose="020B0609020204030204" pitchFamily="49" charset="0"/>
-              </a:rPr>
-            </a:br>
-            <a:r>
-              <a:rPr lang="ru-RU" altLang="ru-RU" sz="2400" dirty="0">
-                <a:solidFill>
-                  <a:srgbClr val="000000"/>
-                </a:solidFill>
-                <a:latin typeface="Consolas" panose="020B0609020204030204" pitchFamily="49" charset="0"/>
-                <a:cs typeface="Consolas" panose="020B0609020204030204" pitchFamily="49" charset="0"/>
-              </a:rPr>
-              <a:t>    </a:t>
-            </a:r>
-            <a:r>
-              <a:rPr lang="ru-RU" altLang="ru-RU" sz="2400" dirty="0" err="1">
-                <a:solidFill>
-                  <a:srgbClr val="000088"/>
-                </a:solidFill>
-                <a:latin typeface="Consolas" panose="020B0609020204030204" pitchFamily="49" charset="0"/>
-                <a:cs typeface="Consolas" panose="020B0609020204030204" pitchFamily="49" charset="0"/>
-              </a:rPr>
-              <a:t>public</a:t>
-            </a:r>
-            <a:r>
-              <a:rPr lang="ru-RU" altLang="ru-RU" sz="2400" dirty="0">
-                <a:solidFill>
-                  <a:srgbClr val="000000"/>
-                </a:solidFill>
-                <a:latin typeface="Consolas" panose="020B0609020204030204" pitchFamily="49" charset="0"/>
-                <a:cs typeface="Consolas" panose="020B0609020204030204" pitchFamily="49" charset="0"/>
-              </a:rPr>
-              <a:t> </a:t>
-            </a:r>
-            <a:r>
-              <a:rPr lang="ru-RU" altLang="ru-RU" sz="2400" dirty="0" err="1">
-                <a:solidFill>
-                  <a:srgbClr val="660066"/>
-                </a:solidFill>
-                <a:latin typeface="Consolas" panose="020B0609020204030204" pitchFamily="49" charset="0"/>
-                <a:cs typeface="Consolas" panose="020B0609020204030204" pitchFamily="49" charset="0"/>
-              </a:rPr>
-              <a:t>Robot</a:t>
-            </a:r>
-            <a:r>
-              <a:rPr lang="ru-RU" altLang="ru-RU" sz="2400" dirty="0">
-                <a:solidFill>
-                  <a:srgbClr val="666600"/>
-                </a:solidFill>
-                <a:latin typeface="Consolas" panose="020B0609020204030204" pitchFamily="49" charset="0"/>
-                <a:cs typeface="Consolas" panose="020B0609020204030204" pitchFamily="49" charset="0"/>
-              </a:rPr>
-              <a:t>(</a:t>
-            </a:r>
-            <a:r>
-              <a:rPr lang="ru-RU" altLang="ru-RU" sz="2400" dirty="0" err="1">
-                <a:solidFill>
-                  <a:srgbClr val="660066"/>
-                </a:solidFill>
-                <a:latin typeface="Consolas" panose="020B0609020204030204" pitchFamily="49" charset="0"/>
-                <a:cs typeface="Consolas" panose="020B0609020204030204" pitchFamily="49" charset="0"/>
-              </a:rPr>
-              <a:t>IDistanceSensor</a:t>
-            </a:r>
-            <a:r>
-              <a:rPr lang="ru-RU" altLang="ru-RU" sz="2400" dirty="0">
-                <a:solidFill>
-                  <a:srgbClr val="000000"/>
-                </a:solidFill>
-                <a:latin typeface="Consolas" panose="020B0609020204030204" pitchFamily="49" charset="0"/>
-                <a:cs typeface="Consolas" panose="020B0609020204030204" pitchFamily="49" charset="0"/>
-              </a:rPr>
-              <a:t> </a:t>
-            </a:r>
-            <a:r>
-              <a:rPr lang="ru-RU" altLang="ru-RU" sz="2400" dirty="0" err="1">
-                <a:solidFill>
-                  <a:srgbClr val="000000"/>
-                </a:solidFill>
-                <a:latin typeface="Consolas" panose="020B0609020204030204" pitchFamily="49" charset="0"/>
-                <a:cs typeface="Consolas" panose="020B0609020204030204" pitchFamily="49" charset="0"/>
-              </a:rPr>
-              <a:t>distanceSensor</a:t>
-            </a:r>
-            <a:r>
-              <a:rPr lang="ru-RU" altLang="ru-RU" sz="2400" dirty="0">
-                <a:solidFill>
-                  <a:srgbClr val="666600"/>
-                </a:solidFill>
-                <a:latin typeface="Consolas" panose="020B0609020204030204" pitchFamily="49" charset="0"/>
-                <a:cs typeface="Consolas" panose="020B0609020204030204" pitchFamily="49" charset="0"/>
-              </a:rPr>
-              <a:t>)</a:t>
-            </a:r>
-            <a:r>
-              <a:rPr lang="en-US" altLang="ru-RU" sz="2400" dirty="0">
-                <a:solidFill>
-                  <a:srgbClr val="666600"/>
-                </a:solidFill>
-                <a:latin typeface="Consolas" panose="020B0609020204030204" pitchFamily="49" charset="0"/>
-                <a:cs typeface="Consolas" panose="020B0609020204030204" pitchFamily="49" charset="0"/>
-              </a:rPr>
-              <a:t> </a:t>
-            </a:r>
-            <a:r>
-              <a:rPr lang="ru-RU" altLang="ru-RU" sz="2400" dirty="0">
-                <a:solidFill>
-                  <a:srgbClr val="666600"/>
-                </a:solidFill>
-                <a:latin typeface="Consolas" panose="020B0609020204030204" pitchFamily="49" charset="0"/>
-                <a:cs typeface="Consolas" panose="020B0609020204030204" pitchFamily="49" charset="0"/>
-              </a:rPr>
-              <a:t>{</a:t>
-            </a:r>
-            <a:r>
-              <a:rPr lang="ru-RU" altLang="ru-RU" sz="2400" dirty="0">
-                <a:solidFill>
-                  <a:srgbClr val="000000"/>
-                </a:solidFill>
-                <a:latin typeface="Consolas" panose="020B0609020204030204" pitchFamily="49" charset="0"/>
-                <a:cs typeface="Consolas" panose="020B0609020204030204" pitchFamily="49" charset="0"/>
-              </a:rPr>
-              <a:t/>
-            </a:r>
-            <a:br>
-              <a:rPr lang="ru-RU" altLang="ru-RU" sz="2400" dirty="0">
-                <a:solidFill>
-                  <a:srgbClr val="000000"/>
-                </a:solidFill>
-                <a:latin typeface="Consolas" panose="020B0609020204030204" pitchFamily="49" charset="0"/>
-                <a:cs typeface="Consolas" panose="020B0609020204030204" pitchFamily="49" charset="0"/>
-              </a:rPr>
-            </a:br>
-            <a:r>
-              <a:rPr lang="ru-RU" altLang="ru-RU" sz="2400" dirty="0">
-                <a:solidFill>
-                  <a:srgbClr val="000000"/>
-                </a:solidFill>
-                <a:latin typeface="Consolas" panose="020B0609020204030204" pitchFamily="49" charset="0"/>
-                <a:cs typeface="Consolas" panose="020B0609020204030204" pitchFamily="49" charset="0"/>
-              </a:rPr>
-              <a:t>        </a:t>
-            </a:r>
-            <a:r>
-              <a:rPr lang="en-US" altLang="ru-RU" sz="2400" dirty="0" err="1">
-                <a:solidFill>
-                  <a:srgbClr val="000088"/>
-                </a:solidFill>
-                <a:latin typeface="Consolas" panose="020B0609020204030204" pitchFamily="49" charset="0"/>
-                <a:cs typeface="Consolas" panose="020B0609020204030204" pitchFamily="49" charset="0"/>
-              </a:rPr>
-              <a:t>this.</a:t>
-            </a:r>
-            <a:r>
-              <a:rPr lang="en-US" altLang="ru-RU" sz="2400" dirty="0" err="1">
-                <a:solidFill>
-                  <a:srgbClr val="660066"/>
-                </a:solidFill>
-                <a:latin typeface="Consolas" panose="020B0609020204030204" pitchFamily="49" charset="0"/>
-                <a:cs typeface="Consolas" panose="020B0609020204030204" pitchFamily="49" charset="0"/>
-              </a:rPr>
-              <a:t>d</a:t>
-            </a:r>
-            <a:r>
-              <a:rPr lang="ru-RU" altLang="ru-RU" sz="2400" dirty="0" err="1">
-                <a:solidFill>
-                  <a:srgbClr val="660066"/>
-                </a:solidFill>
-                <a:latin typeface="Consolas" panose="020B0609020204030204" pitchFamily="49" charset="0"/>
-                <a:cs typeface="Consolas" panose="020B0609020204030204" pitchFamily="49" charset="0"/>
-              </a:rPr>
-              <a:t>istanceSensor</a:t>
-            </a:r>
-            <a:r>
-              <a:rPr lang="ru-RU" altLang="ru-RU" sz="2400" dirty="0">
-                <a:solidFill>
-                  <a:srgbClr val="000000"/>
-                </a:solidFill>
-                <a:latin typeface="Consolas" panose="020B0609020204030204" pitchFamily="49" charset="0"/>
-                <a:cs typeface="Consolas" panose="020B0609020204030204" pitchFamily="49" charset="0"/>
-              </a:rPr>
-              <a:t> </a:t>
-            </a:r>
-            <a:r>
-              <a:rPr lang="ru-RU" altLang="ru-RU" sz="2400" dirty="0">
-                <a:solidFill>
-                  <a:srgbClr val="666600"/>
-                </a:solidFill>
-                <a:latin typeface="Consolas" panose="020B0609020204030204" pitchFamily="49" charset="0"/>
-                <a:cs typeface="Consolas" panose="020B0609020204030204" pitchFamily="49" charset="0"/>
-              </a:rPr>
-              <a:t>=</a:t>
-            </a:r>
-            <a:r>
-              <a:rPr lang="ru-RU" altLang="ru-RU" sz="2400" dirty="0">
-                <a:solidFill>
-                  <a:srgbClr val="000000"/>
-                </a:solidFill>
-                <a:latin typeface="Consolas" panose="020B0609020204030204" pitchFamily="49" charset="0"/>
-                <a:cs typeface="Consolas" panose="020B0609020204030204" pitchFamily="49" charset="0"/>
-              </a:rPr>
-              <a:t> </a:t>
-            </a:r>
-            <a:r>
-              <a:rPr lang="ru-RU" altLang="ru-RU" sz="2400" dirty="0" err="1">
-                <a:solidFill>
-                  <a:srgbClr val="000000"/>
-                </a:solidFill>
-                <a:latin typeface="Consolas" panose="020B0609020204030204" pitchFamily="49" charset="0"/>
-                <a:cs typeface="Consolas" panose="020B0609020204030204" pitchFamily="49" charset="0"/>
-              </a:rPr>
-              <a:t>distanceSensor</a:t>
-            </a:r>
-            <a:r>
-              <a:rPr lang="ru-RU" altLang="ru-RU" sz="2400" dirty="0">
-                <a:solidFill>
-                  <a:srgbClr val="666600"/>
-                </a:solidFill>
-                <a:latin typeface="Consolas" panose="020B0609020204030204" pitchFamily="49" charset="0"/>
-                <a:cs typeface="Consolas" panose="020B0609020204030204" pitchFamily="49" charset="0"/>
-              </a:rPr>
-              <a:t>;</a:t>
-            </a:r>
-            <a:r>
-              <a:rPr lang="ru-RU" altLang="ru-RU" sz="2400" dirty="0">
-                <a:solidFill>
-                  <a:srgbClr val="000000"/>
-                </a:solidFill>
-                <a:latin typeface="Consolas" panose="020B0609020204030204" pitchFamily="49" charset="0"/>
-                <a:cs typeface="Consolas" panose="020B0609020204030204" pitchFamily="49" charset="0"/>
-              </a:rPr>
-              <a:t/>
-            </a:r>
-            <a:br>
-              <a:rPr lang="ru-RU" altLang="ru-RU" sz="2400" dirty="0">
-                <a:solidFill>
-                  <a:srgbClr val="000000"/>
-                </a:solidFill>
-                <a:latin typeface="Consolas" panose="020B0609020204030204" pitchFamily="49" charset="0"/>
-                <a:cs typeface="Consolas" panose="020B0609020204030204" pitchFamily="49" charset="0"/>
-              </a:rPr>
-            </a:br>
-            <a:r>
-              <a:rPr lang="ru-RU" altLang="ru-RU" sz="2400" dirty="0">
-                <a:solidFill>
-                  <a:srgbClr val="000000"/>
-                </a:solidFill>
-                <a:latin typeface="Consolas" panose="020B0609020204030204" pitchFamily="49" charset="0"/>
-                <a:cs typeface="Consolas" panose="020B0609020204030204" pitchFamily="49" charset="0"/>
-              </a:rPr>
-              <a:t>    </a:t>
-            </a:r>
-            <a:r>
-              <a:rPr lang="ru-RU" altLang="ru-RU" sz="2400" dirty="0">
-                <a:solidFill>
-                  <a:srgbClr val="666600"/>
-                </a:solidFill>
-                <a:latin typeface="Consolas" panose="020B0609020204030204" pitchFamily="49" charset="0"/>
-                <a:cs typeface="Consolas" panose="020B0609020204030204" pitchFamily="49" charset="0"/>
-              </a:rPr>
-              <a:t>}</a:t>
-            </a:r>
-            <a:r>
-              <a:rPr lang="ru-RU" altLang="ru-RU" sz="2400" dirty="0">
-                <a:solidFill>
-                  <a:srgbClr val="000000"/>
-                </a:solidFill>
-                <a:latin typeface="Consolas" panose="020B0609020204030204" pitchFamily="49" charset="0"/>
-                <a:cs typeface="Consolas" panose="020B0609020204030204" pitchFamily="49" charset="0"/>
-              </a:rPr>
-              <a:t/>
-            </a:r>
-            <a:br>
-              <a:rPr lang="ru-RU" altLang="ru-RU" sz="2400" dirty="0">
-                <a:solidFill>
-                  <a:srgbClr val="000000"/>
-                </a:solidFill>
-                <a:latin typeface="Consolas" panose="020B0609020204030204" pitchFamily="49" charset="0"/>
-                <a:cs typeface="Consolas" panose="020B0609020204030204" pitchFamily="49" charset="0"/>
-              </a:rPr>
-            </a:br>
-            <a:r>
-              <a:rPr lang="ru-RU" altLang="ru-RU" sz="2400" dirty="0">
-                <a:solidFill>
-                  <a:srgbClr val="000000"/>
-                </a:solidFill>
-                <a:latin typeface="Consolas" panose="020B0609020204030204" pitchFamily="49" charset="0"/>
-                <a:cs typeface="Consolas" panose="020B0609020204030204" pitchFamily="49" charset="0"/>
-              </a:rPr>
-              <a:t>    </a:t>
-            </a:r>
-            <a:r>
-              <a:rPr lang="ru-RU" altLang="ru-RU" sz="2400" dirty="0">
-                <a:solidFill>
-                  <a:srgbClr val="880000"/>
-                </a:solidFill>
-                <a:latin typeface="Consolas" panose="020B0609020204030204" pitchFamily="49" charset="0"/>
-                <a:cs typeface="Consolas" panose="020B0609020204030204" pitchFamily="49" charset="0"/>
-              </a:rPr>
-              <a:t>// ...</a:t>
-            </a:r>
-            <a:r>
-              <a:rPr lang="ru-RU" altLang="ru-RU" sz="2400" dirty="0">
-                <a:solidFill>
-                  <a:srgbClr val="000000"/>
-                </a:solidFill>
-                <a:latin typeface="Consolas" panose="020B0609020204030204" pitchFamily="49" charset="0"/>
-                <a:cs typeface="Consolas" panose="020B0609020204030204" pitchFamily="49" charset="0"/>
-              </a:rPr>
-              <a:t/>
-            </a:r>
-            <a:br>
-              <a:rPr lang="ru-RU" altLang="ru-RU" sz="2400" dirty="0">
-                <a:solidFill>
-                  <a:srgbClr val="000000"/>
-                </a:solidFill>
-                <a:latin typeface="Consolas" panose="020B0609020204030204" pitchFamily="49" charset="0"/>
-                <a:cs typeface="Consolas" panose="020B0609020204030204" pitchFamily="49" charset="0"/>
-              </a:rPr>
-            </a:br>
-            <a:r>
-              <a:rPr lang="ru-RU" altLang="ru-RU" sz="2400" dirty="0">
-                <a:solidFill>
-                  <a:srgbClr val="666600"/>
-                </a:solidFill>
-                <a:latin typeface="Consolas" panose="020B0609020204030204" pitchFamily="49" charset="0"/>
-                <a:cs typeface="Consolas" panose="020B0609020204030204" pitchFamily="49" charset="0"/>
-              </a:rPr>
-              <a:t>} </a:t>
-            </a:r>
-            <a:endParaRPr lang="en-US" altLang="ru-RU" sz="2400" dirty="0">
-              <a:solidFill>
-                <a:srgbClr val="666600"/>
-              </a:solidFill>
-              <a:latin typeface="Consolas" panose="020B0609020204030204" pitchFamily="49" charset="0"/>
-              <a:cs typeface="Consolas" panose="020B0609020204030204" pitchFamily="49" charset="0"/>
-            </a:endParaRPr>
-          </a:p>
-          <a:p>
-            <a:pPr marL="0" indent="0" eaLnBrk="0" fontAlgn="base" hangingPunct="0">
-              <a:lnSpc>
-                <a:spcPct val="100000"/>
-              </a:lnSpc>
-              <a:spcBef>
-                <a:spcPct val="0"/>
-              </a:spcBef>
-              <a:spcAft>
-                <a:spcPct val="0"/>
-              </a:spcAft>
-              <a:buNone/>
-            </a:pPr>
-            <a:endParaRPr lang="en-US" altLang="ru-RU" sz="2400" dirty="0">
-              <a:solidFill>
-                <a:srgbClr val="000088"/>
-              </a:solidFill>
-              <a:latin typeface="Consolas" panose="020B0609020204030204" pitchFamily="49" charset="0"/>
-              <a:cs typeface="Consolas" panose="020B0609020204030204" pitchFamily="49" charset="0"/>
-            </a:endParaRPr>
-          </a:p>
-          <a:p>
-            <a:pPr marL="0" indent="0" eaLnBrk="0" fontAlgn="base" hangingPunct="0">
-              <a:lnSpc>
-                <a:spcPct val="100000"/>
-              </a:lnSpc>
-              <a:spcBef>
-                <a:spcPct val="0"/>
-              </a:spcBef>
-              <a:spcAft>
-                <a:spcPct val="0"/>
-              </a:spcAft>
-              <a:buNone/>
-            </a:pPr>
-            <a:r>
-              <a:rPr lang="ru-RU" altLang="ru-RU" sz="2400" dirty="0" err="1">
-                <a:solidFill>
-                  <a:srgbClr val="000088"/>
-                </a:solidFill>
-                <a:latin typeface="Consolas" panose="020B0609020204030204" pitchFamily="49" charset="0"/>
-                <a:cs typeface="Consolas" panose="020B0609020204030204" pitchFamily="49" charset="0"/>
-              </a:rPr>
-              <a:t>public</a:t>
-            </a:r>
-            <a:r>
-              <a:rPr lang="ru-RU" altLang="ru-RU" sz="2400" dirty="0">
-                <a:solidFill>
-                  <a:srgbClr val="000000"/>
-                </a:solidFill>
-                <a:latin typeface="Consolas" panose="020B0609020204030204" pitchFamily="49" charset="0"/>
-                <a:cs typeface="Consolas" panose="020B0609020204030204" pitchFamily="49" charset="0"/>
-              </a:rPr>
-              <a:t> </a:t>
-            </a:r>
-            <a:r>
-              <a:rPr lang="ru-RU" altLang="ru-RU" sz="2400" dirty="0" err="1">
-                <a:solidFill>
-                  <a:srgbClr val="000088"/>
-                </a:solidFill>
-                <a:latin typeface="Consolas" panose="020B0609020204030204" pitchFamily="49" charset="0"/>
-                <a:cs typeface="Consolas" panose="020B0609020204030204" pitchFamily="49" charset="0"/>
-              </a:rPr>
-              <a:t>class</a:t>
-            </a:r>
-            <a:r>
-              <a:rPr lang="ru-RU" altLang="ru-RU" sz="2400" dirty="0">
-                <a:solidFill>
-                  <a:srgbClr val="000000"/>
-                </a:solidFill>
-                <a:latin typeface="Consolas" panose="020B0609020204030204" pitchFamily="49" charset="0"/>
-                <a:cs typeface="Consolas" panose="020B0609020204030204" pitchFamily="49" charset="0"/>
-              </a:rPr>
-              <a:t> </a:t>
-            </a:r>
-            <a:r>
-              <a:rPr lang="ru-RU" altLang="ru-RU" sz="2400" dirty="0" err="1">
-                <a:solidFill>
-                  <a:srgbClr val="660066"/>
-                </a:solidFill>
-                <a:latin typeface="Consolas" panose="020B0609020204030204" pitchFamily="49" charset="0"/>
-                <a:cs typeface="Consolas" panose="020B0609020204030204" pitchFamily="49" charset="0"/>
-              </a:rPr>
-              <a:t>OpticalSensor</a:t>
-            </a:r>
-            <a:r>
-              <a:rPr lang="ru-RU" altLang="ru-RU" sz="2400" dirty="0">
-                <a:solidFill>
-                  <a:srgbClr val="000000"/>
-                </a:solidFill>
-                <a:latin typeface="Consolas" panose="020B0609020204030204" pitchFamily="49" charset="0"/>
-                <a:cs typeface="Consolas" panose="020B0609020204030204" pitchFamily="49" charset="0"/>
-              </a:rPr>
-              <a:t> </a:t>
-            </a:r>
-            <a:r>
-              <a:rPr lang="ru-RU" altLang="ru-RU" sz="2400" dirty="0">
-                <a:solidFill>
-                  <a:srgbClr val="666600"/>
-                </a:solidFill>
-                <a:latin typeface="Consolas" panose="020B0609020204030204" pitchFamily="49" charset="0"/>
-                <a:cs typeface="Consolas" panose="020B0609020204030204" pitchFamily="49" charset="0"/>
-              </a:rPr>
-              <a:t>:</a:t>
-            </a:r>
-            <a:r>
-              <a:rPr lang="ru-RU" altLang="ru-RU" sz="2400" dirty="0">
-                <a:solidFill>
-                  <a:srgbClr val="000000"/>
-                </a:solidFill>
-                <a:latin typeface="Consolas" panose="020B0609020204030204" pitchFamily="49" charset="0"/>
-                <a:cs typeface="Consolas" panose="020B0609020204030204" pitchFamily="49" charset="0"/>
-              </a:rPr>
-              <a:t> </a:t>
-            </a:r>
-            <a:r>
-              <a:rPr lang="ru-RU" altLang="ru-RU" sz="2400" dirty="0" err="1">
-                <a:solidFill>
-                  <a:srgbClr val="660066"/>
-                </a:solidFill>
-                <a:latin typeface="Consolas" panose="020B0609020204030204" pitchFamily="49" charset="0"/>
-                <a:cs typeface="Consolas" panose="020B0609020204030204" pitchFamily="49" charset="0"/>
-              </a:rPr>
-              <a:t>IDistanceSensor</a:t>
-            </a:r>
-            <a:r>
-              <a:rPr lang="en-US" altLang="ru-RU" sz="2400" dirty="0">
-                <a:solidFill>
-                  <a:srgbClr val="660066"/>
-                </a:solidFill>
-                <a:latin typeface="Consolas" panose="020B0609020204030204" pitchFamily="49" charset="0"/>
-                <a:cs typeface="Consolas" panose="020B0609020204030204" pitchFamily="49" charset="0"/>
-              </a:rPr>
-              <a:t> </a:t>
-            </a:r>
-            <a:r>
-              <a:rPr lang="ru-RU" altLang="ru-RU" sz="2400" dirty="0">
-                <a:solidFill>
-                  <a:srgbClr val="666600"/>
-                </a:solidFill>
-                <a:latin typeface="Consolas" panose="020B0609020204030204" pitchFamily="49" charset="0"/>
-                <a:cs typeface="Consolas" panose="020B0609020204030204" pitchFamily="49" charset="0"/>
-              </a:rPr>
-              <a:t>{</a:t>
-            </a:r>
-            <a:r>
-              <a:rPr lang="en-US" altLang="ru-RU" sz="2400" dirty="0">
-                <a:solidFill>
-                  <a:srgbClr val="666600"/>
-                </a:solidFill>
-                <a:latin typeface="Consolas" panose="020B0609020204030204" pitchFamily="49" charset="0"/>
-                <a:cs typeface="Consolas" panose="020B0609020204030204" pitchFamily="49" charset="0"/>
-              </a:rPr>
-              <a:t> </a:t>
-            </a:r>
-          </a:p>
-          <a:p>
-            <a:pPr marL="0" indent="0" eaLnBrk="0" fontAlgn="base" hangingPunct="0">
-              <a:lnSpc>
-                <a:spcPct val="100000"/>
-              </a:lnSpc>
-              <a:spcBef>
-                <a:spcPct val="0"/>
-              </a:spcBef>
-              <a:spcAft>
-                <a:spcPct val="0"/>
-              </a:spcAft>
-              <a:buNone/>
-            </a:pPr>
-            <a:r>
-              <a:rPr lang="en-US" altLang="ru-RU" sz="2400" dirty="0">
-                <a:solidFill>
-                  <a:srgbClr val="666600"/>
-                </a:solidFill>
-                <a:latin typeface="Consolas" panose="020B0609020204030204" pitchFamily="49" charset="0"/>
-                <a:cs typeface="Consolas" panose="020B0609020204030204" pitchFamily="49" charset="0"/>
-              </a:rPr>
-              <a:t>	...</a:t>
-            </a:r>
-          </a:p>
-          <a:p>
-            <a:pPr marL="0" indent="0" eaLnBrk="0" fontAlgn="base" hangingPunct="0">
-              <a:lnSpc>
-                <a:spcPct val="100000"/>
-              </a:lnSpc>
-              <a:spcBef>
-                <a:spcPct val="0"/>
-              </a:spcBef>
-              <a:spcAft>
-                <a:spcPct val="0"/>
-              </a:spcAft>
-              <a:buNone/>
-            </a:pPr>
-            <a:r>
-              <a:rPr lang="ru-RU" altLang="ru-RU" sz="2400" dirty="0">
-                <a:solidFill>
-                  <a:srgbClr val="666600"/>
-                </a:solidFill>
-                <a:latin typeface="Consolas" panose="020B0609020204030204" pitchFamily="49" charset="0"/>
-                <a:cs typeface="Consolas" panose="020B0609020204030204" pitchFamily="49" charset="0"/>
-              </a:rPr>
-              <a:t>}</a:t>
-            </a:r>
-            <a:endParaRPr lang="en-US" altLang="ru-RU" sz="2400" dirty="0">
-              <a:solidFill>
-                <a:srgbClr val="666600"/>
-              </a:solidFill>
-              <a:latin typeface="Consolas" panose="020B0609020204030204" pitchFamily="49" charset="0"/>
-              <a:cs typeface="Consolas" panose="020B0609020204030204" pitchFamily="49" charset="0"/>
-            </a:endParaRPr>
-          </a:p>
-          <a:p>
-            <a:pPr marL="0" indent="0" eaLnBrk="0" fontAlgn="base" hangingPunct="0">
-              <a:lnSpc>
-                <a:spcPct val="100000"/>
-              </a:lnSpc>
-              <a:spcBef>
-                <a:spcPct val="0"/>
-              </a:spcBef>
-              <a:spcAft>
-                <a:spcPct val="0"/>
-              </a:spcAft>
-              <a:buNone/>
-            </a:pPr>
-            <a:r>
-              <a:rPr lang="ru-RU" altLang="ru-RU" sz="2000" dirty="0">
-                <a:solidFill>
-                  <a:srgbClr val="000000"/>
-                </a:solidFill>
-                <a:latin typeface="Consolas" panose="020B0609020204030204" pitchFamily="49" charset="0"/>
-                <a:cs typeface="Consolas" panose="020B0609020204030204" pitchFamily="49" charset="0"/>
-              </a:rPr>
-              <a:t/>
-            </a:r>
-            <a:br>
-              <a:rPr lang="ru-RU" altLang="ru-RU" sz="2000" dirty="0">
-                <a:solidFill>
-                  <a:srgbClr val="000000"/>
-                </a:solidFill>
-                <a:latin typeface="Consolas" panose="020B0609020204030204" pitchFamily="49" charset="0"/>
-                <a:cs typeface="Consolas" panose="020B0609020204030204" pitchFamily="49" charset="0"/>
-              </a:rPr>
-            </a:br>
-            <a:r>
-              <a:rPr kumimoji="0" lang="ru-RU" altLang="ru-RU" sz="3200" b="0" i="0" u="none" strike="noStrike" cap="none" normalizeH="0" baseline="0" dirty="0" err="1" smtClean="0">
-                <a:ln>
-                  <a:noFill/>
-                </a:ln>
-                <a:solidFill>
-                  <a:srgbClr val="660066"/>
-                </a:solidFill>
-                <a:effectLst/>
-                <a:latin typeface="Consolas" panose="020B0609020204030204" pitchFamily="49" charset="0"/>
-                <a:cs typeface="Consolas" panose="020B0609020204030204" pitchFamily="49" charset="0"/>
-              </a:rPr>
-              <a:t>IRobot</a:t>
-            </a:r>
-            <a:r>
-              <a:rPr kumimoji="0" lang="ru-RU" altLang="ru-RU" sz="3200" b="0" i="0" u="none" strike="noStrike" cap="none" normalizeH="0" baseline="0" dirty="0" smtClean="0">
-                <a:ln>
-                  <a:noFill/>
-                </a:ln>
-                <a:solidFill>
-                  <a:srgbClr val="000000"/>
-                </a:solidFill>
-                <a:effectLst/>
-                <a:latin typeface="Consolas" panose="020B0609020204030204" pitchFamily="49" charset="0"/>
-                <a:cs typeface="Consolas" panose="020B0609020204030204" pitchFamily="49" charset="0"/>
-              </a:rPr>
-              <a:t> </a:t>
-            </a:r>
-            <a:r>
-              <a:rPr kumimoji="0" lang="ru-RU" altLang="ru-RU" sz="3200" b="0" i="0" u="none" strike="noStrike" cap="none" normalizeH="0" baseline="0" dirty="0" err="1" smtClean="0">
-                <a:ln>
-                  <a:noFill/>
-                </a:ln>
-                <a:solidFill>
-                  <a:srgbClr val="000000"/>
-                </a:solidFill>
-                <a:effectLst/>
-                <a:latin typeface="Consolas" panose="020B0609020204030204" pitchFamily="49" charset="0"/>
-                <a:cs typeface="Consolas" panose="020B0609020204030204" pitchFamily="49" charset="0"/>
-              </a:rPr>
-              <a:t>robot</a:t>
-            </a:r>
-            <a:r>
-              <a:rPr kumimoji="0" lang="ru-RU" altLang="ru-RU" sz="3200" b="0" i="0" u="none" strike="noStrike" cap="none" normalizeH="0" baseline="0" dirty="0" smtClean="0">
-                <a:ln>
-                  <a:noFill/>
-                </a:ln>
-                <a:solidFill>
-                  <a:srgbClr val="000000"/>
-                </a:solidFill>
-                <a:effectLst/>
-                <a:latin typeface="Consolas" panose="020B0609020204030204" pitchFamily="49" charset="0"/>
-                <a:cs typeface="Consolas" panose="020B0609020204030204" pitchFamily="49" charset="0"/>
-              </a:rPr>
-              <a:t> </a:t>
-            </a:r>
-            <a:r>
-              <a:rPr kumimoji="0" lang="ru-RU" altLang="ru-RU" sz="3200" b="0" i="0" u="none" strike="noStrike" cap="none" normalizeH="0" baseline="0" dirty="0" smtClean="0">
-                <a:ln>
-                  <a:noFill/>
-                </a:ln>
-                <a:solidFill>
-                  <a:srgbClr val="666600"/>
-                </a:solidFill>
-                <a:effectLst/>
-                <a:latin typeface="Consolas" panose="020B0609020204030204" pitchFamily="49" charset="0"/>
-                <a:cs typeface="Consolas" panose="020B0609020204030204" pitchFamily="49" charset="0"/>
-              </a:rPr>
-              <a:t>=</a:t>
-            </a:r>
-            <a:r>
-              <a:rPr kumimoji="0" lang="ru-RU" altLang="ru-RU" sz="3200" b="0" i="0" u="none" strike="noStrike" cap="none" normalizeH="0" baseline="0" dirty="0" smtClean="0">
-                <a:ln>
-                  <a:noFill/>
-                </a:ln>
-                <a:solidFill>
-                  <a:srgbClr val="000000"/>
-                </a:solidFill>
-                <a:effectLst/>
-                <a:latin typeface="Consolas" panose="020B0609020204030204" pitchFamily="49" charset="0"/>
-                <a:cs typeface="Consolas" panose="020B0609020204030204" pitchFamily="49" charset="0"/>
-              </a:rPr>
-              <a:t> </a:t>
-            </a:r>
-            <a:r>
-              <a:rPr kumimoji="0" lang="ru-RU" altLang="ru-RU" sz="3200" b="0" i="0" u="none" strike="noStrike" cap="none" normalizeH="0" baseline="0" dirty="0" err="1" smtClean="0">
-                <a:ln>
-                  <a:noFill/>
-                </a:ln>
-                <a:solidFill>
-                  <a:srgbClr val="000000"/>
-                </a:solidFill>
-                <a:effectLst/>
-                <a:latin typeface="Consolas" panose="020B0609020204030204" pitchFamily="49" charset="0"/>
-                <a:cs typeface="Consolas" panose="020B0609020204030204" pitchFamily="49" charset="0"/>
-              </a:rPr>
-              <a:t>container</a:t>
-            </a:r>
-            <a:r>
-              <a:rPr kumimoji="0" lang="ru-RU" altLang="ru-RU" sz="3200" b="0" i="0" u="none" strike="noStrike" cap="none" normalizeH="0" baseline="0" dirty="0" err="1" smtClean="0">
-                <a:ln>
-                  <a:noFill/>
-                </a:ln>
-                <a:solidFill>
-                  <a:srgbClr val="666600"/>
-                </a:solidFill>
-                <a:effectLst/>
-                <a:latin typeface="Consolas" panose="020B0609020204030204" pitchFamily="49" charset="0"/>
-                <a:cs typeface="Consolas" panose="020B0609020204030204" pitchFamily="49" charset="0"/>
-              </a:rPr>
-              <a:t>.</a:t>
-            </a:r>
-            <a:r>
-              <a:rPr kumimoji="0" lang="ru-RU" altLang="ru-RU" sz="3200" b="0" i="0" u="none" strike="noStrike" cap="none" normalizeH="0" baseline="0" dirty="0" err="1" smtClean="0">
-                <a:ln>
-                  <a:noFill/>
-                </a:ln>
-                <a:solidFill>
-                  <a:srgbClr val="660066"/>
-                </a:solidFill>
-                <a:effectLst/>
-                <a:latin typeface="Consolas" panose="020B0609020204030204" pitchFamily="49" charset="0"/>
-                <a:cs typeface="Consolas" panose="020B0609020204030204" pitchFamily="49" charset="0"/>
-              </a:rPr>
-              <a:t>Get</a:t>
-            </a:r>
-            <a:r>
-              <a:rPr kumimoji="0" lang="ru-RU" altLang="ru-RU" sz="3200" b="0" i="0" u="none" strike="noStrike" cap="none" normalizeH="0" baseline="0" dirty="0" smtClean="0">
-                <a:ln>
-                  <a:noFill/>
-                </a:ln>
-                <a:solidFill>
-                  <a:srgbClr val="666600"/>
-                </a:solidFill>
-                <a:effectLst/>
-                <a:latin typeface="Consolas" panose="020B0609020204030204" pitchFamily="49" charset="0"/>
-                <a:cs typeface="Consolas" panose="020B0609020204030204" pitchFamily="49" charset="0"/>
-              </a:rPr>
-              <a:t>&lt;</a:t>
-            </a:r>
-            <a:r>
-              <a:rPr kumimoji="0" lang="ru-RU" altLang="ru-RU" sz="3200" b="0" i="0" u="none" strike="noStrike" cap="none" normalizeH="0" baseline="0" dirty="0" err="1" smtClean="0">
-                <a:ln>
-                  <a:noFill/>
-                </a:ln>
-                <a:solidFill>
-                  <a:srgbClr val="660066"/>
-                </a:solidFill>
-                <a:effectLst/>
-                <a:latin typeface="Consolas" panose="020B0609020204030204" pitchFamily="49" charset="0"/>
-                <a:cs typeface="Consolas" panose="020B0609020204030204" pitchFamily="49" charset="0"/>
-              </a:rPr>
-              <a:t>IRobot</a:t>
-            </a:r>
-            <a:r>
-              <a:rPr lang="ru-RU" altLang="ru-RU" sz="3200" dirty="0" smtClean="0">
-                <a:solidFill>
-                  <a:srgbClr val="666600"/>
-                </a:solidFill>
-                <a:latin typeface="Consolas" panose="020B0609020204030204" pitchFamily="49" charset="0"/>
-                <a:cs typeface="Consolas" panose="020B0609020204030204" pitchFamily="49" charset="0"/>
-              </a:rPr>
-              <a:t>&gt;();</a:t>
-            </a:r>
-            <a:endParaRPr lang="ru-RU" altLang="ru-RU" sz="9600" dirty="0">
-              <a:latin typeface="Consolas" panose="020B0609020204030204" pitchFamily="49" charset="0"/>
-              <a:cs typeface="Consolas" panose="020B0609020204030204" pitchFamily="49" charset="0"/>
-            </a:endParaRPr>
+            <a:r>
+              <a:rPr lang="en-US" dirty="0" smtClean="0"/>
+              <a:t>DI Container</a:t>
+            </a:r>
+            <a:endParaRPr lang="ru-RU" dirty="0"/>
+          </a:p>
+        </p:txBody>
+      </p:sp>
+      <p:sp>
+        <p:nvSpPr>
+          <p:cNvPr id="3" name="Текст 2"/>
+          <p:cNvSpPr>
+            <a:spLocks noGrp="1"/>
+          </p:cNvSpPr>
+          <p:nvPr>
+            <p:ph type="body" idx="1"/>
+          </p:nvPr>
+        </p:nvSpPr>
+        <p:spPr/>
+        <p:txBody>
+          <a:bodyPr/>
+          <a:lstStyle/>
+          <a:p>
+            <a:endParaRPr lang="ru-RU"/>
           </a:p>
         </p:txBody>
       </p:sp>
     </p:spTree>
     <p:extLst>
       <p:ext uri="{BB962C8B-B14F-4D97-AF65-F5344CB8AC3E}">
-        <p14:creationId xmlns:p14="http://schemas.microsoft.com/office/powerpoint/2010/main" val="2230040949"/>
+        <p14:creationId xmlns:p14="http://schemas.microsoft.com/office/powerpoint/2010/main" val="215197585"/>
       </p:ext>
     </p:extLst>
   </p:cSld>

--- a/di.pptx
+++ b/di.pptx
@@ -6,7 +6,7 @@
     <p:sldMasterId id="2147483679" r:id="rId2"/>
   </p:sldMasterIdLst>
   <p:notesMasterIdLst>
-    <p:notesMasterId r:id="rId18"/>
+    <p:notesMasterId r:id="rId20"/>
   </p:notesMasterIdLst>
   <p:sldIdLst>
     <p:sldId id="300" r:id="rId3"/>
@@ -24,6 +24,8 @@
     <p:sldId id="299" r:id="rId15"/>
     <p:sldId id="292" r:id="rId16"/>
     <p:sldId id="294" r:id="rId17"/>
+    <p:sldId id="301" r:id="rId18"/>
+    <p:sldId id="302" r:id="rId19"/>
   </p:sldIdLst>
   <p:sldSz cx="12192000" cy="6858000"/>
   <p:notesSz cx="6858000" cy="9144000"/>
@@ -146,6 +148,8 @@
             <p14:sldId id="299"/>
             <p14:sldId id="292"/>
             <p14:sldId id="294"/>
+            <p14:sldId id="301"/>
+            <p14:sldId id="302"/>
           </p14:sldIdLst>
         </p14:section>
       </p14:sectionLst>
@@ -7104,7 +7108,7 @@
           <a:p>
             <a:fld id="{98715375-4139-4C08-98FD-C8890076A179}" type="datetimeFigureOut">
               <a:rPr lang="ru-RU" smtClean="0"/>
-              <a:t>14.10.2016</a:t>
+              <a:t>16.10.2016</a:t>
             </a:fld>
             <a:endParaRPr lang="ru-RU"/>
           </a:p>
@@ -7655,6 +7659,90 @@
     <p:extLst>
       <p:ext uri="{BB962C8B-B14F-4D97-AF65-F5344CB8AC3E}">
         <p14:creationId xmlns:p14="http://schemas.microsoft.com/office/powerpoint/2010/main" val="3674609586"/>
+      </p:ext>
+    </p:extLst>
+  </p:cSld>
+  <p:clrMapOvr>
+    <a:masterClrMapping/>
+  </p:clrMapOvr>
+</p:notes>
+</file>
+
+<file path=ppt/notesSlides/notesSlide4.xml><?xml version="1.0" encoding="utf-8"?>
+<p:notes xmlns:a="http://schemas.openxmlformats.org/drawingml/2006/main" xmlns:r="http://schemas.openxmlformats.org/officeDocument/2006/relationships" xmlns:p="http://schemas.openxmlformats.org/presentationml/2006/main">
+  <p:cSld>
+    <p:spTree>
+      <p:nvGrpSpPr>
+        <p:cNvPr id="1" name=""/>
+        <p:cNvGrpSpPr/>
+        <p:nvPr/>
+      </p:nvGrpSpPr>
+      <p:grpSpPr>
+        <a:xfrm>
+          <a:off x="0" y="0"/>
+          <a:ext cx="0" cy="0"/>
+          <a:chOff x="0" y="0"/>
+          <a:chExt cx="0" cy="0"/>
+        </a:xfrm>
+      </p:grpSpPr>
+      <p:sp>
+        <p:nvSpPr>
+          <p:cNvPr id="2" name="Образ слайда 1"/>
+          <p:cNvSpPr>
+            <a:spLocks noGrp="1" noRot="1" noChangeAspect="1"/>
+          </p:cNvSpPr>
+          <p:nvPr>
+            <p:ph type="sldImg"/>
+          </p:nvPr>
+        </p:nvSpPr>
+        <p:spPr/>
+      </p:sp>
+      <p:sp>
+        <p:nvSpPr>
+          <p:cNvPr id="3" name="Заметки 2"/>
+          <p:cNvSpPr>
+            <a:spLocks noGrp="1"/>
+          </p:cNvSpPr>
+          <p:nvPr>
+            <p:ph type="body" idx="1"/>
+          </p:nvPr>
+        </p:nvSpPr>
+        <p:spPr/>
+        <p:txBody>
+          <a:bodyPr/>
+          <a:lstStyle/>
+          <a:p>
+            <a:endParaRPr lang="en-US" dirty="0"/>
+          </a:p>
+        </p:txBody>
+      </p:sp>
+      <p:sp>
+        <p:nvSpPr>
+          <p:cNvPr id="4" name="Номер слайда 3"/>
+          <p:cNvSpPr>
+            <a:spLocks noGrp="1"/>
+          </p:cNvSpPr>
+          <p:nvPr>
+            <p:ph type="sldNum" sz="quarter" idx="10"/>
+          </p:nvPr>
+        </p:nvSpPr>
+        <p:spPr/>
+        <p:txBody>
+          <a:bodyPr/>
+          <a:lstStyle/>
+          <a:p>
+            <a:fld id="{DC348DFF-10E5-4AE9-8016-9910A89BCDEE}" type="slidenum">
+              <a:rPr lang="ru-RU" smtClean="0"/>
+              <a:t>17</a:t>
+            </a:fld>
+            <a:endParaRPr lang="ru-RU"/>
+          </a:p>
+        </p:txBody>
+      </p:sp>
+    </p:spTree>
+    <p:extLst>
+      <p:ext uri="{BB962C8B-B14F-4D97-AF65-F5344CB8AC3E}">
+        <p14:creationId xmlns:p14="http://schemas.microsoft.com/office/powerpoint/2010/main" val="2603620883"/>
       </p:ext>
     </p:extLst>
   </p:cSld>
@@ -14509,6 +14597,602 @@
   <p:clrMapOvr>
     <a:masterClrMapping/>
   </p:clrMapOvr>
+</p:sld>
+</file>
+
+<file path=ppt/slides/slide16.xml><?xml version="1.0" encoding="utf-8"?>
+<p:sld xmlns:a="http://schemas.openxmlformats.org/drawingml/2006/main" xmlns:r="http://schemas.openxmlformats.org/officeDocument/2006/relationships" xmlns:p="http://schemas.openxmlformats.org/presentationml/2006/main">
+  <p:cSld>
+    <p:spTree>
+      <p:nvGrpSpPr>
+        <p:cNvPr id="1" name=""/>
+        <p:cNvGrpSpPr/>
+        <p:nvPr/>
+      </p:nvGrpSpPr>
+      <p:grpSpPr>
+        <a:xfrm>
+          <a:off x="0" y="0"/>
+          <a:ext cx="0" cy="0"/>
+          <a:chOff x="0" y="0"/>
+          <a:chExt cx="0" cy="0"/>
+        </a:xfrm>
+      </p:grpSpPr>
+      <p:sp>
+        <p:nvSpPr>
+          <p:cNvPr id="3" name="Объект 2"/>
+          <p:cNvSpPr>
+            <a:spLocks noGrp="1"/>
+          </p:cNvSpPr>
+          <p:nvPr>
+            <p:ph sz="quarter" idx="13"/>
+          </p:nvPr>
+        </p:nvSpPr>
+        <p:spPr/>
+        <p:txBody>
+          <a:bodyPr>
+            <a:normAutofit/>
+          </a:bodyPr>
+          <a:lstStyle/>
+          <a:p>
+            <a:pPr marL="0" indent="0">
+              <a:buNone/>
+            </a:pPr>
+            <a:r>
+              <a:rPr lang="ru-RU" sz="3600" dirty="0"/>
+              <a:t>В программе </a:t>
+            </a:r>
+            <a:r>
+              <a:rPr lang="en-US" sz="3600" dirty="0" err="1">
+                <a:solidFill>
+                  <a:schemeClr val="accent1"/>
+                </a:solidFill>
+              </a:rPr>
+              <a:t>FractalPainter</a:t>
+            </a:r>
+            <a:r>
+              <a:rPr lang="ru-RU" sz="3600" dirty="0"/>
+              <a:t> странно реализован </a:t>
+            </a:r>
+            <a:r>
+              <a:rPr lang="en-US" sz="3600" dirty="0"/>
+              <a:t>Dependency Inversion…</a:t>
+            </a:r>
+          </a:p>
+          <a:p>
+            <a:pPr marL="0" indent="0">
+              <a:buNone/>
+            </a:pPr>
+            <a:r>
+              <a:rPr lang="ru-RU" sz="3600" dirty="0"/>
+              <a:t>Необходимо произвести </a:t>
+            </a:r>
+            <a:r>
+              <a:rPr lang="ru-RU" sz="3600" dirty="0" err="1"/>
+              <a:t>рефакторинг</a:t>
+            </a:r>
+            <a:r>
+              <a:rPr lang="ru-RU" sz="3600" dirty="0"/>
+              <a:t> по списку, который см. в </a:t>
+            </a:r>
+            <a:r>
+              <a:rPr lang="en-US" sz="3600" dirty="0">
+                <a:solidFill>
+                  <a:schemeClr val="accent1"/>
+                </a:solidFill>
+              </a:rPr>
+              <a:t>README.md</a:t>
+            </a:r>
+            <a:endParaRPr lang="ru-RU" sz="3600" dirty="0">
+              <a:solidFill>
+                <a:schemeClr val="accent1"/>
+              </a:solidFill>
+            </a:endParaRPr>
+          </a:p>
+        </p:txBody>
+      </p:sp>
+      <p:sp>
+        <p:nvSpPr>
+          <p:cNvPr id="2" name="Заголовок 1"/>
+          <p:cNvSpPr>
+            <a:spLocks noGrp="1"/>
+          </p:cNvSpPr>
+          <p:nvPr>
+            <p:ph type="title"/>
+          </p:nvPr>
+        </p:nvSpPr>
+        <p:spPr/>
+        <p:txBody>
+          <a:bodyPr>
+            <a:noAutofit/>
+          </a:bodyPr>
+          <a:lstStyle/>
+          <a:p>
+            <a:r>
+              <a:rPr lang="ru-RU" dirty="0">
+                <a:solidFill>
+                  <a:schemeClr val="tx1"/>
+                </a:solidFill>
+              </a:rPr>
+              <a:t>Задача</a:t>
+            </a:r>
+            <a:r>
+              <a:rPr lang="ru-RU" dirty="0"/>
+              <a:t> </a:t>
+            </a:r>
+            <a:r>
+              <a:rPr lang="en-US" dirty="0" err="1"/>
+              <a:t>fRACTALpAINTER</a:t>
+            </a:r>
+            <a:endParaRPr lang="ru-RU" dirty="0"/>
+          </a:p>
+        </p:txBody>
+      </p:sp>
+    </p:spTree>
+    <p:extLst>
+      <p:ext uri="{BB962C8B-B14F-4D97-AF65-F5344CB8AC3E}">
+        <p14:creationId xmlns:p14="http://schemas.microsoft.com/office/powerpoint/2010/main" val="3642520840"/>
+      </p:ext>
+    </p:extLst>
+  </p:cSld>
+  <p:clrMapOvr>
+    <a:masterClrMapping/>
+  </p:clrMapOvr>
+</p:sld>
+</file>
+
+<file path=ppt/slides/slide17.xml><?xml version="1.0" encoding="utf-8"?>
+<p:sld xmlns:a="http://schemas.openxmlformats.org/drawingml/2006/main" xmlns:r="http://schemas.openxmlformats.org/officeDocument/2006/relationships" xmlns:p="http://schemas.openxmlformats.org/presentationml/2006/main">
+  <p:cSld>
+    <p:spTree>
+      <p:nvGrpSpPr>
+        <p:cNvPr id="1" name=""/>
+        <p:cNvGrpSpPr/>
+        <p:nvPr/>
+      </p:nvGrpSpPr>
+      <p:grpSpPr>
+        <a:xfrm>
+          <a:off x="0" y="0"/>
+          <a:ext cx="0" cy="0"/>
+          <a:chOff x="0" y="0"/>
+          <a:chExt cx="0" cy="0"/>
+        </a:xfrm>
+      </p:grpSpPr>
+      <p:sp>
+        <p:nvSpPr>
+          <p:cNvPr id="3" name="Объект 2"/>
+          <p:cNvSpPr>
+            <a:spLocks noGrp="1"/>
+          </p:cNvSpPr>
+          <p:nvPr>
+            <p:ph sz="quarter" idx="13"/>
+          </p:nvPr>
+        </p:nvSpPr>
+        <p:spPr/>
+        <p:txBody>
+          <a:bodyPr>
+            <a:normAutofit/>
+          </a:bodyPr>
+          <a:lstStyle/>
+          <a:p>
+            <a:pPr marL="457200" indent="-457200">
+              <a:buFont typeface="Arial" panose="020B0604020202020204" pitchFamily="34" charset="0"/>
+              <a:buChar char="•"/>
+            </a:pPr>
+            <a:r>
+              <a:rPr lang="ru-RU" dirty="0"/>
+              <a:t>Можно внедрять контейнер постепенно</a:t>
+            </a:r>
+          </a:p>
+          <a:p>
+            <a:pPr marL="457200" indent="-457200">
+              <a:buFont typeface="Arial" panose="020B0604020202020204" pitchFamily="34" charset="0"/>
+              <a:buChar char="•"/>
+            </a:pPr>
+            <a:r>
+              <a:rPr lang="ru-RU" dirty="0"/>
+              <a:t>Контейнер должен использоваться в одном месте, а не заражать код</a:t>
+            </a:r>
+          </a:p>
+          <a:p>
+            <a:pPr marL="457200" indent="-457200">
+              <a:buFont typeface="Arial" panose="020B0604020202020204" pitchFamily="34" charset="0"/>
+              <a:buChar char="•"/>
+            </a:pPr>
+            <a:r>
+              <a:rPr lang="ru-RU" dirty="0"/>
+              <a:t>Контейнер подходит для разных ситуаций</a:t>
+            </a:r>
+            <a:endParaRPr lang="en-US" dirty="0"/>
+          </a:p>
+          <a:p>
+            <a:pPr marL="1200095" lvl="1" indent="-457200"/>
+            <a:r>
+              <a:rPr lang="en-US" dirty="0"/>
+              <a:t>Bind to Class, Bind to Constant, Bind to Method</a:t>
+            </a:r>
+          </a:p>
+          <a:p>
+            <a:pPr marL="1200095" lvl="1" indent="-457200"/>
+            <a:r>
+              <a:rPr lang="en-US" dirty="0"/>
+              <a:t>Singleton Scope, Factory, Lazy</a:t>
+            </a:r>
+          </a:p>
+          <a:p>
+            <a:pPr marL="1200095" lvl="1" indent="-457200"/>
+            <a:r>
+              <a:rPr lang="en-US" dirty="0"/>
+              <a:t>When</a:t>
+            </a:r>
+          </a:p>
+          <a:p>
+            <a:pPr marL="1200095" lvl="1" indent="-457200"/>
+            <a:r>
+              <a:rPr lang="en-US" dirty="0"/>
+              <a:t>Conventions</a:t>
+            </a:r>
+            <a:endParaRPr lang="ru-RU" dirty="0"/>
+          </a:p>
+          <a:p>
+            <a:pPr marL="457200" indent="-457200">
+              <a:buFont typeface="Arial" panose="020B0604020202020204" pitchFamily="34" charset="0"/>
+              <a:buChar char="•"/>
+            </a:pPr>
+            <a:endParaRPr lang="ru-RU" dirty="0"/>
+          </a:p>
+        </p:txBody>
+      </p:sp>
+      <p:sp>
+        <p:nvSpPr>
+          <p:cNvPr id="2" name="Заголовок 1"/>
+          <p:cNvSpPr>
+            <a:spLocks noGrp="1"/>
+          </p:cNvSpPr>
+          <p:nvPr>
+            <p:ph type="title"/>
+          </p:nvPr>
+        </p:nvSpPr>
+        <p:spPr/>
+        <p:txBody>
+          <a:bodyPr>
+            <a:noAutofit/>
+          </a:bodyPr>
+          <a:lstStyle/>
+          <a:p>
+            <a:r>
+              <a:rPr lang="ru-RU" dirty="0">
+                <a:solidFill>
+                  <a:schemeClr val="tx1"/>
+                </a:solidFill>
+              </a:rPr>
+              <a:t>Разбор задачи</a:t>
+            </a:r>
+            <a:r>
+              <a:rPr lang="ru-RU" dirty="0"/>
+              <a:t> </a:t>
+            </a:r>
+            <a:r>
+              <a:rPr lang="en-US" dirty="0" err="1"/>
+              <a:t>FractalPainter</a:t>
+            </a:r>
+            <a:endParaRPr lang="ru-RU" dirty="0"/>
+          </a:p>
+        </p:txBody>
+      </p:sp>
+    </p:spTree>
+    <p:extLst>
+      <p:ext uri="{BB962C8B-B14F-4D97-AF65-F5344CB8AC3E}">
+        <p14:creationId xmlns:p14="http://schemas.microsoft.com/office/powerpoint/2010/main" val="402265535"/>
+      </p:ext>
+    </p:extLst>
+  </p:cSld>
+  <p:clrMapOvr>
+    <a:masterClrMapping/>
+  </p:clrMapOvr>
+  <p:timing>
+    <p:tnLst>
+      <p:par>
+        <p:cTn id="1" dur="indefinite" restart="never" nodeType="tmRoot">
+          <p:childTnLst>
+            <p:seq concurrent="1" nextAc="seek">
+              <p:cTn id="2" dur="indefinite" nodeType="mainSeq">
+                <p:childTnLst>
+                  <p:par>
+                    <p:cTn id="3" fill="hold">
+                      <p:stCondLst>
+                        <p:cond delay="indefinite"/>
+                      </p:stCondLst>
+                      <p:childTnLst>
+                        <p:par>
+                          <p:cTn id="4" fill="hold">
+                            <p:stCondLst>
+                              <p:cond delay="0"/>
+                            </p:stCondLst>
+                            <p:childTnLst>
+                              <p:par>
+                                <p:cTn id="5" presetID="1" presetClass="entr" presetSubtype="0" fill="hold" grpId="0" nodeType="clickEffect">
+                                  <p:stCondLst>
+                                    <p:cond delay="0"/>
+                                  </p:stCondLst>
+                                  <p:childTnLst>
+                                    <p:set>
+                                      <p:cBhvr>
+                                        <p:cTn id="6" dur="1" fill="hold">
+                                          <p:stCondLst>
+                                            <p:cond delay="0"/>
+                                          </p:stCondLst>
+                                        </p:cTn>
+                                        <p:tgtEl>
+                                          <p:spTgt spid="3">
+                                            <p:txEl>
+                                              <p:pRg st="0" end="0"/>
+                                            </p:txEl>
+                                          </p:spTgt>
+                                        </p:tgtEl>
+                                        <p:attrNameLst>
+                                          <p:attrName>style.visibility</p:attrName>
+                                        </p:attrNameLst>
+                                      </p:cBhvr>
+                                      <p:to>
+                                        <p:strVal val="visible"/>
+                                      </p:to>
+                                    </p:set>
+                                  </p:childTnLst>
+                                </p:cTn>
+                              </p:par>
+                            </p:childTnLst>
+                          </p:cTn>
+                        </p:par>
+                      </p:childTnLst>
+                    </p:cTn>
+                  </p:par>
+                  <p:par>
+                    <p:cTn id="7" fill="hold">
+                      <p:stCondLst>
+                        <p:cond delay="indefinite"/>
+                      </p:stCondLst>
+                      <p:childTnLst>
+                        <p:par>
+                          <p:cTn id="8" fill="hold">
+                            <p:stCondLst>
+                              <p:cond delay="0"/>
+                            </p:stCondLst>
+                            <p:childTnLst>
+                              <p:par>
+                                <p:cTn id="9" presetID="1" presetClass="entr" presetSubtype="0" fill="hold" grpId="0" nodeType="clickEffect">
+                                  <p:stCondLst>
+                                    <p:cond delay="0"/>
+                                  </p:stCondLst>
+                                  <p:childTnLst>
+                                    <p:set>
+                                      <p:cBhvr>
+                                        <p:cTn id="10" dur="1" fill="hold">
+                                          <p:stCondLst>
+                                            <p:cond delay="0"/>
+                                          </p:stCondLst>
+                                        </p:cTn>
+                                        <p:tgtEl>
+                                          <p:spTgt spid="3">
+                                            <p:txEl>
+                                              <p:pRg st="1" end="1"/>
+                                            </p:txEl>
+                                          </p:spTgt>
+                                        </p:tgtEl>
+                                        <p:attrNameLst>
+                                          <p:attrName>style.visibility</p:attrName>
+                                        </p:attrNameLst>
+                                      </p:cBhvr>
+                                      <p:to>
+                                        <p:strVal val="visible"/>
+                                      </p:to>
+                                    </p:set>
+                                  </p:childTnLst>
+                                </p:cTn>
+                              </p:par>
+                            </p:childTnLst>
+                          </p:cTn>
+                        </p:par>
+                      </p:childTnLst>
+                    </p:cTn>
+                  </p:par>
+                  <p:par>
+                    <p:cTn id="11" fill="hold">
+                      <p:stCondLst>
+                        <p:cond delay="indefinite"/>
+                      </p:stCondLst>
+                      <p:childTnLst>
+                        <p:par>
+                          <p:cTn id="12" fill="hold">
+                            <p:stCondLst>
+                              <p:cond delay="0"/>
+                            </p:stCondLst>
+                            <p:childTnLst>
+                              <p:par>
+                                <p:cTn id="13" presetID="1" presetClass="entr" presetSubtype="0" fill="hold" grpId="0" nodeType="clickEffect">
+                                  <p:stCondLst>
+                                    <p:cond delay="0"/>
+                                  </p:stCondLst>
+                                  <p:childTnLst>
+                                    <p:set>
+                                      <p:cBhvr>
+                                        <p:cTn id="14" dur="1" fill="hold">
+                                          <p:stCondLst>
+                                            <p:cond delay="0"/>
+                                          </p:stCondLst>
+                                        </p:cTn>
+                                        <p:tgtEl>
+                                          <p:spTgt spid="3">
+                                            <p:txEl>
+                                              <p:pRg st="2" end="2"/>
+                                            </p:txEl>
+                                          </p:spTgt>
+                                        </p:tgtEl>
+                                        <p:attrNameLst>
+                                          <p:attrName>style.visibility</p:attrName>
+                                        </p:attrNameLst>
+                                      </p:cBhvr>
+                                      <p:to>
+                                        <p:strVal val="visible"/>
+                                      </p:to>
+                                    </p:set>
+                                  </p:childTnLst>
+                                </p:cTn>
+                              </p:par>
+                              <p:par>
+                                <p:cTn id="15" presetID="1" presetClass="entr" presetSubtype="0" fill="hold" grpId="0" nodeType="withEffect">
+                                  <p:stCondLst>
+                                    <p:cond delay="0"/>
+                                  </p:stCondLst>
+                                  <p:childTnLst>
+                                    <p:set>
+                                      <p:cBhvr>
+                                        <p:cTn id="16" dur="1" fill="hold">
+                                          <p:stCondLst>
+                                            <p:cond delay="0"/>
+                                          </p:stCondLst>
+                                        </p:cTn>
+                                        <p:tgtEl>
+                                          <p:spTgt spid="3">
+                                            <p:txEl>
+                                              <p:pRg st="3" end="3"/>
+                                            </p:txEl>
+                                          </p:spTgt>
+                                        </p:tgtEl>
+                                        <p:attrNameLst>
+                                          <p:attrName>style.visibility</p:attrName>
+                                        </p:attrNameLst>
+                                      </p:cBhvr>
+                                      <p:to>
+                                        <p:strVal val="visible"/>
+                                      </p:to>
+                                    </p:set>
+                                  </p:childTnLst>
+                                </p:cTn>
+                              </p:par>
+                              <p:par>
+                                <p:cTn id="17" presetID="1" presetClass="entr" presetSubtype="0" fill="hold" grpId="0" nodeType="withEffect">
+                                  <p:stCondLst>
+                                    <p:cond delay="0"/>
+                                  </p:stCondLst>
+                                  <p:childTnLst>
+                                    <p:set>
+                                      <p:cBhvr>
+                                        <p:cTn id="18" dur="1" fill="hold">
+                                          <p:stCondLst>
+                                            <p:cond delay="0"/>
+                                          </p:stCondLst>
+                                        </p:cTn>
+                                        <p:tgtEl>
+                                          <p:spTgt spid="3">
+                                            <p:txEl>
+                                              <p:pRg st="4" end="4"/>
+                                            </p:txEl>
+                                          </p:spTgt>
+                                        </p:tgtEl>
+                                        <p:attrNameLst>
+                                          <p:attrName>style.visibility</p:attrName>
+                                        </p:attrNameLst>
+                                      </p:cBhvr>
+                                      <p:to>
+                                        <p:strVal val="visible"/>
+                                      </p:to>
+                                    </p:set>
+                                  </p:childTnLst>
+                                </p:cTn>
+                              </p:par>
+                              <p:par>
+                                <p:cTn id="19" presetID="1" presetClass="entr" presetSubtype="0" fill="hold" grpId="0" nodeType="withEffect">
+                                  <p:stCondLst>
+                                    <p:cond delay="0"/>
+                                  </p:stCondLst>
+                                  <p:childTnLst>
+                                    <p:set>
+                                      <p:cBhvr>
+                                        <p:cTn id="20" dur="1" fill="hold">
+                                          <p:stCondLst>
+                                            <p:cond delay="0"/>
+                                          </p:stCondLst>
+                                        </p:cTn>
+                                        <p:tgtEl>
+                                          <p:spTgt spid="3">
+                                            <p:txEl>
+                                              <p:pRg st="5" end="5"/>
+                                            </p:txEl>
+                                          </p:spTgt>
+                                        </p:tgtEl>
+                                        <p:attrNameLst>
+                                          <p:attrName>style.visibility</p:attrName>
+                                        </p:attrNameLst>
+                                      </p:cBhvr>
+                                      <p:to>
+                                        <p:strVal val="visible"/>
+                                      </p:to>
+                                    </p:set>
+                                  </p:childTnLst>
+                                </p:cTn>
+                              </p:par>
+                              <p:par>
+                                <p:cTn id="21" presetID="1" presetClass="entr" presetSubtype="0" fill="hold" grpId="0" nodeType="withEffect">
+                                  <p:stCondLst>
+                                    <p:cond delay="0"/>
+                                  </p:stCondLst>
+                                  <p:childTnLst>
+                                    <p:set>
+                                      <p:cBhvr>
+                                        <p:cTn id="22" dur="1" fill="hold">
+                                          <p:stCondLst>
+                                            <p:cond delay="0"/>
+                                          </p:stCondLst>
+                                        </p:cTn>
+                                        <p:tgtEl>
+                                          <p:spTgt spid="3">
+                                            <p:txEl>
+                                              <p:pRg st="6" end="6"/>
+                                            </p:txEl>
+                                          </p:spTgt>
+                                        </p:tgtEl>
+                                        <p:attrNameLst>
+                                          <p:attrName>style.visibility</p:attrName>
+                                        </p:attrNameLst>
+                                      </p:cBhvr>
+                                      <p:to>
+                                        <p:strVal val="visible"/>
+                                      </p:to>
+                                    </p:set>
+                                  </p:childTnLst>
+                                </p:cTn>
+                              </p:par>
+                            </p:childTnLst>
+                          </p:cTn>
+                        </p:par>
+                      </p:childTnLst>
+                    </p:cTn>
+                  </p:par>
+                </p:childTnLst>
+              </p:cTn>
+              <p:prevCondLst>
+                <p:cond evt="onPrev" delay="0">
+                  <p:tgtEl>
+                    <p:sldTgt/>
+                  </p:tgtEl>
+                </p:cond>
+              </p:prevCondLst>
+              <p:nextCondLst>
+                <p:cond evt="onNext" delay="0">
+                  <p:tgtEl>
+                    <p:sldTgt/>
+                  </p:tgtEl>
+                </p:cond>
+              </p:nextCondLst>
+            </p:seq>
+          </p:childTnLst>
+        </p:cTn>
+      </p:par>
+    </p:tnLst>
+    <p:bldLst>
+      <p:bldP spid="3" grpId="0" build="p"/>
+    </p:bldLst>
+  </p:timing>
 </p:sld>
 </file>
 

--- a/di.pptx
+++ b/di.pptx
@@ -2459,6 +2459,13 @@
         </dgm:presLayoutVars>
       </dgm:prSet>
       <dgm:spPr/>
+      <dgm:t>
+        <a:bodyPr/>
+        <a:lstStyle/>
+        <a:p>
+          <a:endParaRPr lang="ru-RU"/>
+        </a:p>
+      </dgm:t>
     </dgm:pt>
     <dgm:pt modelId="{CF6D50B3-578A-4EA0-A5A0-492FA729F6ED}" type="pres">
       <dgm:prSet presAssocID="{B75F6A3A-9A51-4DF3-8A57-9AEB0739425C}" presName="composite" presStyleCnt="0"/>
@@ -2471,6 +2478,13 @@
         </dgm:presLayoutVars>
       </dgm:prSet>
       <dgm:spPr/>
+      <dgm:t>
+        <a:bodyPr/>
+        <a:lstStyle/>
+        <a:p>
+          <a:endParaRPr lang="ru-RU"/>
+        </a:p>
+      </dgm:t>
     </dgm:pt>
     <dgm:pt modelId="{61EB78D8-69FF-471D-8FEB-71388C442F55}" type="pres">
       <dgm:prSet presAssocID="{B75F6A3A-9A51-4DF3-8A57-9AEB0739425C}" presName="rect1" presStyleLbl="alignImgPlace1" presStyleIdx="0" presStyleCnt="1" custScaleX="596594" custScaleY="114980" custLinFactX="-64576" custLinFactNeighborX="-100000" custLinFactNeighborY="-13065"/>
@@ -2566,6 +2580,13 @@
         </dgm:presLayoutVars>
       </dgm:prSet>
       <dgm:spPr/>
+      <dgm:t>
+        <a:bodyPr/>
+        <a:lstStyle/>
+        <a:p>
+          <a:endParaRPr lang="ru-RU"/>
+        </a:p>
+      </dgm:t>
     </dgm:pt>
     <dgm:pt modelId="{CF6D50B3-578A-4EA0-A5A0-492FA729F6ED}" type="pres">
       <dgm:prSet presAssocID="{B75F6A3A-9A51-4DF3-8A57-9AEB0739425C}" presName="composite" presStyleCnt="0"/>
@@ -2578,6 +2599,13 @@
         </dgm:presLayoutVars>
       </dgm:prSet>
       <dgm:spPr/>
+      <dgm:t>
+        <a:bodyPr/>
+        <a:lstStyle/>
+        <a:p>
+          <a:endParaRPr lang="ru-RU"/>
+        </a:p>
+      </dgm:t>
     </dgm:pt>
     <dgm:pt modelId="{61EB78D8-69FF-471D-8FEB-71388C442F55}" type="pres">
       <dgm:prSet presAssocID="{B75F6A3A-9A51-4DF3-8A57-9AEB0739425C}" presName="rect1" presStyleLbl="alignImgPlace1" presStyleIdx="0" presStyleCnt="1" custScaleX="596594" custScaleY="114980" custLinFactX="-64576" custLinFactNeighborX="-100000" custLinFactNeighborY="-13065"/>
@@ -2691,6 +2719,13 @@
         </dgm:presLayoutVars>
       </dgm:prSet>
       <dgm:spPr/>
+      <dgm:t>
+        <a:bodyPr/>
+        <a:lstStyle/>
+        <a:p>
+          <a:endParaRPr lang="ru-RU"/>
+        </a:p>
+      </dgm:t>
     </dgm:pt>
     <dgm:pt modelId="{65D73C51-61AB-436D-8191-975603FC9C68}" type="pres">
       <dgm:prSet presAssocID="{9C9C0585-42CE-4F34-A2BB-F1377DA03788}" presName="composite" presStyleCnt="0"/>
@@ -2703,6 +2738,13 @@
         </dgm:presLayoutVars>
       </dgm:prSet>
       <dgm:spPr/>
+      <dgm:t>
+        <a:bodyPr/>
+        <a:lstStyle/>
+        <a:p>
+          <a:endParaRPr lang="ru-RU"/>
+        </a:p>
+      </dgm:t>
     </dgm:pt>
     <dgm:pt modelId="{DFDA3CA3-5C68-4A2F-A4A8-285063A35D87}" type="pres">
       <dgm:prSet presAssocID="{9C9C0585-42CE-4F34-A2BB-F1377DA03788}" presName="rect1" presStyleLbl="alignImgPlace1" presStyleIdx="0" presStyleCnt="1" custScaleX="62421" custScaleY="62421" custLinFactNeighborX="1076" custLinFactNeighborY="-52209"/>
@@ -2789,7 +2831,7 @@
         </a:bodyPr>
         <a:lstStyle/>
         <a:p>
-          <a:pPr marL="0" lvl="0" indent="0" algn="l" defTabSz="222250">
+          <a:pPr lvl="0" algn="l" defTabSz="222250">
             <a:lnSpc>
               <a:spcPct val="90000"/>
             </a:lnSpc>
@@ -2799,7 +2841,6 @@
             <a:spcAft>
               <a:spcPct val="35000"/>
             </a:spcAft>
-            <a:buNone/>
           </a:pPr>
           <a:r>
             <a:rPr lang="ru-RU" sz="500" kern="1200" dirty="0"/>
@@ -2876,118 +2917,6 @@
       <dsp:cNvGrpSpPr/>
     </dsp:nvGrpSpPr>
     <dsp:grpSpPr/>
-    <dsp:sp modelId="{B29ABF60-EC0F-45AD-A90E-9C76D15C2F14}">
-      <dsp:nvSpPr>
-        <dsp:cNvPr id="0" name=""/>
-        <dsp:cNvSpPr/>
-      </dsp:nvSpPr>
-      <dsp:spPr>
-        <a:xfrm>
-          <a:off x="1748174" y="210303"/>
-          <a:ext cx="175586" cy="38914"/>
-        </a:xfrm>
-        <a:prstGeom prst="rect">
-          <a:avLst/>
-        </a:prstGeom>
-        <a:noFill/>
-        <a:ln>
-          <a:noFill/>
-        </a:ln>
-        <a:effectLst/>
-      </dsp:spPr>
-      <dsp:style>
-        <a:lnRef idx="0">
-          <a:scrgbClr r="0" g="0" b="0"/>
-        </a:lnRef>
-        <a:fillRef idx="0">
-          <a:scrgbClr r="0" g="0" b="0"/>
-        </a:fillRef>
-        <a:effectRef idx="0">
-          <a:scrgbClr r="0" g="0" b="0"/>
-        </a:effectRef>
-        <a:fontRef idx="minor"/>
-      </dsp:style>
-      <dsp:txBody>
-        <a:bodyPr spcFirstLastPara="0" vert="horz" wrap="square" lIns="0" tIns="19050" rIns="19050" bIns="0" numCol="1" spcCol="1270" anchor="t" anchorCtr="0">
-          <a:noAutofit/>
-        </a:bodyPr>
-        <a:lstStyle/>
-        <a:p>
-          <a:pPr marL="0" lvl="0" indent="0" algn="l" defTabSz="222250">
-            <a:lnSpc>
-              <a:spcPct val="90000"/>
-            </a:lnSpc>
-            <a:spcBef>
-              <a:spcPct val="0"/>
-            </a:spcBef>
-            <a:spcAft>
-              <a:spcPct val="35000"/>
-            </a:spcAft>
-            <a:buNone/>
-          </a:pPr>
-          <a:r>
-            <a:rPr lang="ru-RU" sz="500" kern="1200" dirty="0"/>
-            <a:t> </a:t>
-          </a:r>
-        </a:p>
-      </dsp:txBody>
-      <dsp:txXfrm>
-        <a:off x="1748174" y="210303"/>
-        <a:ext cx="175586" cy="38914"/>
-      </dsp:txXfrm>
-    </dsp:sp>
-    <dsp:sp modelId="{61EB78D8-69FF-471D-8FEB-71388C442F55}">
-      <dsp:nvSpPr>
-        <dsp:cNvPr id="0" name=""/>
-        <dsp:cNvSpPr/>
-      </dsp:nvSpPr>
-      <dsp:spPr>
-        <a:xfrm>
-          <a:off x="0" y="0"/>
-          <a:ext cx="1980001" cy="381600"/>
-        </a:xfrm>
-        <a:prstGeom prst="rect">
-          <a:avLst/>
-        </a:prstGeom>
-        <a:blipFill>
-          <a:blip xmlns:r="http://schemas.openxmlformats.org/officeDocument/2006/relationships" r:embed="rId1">
-            <a:extLst>
-              <a:ext uri="{28A0092B-C50C-407E-A947-70E740481C1C}">
-                <a14:useLocalDpi xmlns:a14="http://schemas.microsoft.com/office/drawing/2010/main" val="0"/>
-              </a:ext>
-            </a:extLst>
-          </a:blip>
-          <a:srcRect/>
-          <a:stretch>
-            <a:fillRect l="-1000" r="-1000"/>
-          </a:stretch>
-        </a:blipFill>
-        <a:ln w="25400" cap="flat" cmpd="sng" algn="ctr">
-          <a:solidFill>
-            <a:schemeClr val="lt1">
-              <a:hueOff val="0"/>
-              <a:satOff val="0"/>
-              <a:lumOff val="0"/>
-              <a:alphaOff val="0"/>
-            </a:schemeClr>
-          </a:solidFill>
-          <a:prstDash val="solid"/>
-        </a:ln>
-        <a:effectLst/>
-      </dsp:spPr>
-      <dsp:style>
-        <a:lnRef idx="2">
-          <a:scrgbClr r="0" g="0" b="0"/>
-        </a:lnRef>
-        <a:fillRef idx="1">
-          <a:scrgbClr r="0" g="0" b="0"/>
-        </a:fillRef>
-        <a:effectRef idx="0">
-          <a:scrgbClr r="0" g="0" b="0"/>
-        </a:effectRef>
-        <a:fontRef idx="minor"/>
-      </dsp:style>
-    </dsp:sp>
   </dsp:spTree>
 </dsp:drawing>
 </file>
@@ -3000,128 +2929,6 @@
       <dsp:cNvGrpSpPr/>
     </dsp:nvGrpSpPr>
     <dsp:grpSpPr/>
-    <dsp:sp modelId="{A30F2283-C0A4-4A69-BCBE-833D967155A2}">
-      <dsp:nvSpPr>
-        <dsp:cNvPr id="0" name=""/>
-        <dsp:cNvSpPr/>
-      </dsp:nvSpPr>
-      <dsp:spPr>
-        <a:xfrm>
-          <a:off x="469735" y="1146225"/>
-          <a:ext cx="2927097" cy="509149"/>
-        </a:xfrm>
-        <a:prstGeom prst="rect">
-          <a:avLst/>
-        </a:prstGeom>
-        <a:noFill/>
-        <a:ln>
-          <a:noFill/>
-        </a:ln>
-        <a:effectLst/>
-      </dsp:spPr>
-      <dsp:style>
-        <a:lnRef idx="0">
-          <a:scrgbClr r="0" g="0" b="0"/>
-        </a:lnRef>
-        <a:fillRef idx="0">
-          <a:scrgbClr r="0" g="0" b="0"/>
-        </a:fillRef>
-        <a:effectRef idx="0">
-          <a:scrgbClr r="0" g="0" b="0"/>
-        </a:effectRef>
-        <a:fontRef idx="minor"/>
-      </dsp:style>
-      <dsp:txBody>
-        <a:bodyPr spcFirstLastPara="0" vert="horz" wrap="square" lIns="0" tIns="152400" rIns="152400" bIns="0" numCol="1" spcCol="1270" anchor="b" anchorCtr="0">
-          <a:noAutofit/>
-        </a:bodyPr>
-        <a:lstStyle/>
-        <a:p>
-          <a:pPr marL="0" lvl="0" indent="0" algn="ctr" defTabSz="1778000">
-            <a:lnSpc>
-              <a:spcPct val="90000"/>
-            </a:lnSpc>
-            <a:spcBef>
-              <a:spcPct val="0"/>
-            </a:spcBef>
-            <a:spcAft>
-              <a:spcPct val="35000"/>
-            </a:spcAft>
-            <a:buNone/>
-          </a:pPr>
-          <a:r>
-            <a:rPr lang="ru-RU" sz="4000" kern="1200" dirty="0">
-              <a:solidFill>
-                <a:schemeClr val="accent1"/>
-              </a:solidFill>
-            </a:rPr>
-            <a:t>ВОПРОСЫ</a:t>
-          </a:r>
-          <a:r>
-            <a:rPr lang="en-US" sz="4000" kern="1200" dirty="0">
-              <a:solidFill>
-                <a:schemeClr val="accent1"/>
-              </a:solidFill>
-            </a:rPr>
-            <a:t>?</a:t>
-          </a:r>
-          <a:endParaRPr lang="ru-RU" sz="4000" kern="1200" dirty="0">
-            <a:solidFill>
-              <a:schemeClr val="accent1"/>
-            </a:solidFill>
-          </a:endParaRPr>
-        </a:p>
-      </dsp:txBody>
-      <dsp:txXfrm>
-        <a:off x="469735" y="1146225"/>
-        <a:ext cx="2927097" cy="509149"/>
-      </dsp:txXfrm>
-    </dsp:sp>
-    <dsp:sp modelId="{DFDA3CA3-5C68-4A2F-A4A8-285063A35D87}">
-      <dsp:nvSpPr>
-        <dsp:cNvPr id="0" name=""/>
-        <dsp:cNvSpPr/>
-      </dsp:nvSpPr>
-      <dsp:spPr>
-        <a:xfrm>
-          <a:off x="1521700" y="91137"/>
-          <a:ext cx="849599" cy="849599"/>
-        </a:xfrm>
-        <a:prstGeom prst="rect">
-          <a:avLst/>
-        </a:prstGeom>
-        <a:blipFill>
-          <a:blip xmlns:r="http://schemas.openxmlformats.org/officeDocument/2006/relationships" r:embed="rId1">
-            <a:extLst>
-              <a:ext uri="{28A0092B-C50C-407E-A947-70E740481C1C}">
-                <a14:useLocalDpi xmlns:a14="http://schemas.microsoft.com/office/drawing/2010/main" val="0"/>
-              </a:ext>
-            </a:extLst>
-          </a:blip>
-          <a:srcRect/>
-          <a:stretch>
-            <a:fillRect/>
-          </a:stretch>
-        </a:blipFill>
-        <a:ln w="0" cap="flat" cmpd="sng" algn="ctr">
-          <a:noFill/>
-          <a:prstDash val="solid"/>
-        </a:ln>
-        <a:effectLst/>
-      </dsp:spPr>
-      <dsp:style>
-        <a:lnRef idx="2">
-          <a:scrgbClr r="0" g="0" b="0"/>
-        </a:lnRef>
-        <a:fillRef idx="1">
-          <a:scrgbClr r="0" g="0" b="0"/>
-        </a:fillRef>
-        <a:effectRef idx="0">
-          <a:scrgbClr r="0" g="0" b="0"/>
-        </a:effectRef>
-        <a:fontRef idx="minor"/>
-      </dsp:style>
-    </dsp:sp>
   </dsp:spTree>
 </dsp:drawing>
 </file>
@@ -7108,7 +6915,7 @@
           <a:p>
             <a:fld id="{98715375-4139-4C08-98FD-C8890076A179}" type="datetimeFigureOut">
               <a:rPr lang="ru-RU" smtClean="0"/>
-              <a:t>16.10.2016</a:t>
+              <a:t>04.11.2016</a:t>
             </a:fld>
             <a:endParaRPr lang="ru-RU"/>
           </a:p>
@@ -12506,6 +12313,13 @@
               </a:spcAft>
               <a:buNone/>
             </a:pPr>
+            <a:r>
+              <a:rPr lang="ru-RU" altLang="ru-RU" sz="2000" dirty="0">
+                <a:latin typeface="Consolas" panose="020B0609020204030204" pitchFamily="49" charset="0"/>
+                <a:cs typeface="Consolas" panose="020B0609020204030204" pitchFamily="49" charset="0"/>
+              </a:rPr>
+              <a:t/>
+            </a:r>
             <a:br>
               <a:rPr lang="ru-RU" altLang="ru-RU" sz="2000" dirty="0">
                 <a:latin typeface="Consolas" panose="020B0609020204030204" pitchFamily="49" charset="0"/>
@@ -14672,7 +14486,19 @@
             </a:r>
             <a:r>
               <a:rPr lang="ru-RU" sz="3600" dirty="0"/>
-              <a:t> по списку, который см. в </a:t>
+              <a:t> по </a:t>
+            </a:r>
+            <a:r>
+              <a:rPr lang="ru-RU" sz="3600" dirty="0" smtClean="0"/>
+              <a:t>списку</a:t>
+            </a:r>
+            <a:r>
+              <a:rPr lang="en-US" sz="3600" dirty="0" smtClean="0"/>
+              <a:t> </a:t>
+            </a:r>
+            <a:r>
+              <a:rPr lang="ru-RU" sz="3600" dirty="0" smtClean="0"/>
+              <a:t>в </a:t>
             </a:r>
             <a:r>
               <a:rPr lang="en-US" sz="3600" dirty="0">

--- a/di.pptx
+++ b/di.pptx
@@ -6915,7 +6915,7 @@
           <a:p>
             <a:fld id="{98715375-4139-4C08-98FD-C8890076A179}" type="datetimeFigureOut">
               <a:rPr lang="ru-RU" smtClean="0"/>
-              <a:t>04.11.2016</a:t>
+              <a:t>05.11.2016</a:t>
             </a:fld>
             <a:endParaRPr lang="ru-RU"/>
           </a:p>
@@ -11661,30 +11661,6 @@
           </a:p>
         </p:txBody>
       </p:sp>
-      <p:sp>
-        <p:nvSpPr>
-          <p:cNvPr id="3" name="Текст 2"/>
-          <p:cNvSpPr>
-            <a:spLocks noGrp="1"/>
-          </p:cNvSpPr>
-          <p:nvPr>
-            <p:ph type="body" sz="quarter" idx="11"/>
-          </p:nvPr>
-        </p:nvSpPr>
-        <p:spPr>
-          <a:xfrm>
-            <a:off x="4367213" y="5229225"/>
-            <a:ext cx="6529387" cy="439738"/>
-          </a:xfrm>
-        </p:spPr>
-        <p:txBody>
-          <a:bodyPr/>
-          <a:lstStyle/>
-          <a:p>
-            <a:endParaRPr lang="en-US" dirty="0"/>
-          </a:p>
-        </p:txBody>
-      </p:sp>
       <p:pic>
         <p:nvPicPr>
           <p:cNvPr id="5" name="Рисунок 4"/>
@@ -11728,6 +11704,13 @@
   <p:clrMapOvr>
     <a:masterClrMapping/>
   </p:clrMapOvr>
+  <p:timing>
+    <p:tnLst>
+      <p:par>
+        <p:cTn id="1" dur="indefinite" restart="never" nodeType="tmRoot"/>
+      </p:par>
+    </p:tnLst>
+  </p:timing>
 </p:sld>
 </file>
 
@@ -12447,6 +12430,13 @@
   <p:clrMapOvr>
     <a:masterClrMapping/>
   </p:clrMapOvr>
+  <p:timing>
+    <p:tnLst>
+      <p:par>
+        <p:cTn id="1" dur="indefinite" restart="never" nodeType="tmRoot"/>
+      </p:par>
+    </p:tnLst>
+  </p:timing>
 </p:sld>
 </file>
 
@@ -12733,6 +12723,13 @@
   <p:clrMapOvr>
     <a:masterClrMapping/>
   </p:clrMapOvr>
+  <p:timing>
+    <p:tnLst>
+      <p:par>
+        <p:cTn id="1" dur="indefinite" restart="never" nodeType="tmRoot"/>
+      </p:par>
+    </p:tnLst>
+  </p:timing>
 </p:sld>
 </file>
 
@@ -13959,6 +13956,13 @@
   <p:clrMapOvr>
     <a:masterClrMapping/>
   </p:clrMapOvr>
+  <p:timing>
+    <p:tnLst>
+      <p:par>
+        <p:cTn id="1" dur="indefinite" restart="never" nodeType="tmRoot"/>
+      </p:par>
+    </p:tnLst>
+  </p:timing>
 </p:sld>
 </file>
 
@@ -14215,6 +14219,13 @@
   <p:clrMapOvr>
     <a:masterClrMapping/>
   </p:clrMapOvr>
+  <p:timing>
+    <p:tnLst>
+      <p:par>
+        <p:cTn id="1" dur="indefinite" restart="never" nodeType="tmRoot"/>
+      </p:par>
+    </p:tnLst>
+  </p:timing>
 </p:sld>
 </file>
 
@@ -14411,6 +14422,13 @@
   <p:clrMapOvr>
     <a:masterClrMapping/>
   </p:clrMapOvr>
+  <p:timing>
+    <p:tnLst>
+      <p:par>
+        <p:cTn id="1" dur="indefinite" restart="never" nodeType="tmRoot"/>
+      </p:par>
+    </p:tnLst>
+  </p:timing>
 </p:sld>
 </file>
 
@@ -14563,6 +14581,13 @@
   <p:clrMapOvr>
     <a:masterClrMapping/>
   </p:clrMapOvr>
+  <p:timing>
+    <p:tnLst>
+      <p:par>
+        <p:cTn id="1" dur="indefinite" restart="never" nodeType="tmRoot"/>
+      </p:par>
+    </p:tnLst>
+  </p:timing>
 </p:sld>
 </file>
 
@@ -15470,6 +15495,13 @@
   <p:clrMapOvr>
     <a:masterClrMapping/>
   </p:clrMapOvr>
+  <p:timing>
+    <p:tnLst>
+      <p:par>
+        <p:cTn id="1" dur="indefinite" restart="never" nodeType="tmRoot"/>
+      </p:par>
+    </p:tnLst>
+  </p:timing>
 </p:sld>
 </file>
 
@@ -15911,6 +15943,13 @@
   <p:clrMapOvr>
     <a:masterClrMapping/>
   </p:clrMapOvr>
+  <p:timing>
+    <p:tnLst>
+      <p:par>
+        <p:cTn id="1" dur="indefinite" restart="never" nodeType="tmRoot"/>
+      </p:par>
+    </p:tnLst>
+  </p:timing>
 </p:sld>
 </file>
 
@@ -20153,6 +20192,13 @@
   <p:clrMapOvr>
     <a:masterClrMapping/>
   </p:clrMapOvr>
+  <p:timing>
+    <p:tnLst>
+      <p:par>
+        <p:cTn id="1" dur="indefinite" restart="never" nodeType="tmRoot"/>
+      </p:par>
+    </p:tnLst>
+  </p:timing>
 </p:sld>
 </file>
 
@@ -20226,6 +20272,13 @@
   <p:clrMapOvr>
     <a:masterClrMapping/>
   </p:clrMapOvr>
+  <p:timing>
+    <p:tnLst>
+      <p:par>
+        <p:cTn id="1" dur="indefinite" restart="never" nodeType="tmRoot"/>
+      </p:par>
+    </p:tnLst>
+  </p:timing>
 </p:sld>
 </file>
 
@@ -20279,6 +20332,13 @@
   <p:clrMapOvr>
     <a:masterClrMapping/>
   </p:clrMapOvr>
+  <p:timing>
+    <p:tnLst>
+      <p:par>
+        <p:cTn id="1" dur="indefinite" restart="never" nodeType="tmRoot"/>
+      </p:par>
+    </p:tnLst>
+  </p:timing>
 </p:sld>
 </file>
 

--- a/di.pptx
+++ b/di.pptx
@@ -6,26 +6,29 @@
     <p:sldMasterId id="2147483679" r:id="rId2"/>
   </p:sldMasterIdLst>
   <p:notesMasterIdLst>
-    <p:notesMasterId r:id="rId20"/>
+    <p:notesMasterId r:id="rId23"/>
   </p:notesMasterIdLst>
   <p:sldIdLst>
     <p:sldId id="300" r:id="rId3"/>
     <p:sldId id="272" r:id="rId4"/>
-    <p:sldId id="273" r:id="rId5"/>
-    <p:sldId id="275" r:id="rId6"/>
-    <p:sldId id="279" r:id="rId7"/>
-    <p:sldId id="276" r:id="rId8"/>
-    <p:sldId id="277" r:id="rId9"/>
-    <p:sldId id="297" r:id="rId10"/>
-    <p:sldId id="296" r:id="rId11"/>
-    <p:sldId id="286" r:id="rId12"/>
-    <p:sldId id="289" r:id="rId13"/>
-    <p:sldId id="291" r:id="rId14"/>
-    <p:sldId id="299" r:id="rId15"/>
-    <p:sldId id="292" r:id="rId16"/>
-    <p:sldId id="294" r:id="rId17"/>
-    <p:sldId id="301" r:id="rId18"/>
-    <p:sldId id="302" r:id="rId19"/>
+    <p:sldId id="279" r:id="rId5"/>
+    <p:sldId id="273" r:id="rId6"/>
+    <p:sldId id="276" r:id="rId7"/>
+    <p:sldId id="277" r:id="rId8"/>
+    <p:sldId id="275" r:id="rId9"/>
+    <p:sldId id="304" r:id="rId10"/>
+    <p:sldId id="307" r:id="rId11"/>
+    <p:sldId id="306" r:id="rId12"/>
+    <p:sldId id="309" r:id="rId13"/>
+    <p:sldId id="305" r:id="rId14"/>
+    <p:sldId id="296" r:id="rId15"/>
+    <p:sldId id="286" r:id="rId16"/>
+    <p:sldId id="289" r:id="rId17"/>
+    <p:sldId id="291" r:id="rId18"/>
+    <p:sldId id="310" r:id="rId19"/>
+    <p:sldId id="294" r:id="rId20"/>
+    <p:sldId id="301" r:id="rId21"/>
+    <p:sldId id="302" r:id="rId22"/>
   </p:sldIdLst>
   <p:sldSz cx="12192000" cy="6858000"/>
   <p:notesSz cx="6858000" cy="9144000"/>
@@ -131,12 +134,16 @@
           <p14:sldIdLst>
             <p14:sldId id="300"/>
             <p14:sldId id="272"/>
+            <p14:sldId id="279"/>
             <p14:sldId id="273"/>
-            <p14:sldId id="275"/>
-            <p14:sldId id="279"/>
             <p14:sldId id="276"/>
             <p14:sldId id="277"/>
-            <p14:sldId id="297"/>
+            <p14:sldId id="275"/>
+            <p14:sldId id="304"/>
+            <p14:sldId id="307"/>
+            <p14:sldId id="306"/>
+            <p14:sldId id="309"/>
+            <p14:sldId id="305"/>
           </p14:sldIdLst>
         </p14:section>
         <p14:section name="Container" id="{E2D62E76-C0C8-4A52-983A-39D8BB75C64B}">
@@ -145,8 +152,7 @@
             <p14:sldId id="286"/>
             <p14:sldId id="289"/>
             <p14:sldId id="291"/>
-            <p14:sldId id="299"/>
-            <p14:sldId id="292"/>
+            <p14:sldId id="310"/>
             <p14:sldId id="294"/>
             <p14:sldId id="301"/>
             <p14:sldId id="302"/>
@@ -159,6 +165,10 @@
     </p:ext>
   </p:extLst>
 </p:presentation>
+</file>
+
+<file path=ppt/revisionInfo.xml><?xml version="1.0" encoding="utf-8"?>
+<p1510:revInfo xmlns:a="http://schemas.openxmlformats.org/drawingml/2006/main" xmlns:r="http://schemas.openxmlformats.org/officeDocument/2006/relationships" xmlns:p1510="http://schemas.microsoft.com/office/powerpoint/2015/10/main"/>
 </file>
 
 <file path=ppt/diagrams/colors1.xml><?xml version="1.0" encoding="utf-8"?>
@@ -2459,13 +2469,6 @@
         </dgm:presLayoutVars>
       </dgm:prSet>
       <dgm:spPr/>
-      <dgm:t>
-        <a:bodyPr/>
-        <a:lstStyle/>
-        <a:p>
-          <a:endParaRPr lang="ru-RU"/>
-        </a:p>
-      </dgm:t>
     </dgm:pt>
     <dgm:pt modelId="{CF6D50B3-578A-4EA0-A5A0-492FA729F6ED}" type="pres">
       <dgm:prSet presAssocID="{B75F6A3A-9A51-4DF3-8A57-9AEB0739425C}" presName="composite" presStyleCnt="0"/>
@@ -2478,13 +2481,6 @@
         </dgm:presLayoutVars>
       </dgm:prSet>
       <dgm:spPr/>
-      <dgm:t>
-        <a:bodyPr/>
-        <a:lstStyle/>
-        <a:p>
-          <a:endParaRPr lang="ru-RU"/>
-        </a:p>
-      </dgm:t>
     </dgm:pt>
     <dgm:pt modelId="{61EB78D8-69FF-471D-8FEB-71388C442F55}" type="pres">
       <dgm:prSet presAssocID="{B75F6A3A-9A51-4DF3-8A57-9AEB0739425C}" presName="rect1" presStyleLbl="alignImgPlace1" presStyleIdx="0" presStyleCnt="1" custScaleX="596594" custScaleY="114980" custLinFactX="-64576" custLinFactNeighborX="-100000" custLinFactNeighborY="-13065"/>
@@ -2506,9 +2502,9 @@
     </dgm:pt>
   </dgm:ptLst>
   <dgm:cxnLst>
-    <dgm:cxn modelId="{017518C9-1619-4B19-AA03-86BA999BA287}" srcId="{EAB81984-5B84-4970-8447-2B456B8C58DF}" destId="{B75F6A3A-9A51-4DF3-8A57-9AEB0739425C}" srcOrd="0" destOrd="0" parTransId="{203596AF-4F49-40BA-B1E1-11BDD34B512E}" sibTransId="{A056157B-3867-49A4-9195-F3A4F3FBBA8E}"/>
     <dgm:cxn modelId="{1CEAA455-5BF4-4666-95B8-390900AB8124}" type="presOf" srcId="{EAB81984-5B84-4970-8447-2B456B8C58DF}" destId="{3A252E36-3D7E-49E5-B812-EE4CACF0D5CF}" srcOrd="0" destOrd="0" presId="urn:microsoft.com/office/officeart/2008/layout/PictureGrid"/>
     <dgm:cxn modelId="{147A14B3-96E8-4139-969B-9DB1BCB4D95E}" type="presOf" srcId="{B75F6A3A-9A51-4DF3-8A57-9AEB0739425C}" destId="{B29ABF60-EC0F-45AD-A90E-9C76D15C2F14}" srcOrd="0" destOrd="0" presId="urn:microsoft.com/office/officeart/2008/layout/PictureGrid"/>
+    <dgm:cxn modelId="{017518C9-1619-4B19-AA03-86BA999BA287}" srcId="{EAB81984-5B84-4970-8447-2B456B8C58DF}" destId="{B75F6A3A-9A51-4DF3-8A57-9AEB0739425C}" srcOrd="0" destOrd="0" parTransId="{203596AF-4F49-40BA-B1E1-11BDD34B512E}" sibTransId="{A056157B-3867-49A4-9195-F3A4F3FBBA8E}"/>
     <dgm:cxn modelId="{D3458AFA-605E-43EE-8C8A-0E0C1E3CD931}" type="presParOf" srcId="{3A252E36-3D7E-49E5-B812-EE4CACF0D5CF}" destId="{CF6D50B3-578A-4EA0-A5A0-492FA729F6ED}" srcOrd="0" destOrd="0" presId="urn:microsoft.com/office/officeart/2008/layout/PictureGrid"/>
     <dgm:cxn modelId="{9835F3F3-3E30-4AC4-AD89-BC095FA9A878}" type="presParOf" srcId="{CF6D50B3-578A-4EA0-A5A0-492FA729F6ED}" destId="{B29ABF60-EC0F-45AD-A90E-9C76D15C2F14}" srcOrd="0" destOrd="0" presId="urn:microsoft.com/office/officeart/2008/layout/PictureGrid"/>
     <dgm:cxn modelId="{70FA379F-7827-49B9-806E-1FD72CAE8F89}" type="presParOf" srcId="{CF6D50B3-578A-4EA0-A5A0-492FA729F6ED}" destId="{61EB78D8-69FF-471D-8FEB-71388C442F55}" srcOrd="1" destOrd="0" presId="urn:microsoft.com/office/officeart/2008/layout/PictureGrid"/>
@@ -2580,13 +2576,6 @@
         </dgm:presLayoutVars>
       </dgm:prSet>
       <dgm:spPr/>
-      <dgm:t>
-        <a:bodyPr/>
-        <a:lstStyle/>
-        <a:p>
-          <a:endParaRPr lang="ru-RU"/>
-        </a:p>
-      </dgm:t>
     </dgm:pt>
     <dgm:pt modelId="{CF6D50B3-578A-4EA0-A5A0-492FA729F6ED}" type="pres">
       <dgm:prSet presAssocID="{B75F6A3A-9A51-4DF3-8A57-9AEB0739425C}" presName="composite" presStyleCnt="0"/>
@@ -2599,13 +2588,6 @@
         </dgm:presLayoutVars>
       </dgm:prSet>
       <dgm:spPr/>
-      <dgm:t>
-        <a:bodyPr/>
-        <a:lstStyle/>
-        <a:p>
-          <a:endParaRPr lang="ru-RU"/>
-        </a:p>
-      </dgm:t>
     </dgm:pt>
     <dgm:pt modelId="{61EB78D8-69FF-471D-8FEB-71388C442F55}" type="pres">
       <dgm:prSet presAssocID="{B75F6A3A-9A51-4DF3-8A57-9AEB0739425C}" presName="rect1" presStyleLbl="alignImgPlace1" presStyleIdx="0" presStyleCnt="1" custScaleX="596594" custScaleY="114980" custLinFactX="-64576" custLinFactNeighborX="-100000" custLinFactNeighborY="-13065"/>
@@ -2627,9 +2609,9 @@
     </dgm:pt>
   </dgm:ptLst>
   <dgm:cxnLst>
-    <dgm:cxn modelId="{017518C9-1619-4B19-AA03-86BA999BA287}" srcId="{EAB81984-5B84-4970-8447-2B456B8C58DF}" destId="{B75F6A3A-9A51-4DF3-8A57-9AEB0739425C}" srcOrd="0" destOrd="0" parTransId="{203596AF-4F49-40BA-B1E1-11BDD34B512E}" sibTransId="{A056157B-3867-49A4-9195-F3A4F3FBBA8E}"/>
     <dgm:cxn modelId="{1CEAA455-5BF4-4666-95B8-390900AB8124}" type="presOf" srcId="{EAB81984-5B84-4970-8447-2B456B8C58DF}" destId="{3A252E36-3D7E-49E5-B812-EE4CACF0D5CF}" srcOrd="0" destOrd="0" presId="urn:microsoft.com/office/officeart/2008/layout/PictureGrid"/>
     <dgm:cxn modelId="{147A14B3-96E8-4139-969B-9DB1BCB4D95E}" type="presOf" srcId="{B75F6A3A-9A51-4DF3-8A57-9AEB0739425C}" destId="{B29ABF60-EC0F-45AD-A90E-9C76D15C2F14}" srcOrd="0" destOrd="0" presId="urn:microsoft.com/office/officeart/2008/layout/PictureGrid"/>
+    <dgm:cxn modelId="{017518C9-1619-4B19-AA03-86BA999BA287}" srcId="{EAB81984-5B84-4970-8447-2B456B8C58DF}" destId="{B75F6A3A-9A51-4DF3-8A57-9AEB0739425C}" srcOrd="0" destOrd="0" parTransId="{203596AF-4F49-40BA-B1E1-11BDD34B512E}" sibTransId="{A056157B-3867-49A4-9195-F3A4F3FBBA8E}"/>
     <dgm:cxn modelId="{D3458AFA-605E-43EE-8C8A-0E0C1E3CD931}" type="presParOf" srcId="{3A252E36-3D7E-49E5-B812-EE4CACF0D5CF}" destId="{CF6D50B3-578A-4EA0-A5A0-492FA729F6ED}" srcOrd="0" destOrd="0" presId="urn:microsoft.com/office/officeart/2008/layout/PictureGrid"/>
     <dgm:cxn modelId="{9835F3F3-3E30-4AC4-AD89-BC095FA9A878}" type="presParOf" srcId="{CF6D50B3-578A-4EA0-A5A0-492FA729F6ED}" destId="{B29ABF60-EC0F-45AD-A90E-9C76D15C2F14}" srcOrd="0" destOrd="0" presId="urn:microsoft.com/office/officeart/2008/layout/PictureGrid"/>
     <dgm:cxn modelId="{70FA379F-7827-49B9-806E-1FD72CAE8F89}" type="presParOf" srcId="{CF6D50B3-578A-4EA0-A5A0-492FA729F6ED}" destId="{61EB78D8-69FF-471D-8FEB-71388C442F55}" srcOrd="1" destOrd="0" presId="urn:microsoft.com/office/officeart/2008/layout/PictureGrid"/>
@@ -2719,13 +2701,6 @@
         </dgm:presLayoutVars>
       </dgm:prSet>
       <dgm:spPr/>
-      <dgm:t>
-        <a:bodyPr/>
-        <a:lstStyle/>
-        <a:p>
-          <a:endParaRPr lang="ru-RU"/>
-        </a:p>
-      </dgm:t>
     </dgm:pt>
     <dgm:pt modelId="{65D73C51-61AB-436D-8191-975603FC9C68}" type="pres">
       <dgm:prSet presAssocID="{9C9C0585-42CE-4F34-A2BB-F1377DA03788}" presName="composite" presStyleCnt="0"/>
@@ -2738,13 +2713,6 @@
         </dgm:presLayoutVars>
       </dgm:prSet>
       <dgm:spPr/>
-      <dgm:t>
-        <a:bodyPr/>
-        <a:lstStyle/>
-        <a:p>
-          <a:endParaRPr lang="ru-RU"/>
-        </a:p>
-      </dgm:t>
     </dgm:pt>
     <dgm:pt modelId="{DFDA3CA3-5C68-4A2F-A4A8-285063A35D87}" type="pres">
       <dgm:prSet presAssocID="{9C9C0585-42CE-4F34-A2BB-F1377DA03788}" presName="rect1" presStyleLbl="alignImgPlace1" presStyleIdx="0" presStyleCnt="1" custScaleX="62421" custScaleY="62421" custLinFactNeighborX="1076" custLinFactNeighborY="-52209"/>
@@ -2769,8 +2737,8 @@
     </dgm:pt>
   </dgm:ptLst>
   <dgm:cxnLst>
+    <dgm:cxn modelId="{A9E27516-E8E4-42A7-A155-024D48E79559}" type="presOf" srcId="{8F66C165-B39F-46D3-B19F-623799541DD3}" destId="{B6F028CB-F170-4FEF-BC3A-25F0E90D434A}" srcOrd="0" destOrd="0" presId="urn:microsoft.com/office/officeart/2008/layout/PictureGrid"/>
     <dgm:cxn modelId="{A177C822-7566-4410-A889-706A6CE15148}" srcId="{8F66C165-B39F-46D3-B19F-623799541DD3}" destId="{9C9C0585-42CE-4F34-A2BB-F1377DA03788}" srcOrd="0" destOrd="0" parTransId="{4E5DCF2B-AAE7-41E2-837F-518128C03597}" sibTransId="{56F70C7F-1925-4DBA-9BD6-AF5E91799A59}"/>
-    <dgm:cxn modelId="{A9E27516-E8E4-42A7-A155-024D48E79559}" type="presOf" srcId="{8F66C165-B39F-46D3-B19F-623799541DD3}" destId="{B6F028CB-F170-4FEF-BC3A-25F0E90D434A}" srcOrd="0" destOrd="0" presId="urn:microsoft.com/office/officeart/2008/layout/PictureGrid"/>
     <dgm:cxn modelId="{ACD53F50-5BA1-48C9-B5DF-09BF6DA4DE65}" type="presOf" srcId="{9C9C0585-42CE-4F34-A2BB-F1377DA03788}" destId="{A30F2283-C0A4-4A69-BCBE-833D967155A2}" srcOrd="0" destOrd="0" presId="urn:microsoft.com/office/officeart/2008/layout/PictureGrid"/>
     <dgm:cxn modelId="{CC189C1C-06A1-4F03-B886-67BF46A53703}" type="presParOf" srcId="{B6F028CB-F170-4FEF-BC3A-25F0E90D434A}" destId="{65D73C51-61AB-436D-8191-975603FC9C68}" srcOrd="0" destOrd="0" presId="urn:microsoft.com/office/officeart/2008/layout/PictureGrid"/>
     <dgm:cxn modelId="{CD7DB92E-B84F-43A0-AC2D-FBBFB40722EE}" type="presParOf" srcId="{65D73C51-61AB-436D-8191-975603FC9C68}" destId="{A30F2283-C0A4-4A69-BCBE-833D967155A2}" srcOrd="0" destOrd="0" presId="urn:microsoft.com/office/officeart/2008/layout/PictureGrid"/>
@@ -2831,7 +2799,7 @@
         </a:bodyPr>
         <a:lstStyle/>
         <a:p>
-          <a:pPr lvl="0" algn="l" defTabSz="222250">
+          <a:pPr marL="0" lvl="0" indent="0" algn="l" defTabSz="222250">
             <a:lnSpc>
               <a:spcPct val="90000"/>
             </a:lnSpc>
@@ -2841,6 +2809,7 @@
             <a:spcAft>
               <a:spcPct val="35000"/>
             </a:spcAft>
+            <a:buNone/>
           </a:pPr>
           <a:r>
             <a:rPr lang="ru-RU" sz="500" kern="1200" dirty="0"/>
@@ -2917,6 +2886,118 @@
       <dsp:cNvGrpSpPr/>
     </dsp:nvGrpSpPr>
     <dsp:grpSpPr/>
+    <dsp:sp modelId="{B29ABF60-EC0F-45AD-A90E-9C76D15C2F14}">
+      <dsp:nvSpPr>
+        <dsp:cNvPr id="0" name=""/>
+        <dsp:cNvSpPr/>
+      </dsp:nvSpPr>
+      <dsp:spPr>
+        <a:xfrm>
+          <a:off x="1748174" y="210303"/>
+          <a:ext cx="175586" cy="38914"/>
+        </a:xfrm>
+        <a:prstGeom prst="rect">
+          <a:avLst/>
+        </a:prstGeom>
+        <a:noFill/>
+        <a:ln>
+          <a:noFill/>
+        </a:ln>
+        <a:effectLst/>
+      </dsp:spPr>
+      <dsp:style>
+        <a:lnRef idx="0">
+          <a:scrgbClr r="0" g="0" b="0"/>
+        </a:lnRef>
+        <a:fillRef idx="0">
+          <a:scrgbClr r="0" g="0" b="0"/>
+        </a:fillRef>
+        <a:effectRef idx="0">
+          <a:scrgbClr r="0" g="0" b="0"/>
+        </a:effectRef>
+        <a:fontRef idx="minor"/>
+      </dsp:style>
+      <dsp:txBody>
+        <a:bodyPr spcFirstLastPara="0" vert="horz" wrap="square" lIns="0" tIns="19050" rIns="19050" bIns="0" numCol="1" spcCol="1270" anchor="t" anchorCtr="0">
+          <a:noAutofit/>
+        </a:bodyPr>
+        <a:lstStyle/>
+        <a:p>
+          <a:pPr marL="0" lvl="0" indent="0" algn="l" defTabSz="222250">
+            <a:lnSpc>
+              <a:spcPct val="90000"/>
+            </a:lnSpc>
+            <a:spcBef>
+              <a:spcPct val="0"/>
+            </a:spcBef>
+            <a:spcAft>
+              <a:spcPct val="35000"/>
+            </a:spcAft>
+            <a:buNone/>
+          </a:pPr>
+          <a:r>
+            <a:rPr lang="ru-RU" sz="500" kern="1200" dirty="0"/>
+            <a:t> </a:t>
+          </a:r>
+        </a:p>
+      </dsp:txBody>
+      <dsp:txXfrm>
+        <a:off x="1748174" y="210303"/>
+        <a:ext cx="175586" cy="38914"/>
+      </dsp:txXfrm>
+    </dsp:sp>
+    <dsp:sp modelId="{61EB78D8-69FF-471D-8FEB-71388C442F55}">
+      <dsp:nvSpPr>
+        <dsp:cNvPr id="0" name=""/>
+        <dsp:cNvSpPr/>
+      </dsp:nvSpPr>
+      <dsp:spPr>
+        <a:xfrm>
+          <a:off x="0" y="0"/>
+          <a:ext cx="1980001" cy="381600"/>
+        </a:xfrm>
+        <a:prstGeom prst="rect">
+          <a:avLst/>
+        </a:prstGeom>
+        <a:blipFill>
+          <a:blip xmlns:r="http://schemas.openxmlformats.org/officeDocument/2006/relationships" r:embed="rId1">
+            <a:extLst>
+              <a:ext uri="{28A0092B-C50C-407E-A947-70E740481C1C}">
+                <a14:useLocalDpi xmlns:a14="http://schemas.microsoft.com/office/drawing/2010/main" val="0"/>
+              </a:ext>
+            </a:extLst>
+          </a:blip>
+          <a:srcRect/>
+          <a:stretch>
+            <a:fillRect l="-1000" r="-1000"/>
+          </a:stretch>
+        </a:blipFill>
+        <a:ln w="25400" cap="flat" cmpd="sng" algn="ctr">
+          <a:solidFill>
+            <a:schemeClr val="lt1">
+              <a:hueOff val="0"/>
+              <a:satOff val="0"/>
+              <a:lumOff val="0"/>
+              <a:alphaOff val="0"/>
+            </a:schemeClr>
+          </a:solidFill>
+          <a:prstDash val="solid"/>
+        </a:ln>
+        <a:effectLst/>
+      </dsp:spPr>
+      <dsp:style>
+        <a:lnRef idx="2">
+          <a:scrgbClr r="0" g="0" b="0"/>
+        </a:lnRef>
+        <a:fillRef idx="1">
+          <a:scrgbClr r="0" g="0" b="0"/>
+        </a:fillRef>
+        <a:effectRef idx="0">
+          <a:scrgbClr r="0" g="0" b="0"/>
+        </a:effectRef>
+        <a:fontRef idx="minor"/>
+      </dsp:style>
+    </dsp:sp>
   </dsp:spTree>
 </dsp:drawing>
 </file>
@@ -2929,6 +3010,128 @@
       <dsp:cNvGrpSpPr/>
     </dsp:nvGrpSpPr>
     <dsp:grpSpPr/>
+    <dsp:sp modelId="{A30F2283-C0A4-4A69-BCBE-833D967155A2}">
+      <dsp:nvSpPr>
+        <dsp:cNvPr id="0" name=""/>
+        <dsp:cNvSpPr/>
+      </dsp:nvSpPr>
+      <dsp:spPr>
+        <a:xfrm>
+          <a:off x="469735" y="1146225"/>
+          <a:ext cx="2927097" cy="509149"/>
+        </a:xfrm>
+        <a:prstGeom prst="rect">
+          <a:avLst/>
+        </a:prstGeom>
+        <a:noFill/>
+        <a:ln>
+          <a:noFill/>
+        </a:ln>
+        <a:effectLst/>
+      </dsp:spPr>
+      <dsp:style>
+        <a:lnRef idx="0">
+          <a:scrgbClr r="0" g="0" b="0"/>
+        </a:lnRef>
+        <a:fillRef idx="0">
+          <a:scrgbClr r="0" g="0" b="0"/>
+        </a:fillRef>
+        <a:effectRef idx="0">
+          <a:scrgbClr r="0" g="0" b="0"/>
+        </a:effectRef>
+        <a:fontRef idx="minor"/>
+      </dsp:style>
+      <dsp:txBody>
+        <a:bodyPr spcFirstLastPara="0" vert="horz" wrap="square" lIns="0" tIns="152400" rIns="152400" bIns="0" numCol="1" spcCol="1270" anchor="b" anchorCtr="0">
+          <a:noAutofit/>
+        </a:bodyPr>
+        <a:lstStyle/>
+        <a:p>
+          <a:pPr marL="0" lvl="0" indent="0" algn="ctr" defTabSz="1778000">
+            <a:lnSpc>
+              <a:spcPct val="90000"/>
+            </a:lnSpc>
+            <a:spcBef>
+              <a:spcPct val="0"/>
+            </a:spcBef>
+            <a:spcAft>
+              <a:spcPct val="35000"/>
+            </a:spcAft>
+            <a:buNone/>
+          </a:pPr>
+          <a:r>
+            <a:rPr lang="ru-RU" sz="4000" kern="1200" dirty="0">
+              <a:solidFill>
+                <a:schemeClr val="accent1"/>
+              </a:solidFill>
+            </a:rPr>
+            <a:t>ВОПРОСЫ</a:t>
+          </a:r>
+          <a:r>
+            <a:rPr lang="en-US" sz="4000" kern="1200" dirty="0">
+              <a:solidFill>
+                <a:schemeClr val="accent1"/>
+              </a:solidFill>
+            </a:rPr>
+            <a:t>?</a:t>
+          </a:r>
+          <a:endParaRPr lang="ru-RU" sz="4000" kern="1200" dirty="0">
+            <a:solidFill>
+              <a:schemeClr val="accent1"/>
+            </a:solidFill>
+          </a:endParaRPr>
+        </a:p>
+      </dsp:txBody>
+      <dsp:txXfrm>
+        <a:off x="469735" y="1146225"/>
+        <a:ext cx="2927097" cy="509149"/>
+      </dsp:txXfrm>
+    </dsp:sp>
+    <dsp:sp modelId="{DFDA3CA3-5C68-4A2F-A4A8-285063A35D87}">
+      <dsp:nvSpPr>
+        <dsp:cNvPr id="0" name=""/>
+        <dsp:cNvSpPr/>
+      </dsp:nvSpPr>
+      <dsp:spPr>
+        <a:xfrm>
+          <a:off x="1521700" y="91137"/>
+          <a:ext cx="849599" cy="849599"/>
+        </a:xfrm>
+        <a:prstGeom prst="rect">
+          <a:avLst/>
+        </a:prstGeom>
+        <a:blipFill>
+          <a:blip xmlns:r="http://schemas.openxmlformats.org/officeDocument/2006/relationships" r:embed="rId1">
+            <a:extLst>
+              <a:ext uri="{28A0092B-C50C-407E-A947-70E740481C1C}">
+                <a14:useLocalDpi xmlns:a14="http://schemas.microsoft.com/office/drawing/2010/main" val="0"/>
+              </a:ext>
+            </a:extLst>
+          </a:blip>
+          <a:srcRect/>
+          <a:stretch>
+            <a:fillRect/>
+          </a:stretch>
+        </a:blipFill>
+        <a:ln w="0" cap="flat" cmpd="sng" algn="ctr">
+          <a:noFill/>
+          <a:prstDash val="solid"/>
+        </a:ln>
+        <a:effectLst/>
+      </dsp:spPr>
+      <dsp:style>
+        <a:lnRef idx="2">
+          <a:scrgbClr r="0" g="0" b="0"/>
+        </a:lnRef>
+        <a:fillRef idx="1">
+          <a:scrgbClr r="0" g="0" b="0"/>
+        </a:fillRef>
+        <a:effectRef idx="0">
+          <a:scrgbClr r="0" g="0" b="0"/>
+        </a:effectRef>
+        <a:fontRef idx="minor"/>
+      </dsp:style>
+    </dsp:sp>
   </dsp:spTree>
 </dsp:drawing>
 </file>
@@ -6915,7 +7118,7 @@
           <a:p>
             <a:fld id="{98715375-4139-4C08-98FD-C8890076A179}" type="datetimeFigureOut">
               <a:rPr lang="ru-RU" smtClean="0"/>
-              <a:t>05.11.2016</a:t>
+              <a:t>31.07.2017</a:t>
             </a:fld>
             <a:endParaRPr lang="ru-RU"/>
           </a:p>
@@ -7323,22 +7526,22 @@
         </p:nvSpPr>
         <p:spPr/>
         <p:txBody>
-          <a:bodyPr/>
+          <a:bodyPr>
+            <a:normAutofit/>
+          </a:bodyPr>
           <a:lstStyle/>
           <a:p>
-            <a:r>
-              <a:rPr lang="en-US" dirty="0"/>
-              <a:t>DIP</a:t>
-            </a:r>
-            <a:r>
-              <a:rPr lang="en-US" baseline="0" dirty="0"/>
-              <a:t> — </a:t>
-            </a:r>
-            <a:r>
-              <a:rPr lang="ru-RU" baseline="0" dirty="0"/>
-              <a:t>ОК</a:t>
-            </a:r>
-            <a:endParaRPr lang="ru-RU" dirty="0"/>
+            <a:pPr marL="0" indent="0">
+              <a:buNone/>
+            </a:pPr>
+            <a:endParaRPr lang="ru-RU" sz="1200" b="0" i="0" kern="1200" baseline="0" dirty="0">
+              <a:solidFill>
+                <a:schemeClr val="tx1"/>
+              </a:solidFill>
+              <a:latin typeface="+mn-lt"/>
+              <a:ea typeface="+mn-ea"/>
+              <a:cs typeface="+mn-cs"/>
+            </a:endParaRPr>
           </a:p>
         </p:txBody>
       </p:sp>
@@ -7357,8 +7560,9 @@
           <a:bodyPr/>
           <a:lstStyle/>
           <a:p>
-            <a:fld id="{DC348DFF-10E5-4AE9-8016-9910A89BCDEE}" type="slidenum">
+            <a:fld id="{89329285-B0FC-44C9-9749-E258C7AB2264}" type="slidenum">
               <a:rPr lang="ru-RU" smtClean="0"/>
+              <a:pPr/>
               <a:t>3</a:t>
             </a:fld>
             <a:endParaRPr lang="ru-RU"/>
@@ -7368,7 +7572,7 @@
     </p:spTree>
     <p:extLst>
       <p:ext uri="{BB962C8B-B14F-4D97-AF65-F5344CB8AC3E}">
-        <p14:creationId xmlns:p14="http://schemas.microsoft.com/office/powerpoint/2010/main" val="68519007"/>
+        <p14:creationId xmlns:p14="http://schemas.microsoft.com/office/powerpoint/2010/main" val="3674609586"/>
       </p:ext>
     </p:extLst>
   </p:cSld>
@@ -7419,22 +7623,22 @@
         </p:nvSpPr>
         <p:spPr/>
         <p:txBody>
-          <a:bodyPr>
-            <a:normAutofit/>
-          </a:bodyPr>
+          <a:bodyPr/>
           <a:lstStyle/>
           <a:p>
-            <a:pPr marL="0" indent="0">
-              <a:buNone/>
-            </a:pPr>
-            <a:endParaRPr lang="ru-RU" sz="1200" b="0" i="0" kern="1200" baseline="0" dirty="0">
-              <a:solidFill>
-                <a:schemeClr val="tx1"/>
-              </a:solidFill>
-              <a:latin typeface="+mn-lt"/>
-              <a:ea typeface="+mn-ea"/>
-              <a:cs typeface="+mn-cs"/>
-            </a:endParaRPr>
+            <a:r>
+              <a:rPr lang="en-US" dirty="0"/>
+              <a:t>DIP</a:t>
+            </a:r>
+            <a:r>
+              <a:rPr lang="en-US" baseline="0" dirty="0"/>
+              <a:t> — </a:t>
+            </a:r>
+            <a:r>
+              <a:rPr lang="ru-RU" baseline="0" dirty="0"/>
+              <a:t>ОК</a:t>
+            </a:r>
+            <a:endParaRPr lang="ru-RU" dirty="0"/>
           </a:p>
         </p:txBody>
       </p:sp>
@@ -7453,10 +7657,9 @@
           <a:bodyPr/>
           <a:lstStyle/>
           <a:p>
-            <a:fld id="{89329285-B0FC-44C9-9749-E258C7AB2264}" type="slidenum">
+            <a:fld id="{DC348DFF-10E5-4AE9-8016-9910A89BCDEE}" type="slidenum">
               <a:rPr lang="ru-RU" smtClean="0"/>
-              <a:pPr/>
-              <a:t>5</a:t>
+              <a:t>4</a:t>
             </a:fld>
             <a:endParaRPr lang="ru-RU"/>
           </a:p>
@@ -7465,7 +7668,7 @@
     </p:spTree>
     <p:extLst>
       <p:ext uri="{BB962C8B-B14F-4D97-AF65-F5344CB8AC3E}">
-        <p14:creationId xmlns:p14="http://schemas.microsoft.com/office/powerpoint/2010/main" val="3674609586"/>
+        <p14:creationId xmlns:p14="http://schemas.microsoft.com/office/powerpoint/2010/main" val="68519007"/>
       </p:ext>
     </p:extLst>
   </p:cSld>
@@ -7519,7 +7722,23 @@
           <a:bodyPr/>
           <a:lstStyle/>
           <a:p>
-            <a:endParaRPr lang="en-US" dirty="0"/>
+            <a:r>
+              <a:rPr lang="ru-RU" dirty="0"/>
+              <a:t>Это</a:t>
+            </a:r>
+            <a:r>
+              <a:rPr lang="ru-RU" baseline="0" dirty="0"/>
+              <a:t> нарушение </a:t>
+            </a:r>
+            <a:r>
+              <a:rPr lang="en-US" baseline="0" dirty="0"/>
+              <a:t>DIP</a:t>
+            </a:r>
+            <a:r>
+              <a:rPr lang="ru-RU" baseline="0" dirty="0"/>
+              <a:t> — зависимость от конкретики.</a:t>
+            </a:r>
+            <a:endParaRPr lang="ru-RU" dirty="0"/>
           </a:p>
         </p:txBody>
       </p:sp>
@@ -7540,7 +7759,187 @@
           <a:p>
             <a:fld id="{DC348DFF-10E5-4AE9-8016-9910A89BCDEE}" type="slidenum">
               <a:rPr lang="ru-RU" smtClean="0"/>
-              <a:t>17</a:t>
+              <a:t>9</a:t>
+            </a:fld>
+            <a:endParaRPr lang="ru-RU"/>
+          </a:p>
+        </p:txBody>
+      </p:sp>
+    </p:spTree>
+    <p:extLst>
+      <p:ext uri="{BB962C8B-B14F-4D97-AF65-F5344CB8AC3E}">
+        <p14:creationId xmlns:p14="http://schemas.microsoft.com/office/powerpoint/2010/main" val="3917950421"/>
+      </p:ext>
+    </p:extLst>
+  </p:cSld>
+  <p:clrMapOvr>
+    <a:masterClrMapping/>
+  </p:clrMapOvr>
+</p:notes>
+</file>
+
+<file path=ppt/notesSlides/notesSlide5.xml><?xml version="1.0" encoding="utf-8"?>
+<p:notes xmlns:a="http://schemas.openxmlformats.org/drawingml/2006/main" xmlns:r="http://schemas.openxmlformats.org/officeDocument/2006/relationships" xmlns:p="http://schemas.openxmlformats.org/presentationml/2006/main">
+  <p:cSld>
+    <p:spTree>
+      <p:nvGrpSpPr>
+        <p:cNvPr id="1" name=""/>
+        <p:cNvGrpSpPr/>
+        <p:nvPr/>
+      </p:nvGrpSpPr>
+      <p:grpSpPr>
+        <a:xfrm>
+          <a:off x="0" y="0"/>
+          <a:ext cx="0" cy="0"/>
+          <a:chOff x="0" y="0"/>
+          <a:chExt cx="0" cy="0"/>
+        </a:xfrm>
+      </p:grpSpPr>
+      <p:sp>
+        <p:nvSpPr>
+          <p:cNvPr id="2" name="Образ слайда 1"/>
+          <p:cNvSpPr>
+            <a:spLocks noGrp="1" noRot="1" noChangeAspect="1"/>
+          </p:cNvSpPr>
+          <p:nvPr>
+            <p:ph type="sldImg"/>
+          </p:nvPr>
+        </p:nvSpPr>
+        <p:spPr/>
+      </p:sp>
+      <p:sp>
+        <p:nvSpPr>
+          <p:cNvPr id="3" name="Заметки 2"/>
+          <p:cNvSpPr>
+            <a:spLocks noGrp="1"/>
+          </p:cNvSpPr>
+          <p:nvPr>
+            <p:ph type="body" idx="1"/>
+          </p:nvPr>
+        </p:nvSpPr>
+        <p:spPr/>
+        <p:txBody>
+          <a:bodyPr/>
+          <a:lstStyle/>
+          <a:p>
+            <a:r>
+              <a:rPr lang="en-US" dirty="0"/>
+              <a:t>DIP</a:t>
+            </a:r>
+            <a:r>
+              <a:rPr lang="en-US" baseline="0" dirty="0"/>
+              <a:t> — </a:t>
+            </a:r>
+            <a:r>
+              <a:rPr lang="ru-RU" baseline="0" dirty="0"/>
+              <a:t>ОК</a:t>
+            </a:r>
+            <a:endParaRPr lang="ru-RU" dirty="0"/>
+          </a:p>
+        </p:txBody>
+      </p:sp>
+      <p:sp>
+        <p:nvSpPr>
+          <p:cNvPr id="4" name="Номер слайда 3"/>
+          <p:cNvSpPr>
+            <a:spLocks noGrp="1"/>
+          </p:cNvSpPr>
+          <p:nvPr>
+            <p:ph type="sldNum" sz="quarter" idx="10"/>
+          </p:nvPr>
+        </p:nvSpPr>
+        <p:spPr/>
+        <p:txBody>
+          <a:bodyPr/>
+          <a:lstStyle/>
+          <a:p>
+            <a:fld id="{DC348DFF-10E5-4AE9-8016-9910A89BCDEE}" type="slidenum">
+              <a:rPr lang="ru-RU" smtClean="0"/>
+              <a:t>10</a:t>
+            </a:fld>
+            <a:endParaRPr lang="ru-RU"/>
+          </a:p>
+        </p:txBody>
+      </p:sp>
+    </p:spTree>
+    <p:extLst>
+      <p:ext uri="{BB962C8B-B14F-4D97-AF65-F5344CB8AC3E}">
+        <p14:creationId xmlns:p14="http://schemas.microsoft.com/office/powerpoint/2010/main" val="3082605243"/>
+      </p:ext>
+    </p:extLst>
+  </p:cSld>
+  <p:clrMapOvr>
+    <a:masterClrMapping/>
+  </p:clrMapOvr>
+</p:notes>
+</file>
+
+<file path=ppt/notesSlides/notesSlide6.xml><?xml version="1.0" encoding="utf-8"?>
+<p:notes xmlns:a="http://schemas.openxmlformats.org/drawingml/2006/main" xmlns:r="http://schemas.openxmlformats.org/officeDocument/2006/relationships" xmlns:p="http://schemas.openxmlformats.org/presentationml/2006/main">
+  <p:cSld>
+    <p:spTree>
+      <p:nvGrpSpPr>
+        <p:cNvPr id="1" name=""/>
+        <p:cNvGrpSpPr/>
+        <p:nvPr/>
+      </p:nvGrpSpPr>
+      <p:grpSpPr>
+        <a:xfrm>
+          <a:off x="0" y="0"/>
+          <a:ext cx="0" cy="0"/>
+          <a:chOff x="0" y="0"/>
+          <a:chExt cx="0" cy="0"/>
+        </a:xfrm>
+      </p:grpSpPr>
+      <p:sp>
+        <p:nvSpPr>
+          <p:cNvPr id="2" name="Образ слайда 1"/>
+          <p:cNvSpPr>
+            <a:spLocks noGrp="1" noRot="1" noChangeAspect="1"/>
+          </p:cNvSpPr>
+          <p:nvPr>
+            <p:ph type="sldImg"/>
+          </p:nvPr>
+        </p:nvSpPr>
+        <p:spPr/>
+      </p:sp>
+      <p:sp>
+        <p:nvSpPr>
+          <p:cNvPr id="3" name="Заметки 2"/>
+          <p:cNvSpPr>
+            <a:spLocks noGrp="1"/>
+          </p:cNvSpPr>
+          <p:nvPr>
+            <p:ph type="body" idx="1"/>
+          </p:nvPr>
+        </p:nvSpPr>
+        <p:spPr/>
+        <p:txBody>
+          <a:bodyPr/>
+          <a:lstStyle/>
+          <a:p>
+            <a:endParaRPr lang="en-US" dirty="0"/>
+          </a:p>
+        </p:txBody>
+      </p:sp>
+      <p:sp>
+        <p:nvSpPr>
+          <p:cNvPr id="4" name="Номер слайда 3"/>
+          <p:cNvSpPr>
+            <a:spLocks noGrp="1"/>
+          </p:cNvSpPr>
+          <p:nvPr>
+            <p:ph type="sldNum" sz="quarter" idx="10"/>
+          </p:nvPr>
+        </p:nvSpPr>
+        <p:spPr/>
+        <p:txBody>
+          <a:bodyPr/>
+          <a:lstStyle/>
+          <a:p>
+            <a:fld id="{DC348DFF-10E5-4AE9-8016-9910A89BCDEE}" type="slidenum">
+              <a:rPr lang="ru-RU" smtClean="0"/>
+              <a:t>20</a:t>
             </a:fld>
             <a:endParaRPr lang="ru-RU"/>
           </a:p>
@@ -11704,17 +12103,831 @@
   <p:clrMapOvr>
     <a:masterClrMapping/>
   </p:clrMapOvr>
+</p:sld>
+</file>
+
+<file path=ppt/slides/slide10.xml><?xml version="1.0" encoding="utf-8"?>
+<p:sld xmlns:a="http://schemas.openxmlformats.org/drawingml/2006/main" xmlns:r="http://schemas.openxmlformats.org/officeDocument/2006/relationships" xmlns:p="http://schemas.openxmlformats.org/presentationml/2006/main">
+  <p:cSld>
+    <p:spTree>
+      <p:nvGrpSpPr>
+        <p:cNvPr id="1" name=""/>
+        <p:cNvGrpSpPr/>
+        <p:nvPr/>
+      </p:nvGrpSpPr>
+      <p:grpSpPr>
+        <a:xfrm>
+          <a:off x="0" y="0"/>
+          <a:ext cx="0" cy="0"/>
+          <a:chOff x="0" y="0"/>
+          <a:chExt cx="0" cy="0"/>
+        </a:xfrm>
+      </p:grpSpPr>
+      <p:sp>
+        <p:nvSpPr>
+          <p:cNvPr id="3" name="Объект 2"/>
+          <p:cNvSpPr>
+            <a:spLocks noGrp="1"/>
+          </p:cNvSpPr>
+          <p:nvPr>
+            <p:ph sz="quarter" idx="13"/>
+          </p:nvPr>
+        </p:nvSpPr>
+        <p:spPr/>
+        <p:txBody>
+          <a:bodyPr>
+            <a:noAutofit/>
+          </a:bodyPr>
+          <a:lstStyle/>
+          <a:p>
+            <a:r>
+              <a:rPr lang="en-US" sz="2400" dirty="0">
+                <a:solidFill>
+                  <a:srgbClr val="0000FF"/>
+                </a:solidFill>
+                <a:latin typeface="Consolas" panose="020B0609020204030204" pitchFamily="49" charset="0"/>
+              </a:rPr>
+              <a:t>public</a:t>
+            </a:r>
+            <a:r>
+              <a:rPr lang="en-US" sz="2400" dirty="0">
+                <a:latin typeface="Consolas" panose="020B0609020204030204" pitchFamily="49" charset="0"/>
+              </a:rPr>
+              <a:t> </a:t>
+            </a:r>
+            <a:r>
+              <a:rPr lang="en-US" sz="2400" dirty="0">
+                <a:solidFill>
+                  <a:srgbClr val="0000FF"/>
+                </a:solidFill>
+                <a:latin typeface="Consolas" panose="020B0609020204030204" pitchFamily="49" charset="0"/>
+              </a:rPr>
+              <a:t>class</a:t>
+            </a:r>
+            <a:r>
+              <a:rPr lang="en-US" sz="2400" dirty="0">
+                <a:latin typeface="Consolas" panose="020B0609020204030204" pitchFamily="49" charset="0"/>
+              </a:rPr>
+              <a:t> </a:t>
+            </a:r>
+            <a:r>
+              <a:rPr lang="en-US" sz="2400" dirty="0">
+                <a:solidFill>
+                  <a:srgbClr val="00007F"/>
+                </a:solidFill>
+                <a:latin typeface="Consolas" panose="020B0609020204030204" pitchFamily="49" charset="0"/>
+              </a:rPr>
+              <a:t>Chessboard</a:t>
+            </a:r>
+          </a:p>
+          <a:p>
+            <a:r>
+              <a:rPr lang="ru-RU" sz="2400" dirty="0">
+                <a:latin typeface="Consolas" panose="020B0609020204030204" pitchFamily="49" charset="0"/>
+              </a:rPr>
+              <a:t>{</a:t>
+            </a:r>
+          </a:p>
+          <a:p>
+            <a:r>
+              <a:rPr lang="en-US" sz="2400" dirty="0">
+                <a:latin typeface="Consolas" panose="020B0609020204030204" pitchFamily="49" charset="0"/>
+              </a:rPr>
+              <a:t>    </a:t>
+            </a:r>
+            <a:r>
+              <a:rPr lang="en-US" sz="2400" dirty="0">
+                <a:solidFill>
+                  <a:srgbClr val="0000FF"/>
+                </a:solidFill>
+                <a:latin typeface="Consolas" panose="020B0609020204030204" pitchFamily="49" charset="0"/>
+              </a:rPr>
+              <a:t>public</a:t>
+            </a:r>
+            <a:r>
+              <a:rPr lang="en-US" sz="2400" dirty="0">
+                <a:latin typeface="Consolas" panose="020B0609020204030204" pitchFamily="49" charset="0"/>
+              </a:rPr>
+              <a:t> </a:t>
+            </a:r>
+            <a:r>
+              <a:rPr lang="en-US" sz="2400" dirty="0">
+                <a:solidFill>
+                  <a:srgbClr val="2B91AF"/>
+                </a:solidFill>
+                <a:latin typeface="Consolas" panose="020B0609020204030204" pitchFamily="49" charset="0"/>
+              </a:rPr>
+              <a:t>Chessboard</a:t>
+            </a:r>
+            <a:r>
+              <a:rPr lang="en-US" sz="2400" dirty="0">
+                <a:latin typeface="Consolas" panose="020B0609020204030204" pitchFamily="49" charset="0"/>
+              </a:rPr>
+              <a:t>(</a:t>
+            </a:r>
+            <a:endParaRPr lang="ru-RU" sz="2400" dirty="0">
+              <a:latin typeface="Consolas" panose="020B0609020204030204" pitchFamily="49" charset="0"/>
+            </a:endParaRPr>
+          </a:p>
+          <a:p>
+            <a:r>
+              <a:rPr lang="ru-RU" sz="2400" dirty="0">
+                <a:latin typeface="Consolas" panose="020B0609020204030204" pitchFamily="49" charset="0"/>
+              </a:rPr>
+              <a:t>		</a:t>
+            </a:r>
+            <a:r>
+              <a:rPr lang="en-US" sz="2400" dirty="0" err="1">
+                <a:solidFill>
+                  <a:srgbClr val="00007F"/>
+                </a:solidFill>
+                <a:latin typeface="Consolas" panose="020B0609020204030204" pitchFamily="49" charset="0"/>
+              </a:rPr>
+              <a:t>StreamReader</a:t>
+            </a:r>
+            <a:r>
+              <a:rPr lang="en-US" sz="2400" dirty="0">
+                <a:latin typeface="Consolas" panose="020B0609020204030204" pitchFamily="49" charset="0"/>
+              </a:rPr>
+              <a:t> input, </a:t>
+            </a:r>
+            <a:endParaRPr lang="ru-RU" sz="2400" dirty="0">
+              <a:latin typeface="Consolas" panose="020B0609020204030204" pitchFamily="49" charset="0"/>
+            </a:endParaRPr>
+          </a:p>
+          <a:p>
+            <a:r>
+              <a:rPr lang="ru-RU" sz="2400" dirty="0">
+                <a:latin typeface="Consolas" panose="020B0609020204030204" pitchFamily="49" charset="0"/>
+              </a:rPr>
+              <a:t>		</a:t>
+            </a:r>
+            <a:r>
+              <a:rPr lang="en-US" sz="2400" dirty="0" err="1">
+                <a:solidFill>
+                  <a:srgbClr val="00007F"/>
+                </a:solidFill>
+                <a:latin typeface="Consolas" panose="020B0609020204030204" pitchFamily="49" charset="0"/>
+              </a:rPr>
+              <a:t>IBoardParser</a:t>
+            </a:r>
+            <a:r>
+              <a:rPr lang="en-US" sz="2400" dirty="0">
+                <a:latin typeface="Consolas" panose="020B0609020204030204" pitchFamily="49" charset="0"/>
+              </a:rPr>
+              <a:t> </a:t>
+            </a:r>
+            <a:r>
+              <a:rPr lang="en-US" sz="2400" dirty="0" err="1">
+                <a:latin typeface="Consolas" panose="020B0609020204030204" pitchFamily="49" charset="0"/>
+              </a:rPr>
+              <a:t>boardParser</a:t>
+            </a:r>
+            <a:r>
+              <a:rPr lang="en-US" sz="2400" dirty="0">
+                <a:latin typeface="Consolas" panose="020B0609020204030204" pitchFamily="49" charset="0"/>
+              </a:rPr>
+              <a:t>)</a:t>
+            </a:r>
+          </a:p>
+          <a:p>
+            <a:r>
+              <a:rPr lang="ru-RU" sz="2400" dirty="0">
+                <a:latin typeface="Consolas" panose="020B0609020204030204" pitchFamily="49" charset="0"/>
+              </a:rPr>
+              <a:t>    {</a:t>
+            </a:r>
+          </a:p>
+          <a:p>
+            <a:r>
+              <a:rPr lang="en-US" sz="2400" dirty="0">
+                <a:latin typeface="Consolas" panose="020B0609020204030204" pitchFamily="49" charset="0"/>
+              </a:rPr>
+              <a:t>        </a:t>
+            </a:r>
+            <a:r>
+              <a:rPr lang="en-US" sz="2400" dirty="0" err="1">
+                <a:solidFill>
+                  <a:srgbClr val="0000FF"/>
+                </a:solidFill>
+                <a:latin typeface="Consolas" panose="020B0609020204030204" pitchFamily="49" charset="0"/>
+              </a:rPr>
+              <a:t>this</a:t>
+            </a:r>
+            <a:r>
+              <a:rPr lang="en-US" sz="2400" dirty="0" err="1">
+                <a:latin typeface="Consolas" panose="020B0609020204030204" pitchFamily="49" charset="0"/>
+              </a:rPr>
+              <a:t>.</a:t>
+            </a:r>
+            <a:r>
+              <a:rPr lang="en-US" sz="2400" dirty="0" err="1">
+                <a:solidFill>
+                  <a:srgbClr val="800080"/>
+                </a:solidFill>
+                <a:latin typeface="Consolas" panose="020B0609020204030204" pitchFamily="49" charset="0"/>
+              </a:rPr>
+              <a:t>cells</a:t>
+            </a:r>
+            <a:r>
+              <a:rPr lang="en-US" sz="2400" dirty="0">
+                <a:latin typeface="Consolas" panose="020B0609020204030204" pitchFamily="49" charset="0"/>
+              </a:rPr>
+              <a:t> = </a:t>
+            </a:r>
+            <a:r>
+              <a:rPr lang="en-US" sz="2400" dirty="0" err="1">
+                <a:solidFill>
+                  <a:srgbClr val="2B91AF"/>
+                </a:solidFill>
+                <a:latin typeface="Consolas" panose="020B0609020204030204" pitchFamily="49" charset="0"/>
+              </a:rPr>
+              <a:t>LoadBoard</a:t>
+            </a:r>
+            <a:r>
+              <a:rPr lang="en-US" sz="2400" dirty="0">
+                <a:latin typeface="Consolas" panose="020B0609020204030204" pitchFamily="49" charset="0"/>
+              </a:rPr>
+              <a:t>(input, </a:t>
+            </a:r>
+            <a:r>
+              <a:rPr lang="en-US" sz="2400" dirty="0" err="1">
+                <a:latin typeface="Consolas" panose="020B0609020204030204" pitchFamily="49" charset="0"/>
+              </a:rPr>
+              <a:t>boardParser</a:t>
+            </a:r>
+            <a:r>
+              <a:rPr lang="en-US" sz="2400" dirty="0">
+                <a:latin typeface="Consolas" panose="020B0609020204030204" pitchFamily="49" charset="0"/>
+              </a:rPr>
+              <a:t>);</a:t>
+            </a:r>
+          </a:p>
+          <a:p>
+            <a:r>
+              <a:rPr lang="en-US" sz="2400" dirty="0">
+                <a:latin typeface="Consolas" panose="020B0609020204030204" pitchFamily="49" charset="0"/>
+              </a:rPr>
+              <a:t>    </a:t>
+            </a:r>
+            <a:r>
+              <a:rPr lang="ru-RU" sz="2400" dirty="0">
+                <a:latin typeface="Consolas" panose="020B0609020204030204" pitchFamily="49" charset="0"/>
+              </a:rPr>
+              <a:t>}</a:t>
+            </a:r>
+          </a:p>
+          <a:p>
+            <a:r>
+              <a:rPr lang="en-US" sz="2400" dirty="0">
+                <a:latin typeface="Consolas" panose="020B0609020204030204" pitchFamily="49" charset="0"/>
+              </a:rPr>
+              <a:t>}</a:t>
+            </a:r>
+            <a:endParaRPr lang="ru-RU" sz="2400" dirty="0">
+              <a:latin typeface="Consolas" panose="020B0609020204030204" pitchFamily="49" charset="0"/>
+            </a:endParaRPr>
+          </a:p>
+        </p:txBody>
+      </p:sp>
+      <p:sp>
+        <p:nvSpPr>
+          <p:cNvPr id="2" name="Заголовок 1"/>
+          <p:cNvSpPr>
+            <a:spLocks noGrp="1"/>
+          </p:cNvSpPr>
+          <p:nvPr>
+            <p:ph type="title"/>
+          </p:nvPr>
+        </p:nvSpPr>
+        <p:spPr/>
+        <p:txBody>
+          <a:bodyPr/>
+          <a:lstStyle/>
+          <a:p>
+            <a:r>
+              <a:rPr lang="en-US" sz="4000" dirty="0"/>
+              <a:t>DIP </a:t>
+            </a:r>
+            <a:r>
+              <a:rPr lang="ru-RU" sz="4000" dirty="0"/>
+              <a:t>через инъекцию зависимостей</a:t>
+            </a:r>
+          </a:p>
+        </p:txBody>
+      </p:sp>
+    </p:spTree>
+    <p:extLst>
+      <p:ext uri="{BB962C8B-B14F-4D97-AF65-F5344CB8AC3E}">
+        <p14:creationId xmlns:p14="http://schemas.microsoft.com/office/powerpoint/2010/main" val="1257517266"/>
+      </p:ext>
+    </p:extLst>
+  </p:cSld>
+  <p:clrMapOvr>
+    <a:masterClrMapping/>
+  </p:clrMapOvr>
+</p:sld>
+</file>
+
+<file path=ppt/slides/slide11.xml><?xml version="1.0" encoding="utf-8"?>
+<p:sld xmlns:a="http://schemas.openxmlformats.org/drawingml/2006/main" xmlns:r="http://schemas.openxmlformats.org/officeDocument/2006/relationships" xmlns:p="http://schemas.openxmlformats.org/presentationml/2006/main">
+  <p:cSld>
+    <p:spTree>
+      <p:nvGrpSpPr>
+        <p:cNvPr id="1" name=""/>
+        <p:cNvGrpSpPr/>
+        <p:nvPr/>
+      </p:nvGrpSpPr>
+      <p:grpSpPr>
+        <a:xfrm>
+          <a:off x="0" y="0"/>
+          <a:ext cx="0" cy="0"/>
+          <a:chOff x="0" y="0"/>
+          <a:chExt cx="0" cy="0"/>
+        </a:xfrm>
+      </p:grpSpPr>
+      <p:sp>
+        <p:nvSpPr>
+          <p:cNvPr id="2" name="Объект 1">
+            <a:extLst>
+              <a:ext uri="{FF2B5EF4-FFF2-40B4-BE49-F238E27FC236}">
+                <a16:creationId xmlns:a16="http://schemas.microsoft.com/office/drawing/2014/main" id="{F04572EE-AFC9-4B08-9DA4-68919812D1EA}"/>
+              </a:ext>
+            </a:extLst>
+          </p:cNvPr>
+          <p:cNvSpPr>
+            <a:spLocks noGrp="1"/>
+          </p:cNvSpPr>
+          <p:nvPr>
+            <p:ph sz="quarter" idx="13"/>
+          </p:nvPr>
+        </p:nvSpPr>
+        <p:spPr/>
+        <p:txBody>
+          <a:bodyPr/>
+          <a:lstStyle/>
+          <a:p>
+            <a:r>
+              <a:rPr lang="ru-RU" dirty="0"/>
+              <a:t>Обеспечивается разными способами</a:t>
+            </a:r>
+          </a:p>
+          <a:p>
+            <a:pPr marL="457200" indent="-457200">
+              <a:buFont typeface="Arial" panose="020B0604020202020204" pitchFamily="34" charset="0"/>
+              <a:buChar char="•"/>
+            </a:pPr>
+            <a:r>
+              <a:rPr lang="en-US" dirty="0"/>
+              <a:t>Dependency Injection</a:t>
+            </a:r>
+          </a:p>
+          <a:p>
+            <a:pPr marL="457200" indent="-457200">
+              <a:buFont typeface="Arial" panose="020B0604020202020204" pitchFamily="34" charset="0"/>
+              <a:buChar char="•"/>
+            </a:pPr>
+            <a:r>
+              <a:rPr lang="en-US" dirty="0"/>
+              <a:t>Service Locator</a:t>
+            </a:r>
+            <a:endParaRPr lang="ru-RU" dirty="0"/>
+          </a:p>
+        </p:txBody>
+      </p:sp>
+      <p:sp>
+        <p:nvSpPr>
+          <p:cNvPr id="3" name="Заголовок 2">
+            <a:extLst>
+              <a:ext uri="{FF2B5EF4-FFF2-40B4-BE49-F238E27FC236}">
+                <a16:creationId xmlns:a16="http://schemas.microsoft.com/office/drawing/2014/main" id="{C36AE603-2F77-4AD0-97D7-4457CB6E481B}"/>
+              </a:ext>
+            </a:extLst>
+          </p:cNvPr>
+          <p:cNvSpPr>
+            <a:spLocks noGrp="1"/>
+          </p:cNvSpPr>
+          <p:nvPr>
+            <p:ph type="title"/>
+          </p:nvPr>
+        </p:nvSpPr>
+        <p:spPr/>
+        <p:txBody>
+          <a:bodyPr/>
+          <a:lstStyle/>
+          <a:p>
+            <a:r>
+              <a:rPr lang="en-US" dirty="0"/>
+              <a:t>Dependency Inversion…</a:t>
+            </a:r>
+          </a:p>
+        </p:txBody>
+      </p:sp>
+    </p:spTree>
+    <p:extLst>
+      <p:ext uri="{BB962C8B-B14F-4D97-AF65-F5344CB8AC3E}">
+        <p14:creationId xmlns:p14="http://schemas.microsoft.com/office/powerpoint/2010/main" val="217983641"/>
+      </p:ext>
+    </p:extLst>
+  </p:cSld>
+  <p:clrMapOvr>
+    <a:masterClrMapping/>
+  </p:clrMapOvr>
+</p:sld>
+</file>
+
+<file path=ppt/slides/slide12.xml><?xml version="1.0" encoding="utf-8"?>
+<p:sld xmlns:a="http://schemas.openxmlformats.org/drawingml/2006/main" xmlns:r="http://schemas.openxmlformats.org/officeDocument/2006/relationships" xmlns:p="http://schemas.openxmlformats.org/presentationml/2006/main">
+  <p:cSld>
+    <p:spTree>
+      <p:nvGrpSpPr>
+        <p:cNvPr id="1" name=""/>
+        <p:cNvGrpSpPr/>
+        <p:nvPr/>
+      </p:nvGrpSpPr>
+      <p:grpSpPr>
+        <a:xfrm>
+          <a:off x="0" y="0"/>
+          <a:ext cx="0" cy="0"/>
+          <a:chOff x="0" y="0"/>
+          <a:chExt cx="0" cy="0"/>
+        </a:xfrm>
+      </p:grpSpPr>
+      <p:sp>
+        <p:nvSpPr>
+          <p:cNvPr id="2" name="Объект 1">
+            <a:extLst>
+              <a:ext uri="{FF2B5EF4-FFF2-40B4-BE49-F238E27FC236}">
+                <a16:creationId xmlns:a16="http://schemas.microsoft.com/office/drawing/2014/main" id="{9E718CC4-9F19-4BB9-9DB7-F8C2E3670E23}"/>
+              </a:ext>
+            </a:extLst>
+          </p:cNvPr>
+          <p:cNvSpPr>
+            <a:spLocks noGrp="1"/>
+          </p:cNvSpPr>
+          <p:nvPr>
+            <p:ph sz="quarter" idx="13"/>
+          </p:nvPr>
+        </p:nvSpPr>
+        <p:spPr/>
+        <p:txBody>
+          <a:bodyPr/>
+          <a:lstStyle/>
+          <a:p>
+            <a:pPr marL="457200" indent="-457200">
+              <a:buFont typeface="Arial" panose="020B0604020202020204" pitchFamily="34" charset="0"/>
+              <a:buChar char="•"/>
+            </a:pPr>
+            <a:r>
+              <a:rPr lang="ru-RU" dirty="0"/>
+              <a:t>Скрывает реальные зависимости класса</a:t>
+            </a:r>
+          </a:p>
+          <a:p>
+            <a:pPr marL="1200095" lvl="1" indent="-457200"/>
+            <a:r>
+              <a:rPr lang="ru-RU" dirty="0"/>
+              <a:t>Ухудшается читабельность</a:t>
+            </a:r>
+          </a:p>
+          <a:p>
+            <a:pPr marL="1200095" lvl="1" indent="-457200"/>
+            <a:r>
+              <a:rPr lang="ru-RU" dirty="0"/>
+              <a:t>Увеличивается хрупкость</a:t>
+            </a:r>
+          </a:p>
+          <a:p>
+            <a:pPr marL="457200" indent="-457200">
+              <a:buFont typeface="Arial" panose="020B0604020202020204" pitchFamily="34" charset="0"/>
+              <a:buChar char="•"/>
+            </a:pPr>
+            <a:r>
+              <a:rPr lang="ru-RU" dirty="0"/>
+              <a:t>Заражает весь код, в котором используется</a:t>
+            </a:r>
+          </a:p>
+          <a:p>
+            <a:pPr marL="1200095" lvl="1" indent="-457200"/>
+            <a:r>
+              <a:rPr lang="ru-RU" dirty="0"/>
+              <a:t>Наркотик, с которого трудно слезть</a:t>
+            </a:r>
+            <a:endParaRPr lang="en-US" dirty="0"/>
+          </a:p>
+        </p:txBody>
+      </p:sp>
+      <p:sp>
+        <p:nvSpPr>
+          <p:cNvPr id="3" name="Заголовок 2">
+            <a:extLst>
+              <a:ext uri="{FF2B5EF4-FFF2-40B4-BE49-F238E27FC236}">
+                <a16:creationId xmlns:a16="http://schemas.microsoft.com/office/drawing/2014/main" id="{B4C3FE80-B8A2-44E1-A9C8-E3108040BB27}"/>
+              </a:ext>
+            </a:extLst>
+          </p:cNvPr>
+          <p:cNvSpPr>
+            <a:spLocks noGrp="1"/>
+          </p:cNvSpPr>
+          <p:nvPr>
+            <p:ph type="title"/>
+          </p:nvPr>
+        </p:nvSpPr>
+        <p:spPr/>
+        <p:txBody>
+          <a:bodyPr/>
+          <a:lstStyle/>
+          <a:p>
+            <a:r>
+              <a:rPr lang="ru-RU" sz="3600" dirty="0"/>
+              <a:t>Почему </a:t>
+            </a:r>
+            <a:r>
+              <a:rPr lang="en-US" sz="3600" dirty="0"/>
+              <a:t>Service Locator – </a:t>
+            </a:r>
+            <a:r>
+              <a:rPr lang="ru-RU" sz="3600" dirty="0" err="1"/>
+              <a:t>антипаттерн</a:t>
+            </a:r>
+            <a:r>
+              <a:rPr lang="ru-RU" sz="3600" dirty="0"/>
+              <a:t>?</a:t>
+            </a:r>
+            <a:endParaRPr lang="en-US" sz="3600" dirty="0"/>
+          </a:p>
+        </p:txBody>
+      </p:sp>
+    </p:spTree>
+    <p:extLst>
+      <p:ext uri="{BB962C8B-B14F-4D97-AF65-F5344CB8AC3E}">
+        <p14:creationId xmlns:p14="http://schemas.microsoft.com/office/powerpoint/2010/main" val="3994984854"/>
+      </p:ext>
+    </p:extLst>
+  </p:cSld>
+  <p:clrMapOvr>
+    <a:masterClrMapping/>
+  </p:clrMapOvr>
   <p:timing>
     <p:tnLst>
       <p:par>
-        <p:cTn id="1" dur="indefinite" restart="never" nodeType="tmRoot"/>
+        <p:cTn id="1" dur="indefinite" restart="never" nodeType="tmRoot">
+          <p:childTnLst>
+            <p:seq concurrent="1" nextAc="seek">
+              <p:cTn id="2" dur="indefinite" nodeType="mainSeq">
+                <p:childTnLst>
+                  <p:par>
+                    <p:cTn id="3" fill="hold">
+                      <p:stCondLst>
+                        <p:cond delay="indefinite"/>
+                      </p:stCondLst>
+                      <p:childTnLst>
+                        <p:par>
+                          <p:cTn id="4" fill="hold">
+                            <p:stCondLst>
+                              <p:cond delay="0"/>
+                            </p:stCondLst>
+                            <p:childTnLst>
+                              <p:par>
+                                <p:cTn id="5" presetID="1" presetClass="entr" presetSubtype="0" fill="hold" nodeType="clickEffect">
+                                  <p:stCondLst>
+                                    <p:cond delay="0"/>
+                                  </p:stCondLst>
+                                  <p:childTnLst>
+                                    <p:set>
+                                      <p:cBhvr>
+                                        <p:cTn id="6" dur="1" fill="hold">
+                                          <p:stCondLst>
+                                            <p:cond delay="0"/>
+                                          </p:stCondLst>
+                                        </p:cTn>
+                                        <p:tgtEl>
+                                          <p:spTgt spid="2">
+                                            <p:txEl>
+                                              <p:pRg st="0" end="0"/>
+                                            </p:txEl>
+                                          </p:spTgt>
+                                        </p:tgtEl>
+                                        <p:attrNameLst>
+                                          <p:attrName>style.visibility</p:attrName>
+                                        </p:attrNameLst>
+                                      </p:cBhvr>
+                                      <p:to>
+                                        <p:strVal val="visible"/>
+                                      </p:to>
+                                    </p:set>
+                                  </p:childTnLst>
+                                </p:cTn>
+                              </p:par>
+                              <p:par>
+                                <p:cTn id="7" presetID="1" presetClass="entr" presetSubtype="0" fill="hold" nodeType="withEffect">
+                                  <p:stCondLst>
+                                    <p:cond delay="0"/>
+                                  </p:stCondLst>
+                                  <p:childTnLst>
+                                    <p:set>
+                                      <p:cBhvr>
+                                        <p:cTn id="8" dur="1" fill="hold">
+                                          <p:stCondLst>
+                                            <p:cond delay="0"/>
+                                          </p:stCondLst>
+                                        </p:cTn>
+                                        <p:tgtEl>
+                                          <p:spTgt spid="2">
+                                            <p:txEl>
+                                              <p:pRg st="1" end="1"/>
+                                            </p:txEl>
+                                          </p:spTgt>
+                                        </p:tgtEl>
+                                        <p:attrNameLst>
+                                          <p:attrName>style.visibility</p:attrName>
+                                        </p:attrNameLst>
+                                      </p:cBhvr>
+                                      <p:to>
+                                        <p:strVal val="visible"/>
+                                      </p:to>
+                                    </p:set>
+                                  </p:childTnLst>
+                                </p:cTn>
+                              </p:par>
+                              <p:par>
+                                <p:cTn id="9" presetID="1" presetClass="entr" presetSubtype="0" fill="hold" nodeType="withEffect">
+                                  <p:stCondLst>
+                                    <p:cond delay="0"/>
+                                  </p:stCondLst>
+                                  <p:childTnLst>
+                                    <p:set>
+                                      <p:cBhvr>
+                                        <p:cTn id="10" dur="1" fill="hold">
+                                          <p:stCondLst>
+                                            <p:cond delay="0"/>
+                                          </p:stCondLst>
+                                        </p:cTn>
+                                        <p:tgtEl>
+                                          <p:spTgt spid="2">
+                                            <p:txEl>
+                                              <p:pRg st="2" end="2"/>
+                                            </p:txEl>
+                                          </p:spTgt>
+                                        </p:tgtEl>
+                                        <p:attrNameLst>
+                                          <p:attrName>style.visibility</p:attrName>
+                                        </p:attrNameLst>
+                                      </p:cBhvr>
+                                      <p:to>
+                                        <p:strVal val="visible"/>
+                                      </p:to>
+                                    </p:set>
+                                  </p:childTnLst>
+                                </p:cTn>
+                              </p:par>
+                              <p:par>
+                                <p:cTn id="11" presetID="1" presetClass="entr" presetSubtype="0" fill="hold" nodeType="withEffect">
+                                  <p:stCondLst>
+                                    <p:cond delay="0"/>
+                                  </p:stCondLst>
+                                  <p:childTnLst>
+                                    <p:set>
+                                      <p:cBhvr>
+                                        <p:cTn id="12" dur="1" fill="hold">
+                                          <p:stCondLst>
+                                            <p:cond delay="0"/>
+                                          </p:stCondLst>
+                                        </p:cTn>
+                                        <p:tgtEl>
+                                          <p:spTgt spid="2">
+                                            <p:txEl>
+                                              <p:pRg st="3" end="3"/>
+                                            </p:txEl>
+                                          </p:spTgt>
+                                        </p:tgtEl>
+                                        <p:attrNameLst>
+                                          <p:attrName>style.visibility</p:attrName>
+                                        </p:attrNameLst>
+                                      </p:cBhvr>
+                                      <p:to>
+                                        <p:strVal val="visible"/>
+                                      </p:to>
+                                    </p:set>
+                                  </p:childTnLst>
+                                </p:cTn>
+                              </p:par>
+                              <p:par>
+                                <p:cTn id="13" presetID="1" presetClass="entr" presetSubtype="0" fill="hold" nodeType="withEffect">
+                                  <p:stCondLst>
+                                    <p:cond delay="0"/>
+                                  </p:stCondLst>
+                                  <p:childTnLst>
+                                    <p:set>
+                                      <p:cBhvr>
+                                        <p:cTn id="14" dur="1" fill="hold">
+                                          <p:stCondLst>
+                                            <p:cond delay="0"/>
+                                          </p:stCondLst>
+                                        </p:cTn>
+                                        <p:tgtEl>
+                                          <p:spTgt spid="2">
+                                            <p:txEl>
+                                              <p:pRg st="4" end="4"/>
+                                            </p:txEl>
+                                          </p:spTgt>
+                                        </p:tgtEl>
+                                        <p:attrNameLst>
+                                          <p:attrName>style.visibility</p:attrName>
+                                        </p:attrNameLst>
+                                      </p:cBhvr>
+                                      <p:to>
+                                        <p:strVal val="visible"/>
+                                      </p:to>
+                                    </p:set>
+                                  </p:childTnLst>
+                                </p:cTn>
+                              </p:par>
+                            </p:childTnLst>
+                          </p:cTn>
+                        </p:par>
+                      </p:childTnLst>
+                    </p:cTn>
+                  </p:par>
+                </p:childTnLst>
+              </p:cTn>
+              <p:prevCondLst>
+                <p:cond evt="onPrev" delay="0">
+                  <p:tgtEl>
+                    <p:sldTgt/>
+                  </p:tgtEl>
+                </p:cond>
+              </p:prevCondLst>
+              <p:nextCondLst>
+                <p:cond evt="onNext" delay="0">
+                  <p:tgtEl>
+                    <p:sldTgt/>
+                  </p:tgtEl>
+                </p:cond>
+              </p:nextCondLst>
+            </p:seq>
+          </p:childTnLst>
+        </p:cTn>
       </p:par>
     </p:tnLst>
   </p:timing>
 </p:sld>
 </file>
 
-<file path=ppt/slides/slide10.xml><?xml version="1.0" encoding="utf-8"?>
+<file path=ppt/slides/slide13.xml><?xml version="1.0" encoding="utf-8"?>
+<p:sld xmlns:a="http://schemas.openxmlformats.org/drawingml/2006/main" xmlns:r="http://schemas.openxmlformats.org/officeDocument/2006/relationships" xmlns:p="http://schemas.openxmlformats.org/presentationml/2006/main">
+  <p:cSld>
+    <p:spTree>
+      <p:nvGrpSpPr>
+        <p:cNvPr id="1" name=""/>
+        <p:cNvGrpSpPr/>
+        <p:nvPr/>
+      </p:nvGrpSpPr>
+      <p:grpSpPr>
+        <a:xfrm>
+          <a:off x="0" y="0"/>
+          <a:ext cx="0" cy="0"/>
+          <a:chOff x="0" y="0"/>
+          <a:chExt cx="0" cy="0"/>
+        </a:xfrm>
+      </p:grpSpPr>
+      <p:sp>
+        <p:nvSpPr>
+          <p:cNvPr id="2" name="Заголовок 1"/>
+          <p:cNvSpPr>
+            <a:spLocks noGrp="1"/>
+          </p:cNvSpPr>
+          <p:nvPr>
+            <p:ph type="title"/>
+          </p:nvPr>
+        </p:nvSpPr>
+        <p:spPr/>
+        <p:txBody>
+          <a:bodyPr/>
+          <a:lstStyle/>
+          <a:p>
+            <a:r>
+              <a:rPr lang="en-US" dirty="0"/>
+              <a:t>DI Container</a:t>
+            </a:r>
+            <a:endParaRPr lang="ru-RU" dirty="0"/>
+          </a:p>
+        </p:txBody>
+      </p:sp>
+    </p:spTree>
+    <p:extLst>
+      <p:ext uri="{BB962C8B-B14F-4D97-AF65-F5344CB8AC3E}">
+        <p14:creationId xmlns:p14="http://schemas.microsoft.com/office/powerpoint/2010/main" val="215197585"/>
+      </p:ext>
+    </p:extLst>
+  </p:cSld>
+  <p:clrMapOvr>
+    <a:masterClrMapping/>
+  </p:clrMapOvr>
+</p:sld>
+</file>
+
+<file path=ppt/slides/slide14.xml><?xml version="1.0" encoding="utf-8"?>
 <p:sld xmlns:a="http://schemas.openxmlformats.org/drawingml/2006/main" xmlns:r="http://schemas.openxmlformats.org/officeDocument/2006/relationships" xmlns:p="http://schemas.openxmlformats.org/presentationml/2006/main">
   <p:cSld>
     <p:spTree>
@@ -12296,13 +13509,24 @@
               </a:spcAft>
               <a:buNone/>
             </a:pPr>
-            <a:r>
-              <a:rPr lang="ru-RU" altLang="ru-RU" sz="2000" dirty="0">
-                <a:latin typeface="Consolas" panose="020B0609020204030204" pitchFamily="49" charset="0"/>
-                <a:cs typeface="Consolas" panose="020B0609020204030204" pitchFamily="49" charset="0"/>
-              </a:rPr>
-              <a:t/>
-            </a:r>
+            <a:endParaRPr lang="ru-RU" altLang="ru-RU" sz="2000" dirty="0">
+              <a:latin typeface="Consolas" panose="020B0609020204030204" pitchFamily="49" charset="0"/>
+              <a:cs typeface="Consolas" panose="020B0609020204030204" pitchFamily="49" charset="0"/>
+            </a:endParaRPr>
+          </a:p>
+          <a:p>
+            <a:pPr marL="0" indent="0" eaLnBrk="0" fontAlgn="base" hangingPunct="0">
+              <a:lnSpc>
+                <a:spcPct val="100000"/>
+              </a:lnSpc>
+              <a:spcBef>
+                <a:spcPct val="0"/>
+              </a:spcBef>
+              <a:spcAft>
+                <a:spcPct val="0"/>
+              </a:spcAft>
+              <a:buNone/>
+            </a:pPr>
             <a:br>
               <a:rPr lang="ru-RU" altLang="ru-RU" sz="2000" dirty="0">
                 <a:latin typeface="Consolas" panose="020B0609020204030204" pitchFamily="49" charset="0"/>
@@ -12417,6 +13641,46 @@
               <a:latin typeface="Consolas" panose="020B0609020204030204" pitchFamily="49" charset="0"/>
               <a:cs typeface="Consolas" panose="020B0609020204030204" pitchFamily="49" charset="0"/>
             </a:endParaRPr>
+          </a:p>
+        </p:txBody>
+      </p:sp>
+      <p:sp>
+        <p:nvSpPr>
+          <p:cNvPr id="3" name="TextBox 2">
+            <a:extLst>
+              <a:ext uri="{FF2B5EF4-FFF2-40B4-BE49-F238E27FC236}">
+                <a16:creationId xmlns:a16="http://schemas.microsoft.com/office/drawing/2014/main" id="{8C1CC9CF-1EA0-427A-A927-EF1488743CE6}"/>
+              </a:ext>
+            </a:extLst>
+          </p:cNvPr>
+          <p:cNvSpPr txBox="1"/>
+          <p:nvPr/>
+        </p:nvSpPr>
+        <p:spPr>
+          <a:xfrm rot="20880000">
+            <a:off x="6691661" y="4669078"/>
+            <a:ext cx="4009303" cy="584775"/>
+          </a:xfrm>
+          <a:prstGeom prst="rect">
+            <a:avLst/>
+          </a:prstGeom>
+          <a:noFill/>
+        </p:spPr>
+        <p:txBody>
+          <a:bodyPr wrap="none" rtlCol="0">
+            <a:spAutoFit/>
+          </a:bodyPr>
+          <a:lstStyle/>
+          <a:p>
+            <a:pPr algn="ctr"/>
+            <a:r>
+              <a:rPr lang="ru-RU" sz="3200" i="1" dirty="0">
+                <a:solidFill>
+                  <a:schemeClr val="accent1"/>
+                </a:solidFill>
+              </a:rPr>
+              <a:t>Как это работает?</a:t>
+            </a:r>
           </a:p>
         </p:txBody>
       </p:sp>
@@ -12430,17 +13694,10 @@
   <p:clrMapOvr>
     <a:masterClrMapping/>
   </p:clrMapOvr>
-  <p:timing>
-    <p:tnLst>
-      <p:par>
-        <p:cTn id="1" dur="indefinite" restart="never" nodeType="tmRoot"/>
-      </p:par>
-    </p:tnLst>
-  </p:timing>
 </p:sld>
 </file>
 
-<file path=ppt/slides/slide11.xml><?xml version="1.0" encoding="utf-8"?>
+<file path=ppt/slides/slide15.xml><?xml version="1.0" encoding="utf-8"?>
 <p:sld xmlns:a="http://schemas.openxmlformats.org/drawingml/2006/main" xmlns:r="http://schemas.openxmlformats.org/officeDocument/2006/relationships" xmlns:p="http://schemas.openxmlformats.org/presentationml/2006/main">
   <p:cSld>
     <p:spTree>
@@ -12552,10 +13809,54 @@
             </a:pPr>
             <a:r>
               <a:rPr lang="en-US" sz="2000" dirty="0">
+                <a:solidFill>
+                  <a:srgbClr val="0000FF"/>
+                </a:solidFill>
                 <a:latin typeface="Consolas" panose="020B0609020204030204" pitchFamily="49" charset="0"/>
                 <a:cs typeface="Consolas" panose="020B0609020204030204" pitchFamily="49" charset="0"/>
               </a:rPr>
+              <a:t>public</a:t>
+            </a:r>
+            <a:r>
+              <a:rPr lang="en-US" sz="2000" dirty="0">
+                <a:latin typeface="Consolas" panose="020B0609020204030204" pitchFamily="49" charset="0"/>
+                <a:cs typeface="Consolas" panose="020B0609020204030204" pitchFamily="49" charset="0"/>
+              </a:rPr>
               <a:t> </a:t>
+            </a:r>
+            <a:r>
+              <a:rPr lang="en-US" sz="2000" dirty="0" err="1">
+                <a:solidFill>
+                  <a:srgbClr val="2B91AF"/>
+                </a:solidFill>
+                <a:latin typeface="Consolas" panose="020B0609020204030204" pitchFamily="49" charset="0"/>
+                <a:cs typeface="Consolas" panose="020B0609020204030204" pitchFamily="49" charset="0"/>
+              </a:rPr>
+              <a:t>FileLoader</a:t>
+            </a:r>
+            <a:r>
+              <a:rPr lang="en-US" sz="2000" dirty="0">
+                <a:latin typeface="Consolas" panose="020B0609020204030204" pitchFamily="49" charset="0"/>
+                <a:cs typeface="Consolas" panose="020B0609020204030204" pitchFamily="49" charset="0"/>
+              </a:rPr>
+              <a:t>(</a:t>
+            </a:r>
+            <a:r>
+              <a:rPr lang="en-US" sz="2000" dirty="0" err="1">
+                <a:solidFill>
+                  <a:srgbClr val="00007F"/>
+                </a:solidFill>
+                <a:latin typeface="Consolas" panose="020B0609020204030204" pitchFamily="49" charset="0"/>
+                <a:cs typeface="Consolas" panose="020B0609020204030204" pitchFamily="49" charset="0"/>
+              </a:rPr>
+              <a:t>IFileFormat</a:t>
+            </a:r>
+            <a:r>
+              <a:rPr lang="en-US" sz="2000" dirty="0">
+                <a:latin typeface="Consolas" panose="020B0609020204030204" pitchFamily="49" charset="0"/>
+                <a:cs typeface="Consolas" panose="020B0609020204030204" pitchFamily="49" charset="0"/>
+              </a:rPr>
+              <a:t>[] formats) { … }</a:t>
             </a:r>
           </a:p>
           <a:p>
@@ -12587,7 +13888,7 @@
                 <a:latin typeface="Consolas" panose="020B0609020204030204" pitchFamily="49" charset="0"/>
                 <a:cs typeface="Consolas" panose="020B0609020204030204" pitchFamily="49" charset="0"/>
               </a:rPr>
-              <a:t>FileLoader</a:t>
+              <a:t>DocumentPage</a:t>
             </a:r>
             <a:r>
               <a:rPr lang="en-US" sz="2000" dirty="0">
@@ -12604,89 +13905,15 @@
                 <a:latin typeface="Consolas" panose="020B0609020204030204" pitchFamily="49" charset="0"/>
                 <a:cs typeface="Consolas" panose="020B0609020204030204" pitchFamily="49" charset="0"/>
               </a:rPr>
-              <a:t>IFileFormat</a:t>
+              <a:t>IAction</a:t>
             </a:r>
             <a:r>
               <a:rPr lang="en-US" sz="2000" dirty="0">
                 <a:latin typeface="Consolas" panose="020B0609020204030204" pitchFamily="49" charset="0"/>
                 <a:cs typeface="Consolas" panose="020B0609020204030204" pitchFamily="49" charset="0"/>
               </a:rPr>
-              <a:t>[] formats) { … }</a:t>
-            </a:r>
-          </a:p>
-          <a:p>
-            <a:pPr marL="0" indent="0" fontAlgn="t">
-              <a:buNone/>
-            </a:pPr>
-            <a:r>
-              <a:rPr lang="en-US" sz="2000" dirty="0">
-                <a:latin typeface="Consolas" panose="020B0609020204030204" pitchFamily="49" charset="0"/>
-                <a:cs typeface="Consolas" panose="020B0609020204030204" pitchFamily="49" charset="0"/>
-              </a:rPr>
-              <a:t> </a:t>
-            </a:r>
-          </a:p>
-          <a:p>
-            <a:pPr marL="0" indent="0" fontAlgn="t">
-              <a:buNone/>
-            </a:pPr>
-            <a:r>
-              <a:rPr lang="en-US" sz="2000" dirty="0">
-                <a:solidFill>
-                  <a:srgbClr val="0000FF"/>
-                </a:solidFill>
-                <a:latin typeface="Consolas" panose="020B0609020204030204" pitchFamily="49" charset="0"/>
-                <a:cs typeface="Consolas" panose="020B0609020204030204" pitchFamily="49" charset="0"/>
-              </a:rPr>
-              <a:t>public</a:t>
-            </a:r>
-            <a:r>
-              <a:rPr lang="en-US" sz="2000" dirty="0">
-                <a:latin typeface="Consolas" panose="020B0609020204030204" pitchFamily="49" charset="0"/>
-                <a:cs typeface="Consolas" panose="020B0609020204030204" pitchFamily="49" charset="0"/>
-              </a:rPr>
-              <a:t> </a:t>
-            </a:r>
-            <a:r>
-              <a:rPr lang="en-US" sz="2000" dirty="0" err="1">
-                <a:solidFill>
-                  <a:srgbClr val="2B91AF"/>
-                </a:solidFill>
-                <a:latin typeface="Consolas" panose="020B0609020204030204" pitchFamily="49" charset="0"/>
-                <a:cs typeface="Consolas" panose="020B0609020204030204" pitchFamily="49" charset="0"/>
-              </a:rPr>
-              <a:t>DocumentPage</a:t>
-            </a:r>
-            <a:r>
-              <a:rPr lang="en-US" sz="2000" dirty="0">
-                <a:latin typeface="Consolas" panose="020B0609020204030204" pitchFamily="49" charset="0"/>
-                <a:cs typeface="Consolas" panose="020B0609020204030204" pitchFamily="49" charset="0"/>
-              </a:rPr>
-              <a:t>(</a:t>
-            </a:r>
-            <a:r>
-              <a:rPr lang="en-US" sz="2000" dirty="0" err="1">
-                <a:solidFill>
-                  <a:srgbClr val="00007F"/>
-                </a:solidFill>
-                <a:latin typeface="Consolas" panose="020B0609020204030204" pitchFamily="49" charset="0"/>
-                <a:cs typeface="Consolas" panose="020B0609020204030204" pitchFamily="49" charset="0"/>
-              </a:rPr>
-              <a:t>IAction</a:t>
-            </a:r>
-            <a:r>
-              <a:rPr lang="en-US" sz="2000" dirty="0">
-                <a:latin typeface="Consolas" panose="020B0609020204030204" pitchFamily="49" charset="0"/>
-                <a:cs typeface="Consolas" panose="020B0609020204030204" pitchFamily="49" charset="0"/>
-              </a:rPr>
               <a:t>[] actions) { … }</a:t>
             </a:r>
-          </a:p>
-          <a:p>
-            <a:pPr marL="0" indent="0">
-              <a:buNone/>
-            </a:pPr>
-            <a:endParaRPr lang="ru-RU" sz="3600" dirty="0"/>
           </a:p>
         </p:txBody>
       </p:sp>
@@ -12707,9 +13934,10 @@
           <a:p>
             <a:pPr fontAlgn="base"/>
             <a:r>
-              <a:rPr lang="en-US" dirty="0"/>
-              <a:t>Sequence Injection</a:t>
-            </a:r>
+              <a:rPr lang="ru-RU" dirty="0"/>
+              <a:t>А если зависимостей много?</a:t>
+            </a:r>
+            <a:endParaRPr lang="en-US" dirty="0"/>
           </a:p>
         </p:txBody>
       </p:sp>
@@ -12717,629 +13945,6 @@
     <p:extLst>
       <p:ext uri="{BB962C8B-B14F-4D97-AF65-F5344CB8AC3E}">
         <p14:creationId xmlns:p14="http://schemas.microsoft.com/office/powerpoint/2010/main" val="2477099194"/>
-      </p:ext>
-    </p:extLst>
-  </p:cSld>
-  <p:clrMapOvr>
-    <a:masterClrMapping/>
-  </p:clrMapOvr>
-  <p:timing>
-    <p:tnLst>
-      <p:par>
-        <p:cTn id="1" dur="indefinite" restart="never" nodeType="tmRoot"/>
-      </p:par>
-    </p:tnLst>
-  </p:timing>
-</p:sld>
-</file>
-
-<file path=ppt/slides/slide12.xml><?xml version="1.0" encoding="utf-8"?>
-<p:sld xmlns:a="http://schemas.openxmlformats.org/drawingml/2006/main" xmlns:r="http://schemas.openxmlformats.org/officeDocument/2006/relationships" xmlns:p="http://schemas.openxmlformats.org/presentationml/2006/main">
-  <p:cSld>
-    <p:spTree>
-      <p:nvGrpSpPr>
-        <p:cNvPr id="1" name=""/>
-        <p:cNvGrpSpPr/>
-        <p:nvPr/>
-      </p:nvGrpSpPr>
-      <p:grpSpPr>
-        <a:xfrm>
-          <a:off x="0" y="0"/>
-          <a:ext cx="0" cy="0"/>
-          <a:chOff x="0" y="0"/>
-          <a:chExt cx="0" cy="0"/>
-        </a:xfrm>
-      </p:grpSpPr>
-      <p:sp>
-        <p:nvSpPr>
-          <p:cNvPr id="3" name="Объект 2"/>
-          <p:cNvSpPr>
-            <a:spLocks noGrp="1"/>
-          </p:cNvSpPr>
-          <p:nvPr>
-            <p:ph sz="quarter" idx="13"/>
-          </p:nvPr>
-        </p:nvSpPr>
-        <p:spPr>
-          <a:xfrm>
-            <a:off x="1295469" y="1628775"/>
-            <a:ext cx="9601067" cy="1130161"/>
-          </a:xfrm>
-        </p:spPr>
-        <p:txBody>
-          <a:bodyPr/>
-          <a:lstStyle/>
-          <a:p>
-            <a:pPr marL="0" indent="0">
-              <a:buNone/>
-            </a:pPr>
-            <a:r>
-              <a:rPr lang="en-US" dirty="0">
-                <a:solidFill>
-                  <a:srgbClr val="2B91AF"/>
-                </a:solidFill>
-                <a:latin typeface="Consolas" panose="020B0609020204030204" pitchFamily="49" charset="0"/>
-                <a:cs typeface="Consolas" panose="020B0609020204030204" pitchFamily="49" charset="0"/>
-              </a:rPr>
-              <a:t>Controller</a:t>
-            </a:r>
-            <a:r>
-              <a:rPr lang="en-US" dirty="0">
-                <a:latin typeface="Consolas" panose="020B0609020204030204" pitchFamily="49" charset="0"/>
-                <a:cs typeface="Consolas" panose="020B0609020204030204" pitchFamily="49" charset="0"/>
-              </a:rPr>
-              <a:t>(</a:t>
-            </a:r>
-            <a:r>
-              <a:rPr lang="en-US" dirty="0">
-                <a:solidFill>
-                  <a:srgbClr val="00007F"/>
-                </a:solidFill>
-                <a:latin typeface="Consolas" panose="020B0609020204030204" pitchFamily="49" charset="0"/>
-                <a:cs typeface="Consolas" panose="020B0609020204030204" pitchFamily="49" charset="0"/>
-              </a:rPr>
-              <a:t>IView</a:t>
-            </a:r>
-            <a:r>
-              <a:rPr lang="en-US" dirty="0">
-                <a:latin typeface="Consolas" panose="020B0609020204030204" pitchFamily="49" charset="0"/>
-                <a:cs typeface="Consolas" panose="020B0609020204030204" pitchFamily="49" charset="0"/>
-              </a:rPr>
-              <a:t> view)</a:t>
-            </a:r>
-            <a:br>
-              <a:rPr lang="en-US" dirty="0">
-                <a:latin typeface="Consolas" panose="020B0609020204030204" pitchFamily="49" charset="0"/>
-                <a:cs typeface="Consolas" panose="020B0609020204030204" pitchFamily="49" charset="0"/>
-              </a:rPr>
-            </a:br>
-            <a:r>
-              <a:rPr lang="en-US" dirty="0" err="1">
-                <a:solidFill>
-                  <a:srgbClr val="2B91AF"/>
-                </a:solidFill>
-                <a:latin typeface="Consolas" panose="020B0609020204030204" pitchFamily="49" charset="0"/>
-                <a:cs typeface="Consolas" panose="020B0609020204030204" pitchFamily="49" charset="0"/>
-              </a:rPr>
-              <a:t>BasicView</a:t>
-            </a:r>
-            <a:r>
-              <a:rPr lang="en-US" dirty="0">
-                <a:latin typeface="Consolas" panose="020B0609020204030204" pitchFamily="49" charset="0"/>
-                <a:cs typeface="Consolas" panose="020B0609020204030204" pitchFamily="49" charset="0"/>
-              </a:rPr>
-              <a:t>(</a:t>
-            </a:r>
-            <a:r>
-              <a:rPr lang="en-US" dirty="0" err="1">
-                <a:solidFill>
-                  <a:srgbClr val="00007F"/>
-                </a:solidFill>
-                <a:latin typeface="Consolas" panose="020B0609020204030204" pitchFamily="49" charset="0"/>
-                <a:cs typeface="Consolas" panose="020B0609020204030204" pitchFamily="49" charset="0"/>
-              </a:rPr>
-              <a:t>IController</a:t>
-            </a:r>
-            <a:r>
-              <a:rPr lang="en-US" dirty="0">
-                <a:latin typeface="Consolas" panose="020B0609020204030204" pitchFamily="49" charset="0"/>
-                <a:cs typeface="Consolas" panose="020B0609020204030204" pitchFamily="49" charset="0"/>
-              </a:rPr>
-              <a:t> controller): </a:t>
-            </a:r>
-            <a:r>
-              <a:rPr lang="en-US" dirty="0">
-                <a:solidFill>
-                  <a:srgbClr val="00007F"/>
-                </a:solidFill>
-                <a:latin typeface="Consolas" panose="020B0609020204030204" pitchFamily="49" charset="0"/>
-                <a:cs typeface="Consolas" panose="020B0609020204030204" pitchFamily="49" charset="0"/>
-              </a:rPr>
-              <a:t>IView</a:t>
-            </a:r>
-          </a:p>
-          <a:p>
-            <a:endParaRPr lang="ru-RU" dirty="0"/>
-          </a:p>
-        </p:txBody>
-      </p:sp>
-      <p:sp>
-        <p:nvSpPr>
-          <p:cNvPr id="2" name="Заголовок 1"/>
-          <p:cNvSpPr>
-            <a:spLocks noGrp="1"/>
-          </p:cNvSpPr>
-          <p:nvPr>
-            <p:ph type="title"/>
-          </p:nvPr>
-        </p:nvSpPr>
-        <p:spPr/>
-        <p:txBody>
-          <a:bodyPr/>
-          <a:lstStyle/>
-          <a:p>
-            <a:r>
-              <a:rPr lang="ru-RU" dirty="0"/>
-              <a:t>Циклические зависимости</a:t>
-            </a:r>
-          </a:p>
-        </p:txBody>
-      </p:sp>
-      <p:pic>
-        <p:nvPicPr>
-          <p:cNvPr id="3076" name="Picture 4" descr="http://www.zooclub.ru/attach/15000/15464.jpg"/>
-          <p:cNvPicPr>
-            <a:picLocks noChangeAspect="1" noChangeArrowheads="1"/>
-          </p:cNvPicPr>
-          <p:nvPr/>
-        </p:nvPicPr>
-        <p:blipFill>
-          <a:blip r:embed="rId2">
-            <a:extLst>
-              <a:ext uri="{28A0092B-C50C-407E-A947-70E740481C1C}">
-                <a14:useLocalDpi xmlns:a14="http://schemas.microsoft.com/office/drawing/2010/main" val="0"/>
-              </a:ext>
-            </a:extLst>
-          </a:blip>
-          <a:srcRect/>
-          <a:stretch>
-            <a:fillRect/>
-          </a:stretch>
-        </p:blipFill>
-        <p:spPr bwMode="auto">
-          <a:xfrm>
-            <a:off x="1328649" y="3326507"/>
-            <a:ext cx="4228122" cy="2990435"/>
-          </a:xfrm>
-          <a:prstGeom prst="rect">
-            <a:avLst/>
-          </a:prstGeom>
-          <a:noFill/>
-          <a:extLst>
-            <a:ext uri="{909E8E84-426E-40DD-AFC4-6F175D3DCCD1}">
-              <a14:hiddenFill xmlns:a14="http://schemas.microsoft.com/office/drawing/2010/main">
-                <a:solidFill>
-                  <a:srgbClr val="FFFFFF"/>
-                </a:solidFill>
-              </a14:hiddenFill>
-            </a:ext>
-          </a:extLst>
-        </p:spPr>
-      </p:pic>
-      <p:sp>
-        <p:nvSpPr>
-          <p:cNvPr id="5" name="Прямоугольник 4"/>
-          <p:cNvSpPr/>
-          <p:nvPr/>
-        </p:nvSpPr>
-        <p:spPr>
-          <a:xfrm>
-            <a:off x="7061793" y="5115950"/>
-            <a:ext cx="1311964" cy="599726"/>
-          </a:xfrm>
-          <a:prstGeom prst="rect">
-            <a:avLst/>
-          </a:prstGeom>
-        </p:spPr>
-        <p:style>
-          <a:lnRef idx="2">
-            <a:schemeClr val="accent3">
-              <a:shade val="50000"/>
-            </a:schemeClr>
-          </a:lnRef>
-          <a:fillRef idx="1">
-            <a:schemeClr val="accent3"/>
-          </a:fillRef>
-          <a:effectRef idx="0">
-            <a:schemeClr val="accent3"/>
-          </a:effectRef>
-          <a:fontRef idx="minor">
-            <a:schemeClr val="lt1"/>
-          </a:fontRef>
-        </p:style>
-        <p:txBody>
-          <a:bodyPr rtlCol="0" anchor="ctr"/>
-          <a:lstStyle/>
-          <a:p>
-            <a:pPr algn="ctr"/>
-            <a:endParaRPr lang="ru-RU"/>
-          </a:p>
-        </p:txBody>
-      </p:sp>
-      <p:cxnSp>
-        <p:nvCxnSpPr>
-          <p:cNvPr id="6" name="Соединительная линия уступом 80"/>
-          <p:cNvCxnSpPr>
-            <a:stCxn id="9" idx="1"/>
-            <a:endCxn id="7" idx="3"/>
-          </p:cNvCxnSpPr>
-          <p:nvPr/>
-        </p:nvCxnSpPr>
-        <p:spPr>
-          <a:xfrm rot="10800000">
-            <a:off x="8373756" y="3806469"/>
-            <a:ext cx="1220645" cy="1140360"/>
-          </a:xfrm>
-          <a:prstGeom prst="bentConnector3">
-            <a:avLst>
-              <a:gd name="adj1" fmla="val 50000"/>
-            </a:avLst>
-          </a:prstGeom>
-          <a:ln w="38100">
-            <a:solidFill>
-              <a:schemeClr val="accent3"/>
-            </a:solidFill>
-            <a:tailEnd type="arrow"/>
-          </a:ln>
-        </p:spPr>
-        <p:style>
-          <a:lnRef idx="1">
-            <a:schemeClr val="accent1"/>
-          </a:lnRef>
-          <a:fillRef idx="0">
-            <a:schemeClr val="accent1"/>
-          </a:fillRef>
-          <a:effectRef idx="0">
-            <a:schemeClr val="accent1"/>
-          </a:effectRef>
-          <a:fontRef idx="minor">
-            <a:schemeClr val="tx1"/>
-          </a:fontRef>
-        </p:style>
-      </p:cxnSp>
-      <p:sp>
-        <p:nvSpPr>
-          <p:cNvPr id="7" name="Прямоугольник 6"/>
-          <p:cNvSpPr/>
-          <p:nvPr/>
-        </p:nvSpPr>
-        <p:spPr>
-          <a:xfrm>
-            <a:off x="7061792" y="3502562"/>
-            <a:ext cx="1311963" cy="607813"/>
-          </a:xfrm>
-          <a:prstGeom prst="rect">
-            <a:avLst/>
-          </a:prstGeom>
-        </p:spPr>
-        <p:style>
-          <a:lnRef idx="2">
-            <a:schemeClr val="accent3"/>
-          </a:lnRef>
-          <a:fillRef idx="1">
-            <a:schemeClr val="lt1"/>
-          </a:fillRef>
-          <a:effectRef idx="0">
-            <a:schemeClr val="accent3"/>
-          </a:effectRef>
-          <a:fontRef idx="minor">
-            <a:schemeClr val="dk1"/>
-          </a:fontRef>
-        </p:style>
-        <p:txBody>
-          <a:bodyPr rtlCol="0" anchor="ctr"/>
-          <a:lstStyle/>
-          <a:p>
-            <a:pPr algn="ctr"/>
-            <a:endParaRPr lang="ru-RU"/>
-          </a:p>
-        </p:txBody>
-      </p:sp>
-      <p:cxnSp>
-        <p:nvCxnSpPr>
-          <p:cNvPr id="8" name="Соединительная линия уступом 7"/>
-          <p:cNvCxnSpPr>
-            <a:stCxn id="5" idx="0"/>
-            <a:endCxn id="7" idx="2"/>
-          </p:cNvCxnSpPr>
-          <p:nvPr/>
-        </p:nvCxnSpPr>
-        <p:spPr>
-          <a:xfrm rot="16200000" flipV="1">
-            <a:off x="7214988" y="4613162"/>
-            <a:ext cx="1005575" cy="1"/>
-          </a:xfrm>
-          <a:prstGeom prst="bentConnector3">
-            <a:avLst>
-              <a:gd name="adj1" fmla="val 50000"/>
-            </a:avLst>
-          </a:prstGeom>
-          <a:ln w="38100">
-            <a:solidFill>
-              <a:schemeClr val="accent3"/>
-            </a:solidFill>
-            <a:prstDash val="sysDot"/>
-            <a:headEnd type="none" w="med" len="med"/>
-            <a:tailEnd type="none" w="med" len="med"/>
-          </a:ln>
-        </p:spPr>
-        <p:style>
-          <a:lnRef idx="1">
-            <a:schemeClr val="accent1"/>
-          </a:lnRef>
-          <a:fillRef idx="0">
-            <a:schemeClr val="accent1"/>
-          </a:fillRef>
-          <a:effectRef idx="0">
-            <a:schemeClr val="accent1"/>
-          </a:effectRef>
-          <a:fontRef idx="minor">
-            <a:schemeClr val="tx1"/>
-          </a:fontRef>
-        </p:style>
-      </p:cxnSp>
-      <p:sp>
-        <p:nvSpPr>
-          <p:cNvPr id="9" name="Прямоугольник 8"/>
-          <p:cNvSpPr/>
-          <p:nvPr/>
-        </p:nvSpPr>
-        <p:spPr>
-          <a:xfrm>
-            <a:off x="9594400" y="4650454"/>
-            <a:ext cx="1257513" cy="592750"/>
-          </a:xfrm>
-          <a:prstGeom prst="rect">
-            <a:avLst/>
-          </a:prstGeom>
-        </p:spPr>
-        <p:style>
-          <a:lnRef idx="2">
-            <a:schemeClr val="accent2">
-              <a:shade val="50000"/>
-            </a:schemeClr>
-          </a:lnRef>
-          <a:fillRef idx="1">
-            <a:schemeClr val="accent2"/>
-          </a:fillRef>
-          <a:effectRef idx="0">
-            <a:schemeClr val="accent2"/>
-          </a:effectRef>
-          <a:fontRef idx="minor">
-            <a:schemeClr val="lt1"/>
-          </a:fontRef>
-        </p:style>
-        <p:txBody>
-          <a:bodyPr rtlCol="0" anchor="ctr"/>
-          <a:lstStyle/>
-          <a:p>
-            <a:pPr algn="ctr"/>
-            <a:endParaRPr lang="ru-RU"/>
-          </a:p>
-        </p:txBody>
-      </p:sp>
-      <p:sp>
-        <p:nvSpPr>
-          <p:cNvPr id="10" name="Прямоугольник 9"/>
-          <p:cNvSpPr/>
-          <p:nvPr/>
-        </p:nvSpPr>
-        <p:spPr>
-          <a:xfrm>
-            <a:off x="9594400" y="3043416"/>
-            <a:ext cx="1257514" cy="603837"/>
-          </a:xfrm>
-          <a:prstGeom prst="rect">
-            <a:avLst/>
-          </a:prstGeom>
-        </p:spPr>
-        <p:style>
-          <a:lnRef idx="2">
-            <a:schemeClr val="accent2"/>
-          </a:lnRef>
-          <a:fillRef idx="1">
-            <a:schemeClr val="lt1"/>
-          </a:fillRef>
-          <a:effectRef idx="0">
-            <a:schemeClr val="accent2"/>
-          </a:effectRef>
-          <a:fontRef idx="minor">
-            <a:schemeClr val="dk1"/>
-          </a:fontRef>
-        </p:style>
-        <p:txBody>
-          <a:bodyPr rtlCol="0" anchor="ctr"/>
-          <a:lstStyle/>
-          <a:p>
-            <a:pPr algn="ctr"/>
-            <a:endParaRPr lang="ru-RU"/>
-          </a:p>
-        </p:txBody>
-      </p:sp>
-      <p:cxnSp>
-        <p:nvCxnSpPr>
-          <p:cNvPr id="11" name="Соединительная линия уступом 10"/>
-          <p:cNvCxnSpPr>
-            <a:stCxn id="9" idx="0"/>
-            <a:endCxn id="10" idx="2"/>
-          </p:cNvCxnSpPr>
-          <p:nvPr/>
-        </p:nvCxnSpPr>
-        <p:spPr>
-          <a:xfrm rot="5400000" flipH="1" flipV="1">
-            <a:off x="9721557" y="4148854"/>
-            <a:ext cx="1003201" cy="12700"/>
-          </a:xfrm>
-          <a:prstGeom prst="bentConnector3">
-            <a:avLst>
-              <a:gd name="adj1" fmla="val 50000"/>
-            </a:avLst>
-          </a:prstGeom>
-          <a:ln w="38100">
-            <a:solidFill>
-              <a:schemeClr val="accent3"/>
-            </a:solidFill>
-            <a:prstDash val="sysDot"/>
-            <a:headEnd type="none" w="med" len="med"/>
-            <a:tailEnd type="none" w="med" len="med"/>
-          </a:ln>
-        </p:spPr>
-        <p:style>
-          <a:lnRef idx="1">
-            <a:schemeClr val="accent1"/>
-          </a:lnRef>
-          <a:fillRef idx="0">
-            <a:schemeClr val="accent1"/>
-          </a:fillRef>
-          <a:effectRef idx="0">
-            <a:schemeClr val="accent1"/>
-          </a:effectRef>
-          <a:fontRef idx="minor">
-            <a:schemeClr val="tx1"/>
-          </a:fontRef>
-        </p:style>
-      </p:cxnSp>
-      <p:sp>
-        <p:nvSpPr>
-          <p:cNvPr id="12" name="Равнобедренный треугольник 11"/>
-          <p:cNvSpPr/>
-          <p:nvPr/>
-        </p:nvSpPr>
-        <p:spPr>
-          <a:xfrm>
-            <a:off x="10122922" y="4110374"/>
-            <a:ext cx="187769" cy="134230"/>
-          </a:xfrm>
-          <a:prstGeom prst="triangle">
-            <a:avLst/>
-          </a:prstGeom>
-          <a:ln>
-            <a:solidFill>
-              <a:schemeClr val="accent3"/>
-            </a:solidFill>
-          </a:ln>
-        </p:spPr>
-        <p:style>
-          <a:lnRef idx="2">
-            <a:schemeClr val="accent1"/>
-          </a:lnRef>
-          <a:fillRef idx="1">
-            <a:schemeClr val="lt1"/>
-          </a:fillRef>
-          <a:effectRef idx="0">
-            <a:schemeClr val="accent1"/>
-          </a:effectRef>
-          <a:fontRef idx="minor">
-            <a:schemeClr val="dk1"/>
-          </a:fontRef>
-        </p:style>
-        <p:txBody>
-          <a:bodyPr rtlCol="0" anchor="ctr"/>
-          <a:lstStyle/>
-          <a:p>
-            <a:pPr algn="ctr"/>
-            <a:endParaRPr lang="ru-RU"/>
-          </a:p>
-        </p:txBody>
-      </p:sp>
-      <p:sp>
-        <p:nvSpPr>
-          <p:cNvPr id="13" name="Равнобедренный треугольник 12"/>
-          <p:cNvSpPr/>
-          <p:nvPr/>
-        </p:nvSpPr>
-        <p:spPr>
-          <a:xfrm>
-            <a:off x="7623888" y="4516224"/>
-            <a:ext cx="187769" cy="134230"/>
-          </a:xfrm>
-          <a:prstGeom prst="triangle">
-            <a:avLst/>
-          </a:prstGeom>
-          <a:ln>
-            <a:solidFill>
-              <a:schemeClr val="accent3"/>
-            </a:solidFill>
-          </a:ln>
-        </p:spPr>
-        <p:style>
-          <a:lnRef idx="2">
-            <a:schemeClr val="accent1"/>
-          </a:lnRef>
-          <a:fillRef idx="1">
-            <a:schemeClr val="lt1"/>
-          </a:fillRef>
-          <a:effectRef idx="0">
-            <a:schemeClr val="accent1"/>
-          </a:effectRef>
-          <a:fontRef idx="minor">
-            <a:schemeClr val="dk1"/>
-          </a:fontRef>
-        </p:style>
-        <p:txBody>
-          <a:bodyPr rtlCol="0" anchor="ctr"/>
-          <a:lstStyle/>
-          <a:p>
-            <a:pPr algn="ctr"/>
-            <a:endParaRPr lang="ru-RU"/>
-          </a:p>
-        </p:txBody>
-      </p:sp>
-      <p:cxnSp>
-        <p:nvCxnSpPr>
-          <p:cNvPr id="14" name="Соединительная линия уступом 80"/>
-          <p:cNvCxnSpPr>
-            <a:stCxn id="5" idx="3"/>
-            <a:endCxn id="10" idx="1"/>
-          </p:cNvCxnSpPr>
-          <p:nvPr/>
-        </p:nvCxnSpPr>
-        <p:spPr>
-          <a:xfrm flipV="1">
-            <a:off x="8373757" y="3345335"/>
-            <a:ext cx="1220643" cy="2070478"/>
-          </a:xfrm>
-          <a:prstGeom prst="bentConnector3">
-            <a:avLst>
-              <a:gd name="adj1" fmla="val 32629"/>
-            </a:avLst>
-          </a:prstGeom>
-          <a:ln w="38100">
-            <a:solidFill>
-              <a:schemeClr val="accent3"/>
-            </a:solidFill>
-            <a:tailEnd type="arrow"/>
-          </a:ln>
-        </p:spPr>
-        <p:style>
-          <a:lnRef idx="1">
-            <a:schemeClr val="accent1"/>
-          </a:lnRef>
-          <a:fillRef idx="0">
-            <a:schemeClr val="accent1"/>
-          </a:fillRef>
-          <a:effectRef idx="0">
-            <a:schemeClr val="accent1"/>
-          </a:effectRef>
-          <a:fontRef idx="minor">
-            <a:schemeClr val="tx1"/>
-          </a:fontRef>
-        </p:style>
-      </p:cxnSp>
-    </p:spTree>
-    <p:extLst>
-      <p:ext uri="{BB962C8B-B14F-4D97-AF65-F5344CB8AC3E}">
-        <p14:creationId xmlns:p14="http://schemas.microsoft.com/office/powerpoint/2010/main" val="2126758571"/>
       </p:ext>
     </p:extLst>
   </p:cSld>
@@ -13367,7 +13972,7 @@
                             </p:stCondLst>
                             <p:childTnLst>
                               <p:par>
-                                <p:cTn id="5" presetID="1" presetClass="entr" presetSubtype="0" fill="hold" grpId="0" nodeType="clickEffect">
+                                <p:cTn id="5" presetID="1" presetClass="entr" presetSubtype="0" fill="hold" nodeType="clickEffect">
                                   <p:stCondLst>
                                     <p:cond delay="0"/>
                                   </p:stCondLst>
@@ -13380,7 +13985,11 @@
                                           </p:stCondLst>
                                         </p:cTn>
                                         <p:tgtEl>
-                                          <p:spTgt spid="5"/>
+                                          <p:spTgt spid="3">
+                                            <p:txEl>
+                                              <p:pRg st="0" end="0"/>
+                                            </p:txEl>
+                                          </p:spTgt>
                                         </p:tgtEl>
                                         <p:attrNameLst>
                                           <p:attrName>style.visibility</p:attrName>
@@ -13407,7 +14016,11 @@
                                           </p:stCondLst>
                                         </p:cTn>
                                         <p:tgtEl>
-                                          <p:spTgt spid="6"/>
+                                          <p:spTgt spid="3">
+                                            <p:txEl>
+                                              <p:pRg st="1" end="1"/>
+                                            </p:txEl>
+                                          </p:spTgt>
                                         </p:tgtEl>
                                         <p:attrNameLst>
                                           <p:attrName>style.visibility</p:attrName>
@@ -13421,7 +14034,7 @@
                                 </p:cTn>
                               </p:par>
                               <p:par>
-                                <p:cTn id="9" presetID="1" presetClass="entr" presetSubtype="0" fill="hold" grpId="0" nodeType="withEffect">
+                                <p:cTn id="9" presetID="1" presetClass="entr" presetSubtype="0" fill="hold" nodeType="withEffect">
                                   <p:stCondLst>
                                     <p:cond delay="0"/>
                                   </p:stCondLst>
@@ -13434,196 +14047,11 @@
                                           </p:stCondLst>
                                         </p:cTn>
                                         <p:tgtEl>
-                                          <p:spTgt spid="7"/>
-                                        </p:tgtEl>
-                                        <p:attrNameLst>
-                                          <p:attrName>style.visibility</p:attrName>
-                                        </p:attrNameLst>
-                                      </p:cBhvr>
-                                      <p:to>
-                                        <p:strVal val="visible"/>
-                                      </p:to>
-                                    </p:set>
-                                  </p:childTnLst>
-                                </p:cTn>
-                              </p:par>
-                              <p:par>
-                                <p:cTn id="11" presetID="1" presetClass="entr" presetSubtype="0" fill="hold" nodeType="withEffect">
-                                  <p:stCondLst>
-                                    <p:cond delay="0"/>
-                                  </p:stCondLst>
-                                  <p:childTnLst>
-                                    <p:set>
-                                      <p:cBhvr>
-                                        <p:cTn id="12" dur="1" fill="hold">
-                                          <p:stCondLst>
-                                            <p:cond delay="0"/>
-                                          </p:stCondLst>
-                                        </p:cTn>
-                                        <p:tgtEl>
-                                          <p:spTgt spid="8"/>
-                                        </p:tgtEl>
-                                        <p:attrNameLst>
-                                          <p:attrName>style.visibility</p:attrName>
-                                        </p:attrNameLst>
-                                      </p:cBhvr>
-                                      <p:to>
-                                        <p:strVal val="visible"/>
-                                      </p:to>
-                                    </p:set>
-                                  </p:childTnLst>
-                                </p:cTn>
-                              </p:par>
-                              <p:par>
-                                <p:cTn id="13" presetID="1" presetClass="entr" presetSubtype="0" fill="hold" grpId="0" nodeType="withEffect">
-                                  <p:stCondLst>
-                                    <p:cond delay="0"/>
-                                  </p:stCondLst>
-                                  <p:childTnLst>
-                                    <p:set>
-                                      <p:cBhvr>
-                                        <p:cTn id="14" dur="1" fill="hold">
-                                          <p:stCondLst>
-                                            <p:cond delay="0"/>
-                                          </p:stCondLst>
-                                        </p:cTn>
-                                        <p:tgtEl>
-                                          <p:spTgt spid="9"/>
-                                        </p:tgtEl>
-                                        <p:attrNameLst>
-                                          <p:attrName>style.visibility</p:attrName>
-                                        </p:attrNameLst>
-                                      </p:cBhvr>
-                                      <p:to>
-                                        <p:strVal val="visible"/>
-                                      </p:to>
-                                    </p:set>
-                                  </p:childTnLst>
-                                </p:cTn>
-                              </p:par>
-                              <p:par>
-                                <p:cTn id="15" presetID="1" presetClass="entr" presetSubtype="0" fill="hold" grpId="0" nodeType="withEffect">
-                                  <p:stCondLst>
-                                    <p:cond delay="0"/>
-                                  </p:stCondLst>
-                                  <p:childTnLst>
-                                    <p:set>
-                                      <p:cBhvr>
-                                        <p:cTn id="16" dur="1" fill="hold">
-                                          <p:stCondLst>
-                                            <p:cond delay="0"/>
-                                          </p:stCondLst>
-                                        </p:cTn>
-                                        <p:tgtEl>
-                                          <p:spTgt spid="10"/>
-                                        </p:tgtEl>
-                                        <p:attrNameLst>
-                                          <p:attrName>style.visibility</p:attrName>
-                                        </p:attrNameLst>
-                                      </p:cBhvr>
-                                      <p:to>
-                                        <p:strVal val="visible"/>
-                                      </p:to>
-                                    </p:set>
-                                  </p:childTnLst>
-                                </p:cTn>
-                              </p:par>
-                              <p:par>
-                                <p:cTn id="17" presetID="1" presetClass="entr" presetSubtype="0" fill="hold" nodeType="withEffect">
-                                  <p:stCondLst>
-                                    <p:cond delay="0"/>
-                                  </p:stCondLst>
-                                  <p:childTnLst>
-                                    <p:set>
-                                      <p:cBhvr>
-                                        <p:cTn id="18" dur="1" fill="hold">
-                                          <p:stCondLst>
-                                            <p:cond delay="0"/>
-                                          </p:stCondLst>
-                                        </p:cTn>
-                                        <p:tgtEl>
-                                          <p:spTgt spid="11"/>
-                                        </p:tgtEl>
-                                        <p:attrNameLst>
-                                          <p:attrName>style.visibility</p:attrName>
-                                        </p:attrNameLst>
-                                      </p:cBhvr>
-                                      <p:to>
-                                        <p:strVal val="visible"/>
-                                      </p:to>
-                                    </p:set>
-                                  </p:childTnLst>
-                                </p:cTn>
-                              </p:par>
-                              <p:par>
-                                <p:cTn id="19" presetID="1" presetClass="entr" presetSubtype="0" fill="hold" grpId="0" nodeType="withEffect">
-                                  <p:stCondLst>
-                                    <p:cond delay="0"/>
-                                  </p:stCondLst>
-                                  <p:childTnLst>
-                                    <p:set>
-                                      <p:cBhvr>
-                                        <p:cTn id="20" dur="1" fill="hold">
-                                          <p:stCondLst>
-                                            <p:cond delay="0"/>
-                                          </p:stCondLst>
-                                        </p:cTn>
-                                        <p:tgtEl>
-                                          <p:spTgt spid="12"/>
-                                        </p:tgtEl>
-                                        <p:attrNameLst>
-                                          <p:attrName>style.visibility</p:attrName>
-                                        </p:attrNameLst>
-                                      </p:cBhvr>
-                                      <p:to>
-                                        <p:strVal val="visible"/>
-                                      </p:to>
-                                    </p:set>
-                                  </p:childTnLst>
-                                </p:cTn>
-                              </p:par>
-                              <p:par>
-                                <p:cTn id="21" presetID="1" presetClass="entr" presetSubtype="0" fill="hold" grpId="0" nodeType="withEffect">
-                                  <p:stCondLst>
-                                    <p:cond delay="0"/>
-                                  </p:stCondLst>
-                                  <p:childTnLst>
-                                    <p:set>
-                                      <p:cBhvr>
-                                        <p:cTn id="22" dur="1" fill="hold">
-                                          <p:stCondLst>
-                                            <p:cond delay="0"/>
-                                          </p:stCondLst>
-                                        </p:cTn>
-                                        <p:tgtEl>
-                                          <p:spTgt spid="13"/>
-                                        </p:tgtEl>
-                                        <p:attrNameLst>
-                                          <p:attrName>style.visibility</p:attrName>
-                                        </p:attrNameLst>
-                                      </p:cBhvr>
-                                      <p:to>
-                                        <p:strVal val="visible"/>
-                                      </p:to>
-                                    </p:set>
-                                  </p:childTnLst>
-                                </p:cTn>
-                              </p:par>
-                              <p:par>
-                                <p:cTn id="23" presetID="1" presetClass="entr" presetSubtype="0" fill="hold" nodeType="withEffect">
-                                  <p:stCondLst>
-                                    <p:cond delay="0"/>
-                                  </p:stCondLst>
-                                  <p:childTnLst>
-                                    <p:set>
-                                      <p:cBhvr>
-                                        <p:cTn id="24" dur="1" fill="hold">
-                                          <p:stCondLst>
-                                            <p:cond delay="0"/>
-                                          </p:stCondLst>
-                                        </p:cTn>
-                                        <p:tgtEl>
-                                          <p:spTgt spid="14"/>
+                                          <p:spTgt spid="3">
+                                            <p:txEl>
+                                              <p:pRg st="2" end="2"/>
+                                            </p:txEl>
+                                          </p:spTgt>
                                         </p:tgtEl>
                                         <p:attrNameLst>
                                           <p:attrName>style.visibility</p:attrName>
@@ -13663,19 +14091,1063 @@
         </p:cTn>
       </p:par>
     </p:tnLst>
-    <p:bldLst>
-      <p:bldP spid="5" grpId="0" animBg="1"/>
-      <p:bldP spid="7" grpId="0" animBg="1"/>
-      <p:bldP spid="9" grpId="0" animBg="1"/>
-      <p:bldP spid="10" grpId="0" animBg="1"/>
-      <p:bldP spid="12" grpId="0" animBg="1"/>
-      <p:bldP spid="13" grpId="0" animBg="1"/>
-    </p:bldLst>
   </p:timing>
 </p:sld>
 </file>
 
-<file path=ppt/slides/slide13.xml><?xml version="1.0" encoding="utf-8"?>
+<file path=ppt/slides/slide16.xml><?xml version="1.0" encoding="utf-8"?>
+<p:sld xmlns:a="http://schemas.openxmlformats.org/drawingml/2006/main" xmlns:r="http://schemas.openxmlformats.org/officeDocument/2006/relationships" xmlns:p="http://schemas.openxmlformats.org/presentationml/2006/main">
+  <p:cSld>
+    <p:spTree>
+      <p:nvGrpSpPr>
+        <p:cNvPr id="1" name=""/>
+        <p:cNvGrpSpPr/>
+        <p:nvPr/>
+      </p:nvGrpSpPr>
+      <p:grpSpPr>
+        <a:xfrm>
+          <a:off x="0" y="0"/>
+          <a:ext cx="0" cy="0"/>
+          <a:chOff x="0" y="0"/>
+          <a:chExt cx="0" cy="0"/>
+        </a:xfrm>
+      </p:grpSpPr>
+      <p:sp>
+        <p:nvSpPr>
+          <p:cNvPr id="3" name="Объект 2"/>
+          <p:cNvSpPr>
+            <a:spLocks noGrp="1"/>
+          </p:cNvSpPr>
+          <p:nvPr>
+            <p:ph sz="quarter" idx="13"/>
+          </p:nvPr>
+        </p:nvSpPr>
+        <p:spPr>
+          <a:xfrm>
+            <a:off x="1295469" y="1628775"/>
+            <a:ext cx="9601067" cy="1130161"/>
+          </a:xfrm>
+        </p:spPr>
+        <p:txBody>
+          <a:bodyPr/>
+          <a:lstStyle/>
+          <a:p>
+            <a:pPr marL="0" indent="0">
+              <a:buNone/>
+            </a:pPr>
+            <a:r>
+              <a:rPr lang="en-US" dirty="0">
+                <a:solidFill>
+                  <a:srgbClr val="2B91AF"/>
+                </a:solidFill>
+                <a:latin typeface="Consolas" panose="020B0609020204030204" pitchFamily="49" charset="0"/>
+                <a:cs typeface="Consolas" panose="020B0609020204030204" pitchFamily="49" charset="0"/>
+              </a:rPr>
+              <a:t>Controller</a:t>
+            </a:r>
+            <a:r>
+              <a:rPr lang="en-US" dirty="0">
+                <a:latin typeface="Consolas" panose="020B0609020204030204" pitchFamily="49" charset="0"/>
+                <a:cs typeface="Consolas" panose="020B0609020204030204" pitchFamily="49" charset="0"/>
+              </a:rPr>
+              <a:t>(</a:t>
+            </a:r>
+            <a:r>
+              <a:rPr lang="en-US" dirty="0">
+                <a:solidFill>
+                  <a:srgbClr val="00007F"/>
+                </a:solidFill>
+                <a:latin typeface="Consolas" panose="020B0609020204030204" pitchFamily="49" charset="0"/>
+                <a:cs typeface="Consolas" panose="020B0609020204030204" pitchFamily="49" charset="0"/>
+              </a:rPr>
+              <a:t>IView</a:t>
+            </a:r>
+            <a:r>
+              <a:rPr lang="en-US" dirty="0">
+                <a:latin typeface="Consolas" panose="020B0609020204030204" pitchFamily="49" charset="0"/>
+                <a:cs typeface="Consolas" panose="020B0609020204030204" pitchFamily="49" charset="0"/>
+              </a:rPr>
+              <a:t> view)</a:t>
+            </a:r>
+            <a:br>
+              <a:rPr lang="en-US" dirty="0">
+                <a:latin typeface="Consolas" panose="020B0609020204030204" pitchFamily="49" charset="0"/>
+                <a:cs typeface="Consolas" panose="020B0609020204030204" pitchFamily="49" charset="0"/>
+              </a:rPr>
+            </a:br>
+            <a:r>
+              <a:rPr lang="en-US" dirty="0" err="1">
+                <a:solidFill>
+                  <a:srgbClr val="2B91AF"/>
+                </a:solidFill>
+                <a:latin typeface="Consolas" panose="020B0609020204030204" pitchFamily="49" charset="0"/>
+                <a:cs typeface="Consolas" panose="020B0609020204030204" pitchFamily="49" charset="0"/>
+              </a:rPr>
+              <a:t>BasicView</a:t>
+            </a:r>
+            <a:r>
+              <a:rPr lang="en-US" dirty="0">
+                <a:latin typeface="Consolas" panose="020B0609020204030204" pitchFamily="49" charset="0"/>
+                <a:cs typeface="Consolas" panose="020B0609020204030204" pitchFamily="49" charset="0"/>
+              </a:rPr>
+              <a:t>(</a:t>
+            </a:r>
+            <a:r>
+              <a:rPr lang="en-US" dirty="0" err="1">
+                <a:solidFill>
+                  <a:srgbClr val="00007F"/>
+                </a:solidFill>
+                <a:latin typeface="Consolas" panose="020B0609020204030204" pitchFamily="49" charset="0"/>
+                <a:cs typeface="Consolas" panose="020B0609020204030204" pitchFamily="49" charset="0"/>
+              </a:rPr>
+              <a:t>IController</a:t>
+            </a:r>
+            <a:r>
+              <a:rPr lang="en-US" dirty="0">
+                <a:latin typeface="Consolas" panose="020B0609020204030204" pitchFamily="49" charset="0"/>
+                <a:cs typeface="Consolas" panose="020B0609020204030204" pitchFamily="49" charset="0"/>
+              </a:rPr>
+              <a:t> controller): </a:t>
+            </a:r>
+            <a:r>
+              <a:rPr lang="en-US" dirty="0">
+                <a:solidFill>
+                  <a:srgbClr val="00007F"/>
+                </a:solidFill>
+                <a:latin typeface="Consolas" panose="020B0609020204030204" pitchFamily="49" charset="0"/>
+                <a:cs typeface="Consolas" panose="020B0609020204030204" pitchFamily="49" charset="0"/>
+              </a:rPr>
+              <a:t>IView</a:t>
+            </a:r>
+          </a:p>
+          <a:p>
+            <a:endParaRPr lang="ru-RU" dirty="0"/>
+          </a:p>
+        </p:txBody>
+      </p:sp>
+      <p:sp>
+        <p:nvSpPr>
+          <p:cNvPr id="2" name="Заголовок 1"/>
+          <p:cNvSpPr>
+            <a:spLocks noGrp="1"/>
+          </p:cNvSpPr>
+          <p:nvPr>
+            <p:ph type="title"/>
+          </p:nvPr>
+        </p:nvSpPr>
+        <p:spPr/>
+        <p:txBody>
+          <a:bodyPr/>
+          <a:lstStyle/>
+          <a:p>
+            <a:r>
+              <a:rPr lang="ru-RU" sz="4000" dirty="0"/>
+              <a:t>А если зависимости циклические?</a:t>
+            </a:r>
+          </a:p>
+        </p:txBody>
+      </p:sp>
+      <p:pic>
+        <p:nvPicPr>
+          <p:cNvPr id="3076" name="Picture 4" descr="http://www.zooclub.ru/attach/15000/15464.jpg"/>
+          <p:cNvPicPr>
+            <a:picLocks noChangeAspect="1" noChangeArrowheads="1"/>
+          </p:cNvPicPr>
+          <p:nvPr/>
+        </p:nvPicPr>
+        <p:blipFill>
+          <a:blip r:embed="rId2">
+            <a:extLst>
+              <a:ext uri="{28A0092B-C50C-407E-A947-70E740481C1C}">
+                <a14:useLocalDpi xmlns:a14="http://schemas.microsoft.com/office/drawing/2010/main" val="0"/>
+              </a:ext>
+            </a:extLst>
+          </a:blip>
+          <a:srcRect/>
+          <a:stretch>
+            <a:fillRect/>
+          </a:stretch>
+        </p:blipFill>
+        <p:spPr bwMode="auto">
+          <a:xfrm>
+            <a:off x="4884779" y="2836908"/>
+            <a:ext cx="2422441" cy="1713326"/>
+          </a:xfrm>
+          <a:prstGeom prst="rect">
+            <a:avLst/>
+          </a:prstGeom>
+          <a:noFill/>
+          <a:extLst>
+            <a:ext uri="{909E8E84-426E-40DD-AFC4-6F175D3DCCD1}">
+              <a14:hiddenFill xmlns:a14="http://schemas.microsoft.com/office/drawing/2010/main">
+                <a:solidFill>
+                  <a:srgbClr val="FFFFFF"/>
+                </a:solidFill>
+              </a14:hiddenFill>
+            </a:ext>
+          </a:extLst>
+        </p:spPr>
+      </p:pic>
+      <p:sp>
+        <p:nvSpPr>
+          <p:cNvPr id="4" name="Прямоугольник 3">
+            <a:extLst>
+              <a:ext uri="{FF2B5EF4-FFF2-40B4-BE49-F238E27FC236}">
+                <a16:creationId xmlns:a16="http://schemas.microsoft.com/office/drawing/2014/main" id="{18BA4F0D-308B-4C68-8353-67A1A1B38056}"/>
+              </a:ext>
+            </a:extLst>
+          </p:cNvPr>
+          <p:cNvSpPr/>
+          <p:nvPr/>
+        </p:nvSpPr>
+        <p:spPr>
+          <a:xfrm>
+            <a:off x="1295336" y="4739065"/>
+            <a:ext cx="9601200" cy="1569660"/>
+          </a:xfrm>
+          <a:prstGeom prst="rect">
+            <a:avLst/>
+          </a:prstGeom>
+        </p:spPr>
+        <p:txBody>
+          <a:bodyPr wrap="square">
+            <a:spAutoFit/>
+          </a:bodyPr>
+          <a:lstStyle/>
+          <a:p>
+            <a:r>
+              <a:rPr lang="en-US" sz="3200" dirty="0">
+                <a:solidFill>
+                  <a:srgbClr val="2B91AF"/>
+                </a:solidFill>
+                <a:latin typeface="Consolas" panose="020B0609020204030204" pitchFamily="49" charset="0"/>
+                <a:cs typeface="Consolas" panose="020B0609020204030204" pitchFamily="49" charset="0"/>
+              </a:rPr>
+              <a:t>Controller</a:t>
+            </a:r>
+            <a:r>
+              <a:rPr lang="en-US" sz="3200" dirty="0">
+                <a:latin typeface="Consolas" panose="020B0609020204030204" pitchFamily="49" charset="0"/>
+                <a:cs typeface="Consolas" panose="020B0609020204030204" pitchFamily="49" charset="0"/>
+              </a:rPr>
+              <a:t>(</a:t>
+            </a:r>
+            <a:r>
+              <a:rPr lang="en-US" sz="3200" dirty="0">
+                <a:solidFill>
+                  <a:srgbClr val="00007F"/>
+                </a:solidFill>
+                <a:latin typeface="Consolas" panose="020B0609020204030204" pitchFamily="49" charset="0"/>
+                <a:cs typeface="Consolas" panose="020B0609020204030204" pitchFamily="49" charset="0"/>
+              </a:rPr>
+              <a:t>Lazy</a:t>
+            </a:r>
+            <a:r>
+              <a:rPr lang="en-US" sz="3200" dirty="0">
+                <a:latin typeface="Consolas" panose="020B0609020204030204" pitchFamily="49" charset="0"/>
+                <a:cs typeface="Consolas" panose="020B0609020204030204" pitchFamily="49" charset="0"/>
+              </a:rPr>
+              <a:t>&lt;</a:t>
+            </a:r>
+            <a:r>
+              <a:rPr lang="en-US" sz="3200" dirty="0" err="1">
+                <a:solidFill>
+                  <a:srgbClr val="00007F"/>
+                </a:solidFill>
+                <a:latin typeface="Consolas" panose="020B0609020204030204" pitchFamily="49" charset="0"/>
+                <a:cs typeface="Consolas" panose="020B0609020204030204" pitchFamily="49" charset="0"/>
+              </a:rPr>
+              <a:t>IView</a:t>
+            </a:r>
+            <a:r>
+              <a:rPr lang="en-US" sz="3200" dirty="0">
+                <a:latin typeface="Consolas" panose="020B0609020204030204" pitchFamily="49" charset="0"/>
+                <a:cs typeface="Consolas" panose="020B0609020204030204" pitchFamily="49" charset="0"/>
+              </a:rPr>
+              <a:t>&gt; </a:t>
+            </a:r>
+            <a:r>
+              <a:rPr lang="en-US" sz="3200" dirty="0" err="1">
+                <a:latin typeface="Consolas" panose="020B0609020204030204" pitchFamily="49" charset="0"/>
+                <a:cs typeface="Consolas" panose="020B0609020204030204" pitchFamily="49" charset="0"/>
+              </a:rPr>
+              <a:t>lazyView</a:t>
+            </a:r>
+            <a:r>
+              <a:rPr lang="en-US" sz="3200" dirty="0">
+                <a:latin typeface="Consolas" panose="020B0609020204030204" pitchFamily="49" charset="0"/>
+                <a:cs typeface="Consolas" panose="020B0609020204030204" pitchFamily="49" charset="0"/>
+              </a:rPr>
+              <a:t>)</a:t>
+            </a:r>
+          </a:p>
+          <a:p>
+            <a:r>
+              <a:rPr lang="en-US" sz="3200" dirty="0" err="1">
+                <a:solidFill>
+                  <a:srgbClr val="2B91AF"/>
+                </a:solidFill>
+                <a:latin typeface="Consolas" panose="020B0609020204030204" pitchFamily="49" charset="0"/>
+                <a:cs typeface="Consolas" panose="020B0609020204030204" pitchFamily="49" charset="0"/>
+              </a:rPr>
+              <a:t>BasicView</a:t>
+            </a:r>
+            <a:r>
+              <a:rPr lang="en-US" sz="3200" dirty="0">
+                <a:latin typeface="Consolas" panose="020B0609020204030204" pitchFamily="49" charset="0"/>
+                <a:cs typeface="Consolas" panose="020B0609020204030204" pitchFamily="49" charset="0"/>
+              </a:rPr>
+              <a:t>(</a:t>
+            </a:r>
+            <a:r>
+              <a:rPr lang="en-US" sz="3200" dirty="0" err="1">
+                <a:solidFill>
+                  <a:srgbClr val="00007F"/>
+                </a:solidFill>
+                <a:latin typeface="Consolas" panose="020B0609020204030204" pitchFamily="49" charset="0"/>
+                <a:cs typeface="Consolas" panose="020B0609020204030204" pitchFamily="49" charset="0"/>
+              </a:rPr>
+              <a:t>IController</a:t>
+            </a:r>
+            <a:r>
+              <a:rPr lang="en-US" sz="3200" dirty="0">
+                <a:latin typeface="Consolas" panose="020B0609020204030204" pitchFamily="49" charset="0"/>
+                <a:cs typeface="Consolas" panose="020B0609020204030204" pitchFamily="49" charset="0"/>
+              </a:rPr>
+              <a:t> controller) : </a:t>
+            </a:r>
+            <a:r>
+              <a:rPr lang="en-US" sz="3200" dirty="0" err="1">
+                <a:solidFill>
+                  <a:srgbClr val="00007F"/>
+                </a:solidFill>
+                <a:latin typeface="Consolas" panose="020B0609020204030204" pitchFamily="49" charset="0"/>
+                <a:cs typeface="Consolas" panose="020B0609020204030204" pitchFamily="49" charset="0"/>
+              </a:rPr>
+              <a:t>IView</a:t>
+            </a:r>
+            <a:endParaRPr lang="en-US" sz="3200" dirty="0">
+              <a:latin typeface="Consolas" panose="020B0609020204030204" pitchFamily="49" charset="0"/>
+              <a:cs typeface="Consolas" panose="020B0609020204030204" pitchFamily="49" charset="0"/>
+            </a:endParaRPr>
+          </a:p>
+          <a:p>
+            <a:r>
+              <a:rPr lang="en-US" sz="3200" dirty="0" err="1">
+                <a:solidFill>
+                  <a:srgbClr val="0000FF"/>
+                </a:solidFill>
+                <a:latin typeface="Consolas" panose="020B0609020204030204" pitchFamily="49" charset="0"/>
+                <a:cs typeface="Consolas" panose="020B0609020204030204" pitchFamily="49" charset="0"/>
+              </a:rPr>
+              <a:t>var</a:t>
+            </a:r>
+            <a:r>
+              <a:rPr lang="en-US" sz="3200" dirty="0">
+                <a:latin typeface="Consolas" panose="020B0609020204030204" pitchFamily="49" charset="0"/>
+                <a:cs typeface="Consolas" panose="020B0609020204030204" pitchFamily="49" charset="0"/>
+              </a:rPr>
+              <a:t> c = </a:t>
+            </a:r>
+            <a:r>
+              <a:rPr lang="en-US" sz="3200" dirty="0" err="1">
+                <a:latin typeface="Consolas" panose="020B0609020204030204" pitchFamily="49" charset="0"/>
+                <a:cs typeface="Consolas" panose="020B0609020204030204" pitchFamily="49" charset="0"/>
+              </a:rPr>
+              <a:t>container.</a:t>
+            </a:r>
+            <a:r>
+              <a:rPr lang="en-US" sz="3200" dirty="0" err="1">
+                <a:solidFill>
+                  <a:srgbClr val="2B91AF"/>
+                </a:solidFill>
+                <a:latin typeface="Consolas" panose="020B0609020204030204" pitchFamily="49" charset="0"/>
+                <a:cs typeface="Consolas" panose="020B0609020204030204" pitchFamily="49" charset="0"/>
+              </a:rPr>
+              <a:t>Get</a:t>
+            </a:r>
+            <a:r>
+              <a:rPr lang="en-US" sz="3200" dirty="0">
+                <a:latin typeface="Consolas" panose="020B0609020204030204" pitchFamily="49" charset="0"/>
+                <a:cs typeface="Consolas" panose="020B0609020204030204" pitchFamily="49" charset="0"/>
+              </a:rPr>
+              <a:t>&lt;</a:t>
+            </a:r>
+            <a:r>
+              <a:rPr lang="en-US" sz="3200" dirty="0">
+                <a:solidFill>
+                  <a:srgbClr val="00007F"/>
+                </a:solidFill>
+                <a:latin typeface="Consolas" panose="020B0609020204030204" pitchFamily="49" charset="0"/>
+                <a:cs typeface="Consolas" panose="020B0609020204030204" pitchFamily="49" charset="0"/>
+              </a:rPr>
+              <a:t>Controller</a:t>
+            </a:r>
+            <a:r>
+              <a:rPr lang="en-US" sz="3200" dirty="0">
+                <a:latin typeface="Consolas" panose="020B0609020204030204" pitchFamily="49" charset="0"/>
+                <a:cs typeface="Consolas" panose="020B0609020204030204" pitchFamily="49" charset="0"/>
+              </a:rPr>
+              <a:t>&gt;();</a:t>
+            </a:r>
+            <a:endParaRPr lang="ru-RU" sz="3200" dirty="0">
+              <a:latin typeface="Consolas" panose="020B0609020204030204" pitchFamily="49" charset="0"/>
+              <a:cs typeface="Consolas" panose="020B0609020204030204" pitchFamily="49" charset="0"/>
+            </a:endParaRPr>
+          </a:p>
+        </p:txBody>
+      </p:sp>
+    </p:spTree>
+    <p:extLst>
+      <p:ext uri="{BB962C8B-B14F-4D97-AF65-F5344CB8AC3E}">
+        <p14:creationId xmlns:p14="http://schemas.microsoft.com/office/powerpoint/2010/main" val="2126758571"/>
+      </p:ext>
+    </p:extLst>
+  </p:cSld>
+  <p:clrMapOvr>
+    <a:masterClrMapping/>
+  </p:clrMapOvr>
+  <p:timing>
+    <p:tnLst>
+      <p:par>
+        <p:cTn id="1" dur="indefinite" restart="never" nodeType="tmRoot">
+          <p:childTnLst>
+            <p:seq concurrent="1" nextAc="seek">
+              <p:cTn id="2" dur="indefinite" nodeType="mainSeq">
+                <p:childTnLst>
+                  <p:par>
+                    <p:cTn id="3" fill="hold">
+                      <p:stCondLst>
+                        <p:cond delay="indefinite"/>
+                      </p:stCondLst>
+                      <p:childTnLst>
+                        <p:par>
+                          <p:cTn id="4" fill="hold">
+                            <p:stCondLst>
+                              <p:cond delay="0"/>
+                            </p:stCondLst>
+                            <p:childTnLst>
+                              <p:par>
+                                <p:cTn id="5" presetID="1" presetClass="entr" presetSubtype="0" fill="hold" nodeType="clickEffect">
+                                  <p:stCondLst>
+                                    <p:cond delay="0"/>
+                                  </p:stCondLst>
+                                  <p:childTnLst>
+                                    <p:set>
+                                      <p:cBhvr>
+                                        <p:cTn id="6" dur="1" fill="hold">
+                                          <p:stCondLst>
+                                            <p:cond delay="0"/>
+                                          </p:stCondLst>
+                                        </p:cTn>
+                                        <p:tgtEl>
+                                          <p:spTgt spid="4">
+                                            <p:txEl>
+                                              <p:pRg st="0" end="0"/>
+                                            </p:txEl>
+                                          </p:spTgt>
+                                        </p:tgtEl>
+                                        <p:attrNameLst>
+                                          <p:attrName>style.visibility</p:attrName>
+                                        </p:attrNameLst>
+                                      </p:cBhvr>
+                                      <p:to>
+                                        <p:strVal val="visible"/>
+                                      </p:to>
+                                    </p:set>
+                                  </p:childTnLst>
+                                </p:cTn>
+                              </p:par>
+                              <p:par>
+                                <p:cTn id="7" presetID="1" presetClass="entr" presetSubtype="0" fill="hold" nodeType="withEffect">
+                                  <p:stCondLst>
+                                    <p:cond delay="0"/>
+                                  </p:stCondLst>
+                                  <p:childTnLst>
+                                    <p:set>
+                                      <p:cBhvr>
+                                        <p:cTn id="8" dur="1" fill="hold">
+                                          <p:stCondLst>
+                                            <p:cond delay="0"/>
+                                          </p:stCondLst>
+                                        </p:cTn>
+                                        <p:tgtEl>
+                                          <p:spTgt spid="4">
+                                            <p:txEl>
+                                              <p:pRg st="1" end="1"/>
+                                            </p:txEl>
+                                          </p:spTgt>
+                                        </p:tgtEl>
+                                        <p:attrNameLst>
+                                          <p:attrName>style.visibility</p:attrName>
+                                        </p:attrNameLst>
+                                      </p:cBhvr>
+                                      <p:to>
+                                        <p:strVal val="visible"/>
+                                      </p:to>
+                                    </p:set>
+                                  </p:childTnLst>
+                                </p:cTn>
+                              </p:par>
+                              <p:par>
+                                <p:cTn id="9" presetID="1" presetClass="entr" presetSubtype="0" fill="hold" nodeType="withEffect">
+                                  <p:stCondLst>
+                                    <p:cond delay="0"/>
+                                  </p:stCondLst>
+                                  <p:childTnLst>
+                                    <p:set>
+                                      <p:cBhvr>
+                                        <p:cTn id="10" dur="1" fill="hold">
+                                          <p:stCondLst>
+                                            <p:cond delay="0"/>
+                                          </p:stCondLst>
+                                        </p:cTn>
+                                        <p:tgtEl>
+                                          <p:spTgt spid="4">
+                                            <p:txEl>
+                                              <p:pRg st="2" end="2"/>
+                                            </p:txEl>
+                                          </p:spTgt>
+                                        </p:tgtEl>
+                                        <p:attrNameLst>
+                                          <p:attrName>style.visibility</p:attrName>
+                                        </p:attrNameLst>
+                                      </p:cBhvr>
+                                      <p:to>
+                                        <p:strVal val="visible"/>
+                                      </p:to>
+                                    </p:set>
+                                  </p:childTnLst>
+                                </p:cTn>
+                              </p:par>
+                            </p:childTnLst>
+                          </p:cTn>
+                        </p:par>
+                      </p:childTnLst>
+                    </p:cTn>
+                  </p:par>
+                </p:childTnLst>
+              </p:cTn>
+              <p:prevCondLst>
+                <p:cond evt="onPrev" delay="0">
+                  <p:tgtEl>
+                    <p:sldTgt/>
+                  </p:tgtEl>
+                </p:cond>
+              </p:prevCondLst>
+              <p:nextCondLst>
+                <p:cond evt="onNext" delay="0">
+                  <p:tgtEl>
+                    <p:sldTgt/>
+                  </p:tgtEl>
+                </p:cond>
+              </p:nextCondLst>
+            </p:seq>
+          </p:childTnLst>
+        </p:cTn>
+      </p:par>
+    </p:tnLst>
+  </p:timing>
+</p:sld>
+</file>
+
+<file path=ppt/slides/slide17.xml><?xml version="1.0" encoding="utf-8"?>
+<p:sld xmlns:a="http://schemas.openxmlformats.org/drawingml/2006/main" xmlns:r="http://schemas.openxmlformats.org/officeDocument/2006/relationships" xmlns:p="http://schemas.openxmlformats.org/presentationml/2006/main">
+  <p:cSld>
+    <p:spTree>
+      <p:nvGrpSpPr>
+        <p:cNvPr id="1" name=""/>
+        <p:cNvGrpSpPr/>
+        <p:nvPr/>
+      </p:nvGrpSpPr>
+      <p:grpSpPr>
+        <a:xfrm>
+          <a:off x="0" y="0"/>
+          <a:ext cx="0" cy="0"/>
+          <a:chOff x="0" y="0"/>
+          <a:chExt cx="0" cy="0"/>
+        </a:xfrm>
+      </p:grpSpPr>
+      <p:sp>
+        <p:nvSpPr>
+          <p:cNvPr id="2" name="Объект 1">
+            <a:extLst>
+              <a:ext uri="{FF2B5EF4-FFF2-40B4-BE49-F238E27FC236}">
+                <a16:creationId xmlns:a16="http://schemas.microsoft.com/office/drawing/2014/main" id="{8020E711-518E-4DB3-9006-A6E5CBB18DEC}"/>
+              </a:ext>
+            </a:extLst>
+          </p:cNvPr>
+          <p:cNvSpPr>
+            <a:spLocks noGrp="1"/>
+          </p:cNvSpPr>
+          <p:nvPr>
+            <p:ph sz="quarter" idx="13"/>
+          </p:nvPr>
+        </p:nvSpPr>
+        <p:spPr/>
+        <p:txBody>
+          <a:bodyPr>
+            <a:normAutofit/>
+          </a:bodyPr>
+          <a:lstStyle/>
+          <a:p>
+            <a:r>
+              <a:rPr lang="en-US" sz="2400" dirty="0" err="1">
+                <a:solidFill>
+                  <a:srgbClr val="0000FF"/>
+                </a:solidFill>
+                <a:latin typeface="Consolas" panose="020B0609020204030204" pitchFamily="49" charset="0"/>
+              </a:rPr>
+              <a:t>var</a:t>
+            </a:r>
+            <a:r>
+              <a:rPr lang="en-US" sz="2400" dirty="0">
+                <a:latin typeface="Consolas" panose="020B0609020204030204" pitchFamily="49" charset="0"/>
+              </a:rPr>
+              <a:t> </a:t>
+            </a:r>
+            <a:r>
+              <a:rPr lang="en-US" sz="2400" dirty="0" err="1">
+                <a:latin typeface="Consolas" panose="020B0609020204030204" pitchFamily="49" charset="0"/>
+              </a:rPr>
+              <a:t>createMyClass</a:t>
+            </a:r>
+            <a:r>
+              <a:rPr lang="en-US" sz="2400" dirty="0">
+                <a:latin typeface="Consolas" panose="020B0609020204030204" pitchFamily="49" charset="0"/>
+              </a:rPr>
+              <a:t> = </a:t>
+            </a:r>
+            <a:br>
+              <a:rPr lang="en-US" sz="2400" dirty="0">
+                <a:latin typeface="Consolas" panose="020B0609020204030204" pitchFamily="49" charset="0"/>
+              </a:rPr>
+            </a:br>
+            <a:r>
+              <a:rPr lang="en-US" sz="2400" dirty="0">
+                <a:latin typeface="Consolas" panose="020B0609020204030204" pitchFamily="49" charset="0"/>
+              </a:rPr>
+              <a:t>	</a:t>
+            </a:r>
+            <a:r>
+              <a:rPr lang="en-US" sz="2400" dirty="0" err="1">
+                <a:latin typeface="Consolas" panose="020B0609020204030204" pitchFamily="49" charset="0"/>
+              </a:rPr>
+              <a:t>container.</a:t>
+            </a:r>
+            <a:r>
+              <a:rPr lang="en-US" sz="2400" dirty="0" err="1">
+                <a:solidFill>
+                  <a:srgbClr val="2B91AF"/>
+                </a:solidFill>
+                <a:latin typeface="Consolas" panose="020B0609020204030204" pitchFamily="49" charset="0"/>
+              </a:rPr>
+              <a:t>Get</a:t>
+            </a:r>
+            <a:r>
+              <a:rPr lang="en-US" sz="2400" dirty="0">
+                <a:latin typeface="Consolas" panose="020B0609020204030204" pitchFamily="49" charset="0"/>
+              </a:rPr>
+              <a:t>&lt;</a:t>
+            </a:r>
+            <a:r>
+              <a:rPr lang="en-US" sz="2400" dirty="0" err="1">
+                <a:solidFill>
+                  <a:srgbClr val="00007F"/>
+                </a:solidFill>
+                <a:latin typeface="Consolas" panose="020B0609020204030204" pitchFamily="49" charset="0"/>
+              </a:rPr>
+              <a:t>Func</a:t>
+            </a:r>
+            <a:r>
+              <a:rPr lang="en-US" sz="2400" dirty="0">
+                <a:latin typeface="Consolas" panose="020B0609020204030204" pitchFamily="49" charset="0"/>
+              </a:rPr>
+              <a:t>&lt;</a:t>
+            </a:r>
+            <a:r>
+              <a:rPr lang="en-US" sz="2400" dirty="0" err="1">
+                <a:solidFill>
+                  <a:srgbClr val="0000FF"/>
+                </a:solidFill>
+                <a:latin typeface="Consolas" panose="020B0609020204030204" pitchFamily="49" charset="0"/>
+              </a:rPr>
+              <a:t>int</a:t>
+            </a:r>
+            <a:r>
+              <a:rPr lang="en-US" sz="2400" dirty="0">
+                <a:latin typeface="Consolas" panose="020B0609020204030204" pitchFamily="49" charset="0"/>
+              </a:rPr>
+              <a:t>, </a:t>
+            </a:r>
+            <a:r>
+              <a:rPr lang="en-US" sz="2400" dirty="0">
+                <a:solidFill>
+                  <a:srgbClr val="0000FF"/>
+                </a:solidFill>
+                <a:latin typeface="Consolas" panose="020B0609020204030204" pitchFamily="49" charset="0"/>
+              </a:rPr>
+              <a:t>string</a:t>
+            </a:r>
+            <a:r>
+              <a:rPr lang="en-US" sz="2400" dirty="0">
+                <a:latin typeface="Consolas" panose="020B0609020204030204" pitchFamily="49" charset="0"/>
+              </a:rPr>
+              <a:t>, </a:t>
+            </a:r>
+            <a:r>
+              <a:rPr lang="en-US" sz="2400" dirty="0" err="1">
+                <a:solidFill>
+                  <a:srgbClr val="00007F"/>
+                </a:solidFill>
+                <a:latin typeface="Consolas" panose="020B0609020204030204" pitchFamily="49" charset="0"/>
+              </a:rPr>
+              <a:t>MyClass</a:t>
+            </a:r>
+            <a:r>
+              <a:rPr lang="en-US" sz="2400" dirty="0">
+                <a:latin typeface="Consolas" panose="020B0609020204030204" pitchFamily="49" charset="0"/>
+              </a:rPr>
+              <a:t>&gt;&gt;();</a:t>
+            </a:r>
+            <a:endParaRPr lang="ru-RU" sz="2400" dirty="0">
+              <a:latin typeface="Consolas" panose="020B0609020204030204" pitchFamily="49" charset="0"/>
+            </a:endParaRPr>
+          </a:p>
+          <a:p>
+            <a:endParaRPr lang="ru-RU" sz="2400" dirty="0">
+              <a:latin typeface="Consolas" panose="020B0609020204030204" pitchFamily="49" charset="0"/>
+            </a:endParaRPr>
+          </a:p>
+          <a:p>
+            <a:r>
+              <a:rPr lang="en-US" sz="2400" dirty="0" err="1">
+                <a:solidFill>
+                  <a:srgbClr val="00007F"/>
+                </a:solidFill>
+                <a:latin typeface="Consolas" panose="020B0609020204030204" pitchFamily="49" charset="0"/>
+              </a:rPr>
+              <a:t>MyClass</a:t>
+            </a:r>
+            <a:r>
+              <a:rPr lang="en-US" sz="2400" dirty="0">
+                <a:latin typeface="Consolas" panose="020B0609020204030204" pitchFamily="49" charset="0"/>
+              </a:rPr>
+              <a:t> c = </a:t>
+            </a:r>
+            <a:r>
+              <a:rPr lang="en-US" sz="2400" dirty="0" err="1">
+                <a:latin typeface="Consolas" panose="020B0609020204030204" pitchFamily="49" charset="0"/>
+              </a:rPr>
+              <a:t>createMyClass</a:t>
+            </a:r>
+            <a:r>
+              <a:rPr lang="en-US" sz="2400" dirty="0">
+                <a:latin typeface="Consolas" panose="020B0609020204030204" pitchFamily="49" charset="0"/>
+              </a:rPr>
+              <a:t>(42, </a:t>
+            </a:r>
+            <a:r>
+              <a:rPr lang="en-US" sz="2400" dirty="0">
+                <a:solidFill>
+                  <a:srgbClr val="A31515"/>
+                </a:solidFill>
+                <a:latin typeface="Consolas" panose="020B0609020204030204" pitchFamily="49" charset="0"/>
+              </a:rPr>
+              <a:t>“!”</a:t>
+            </a:r>
+            <a:r>
+              <a:rPr lang="en-US" sz="2400" dirty="0">
+                <a:latin typeface="Consolas" panose="020B0609020204030204" pitchFamily="49" charset="0"/>
+              </a:rPr>
+              <a:t>);</a:t>
+            </a:r>
+          </a:p>
+          <a:p>
+            <a:endParaRPr lang="ru-RU" sz="2400" dirty="0"/>
+          </a:p>
+          <a:p>
+            <a:endParaRPr lang="ru-RU" sz="2400" dirty="0"/>
+          </a:p>
+          <a:p>
+            <a:r>
+              <a:rPr lang="en-US" sz="2400" dirty="0">
+                <a:hlinkClick r:id="rId2"/>
+              </a:rPr>
+              <a:t>https://github.com/ninject/Ninject.Extensions.Factory/wiki</a:t>
+            </a:r>
+            <a:r>
+              <a:rPr lang="en-US" sz="2400" dirty="0"/>
+              <a:t> </a:t>
+            </a:r>
+          </a:p>
+          <a:p>
+            <a:endParaRPr lang="en-US" sz="2400" dirty="0"/>
+          </a:p>
+        </p:txBody>
+      </p:sp>
+      <p:sp>
+        <p:nvSpPr>
+          <p:cNvPr id="3" name="Заголовок 2">
+            <a:extLst>
+              <a:ext uri="{FF2B5EF4-FFF2-40B4-BE49-F238E27FC236}">
+                <a16:creationId xmlns:a16="http://schemas.microsoft.com/office/drawing/2014/main" id="{D3769FCA-F945-470C-81BE-BA65DD1253FD}"/>
+              </a:ext>
+            </a:extLst>
+          </p:cNvPr>
+          <p:cNvSpPr>
+            <a:spLocks noGrp="1"/>
+          </p:cNvSpPr>
+          <p:nvPr>
+            <p:ph type="title"/>
+          </p:nvPr>
+        </p:nvSpPr>
+        <p:spPr/>
+        <p:txBody>
+          <a:bodyPr/>
+          <a:lstStyle/>
+          <a:p>
+            <a:r>
+              <a:rPr lang="ru-RU" dirty="0"/>
+              <a:t>Фабрика вместо </a:t>
+            </a:r>
+            <a:r>
+              <a:rPr lang="en-US" dirty="0"/>
+              <a:t>new</a:t>
+            </a:r>
+          </a:p>
+        </p:txBody>
+      </p:sp>
+    </p:spTree>
+    <p:extLst>
+      <p:ext uri="{BB962C8B-B14F-4D97-AF65-F5344CB8AC3E}">
+        <p14:creationId xmlns:p14="http://schemas.microsoft.com/office/powerpoint/2010/main" val="2129722036"/>
+      </p:ext>
+    </p:extLst>
+  </p:cSld>
+  <p:clrMapOvr>
+    <a:masterClrMapping/>
+  </p:clrMapOvr>
+</p:sld>
+</file>
+
+<file path=ppt/slides/slide18.xml><?xml version="1.0" encoding="utf-8"?>
+<p:sld xmlns:a="http://schemas.openxmlformats.org/drawingml/2006/main" xmlns:r="http://schemas.openxmlformats.org/officeDocument/2006/relationships" xmlns:p="http://schemas.openxmlformats.org/presentationml/2006/main">
+  <p:cSld>
+    <p:spTree>
+      <p:nvGrpSpPr>
+        <p:cNvPr id="1" name=""/>
+        <p:cNvGrpSpPr/>
+        <p:nvPr/>
+      </p:nvGrpSpPr>
+      <p:grpSpPr>
+        <a:xfrm>
+          <a:off x="0" y="0"/>
+          <a:ext cx="0" cy="0"/>
+          <a:chOff x="0" y="0"/>
+          <a:chExt cx="0" cy="0"/>
+        </a:xfrm>
+      </p:grpSpPr>
+      <p:sp>
+        <p:nvSpPr>
+          <p:cNvPr id="3" name="Объект 2"/>
+          <p:cNvSpPr>
+            <a:spLocks noGrp="1"/>
+          </p:cNvSpPr>
+          <p:nvPr>
+            <p:ph sz="quarter" idx="13"/>
+          </p:nvPr>
+        </p:nvSpPr>
+        <p:spPr/>
+        <p:txBody>
+          <a:bodyPr>
+            <a:noAutofit/>
+          </a:bodyPr>
+          <a:lstStyle/>
+          <a:p>
+            <a:pPr marL="457200" indent="-457200">
+              <a:buFont typeface="Arial" panose="020B0604020202020204" pitchFamily="34" charset="0"/>
+              <a:buChar char="•"/>
+            </a:pPr>
+            <a:r>
+              <a:rPr lang="ru-RU" sz="2400" dirty="0"/>
+              <a:t>Время жизни (</a:t>
+            </a:r>
+            <a:r>
+              <a:rPr lang="en-US" sz="2400" dirty="0" err="1"/>
+              <a:t>InSingletoneScope</a:t>
+            </a:r>
+            <a:r>
+              <a:rPr lang="en-US" sz="2400" dirty="0"/>
+              <a:t>, </a:t>
+            </a:r>
+            <a:r>
+              <a:rPr lang="en-US" sz="2400" dirty="0" err="1"/>
+              <a:t>InThreadScope</a:t>
+            </a:r>
+            <a:r>
+              <a:rPr lang="en-US" sz="2400" dirty="0"/>
+              <a:t>)</a:t>
+            </a:r>
+          </a:p>
+          <a:p>
+            <a:pPr marL="457200" indent="-457200">
+              <a:buFont typeface="Arial" panose="020B0604020202020204" pitchFamily="34" charset="0"/>
+              <a:buChar char="•"/>
+            </a:pPr>
+            <a:r>
+              <a:rPr lang="ru-RU" sz="2400" dirty="0"/>
+              <a:t>Именованные зависимости (</a:t>
+            </a:r>
+            <a:r>
+              <a:rPr lang="en-US" sz="2400" dirty="0"/>
+              <a:t>Named)</a:t>
+            </a:r>
+          </a:p>
+          <a:p>
+            <a:pPr marL="457200" indent="-457200">
+              <a:buFont typeface="Arial" panose="020B0604020202020204" pitchFamily="34" charset="0"/>
+              <a:buChar char="•"/>
+            </a:pPr>
+            <a:r>
+              <a:rPr lang="ru-RU" sz="2400" dirty="0"/>
+              <a:t>Контекстно-зависимое </a:t>
+            </a:r>
+            <a:r>
+              <a:rPr lang="ru-RU" sz="2400" dirty="0" err="1"/>
+              <a:t>инжектирование</a:t>
+            </a:r>
+            <a:r>
+              <a:rPr lang="ru-RU" sz="2400" dirty="0"/>
+              <a:t> (</a:t>
+            </a:r>
+            <a:r>
+              <a:rPr lang="en-US" sz="2400" dirty="0" err="1"/>
+              <a:t>WhenInjectedInto</a:t>
+            </a:r>
+            <a:r>
+              <a:rPr lang="en-US" sz="2400" dirty="0"/>
+              <a:t>)</a:t>
+            </a:r>
+          </a:p>
+          <a:p>
+            <a:pPr marL="457200" indent="-457200">
+              <a:buFont typeface="Arial" panose="020B0604020202020204" pitchFamily="34" charset="0"/>
+              <a:buChar char="•"/>
+            </a:pPr>
+            <a:r>
+              <a:rPr lang="ru-RU" sz="2400" dirty="0"/>
+              <a:t>Конвенции</a:t>
+            </a:r>
+            <a:r>
+              <a:rPr lang="en-US" sz="2400" dirty="0"/>
+              <a:t> </a:t>
+            </a:r>
+            <a:r>
+              <a:rPr lang="ru-RU" sz="2400" dirty="0"/>
+              <a:t>и </a:t>
+            </a:r>
+            <a:r>
+              <a:rPr lang="ru-RU" sz="2400" dirty="0" err="1"/>
+              <a:t>авторегистрация</a:t>
+            </a:r>
+            <a:r>
+              <a:rPr lang="ru-RU" sz="2400" dirty="0"/>
+              <a:t> (</a:t>
+            </a:r>
+            <a:r>
+              <a:rPr lang="en-US" sz="2400" dirty="0" err="1"/>
+              <a:t>FromThisAssembly</a:t>
+            </a:r>
+            <a:r>
+              <a:rPr lang="en-US" sz="2400" dirty="0"/>
+              <a:t> ...)</a:t>
+            </a:r>
+          </a:p>
+          <a:p>
+            <a:pPr marL="457200" indent="-457200">
+              <a:buFont typeface="Arial" panose="020B0604020202020204" pitchFamily="34" charset="0"/>
+              <a:buChar char="•"/>
+            </a:pPr>
+            <a:r>
+              <a:rPr lang="ru-RU" sz="2400" dirty="0"/>
+              <a:t>Модульность конфигурации</a:t>
+            </a:r>
+          </a:p>
+          <a:p>
+            <a:pPr marL="457200" indent="-457200">
+              <a:buFont typeface="Arial" panose="020B0604020202020204" pitchFamily="34" charset="0"/>
+              <a:buChar char="•"/>
+            </a:pPr>
+            <a:r>
+              <a:rPr lang="ru-RU" sz="2400" dirty="0"/>
+              <a:t>Одна реализация для нескольких интерфейсов (</a:t>
+            </a:r>
+            <a:r>
+              <a:rPr lang="en-US" sz="2400" dirty="0"/>
+              <a:t>Bind&lt;T1, T2&gt;)</a:t>
+            </a:r>
+          </a:p>
+          <a:p>
+            <a:pPr marL="457200" indent="-457200">
+              <a:buFont typeface="Arial" panose="020B0604020202020204" pitchFamily="34" charset="0"/>
+              <a:buChar char="•"/>
+            </a:pPr>
+            <a:r>
+              <a:rPr lang="en-US" sz="2400" dirty="0"/>
+              <a:t>Generics</a:t>
+            </a:r>
+            <a:endParaRPr lang="ru-RU" sz="2400" dirty="0"/>
+          </a:p>
+          <a:p>
+            <a:pPr marL="457200" indent="-457200">
+              <a:buFont typeface="Arial" panose="020B0604020202020204" pitchFamily="34" charset="0"/>
+              <a:buChar char="•"/>
+            </a:pPr>
+            <a:r>
+              <a:rPr lang="en-US" sz="2400" dirty="0"/>
+              <a:t>...</a:t>
+            </a:r>
+            <a:endParaRPr lang="ru-RU" sz="2400" dirty="0"/>
+          </a:p>
+        </p:txBody>
+      </p:sp>
+      <p:sp>
+        <p:nvSpPr>
+          <p:cNvPr id="2" name="Заголовок 1"/>
+          <p:cNvSpPr>
+            <a:spLocks noGrp="1"/>
+          </p:cNvSpPr>
+          <p:nvPr>
+            <p:ph type="title"/>
+          </p:nvPr>
+        </p:nvSpPr>
+        <p:spPr/>
+        <p:txBody>
+          <a:bodyPr/>
+          <a:lstStyle/>
+          <a:p>
+            <a:r>
+              <a:rPr lang="ru-RU" dirty="0"/>
+              <a:t>Прочие особенности</a:t>
+            </a:r>
+          </a:p>
+        </p:txBody>
+      </p:sp>
+    </p:spTree>
+    <p:extLst>
+      <p:ext uri="{BB962C8B-B14F-4D97-AF65-F5344CB8AC3E}">
+        <p14:creationId xmlns:p14="http://schemas.microsoft.com/office/powerpoint/2010/main" val="932710317"/>
+      </p:ext>
+    </p:extLst>
+  </p:cSld>
+  <p:clrMapOvr>
+    <a:masterClrMapping/>
+  </p:clrMapOvr>
+</p:sld>
+</file>
+
+<file path=ppt/slides/slide19.xml><?xml version="1.0" encoding="utf-8"?>
 <p:sld xmlns:a="http://schemas.openxmlformats.org/drawingml/2006/main" xmlns:r="http://schemas.openxmlformats.org/officeDocument/2006/relationships" xmlns:p="http://schemas.openxmlformats.org/presentationml/2006/main">
   <p:cSld>
     <p:spTree>
@@ -13713,213 +15185,62 @@
               <a:buNone/>
             </a:pPr>
             <a:r>
-              <a:rPr lang="en-US" sz="2400" dirty="0">
+              <a:rPr lang="ru-RU" sz="3600" dirty="0"/>
+              <a:t>В программе </a:t>
+            </a:r>
+            <a:r>
+              <a:rPr lang="en-US" sz="3600" dirty="0" err="1">
                 <a:solidFill>
-                  <a:srgbClr val="2B91AF"/>
+                  <a:schemeClr val="accent1"/>
                 </a:solidFill>
-                <a:latin typeface="Consolas" panose="020B0609020204030204" pitchFamily="49" charset="0"/>
-                <a:cs typeface="Consolas" panose="020B0609020204030204" pitchFamily="49" charset="0"/>
-              </a:rPr>
-              <a:t>Controller</a:t>
-            </a:r>
-            <a:r>
-              <a:rPr lang="en-US" sz="2400" dirty="0">
-                <a:latin typeface="Consolas" panose="020B0609020204030204" pitchFamily="49" charset="0"/>
-                <a:cs typeface="Consolas" panose="020B0609020204030204" pitchFamily="49" charset="0"/>
-              </a:rPr>
-              <a:t>(</a:t>
-            </a:r>
-            <a:r>
-              <a:rPr lang="en-US" sz="2400" dirty="0">
-                <a:solidFill>
-                  <a:srgbClr val="00007F"/>
-                </a:solidFill>
-                <a:latin typeface="Consolas" panose="020B0609020204030204" pitchFamily="49" charset="0"/>
-                <a:cs typeface="Consolas" panose="020B0609020204030204" pitchFamily="49" charset="0"/>
-              </a:rPr>
-              <a:t>Lazy</a:t>
-            </a:r>
-            <a:r>
-              <a:rPr lang="en-US" sz="2400" dirty="0">
-                <a:latin typeface="Consolas" panose="020B0609020204030204" pitchFamily="49" charset="0"/>
-                <a:cs typeface="Consolas" panose="020B0609020204030204" pitchFamily="49" charset="0"/>
-              </a:rPr>
-              <a:t>&lt;</a:t>
-            </a:r>
-            <a:r>
-              <a:rPr lang="en-US" sz="2400" dirty="0">
-                <a:solidFill>
-                  <a:srgbClr val="00007F"/>
-                </a:solidFill>
-                <a:latin typeface="Consolas" panose="020B0609020204030204" pitchFamily="49" charset="0"/>
-                <a:cs typeface="Consolas" panose="020B0609020204030204" pitchFamily="49" charset="0"/>
-              </a:rPr>
-              <a:t>IView</a:t>
-            </a:r>
-            <a:r>
-              <a:rPr lang="en-US" sz="2400" dirty="0">
-                <a:latin typeface="Consolas" panose="020B0609020204030204" pitchFamily="49" charset="0"/>
-                <a:cs typeface="Consolas" panose="020B0609020204030204" pitchFamily="49" charset="0"/>
-              </a:rPr>
-              <a:t>&gt; </a:t>
-            </a:r>
-            <a:r>
-              <a:rPr lang="en-US" sz="2400" dirty="0" err="1">
-                <a:latin typeface="Consolas" panose="020B0609020204030204" pitchFamily="49" charset="0"/>
-                <a:cs typeface="Consolas" panose="020B0609020204030204" pitchFamily="49" charset="0"/>
-              </a:rPr>
-              <a:t>lazyView</a:t>
-            </a:r>
-            <a:r>
-              <a:rPr lang="en-US" sz="2400" dirty="0">
-                <a:latin typeface="Consolas" panose="020B0609020204030204" pitchFamily="49" charset="0"/>
-                <a:cs typeface="Consolas" panose="020B0609020204030204" pitchFamily="49" charset="0"/>
-              </a:rPr>
-              <a:t>)</a:t>
-            </a:r>
-            <a:br>
-              <a:rPr lang="en-US" sz="2400" dirty="0">
-                <a:latin typeface="Consolas" panose="020B0609020204030204" pitchFamily="49" charset="0"/>
-                <a:cs typeface="Consolas" panose="020B0609020204030204" pitchFamily="49" charset="0"/>
-              </a:rPr>
-            </a:br>
-            <a:endParaRPr lang="en-US" sz="2400" dirty="0">
-              <a:latin typeface="Consolas" panose="020B0609020204030204" pitchFamily="49" charset="0"/>
-              <a:cs typeface="Consolas" panose="020B0609020204030204" pitchFamily="49" charset="0"/>
-            </a:endParaRPr>
+              </a:rPr>
+              <a:t>FractalPainter</a:t>
+            </a:r>
+            <a:r>
+              <a:rPr lang="ru-RU" sz="3600" dirty="0"/>
+              <a:t> странно реализован </a:t>
+            </a:r>
+            <a:r>
+              <a:rPr lang="en-US" sz="3600" dirty="0"/>
+              <a:t>Dependency Inversion…</a:t>
+            </a:r>
           </a:p>
           <a:p>
             <a:pPr marL="0" indent="0">
               <a:buNone/>
             </a:pPr>
             <a:r>
-              <a:rPr lang="en-US" sz="2400" dirty="0" err="1">
+              <a:rPr lang="ru-RU" sz="3600" dirty="0"/>
+              <a:t>Необходимо произвести </a:t>
+            </a:r>
+            <a:r>
+              <a:rPr lang="ru-RU" sz="3600" dirty="0" err="1"/>
+              <a:t>рефакторинг</a:t>
+            </a:r>
+            <a:r>
+              <a:rPr lang="ru-RU" sz="3600" dirty="0"/>
+              <a:t> по списку</a:t>
+            </a:r>
+            <a:r>
+              <a:rPr lang="en-US" sz="3600" dirty="0"/>
+              <a:t> </a:t>
+            </a:r>
+            <a:r>
+              <a:rPr lang="ru-RU" sz="3600" dirty="0"/>
+              <a:t>в </a:t>
+            </a:r>
+            <a:r>
+              <a:rPr lang="en-US" sz="3600" dirty="0">
                 <a:solidFill>
-                  <a:srgbClr val="2B91AF"/>
+                  <a:schemeClr val="accent1"/>
                 </a:solidFill>
-                <a:latin typeface="Consolas" panose="020B0609020204030204" pitchFamily="49" charset="0"/>
-                <a:cs typeface="Consolas" panose="020B0609020204030204" pitchFamily="49" charset="0"/>
-              </a:rPr>
-              <a:t>BasicView</a:t>
-            </a:r>
-            <a:r>
-              <a:rPr lang="en-US" sz="2400" dirty="0">
-                <a:latin typeface="Consolas" panose="020B0609020204030204" pitchFamily="49" charset="0"/>
-                <a:cs typeface="Consolas" panose="020B0609020204030204" pitchFamily="49" charset="0"/>
-              </a:rPr>
-              <a:t>(</a:t>
-            </a:r>
-            <a:r>
-              <a:rPr lang="en-US" sz="2400" dirty="0" err="1">
-                <a:solidFill>
-                  <a:srgbClr val="00007F"/>
-                </a:solidFill>
-                <a:latin typeface="Consolas" panose="020B0609020204030204" pitchFamily="49" charset="0"/>
-                <a:cs typeface="Consolas" panose="020B0609020204030204" pitchFamily="49" charset="0"/>
-              </a:rPr>
-              <a:t>IController</a:t>
-            </a:r>
-            <a:r>
-              <a:rPr lang="en-US" sz="2400" dirty="0">
-                <a:latin typeface="Consolas" panose="020B0609020204030204" pitchFamily="49" charset="0"/>
-                <a:cs typeface="Consolas" panose="020B0609020204030204" pitchFamily="49" charset="0"/>
-              </a:rPr>
-              <a:t> controller) : </a:t>
-            </a:r>
-            <a:r>
-              <a:rPr lang="en-US" sz="2400" dirty="0">
-                <a:solidFill>
-                  <a:srgbClr val="00007F"/>
-                </a:solidFill>
-                <a:latin typeface="Consolas" panose="020B0609020204030204" pitchFamily="49" charset="0"/>
-                <a:cs typeface="Consolas" panose="020B0609020204030204" pitchFamily="49" charset="0"/>
-              </a:rPr>
-              <a:t>IView</a:t>
-            </a:r>
-          </a:p>
-          <a:p>
-            <a:pPr marL="0" indent="0">
-              <a:buNone/>
-            </a:pPr>
-            <a:endParaRPr lang="en-US" sz="2400" dirty="0">
-              <a:latin typeface="Consolas" panose="020B0609020204030204" pitchFamily="49" charset="0"/>
-              <a:cs typeface="Consolas" panose="020B0609020204030204" pitchFamily="49" charset="0"/>
-            </a:endParaRPr>
-          </a:p>
-          <a:p>
-            <a:pPr marL="0" indent="0">
-              <a:buNone/>
-            </a:pPr>
-            <a:r>
-              <a:rPr lang="en-US" sz="2400" dirty="0" err="1">
-                <a:solidFill>
-                  <a:srgbClr val="0000FF"/>
-                </a:solidFill>
-                <a:latin typeface="Consolas" panose="020B0609020204030204" pitchFamily="49" charset="0"/>
-                <a:cs typeface="Consolas" panose="020B0609020204030204" pitchFamily="49" charset="0"/>
-              </a:rPr>
-              <a:t>var</a:t>
-            </a:r>
-            <a:r>
-              <a:rPr lang="en-US" sz="2400" dirty="0">
-                <a:latin typeface="Consolas" panose="020B0609020204030204" pitchFamily="49" charset="0"/>
-                <a:cs typeface="Consolas" panose="020B0609020204030204" pitchFamily="49" charset="0"/>
-              </a:rPr>
-              <a:t> c = </a:t>
-            </a:r>
-            <a:r>
-              <a:rPr lang="en-US" sz="2400" dirty="0" err="1">
-                <a:latin typeface="Consolas" panose="020B0609020204030204" pitchFamily="49" charset="0"/>
-                <a:cs typeface="Consolas" panose="020B0609020204030204" pitchFamily="49" charset="0"/>
-              </a:rPr>
-              <a:t>container.</a:t>
-            </a:r>
-            <a:r>
-              <a:rPr lang="en-US" sz="2400" dirty="0" err="1">
-                <a:solidFill>
-                  <a:srgbClr val="2B91AF"/>
-                </a:solidFill>
-                <a:latin typeface="Consolas" panose="020B0609020204030204" pitchFamily="49" charset="0"/>
-                <a:cs typeface="Consolas" panose="020B0609020204030204" pitchFamily="49" charset="0"/>
-              </a:rPr>
-              <a:t>Get</a:t>
-            </a:r>
-            <a:r>
-              <a:rPr lang="en-US" sz="2400" dirty="0">
-                <a:latin typeface="Consolas" panose="020B0609020204030204" pitchFamily="49" charset="0"/>
-                <a:cs typeface="Consolas" panose="020B0609020204030204" pitchFamily="49" charset="0"/>
-              </a:rPr>
-              <a:t>&lt;</a:t>
-            </a:r>
-            <a:r>
-              <a:rPr lang="en-US" sz="2400" dirty="0">
-                <a:solidFill>
-                  <a:srgbClr val="00007F"/>
-                </a:solidFill>
-                <a:latin typeface="Consolas" panose="020B0609020204030204" pitchFamily="49" charset="0"/>
-                <a:cs typeface="Consolas" panose="020B0609020204030204" pitchFamily="49" charset="0"/>
-              </a:rPr>
-              <a:t>Controller</a:t>
-            </a:r>
-            <a:r>
-              <a:rPr lang="en-US" sz="2400" dirty="0">
-                <a:latin typeface="Consolas" panose="020B0609020204030204" pitchFamily="49" charset="0"/>
-                <a:cs typeface="Consolas" panose="020B0609020204030204" pitchFamily="49" charset="0"/>
-              </a:rPr>
-              <a:t>&gt;();</a:t>
-            </a:r>
-            <a:endParaRPr lang="ru-RU" sz="2400" dirty="0">
-              <a:latin typeface="Consolas" panose="020B0609020204030204" pitchFamily="49" charset="0"/>
-              <a:cs typeface="Consolas" panose="020B0609020204030204" pitchFamily="49" charset="0"/>
-            </a:endParaRPr>
-          </a:p>
-          <a:p>
-            <a:pPr marL="0" indent="0">
-              <a:buNone/>
-            </a:pPr>
-            <a:endParaRPr lang="en-US" sz="2400" dirty="0">
-              <a:latin typeface="Consolas" panose="020B0609020204030204" pitchFamily="49" charset="0"/>
-              <a:cs typeface="Consolas" panose="020B0609020204030204" pitchFamily="49" charset="0"/>
+              </a:rPr>
+              <a:t>README.md</a:t>
+            </a:r>
+            <a:endParaRPr lang="ru-RU" sz="3600" dirty="0">
+              <a:solidFill>
+                <a:schemeClr val="accent1"/>
+              </a:solidFill>
             </a:endParaRPr>
           </a:p>
         </p:txBody>
@@ -13936,37 +15257,45 @@
         </p:nvSpPr>
         <p:spPr/>
         <p:txBody>
-          <a:bodyPr/>
+          <a:bodyPr>
+            <a:noAutofit/>
+          </a:bodyPr>
           <a:lstStyle/>
           <a:p>
             <a:r>
+              <a:rPr lang="ru-RU" dirty="0">
+                <a:solidFill>
+                  <a:schemeClr val="tx1"/>
+                </a:solidFill>
+              </a:rPr>
+              <a:t>Задача</a:t>
+            </a:r>
+            <a:r>
               <a:rPr lang="ru-RU" dirty="0"/>
-              <a:t>Циклические зависимости</a:t>
-            </a:r>
+              <a:t> </a:t>
+            </a:r>
+            <a:r>
+              <a:rPr lang="en-US" dirty="0" err="1"/>
+              <a:t>fRACTALpAINTER</a:t>
+            </a:r>
+            <a:endParaRPr lang="ru-RU" dirty="0"/>
           </a:p>
         </p:txBody>
       </p:sp>
     </p:spTree>
     <p:extLst>
       <p:ext uri="{BB962C8B-B14F-4D97-AF65-F5344CB8AC3E}">
-        <p14:creationId xmlns:p14="http://schemas.microsoft.com/office/powerpoint/2010/main" val="262900150"/>
+        <p14:creationId xmlns:p14="http://schemas.microsoft.com/office/powerpoint/2010/main" val="3642520840"/>
       </p:ext>
     </p:extLst>
   </p:cSld>
   <p:clrMapOvr>
     <a:masterClrMapping/>
   </p:clrMapOvr>
-  <p:timing>
-    <p:tnLst>
-      <p:par>
-        <p:cTn id="1" dur="indefinite" restart="never" nodeType="tmRoot"/>
-      </p:par>
-    </p:tnLst>
-  </p:timing>
 </p:sld>
 </file>
 
-<file path=ppt/slides/slide14.xml><?xml version="1.0" encoding="utf-8"?>
+<file path=ppt/slides/slide2.xml><?xml version="1.0" encoding="utf-8"?>
 <p:sld xmlns:a="http://schemas.openxmlformats.org/drawingml/2006/main" xmlns:r="http://schemas.openxmlformats.org/officeDocument/2006/relationships" xmlns:p="http://schemas.openxmlformats.org/presentationml/2006/main">
   <p:cSld>
     <p:spTree>
@@ -14001,176 +15330,270 @@
           <a:lstStyle/>
           <a:p>
             <a:r>
-              <a:rPr lang="en-US" sz="2400" dirty="0" err="1">
+              <a:rPr lang="en-US" sz="2000" dirty="0">
                 <a:solidFill>
                   <a:srgbClr val="0000FF"/>
                 </a:solidFill>
                 <a:latin typeface="Consolas" panose="020B0609020204030204" pitchFamily="49" charset="0"/>
               </a:rPr>
-              <a:t>var</a:t>
-            </a:r>
-            <a:r>
-              <a:rPr lang="en-US" sz="2400" dirty="0">
-                <a:latin typeface="Consolas" panose="020B0609020204030204" pitchFamily="49" charset="0"/>
-              </a:rPr>
-              <a:t> factory = </a:t>
-            </a:r>
-            <a:br>
-              <a:rPr lang="en-US" sz="2400" dirty="0">
-                <a:latin typeface="Consolas" panose="020B0609020204030204" pitchFamily="49" charset="0"/>
-              </a:rPr>
-            </a:br>
-            <a:r>
-              <a:rPr lang="en-US" sz="2400" dirty="0">
-                <a:latin typeface="Consolas" panose="020B0609020204030204" pitchFamily="49" charset="0"/>
-              </a:rPr>
-              <a:t>	</a:t>
-            </a:r>
-            <a:r>
-              <a:rPr lang="en-US" sz="2400" dirty="0" err="1">
-                <a:latin typeface="Consolas" panose="020B0609020204030204" pitchFamily="49" charset="0"/>
-              </a:rPr>
-              <a:t>container.</a:t>
-            </a:r>
-            <a:r>
-              <a:rPr lang="en-US" sz="2400" dirty="0" err="1">
+              <a:t>public</a:t>
+            </a:r>
+            <a:r>
+              <a:rPr lang="en-US" sz="2000" dirty="0">
+                <a:latin typeface="Consolas" panose="020B0609020204030204" pitchFamily="49" charset="0"/>
+              </a:rPr>
+              <a:t> </a:t>
+            </a:r>
+            <a:r>
+              <a:rPr lang="en-US" sz="2000" dirty="0">
+                <a:solidFill>
+                  <a:srgbClr val="0000FF"/>
+                </a:solidFill>
+                <a:latin typeface="Consolas" panose="020B0609020204030204" pitchFamily="49" charset="0"/>
+              </a:rPr>
+              <a:t>class</a:t>
+            </a:r>
+            <a:r>
+              <a:rPr lang="en-US" sz="2000" dirty="0">
+                <a:latin typeface="Consolas" panose="020B0609020204030204" pitchFamily="49" charset="0"/>
+              </a:rPr>
+              <a:t> </a:t>
+            </a:r>
+            <a:r>
+              <a:rPr lang="en-US" sz="2000" dirty="0">
+                <a:solidFill>
+                  <a:srgbClr val="00007F"/>
+                </a:solidFill>
+                <a:latin typeface="Consolas" panose="020B0609020204030204" pitchFamily="49" charset="0"/>
+              </a:rPr>
+              <a:t>Chessboard</a:t>
+            </a:r>
+          </a:p>
+          <a:p>
+            <a:r>
+              <a:rPr lang="ru-RU" sz="2000" dirty="0">
+                <a:latin typeface="Consolas" panose="020B0609020204030204" pitchFamily="49" charset="0"/>
+              </a:rPr>
+              <a:t>{</a:t>
+            </a:r>
+          </a:p>
+          <a:p>
+            <a:r>
+              <a:rPr lang="en-US" sz="2000" dirty="0">
+                <a:latin typeface="Consolas" panose="020B0609020204030204" pitchFamily="49" charset="0"/>
+              </a:rPr>
+              <a:t>    </a:t>
+            </a:r>
+            <a:r>
+              <a:rPr lang="en-US" sz="2000" dirty="0">
+                <a:solidFill>
+                  <a:srgbClr val="0000FF"/>
+                </a:solidFill>
+                <a:latin typeface="Consolas" panose="020B0609020204030204" pitchFamily="49" charset="0"/>
+              </a:rPr>
+              <a:t>public</a:t>
+            </a:r>
+            <a:r>
+              <a:rPr lang="en-US" sz="2000" dirty="0">
+                <a:latin typeface="Consolas" panose="020B0609020204030204" pitchFamily="49" charset="0"/>
+              </a:rPr>
+              <a:t> </a:t>
+            </a:r>
+            <a:r>
+              <a:rPr lang="en-US" sz="2000" dirty="0">
                 <a:solidFill>
                   <a:srgbClr val="2B91AF"/>
                 </a:solidFill>
                 <a:latin typeface="Consolas" panose="020B0609020204030204" pitchFamily="49" charset="0"/>
               </a:rPr>
-              <a:t>Get</a:t>
-            </a:r>
-            <a:r>
-              <a:rPr lang="en-US" sz="2400" dirty="0">
-                <a:latin typeface="Consolas" panose="020B0609020204030204" pitchFamily="49" charset="0"/>
-              </a:rPr>
-              <a:t>&lt;</a:t>
-            </a:r>
-            <a:r>
-              <a:rPr lang="en-US" sz="2400" dirty="0" err="1">
+              <a:t>Chessboard</a:t>
+            </a:r>
+            <a:r>
+              <a:rPr lang="en-US" sz="2000" dirty="0">
+                <a:latin typeface="Consolas" panose="020B0609020204030204" pitchFamily="49" charset="0"/>
+              </a:rPr>
+              <a:t>()</a:t>
+            </a:r>
+          </a:p>
+          <a:p>
+            <a:r>
+              <a:rPr lang="ru-RU" sz="2000" dirty="0">
+                <a:latin typeface="Consolas" panose="020B0609020204030204" pitchFamily="49" charset="0"/>
+              </a:rPr>
+              <a:t>    {</a:t>
+            </a:r>
+          </a:p>
+          <a:p>
+            <a:r>
+              <a:rPr lang="en-US" sz="2000" dirty="0">
+                <a:latin typeface="Consolas" panose="020B0609020204030204" pitchFamily="49" charset="0"/>
+              </a:rPr>
+              <a:t>        </a:t>
+            </a:r>
+            <a:r>
+              <a:rPr lang="en-US" sz="2000" dirty="0" err="1">
+                <a:solidFill>
+                  <a:srgbClr val="0000FF"/>
+                </a:solidFill>
+                <a:latin typeface="Consolas" panose="020B0609020204030204" pitchFamily="49" charset="0"/>
+              </a:rPr>
+              <a:t>this</a:t>
+            </a:r>
+            <a:r>
+              <a:rPr lang="en-US" sz="2000" dirty="0" err="1">
+                <a:latin typeface="Consolas" panose="020B0609020204030204" pitchFamily="49" charset="0"/>
+              </a:rPr>
+              <a:t>.</a:t>
+            </a:r>
+            <a:r>
+              <a:rPr lang="en-US" sz="2000" dirty="0" err="1">
+                <a:solidFill>
+                  <a:srgbClr val="800080"/>
+                </a:solidFill>
+                <a:latin typeface="Consolas" panose="020B0609020204030204" pitchFamily="49" charset="0"/>
+              </a:rPr>
+              <a:t>cells</a:t>
+            </a:r>
+            <a:r>
+              <a:rPr lang="en-US" sz="2000" dirty="0">
+                <a:latin typeface="Consolas" panose="020B0609020204030204" pitchFamily="49" charset="0"/>
+              </a:rPr>
+              <a:t> = </a:t>
+            </a:r>
+            <a:r>
+              <a:rPr lang="en-US" sz="2000" dirty="0" err="1">
+                <a:solidFill>
+                  <a:srgbClr val="2B91AF"/>
+                </a:solidFill>
+                <a:latin typeface="Consolas" panose="020B0609020204030204" pitchFamily="49" charset="0"/>
+              </a:rPr>
+              <a:t>LoadBoard</a:t>
+            </a:r>
+            <a:r>
+              <a:rPr lang="en-US" sz="2000" dirty="0">
+                <a:latin typeface="Consolas" panose="020B0609020204030204" pitchFamily="49" charset="0"/>
+              </a:rPr>
+              <a:t>(</a:t>
+            </a:r>
+          </a:p>
+          <a:p>
+            <a:r>
+              <a:rPr lang="en-US" sz="2000" dirty="0">
+                <a:latin typeface="Consolas" panose="020B0609020204030204" pitchFamily="49" charset="0"/>
+              </a:rPr>
+              <a:t>            </a:t>
+            </a:r>
+            <a:r>
+              <a:rPr lang="en-US" sz="2000" dirty="0">
+                <a:solidFill>
+                  <a:srgbClr val="0000FF"/>
+                </a:solidFill>
+                <a:latin typeface="Consolas" panose="020B0609020204030204" pitchFamily="49" charset="0"/>
+              </a:rPr>
+              <a:t>new</a:t>
+            </a:r>
+            <a:r>
+              <a:rPr lang="en-US" sz="2000" dirty="0">
+                <a:latin typeface="Consolas" panose="020B0609020204030204" pitchFamily="49" charset="0"/>
+              </a:rPr>
+              <a:t> </a:t>
+            </a:r>
+            <a:r>
+              <a:rPr lang="en-US" sz="2000" dirty="0" err="1">
                 <a:solidFill>
                   <a:srgbClr val="00007F"/>
                 </a:solidFill>
                 <a:latin typeface="Consolas" panose="020B0609020204030204" pitchFamily="49" charset="0"/>
               </a:rPr>
-              <a:t>Func</a:t>
-            </a:r>
-            <a:r>
-              <a:rPr lang="en-US" sz="2400" dirty="0">
-                <a:latin typeface="Consolas" panose="020B0609020204030204" pitchFamily="49" charset="0"/>
-              </a:rPr>
-              <a:t>&lt;</a:t>
-            </a:r>
-            <a:r>
-              <a:rPr lang="en-US" sz="2400" dirty="0" err="1">
+              <a:t>StreamReader</a:t>
+            </a:r>
+            <a:r>
+              <a:rPr lang="en-US" sz="2000" dirty="0">
+                <a:latin typeface="Consolas" panose="020B0609020204030204" pitchFamily="49" charset="0"/>
+              </a:rPr>
+              <a:t>(</a:t>
+            </a:r>
+            <a:r>
+              <a:rPr lang="en-US" sz="2000" dirty="0">
+                <a:solidFill>
+                  <a:srgbClr val="A31515"/>
+                </a:solidFill>
+                <a:latin typeface="Consolas" panose="020B0609020204030204" pitchFamily="49" charset="0"/>
+              </a:rPr>
+              <a:t>"input.txt"</a:t>
+            </a:r>
+            <a:r>
+              <a:rPr lang="en-US" sz="2000" dirty="0">
+                <a:latin typeface="Consolas" panose="020B0609020204030204" pitchFamily="49" charset="0"/>
+              </a:rPr>
+              <a:t>),</a:t>
+            </a:r>
+          </a:p>
+          <a:p>
+            <a:r>
+              <a:rPr lang="en-US" sz="2000" dirty="0">
+                <a:latin typeface="Consolas" panose="020B0609020204030204" pitchFamily="49" charset="0"/>
+              </a:rPr>
+              <a:t>            </a:t>
+            </a:r>
+            <a:r>
+              <a:rPr lang="en-US" sz="2000" dirty="0">
                 <a:solidFill>
                   <a:srgbClr val="0000FF"/>
                 </a:solidFill>
                 <a:latin typeface="Consolas" panose="020B0609020204030204" pitchFamily="49" charset="0"/>
               </a:rPr>
-              <a:t>int</a:t>
-            </a:r>
-            <a:r>
-              <a:rPr lang="en-US" sz="2400" dirty="0">
-                <a:latin typeface="Consolas" panose="020B0609020204030204" pitchFamily="49" charset="0"/>
-              </a:rPr>
-              <a:t>, </a:t>
-            </a:r>
-            <a:r>
-              <a:rPr lang="en-US" sz="2400" dirty="0">
-                <a:solidFill>
-                  <a:srgbClr val="0000FF"/>
-                </a:solidFill>
-                <a:latin typeface="Consolas" panose="020B0609020204030204" pitchFamily="49" charset="0"/>
-              </a:rPr>
-              <a:t>string</a:t>
-            </a:r>
-            <a:r>
-              <a:rPr lang="en-US" sz="2400" dirty="0">
-                <a:latin typeface="Consolas" panose="020B0609020204030204" pitchFamily="49" charset="0"/>
-              </a:rPr>
-              <a:t>, </a:t>
-            </a:r>
-            <a:r>
-              <a:rPr lang="en-US" sz="2400" dirty="0" err="1">
+              <a:t>new</a:t>
+            </a:r>
+            <a:r>
+              <a:rPr lang="en-US" sz="2000" dirty="0">
+                <a:latin typeface="Consolas" panose="020B0609020204030204" pitchFamily="49" charset="0"/>
+              </a:rPr>
+              <a:t> </a:t>
+            </a:r>
+            <a:r>
+              <a:rPr lang="en-US" sz="2000" dirty="0" err="1">
                 <a:solidFill>
                   <a:srgbClr val="00007F"/>
                 </a:solidFill>
                 <a:latin typeface="Consolas" panose="020B0609020204030204" pitchFamily="49" charset="0"/>
               </a:rPr>
-              <a:t>MyClass</a:t>
-            </a:r>
-            <a:r>
-              <a:rPr lang="en-US" sz="2400" dirty="0">
-                <a:latin typeface="Consolas" panose="020B0609020204030204" pitchFamily="49" charset="0"/>
-              </a:rPr>
-              <a:t>&gt;&gt;();</a:t>
-            </a:r>
-            <a:endParaRPr lang="ru-RU" sz="2400" dirty="0">
+              <a:t>BoardParser</a:t>
+            </a:r>
+            <a:r>
+              <a:rPr lang="en-US" sz="2000" dirty="0">
+                <a:latin typeface="Consolas" panose="020B0609020204030204" pitchFamily="49" charset="0"/>
+              </a:rPr>
+              <a:t>());</a:t>
+            </a:r>
+          </a:p>
+          <a:p>
+            <a:r>
+              <a:rPr lang="en-US" sz="2000" dirty="0">
+                <a:latin typeface="Consolas" panose="020B0609020204030204" pitchFamily="49" charset="0"/>
+              </a:rPr>
+              <a:t>    </a:t>
+            </a:r>
+            <a:r>
+              <a:rPr lang="ru-RU" sz="2000" dirty="0">
+                <a:latin typeface="Consolas" panose="020B0609020204030204" pitchFamily="49" charset="0"/>
+              </a:rPr>
+              <a:t>}</a:t>
+            </a:r>
+            <a:endParaRPr lang="en-US" sz="2000" dirty="0">
               <a:latin typeface="Consolas" panose="020B0609020204030204" pitchFamily="49" charset="0"/>
             </a:endParaRPr>
           </a:p>
           <a:p>
-            <a:endParaRPr lang="ru-RU" sz="2400" dirty="0">
+            <a:r>
+              <a:rPr lang="en-US" sz="2000" dirty="0">
+                <a:latin typeface="Consolas" panose="020B0609020204030204" pitchFamily="49" charset="0"/>
+              </a:rPr>
+              <a:t>}</a:t>
+            </a:r>
+            <a:endParaRPr lang="ru-RU" sz="2000" dirty="0">
               <a:latin typeface="Consolas" panose="020B0609020204030204" pitchFamily="49" charset="0"/>
             </a:endParaRPr>
-          </a:p>
-          <a:p>
-            <a:r>
-              <a:rPr lang="en-US" sz="2400" dirty="0" err="1">
-                <a:solidFill>
-                  <a:srgbClr val="00007F"/>
-                </a:solidFill>
-                <a:latin typeface="Consolas" panose="020B0609020204030204" pitchFamily="49" charset="0"/>
-              </a:rPr>
-              <a:t>MyClass</a:t>
-            </a:r>
-            <a:r>
-              <a:rPr lang="en-US" sz="2400" dirty="0">
-                <a:latin typeface="Consolas" panose="020B0609020204030204" pitchFamily="49" charset="0"/>
-              </a:rPr>
-              <a:t> c = factory(42, </a:t>
-            </a:r>
-            <a:r>
-              <a:rPr lang="en-US" sz="2400" dirty="0">
-                <a:solidFill>
-                  <a:srgbClr val="A31515"/>
-                </a:solidFill>
-                <a:latin typeface="Consolas" panose="020B0609020204030204" pitchFamily="49" charset="0"/>
-              </a:rPr>
-              <a:t>“!”</a:t>
-            </a:r>
-            <a:r>
-              <a:rPr lang="en-US" sz="2400" dirty="0">
-                <a:latin typeface="Consolas" panose="020B0609020204030204" pitchFamily="49" charset="0"/>
-              </a:rPr>
-              <a:t>);</a:t>
-            </a:r>
-          </a:p>
-          <a:p>
-            <a:endParaRPr lang="en-US" sz="2400" dirty="0"/>
-          </a:p>
-          <a:p>
-            <a:endParaRPr lang="en-US" sz="2400" dirty="0"/>
-          </a:p>
-          <a:p>
-            <a:endParaRPr lang="en-US" sz="2400" dirty="0"/>
-          </a:p>
-          <a:p>
-            <a:endParaRPr lang="en-US" sz="2400" dirty="0"/>
-          </a:p>
-          <a:p>
-            <a:r>
-              <a:rPr lang="en-US" sz="2400" dirty="0">
-                <a:hlinkClick r:id="rId2"/>
-              </a:rPr>
-              <a:t>https://github.com/ninject/Ninject.Extensions.Factory/wiki</a:t>
-            </a:r>
-            <a:r>
-              <a:rPr lang="en-US" sz="2400" dirty="0"/>
-              <a:t> </a:t>
-            </a:r>
           </a:p>
         </p:txBody>
       </p:sp>
@@ -14190,408 +15613,140 @@
           <a:lstStyle/>
           <a:p>
             <a:r>
-              <a:rPr lang="en-US" cap="none" dirty="0" err="1"/>
-              <a:t>Func</a:t>
-            </a:r>
-            <a:r>
-              <a:rPr lang="en-US" cap="none" dirty="0"/>
-              <a:t>&lt;TArg1, TArg2, </a:t>
-            </a:r>
-            <a:r>
-              <a:rPr lang="en-US" cap="none" dirty="0" err="1"/>
-              <a:t>TDependency</a:t>
-            </a:r>
-            <a:r>
-              <a:rPr lang="en-US" cap="none" dirty="0"/>
-              <a:t>&gt;</a:t>
-            </a:r>
-            <a:endParaRPr lang="ru-RU" cap="none" dirty="0"/>
+              <a:rPr lang="ru-RU" sz="3600" dirty="0"/>
+              <a:t>Неявное управление</a:t>
+            </a:r>
+            <a:r>
+              <a:rPr lang="en-US" sz="3600" dirty="0"/>
+              <a:t> </a:t>
+            </a:r>
+            <a:r>
+              <a:rPr lang="ru-RU" sz="3600" dirty="0"/>
+              <a:t>зависимостями</a:t>
+            </a:r>
           </a:p>
         </p:txBody>
       </p:sp>
+      <p:sp>
+        <p:nvSpPr>
+          <p:cNvPr id="13" name="TextBox 12"/>
+          <p:cNvSpPr txBox="1"/>
+          <p:nvPr/>
+        </p:nvSpPr>
+        <p:spPr>
+          <a:xfrm rot="20880000">
+            <a:off x="7084349" y="4732327"/>
+            <a:ext cx="2585965" cy="523220"/>
+          </a:xfrm>
+          <a:prstGeom prst="rect">
+            <a:avLst/>
+          </a:prstGeom>
+          <a:noFill/>
+        </p:spPr>
+        <p:txBody>
+          <a:bodyPr wrap="none" rtlCol="0">
+            <a:spAutoFit/>
+          </a:bodyPr>
+          <a:lstStyle/>
+          <a:p>
+            <a:pPr algn="ctr"/>
+            <a:r>
+              <a:rPr lang="ru-RU" sz="2800" i="1" dirty="0">
+                <a:solidFill>
+                  <a:schemeClr val="accent1"/>
+                </a:solidFill>
+              </a:rPr>
+              <a:t>Неявные связи</a:t>
+            </a:r>
+          </a:p>
+        </p:txBody>
+      </p:sp>
+      <p:cxnSp>
+        <p:nvCxnSpPr>
+          <p:cNvPr id="15" name="Прямая со стрелкой 14"/>
+          <p:cNvCxnSpPr>
+            <a:stCxn id="13" idx="0"/>
+          </p:cNvCxnSpPr>
+          <p:nvPr/>
+        </p:nvCxnSpPr>
+        <p:spPr>
+          <a:xfrm flipH="1" flipV="1">
+            <a:off x="6344093" y="3813544"/>
+            <a:ext cx="1978847" cy="924500"/>
+          </a:xfrm>
+          <a:prstGeom prst="straightConnector1">
+            <a:avLst/>
+          </a:prstGeom>
+          <a:ln w="38100">
+            <a:headEnd type="oval" w="med" len="med"/>
+            <a:tailEnd type="triangle" w="med" len="med"/>
+          </a:ln>
+        </p:spPr>
+        <p:style>
+          <a:lnRef idx="1">
+            <a:schemeClr val="accent1"/>
+          </a:lnRef>
+          <a:fillRef idx="0">
+            <a:schemeClr val="accent1"/>
+          </a:fillRef>
+          <a:effectRef idx="0">
+            <a:schemeClr val="accent1"/>
+          </a:effectRef>
+          <a:fontRef idx="minor">
+            <a:schemeClr val="tx1"/>
+          </a:fontRef>
+        </p:style>
+      </p:cxnSp>
+      <p:cxnSp>
+        <p:nvCxnSpPr>
+          <p:cNvPr id="16" name="Прямая со стрелкой 15"/>
+          <p:cNvCxnSpPr>
+            <a:stCxn id="13" idx="0"/>
+          </p:cNvCxnSpPr>
+          <p:nvPr/>
+        </p:nvCxnSpPr>
+        <p:spPr>
+          <a:xfrm flipH="1" flipV="1">
+            <a:off x="5798288" y="4079358"/>
+            <a:ext cx="2524652" cy="658686"/>
+          </a:xfrm>
+          <a:prstGeom prst="straightConnector1">
+            <a:avLst/>
+          </a:prstGeom>
+          <a:ln w="38100">
+            <a:headEnd type="oval" w="med" len="med"/>
+            <a:tailEnd type="triangle" w="med" len="med"/>
+          </a:ln>
+        </p:spPr>
+        <p:style>
+          <a:lnRef idx="1">
+            <a:schemeClr val="accent1"/>
+          </a:lnRef>
+          <a:fillRef idx="0">
+            <a:schemeClr val="accent1"/>
+          </a:fillRef>
+          <a:effectRef idx="0">
+            <a:schemeClr val="accent1"/>
+          </a:effectRef>
+          <a:fontRef idx="minor">
+            <a:schemeClr val="tx1"/>
+          </a:fontRef>
+        </p:style>
+      </p:cxnSp>
     </p:spTree>
     <p:extLst>
       <p:ext uri="{BB962C8B-B14F-4D97-AF65-F5344CB8AC3E}">
-        <p14:creationId xmlns:p14="http://schemas.microsoft.com/office/powerpoint/2010/main" val="868167625"/>
+        <p14:creationId xmlns:p14="http://schemas.microsoft.com/office/powerpoint/2010/main" val="1419775813"/>
       </p:ext>
     </p:extLst>
   </p:cSld>
   <p:clrMapOvr>
     <a:masterClrMapping/>
   </p:clrMapOvr>
-  <p:timing>
-    <p:tnLst>
-      <p:par>
-        <p:cTn id="1" dur="indefinite" restart="never" nodeType="tmRoot"/>
-      </p:par>
-    </p:tnLst>
-  </p:timing>
 </p:sld>
 </file>
 
-<file path=ppt/slides/slide15.xml><?xml version="1.0" encoding="utf-8"?>
-<p:sld xmlns:a="http://schemas.openxmlformats.org/drawingml/2006/main" xmlns:r="http://schemas.openxmlformats.org/officeDocument/2006/relationships" xmlns:p="http://schemas.openxmlformats.org/presentationml/2006/main">
-  <p:cSld>
-    <p:spTree>
-      <p:nvGrpSpPr>
-        <p:cNvPr id="1" name=""/>
-        <p:cNvGrpSpPr/>
-        <p:nvPr/>
-      </p:nvGrpSpPr>
-      <p:grpSpPr>
-        <a:xfrm>
-          <a:off x="0" y="0"/>
-          <a:ext cx="0" cy="0"/>
-          <a:chOff x="0" y="0"/>
-          <a:chExt cx="0" cy="0"/>
-        </a:xfrm>
-      </p:grpSpPr>
-      <p:sp>
-        <p:nvSpPr>
-          <p:cNvPr id="3" name="Объект 2"/>
-          <p:cNvSpPr>
-            <a:spLocks noGrp="1"/>
-          </p:cNvSpPr>
-          <p:nvPr>
-            <p:ph sz="quarter" idx="13"/>
-          </p:nvPr>
-        </p:nvSpPr>
-        <p:spPr/>
-        <p:txBody>
-          <a:bodyPr>
-            <a:noAutofit/>
-          </a:bodyPr>
-          <a:lstStyle/>
-          <a:p>
-            <a:pPr marL="457200" indent="-457200">
-              <a:buFont typeface="Arial" panose="020B0604020202020204" pitchFamily="34" charset="0"/>
-              <a:buChar char="•"/>
-            </a:pPr>
-            <a:r>
-              <a:rPr lang="ru-RU" sz="2400" dirty="0"/>
-              <a:t>Отложенная инициализация (</a:t>
-            </a:r>
-            <a:r>
-              <a:rPr lang="en-US" sz="2400" dirty="0"/>
-              <a:t>Lazy&lt;T&gt;)</a:t>
-            </a:r>
-          </a:p>
-          <a:p>
-            <a:pPr marL="457200" indent="-457200">
-              <a:buFont typeface="Arial" panose="020B0604020202020204" pitchFamily="34" charset="0"/>
-              <a:buChar char="•"/>
-            </a:pPr>
-            <a:r>
-              <a:rPr lang="ru-RU" sz="2400" dirty="0"/>
-              <a:t>Время жизни (</a:t>
-            </a:r>
-            <a:r>
-              <a:rPr lang="en-US" sz="2400" dirty="0" err="1"/>
-              <a:t>InSingletoneScope</a:t>
-            </a:r>
-            <a:r>
-              <a:rPr lang="en-US" sz="2400" dirty="0"/>
-              <a:t>)</a:t>
-            </a:r>
-          </a:p>
-          <a:p>
-            <a:pPr marL="457200" indent="-457200">
-              <a:buFont typeface="Arial" panose="020B0604020202020204" pitchFamily="34" charset="0"/>
-              <a:buChar char="•"/>
-            </a:pPr>
-            <a:r>
-              <a:rPr lang="ru-RU" sz="2400" dirty="0"/>
-              <a:t>Именованные зависимости (</a:t>
-            </a:r>
-            <a:r>
-              <a:rPr lang="en-US" sz="2400" dirty="0"/>
-              <a:t>Named)</a:t>
-            </a:r>
-          </a:p>
-          <a:p>
-            <a:pPr marL="457200" indent="-457200">
-              <a:buFont typeface="Arial" panose="020B0604020202020204" pitchFamily="34" charset="0"/>
-              <a:buChar char="•"/>
-            </a:pPr>
-            <a:r>
-              <a:rPr lang="ru-RU" sz="2400" dirty="0"/>
-              <a:t>Контекстно-зависимое </a:t>
-            </a:r>
-            <a:r>
-              <a:rPr lang="ru-RU" sz="2400" dirty="0" err="1"/>
-              <a:t>инжектирование</a:t>
-            </a:r>
-            <a:r>
-              <a:rPr lang="ru-RU" sz="2400" dirty="0"/>
-              <a:t> (</a:t>
-            </a:r>
-            <a:r>
-              <a:rPr lang="en-US" sz="2400" dirty="0" err="1"/>
-              <a:t>WhenInjectedInto</a:t>
-            </a:r>
-            <a:r>
-              <a:rPr lang="en-US" sz="2400" dirty="0"/>
-              <a:t>)</a:t>
-            </a:r>
-          </a:p>
-          <a:p>
-            <a:pPr marL="457200" indent="-457200">
-              <a:buFont typeface="Arial" panose="020B0604020202020204" pitchFamily="34" charset="0"/>
-              <a:buChar char="•"/>
-            </a:pPr>
-            <a:r>
-              <a:rPr lang="ru-RU" sz="2400" dirty="0"/>
-              <a:t>Конвенции (</a:t>
-            </a:r>
-            <a:r>
-              <a:rPr lang="en-US" sz="2400" dirty="0" err="1"/>
-              <a:t>FromThisAssembly</a:t>
-            </a:r>
-            <a:r>
-              <a:rPr lang="en-US" sz="2400" dirty="0"/>
-              <a:t> ...)</a:t>
-            </a:r>
-          </a:p>
-          <a:p>
-            <a:pPr marL="457200" indent="-457200">
-              <a:buFont typeface="Arial" panose="020B0604020202020204" pitchFamily="34" charset="0"/>
-              <a:buChar char="•"/>
-            </a:pPr>
-            <a:r>
-              <a:rPr lang="ru-RU" sz="2400" dirty="0"/>
-              <a:t>Одна реализация для нескольких интерфейсов (</a:t>
-            </a:r>
-            <a:r>
-              <a:rPr lang="en-US" sz="2400" dirty="0"/>
-              <a:t>Bind&lt;T1, T2&gt;)</a:t>
-            </a:r>
-          </a:p>
-          <a:p>
-            <a:pPr marL="457200" indent="-457200">
-              <a:buFont typeface="Arial" panose="020B0604020202020204" pitchFamily="34" charset="0"/>
-              <a:buChar char="•"/>
-            </a:pPr>
-            <a:r>
-              <a:rPr lang="en-US" sz="2400" dirty="0"/>
-              <a:t>Generics</a:t>
-            </a:r>
-          </a:p>
-          <a:p>
-            <a:pPr marL="457200" indent="-457200">
-              <a:buFont typeface="Arial" panose="020B0604020202020204" pitchFamily="34" charset="0"/>
-              <a:buChar char="•"/>
-            </a:pPr>
-            <a:r>
-              <a:rPr lang="en-US" sz="2400" dirty="0"/>
-              <a:t>...</a:t>
-            </a:r>
-            <a:endParaRPr lang="ru-RU" sz="2400" dirty="0"/>
-          </a:p>
-        </p:txBody>
-      </p:sp>
-      <p:sp>
-        <p:nvSpPr>
-          <p:cNvPr id="2" name="Заголовок 1"/>
-          <p:cNvSpPr>
-            <a:spLocks noGrp="1"/>
-          </p:cNvSpPr>
-          <p:nvPr>
-            <p:ph type="title"/>
-          </p:nvPr>
-        </p:nvSpPr>
-        <p:spPr/>
-        <p:txBody>
-          <a:bodyPr/>
-          <a:lstStyle/>
-          <a:p>
-            <a:r>
-              <a:rPr lang="ru-RU"/>
-              <a:t>Прочие особенности</a:t>
-            </a:r>
-            <a:endParaRPr lang="ru-RU" dirty="0"/>
-          </a:p>
-        </p:txBody>
-      </p:sp>
-    </p:spTree>
-    <p:extLst>
-      <p:ext uri="{BB962C8B-B14F-4D97-AF65-F5344CB8AC3E}">
-        <p14:creationId xmlns:p14="http://schemas.microsoft.com/office/powerpoint/2010/main" val="932710317"/>
-      </p:ext>
-    </p:extLst>
-  </p:cSld>
-  <p:clrMapOvr>
-    <a:masterClrMapping/>
-  </p:clrMapOvr>
-  <p:timing>
-    <p:tnLst>
-      <p:par>
-        <p:cTn id="1" dur="indefinite" restart="never" nodeType="tmRoot"/>
-      </p:par>
-    </p:tnLst>
-  </p:timing>
-</p:sld>
-</file>
-
-<file path=ppt/slides/slide16.xml><?xml version="1.0" encoding="utf-8"?>
-<p:sld xmlns:a="http://schemas.openxmlformats.org/drawingml/2006/main" xmlns:r="http://schemas.openxmlformats.org/officeDocument/2006/relationships" xmlns:p="http://schemas.openxmlformats.org/presentationml/2006/main">
-  <p:cSld>
-    <p:spTree>
-      <p:nvGrpSpPr>
-        <p:cNvPr id="1" name=""/>
-        <p:cNvGrpSpPr/>
-        <p:nvPr/>
-      </p:nvGrpSpPr>
-      <p:grpSpPr>
-        <a:xfrm>
-          <a:off x="0" y="0"/>
-          <a:ext cx="0" cy="0"/>
-          <a:chOff x="0" y="0"/>
-          <a:chExt cx="0" cy="0"/>
-        </a:xfrm>
-      </p:grpSpPr>
-      <p:sp>
-        <p:nvSpPr>
-          <p:cNvPr id="3" name="Объект 2"/>
-          <p:cNvSpPr>
-            <a:spLocks noGrp="1"/>
-          </p:cNvSpPr>
-          <p:nvPr>
-            <p:ph sz="quarter" idx="13"/>
-          </p:nvPr>
-        </p:nvSpPr>
-        <p:spPr/>
-        <p:txBody>
-          <a:bodyPr>
-            <a:normAutofit/>
-          </a:bodyPr>
-          <a:lstStyle/>
-          <a:p>
-            <a:pPr marL="0" indent="0">
-              <a:buNone/>
-            </a:pPr>
-            <a:r>
-              <a:rPr lang="ru-RU" sz="3600" dirty="0"/>
-              <a:t>В программе </a:t>
-            </a:r>
-            <a:r>
-              <a:rPr lang="en-US" sz="3600" dirty="0" err="1">
-                <a:solidFill>
-                  <a:schemeClr val="accent1"/>
-                </a:solidFill>
-              </a:rPr>
-              <a:t>FractalPainter</a:t>
-            </a:r>
-            <a:r>
-              <a:rPr lang="ru-RU" sz="3600" dirty="0"/>
-              <a:t> странно реализован </a:t>
-            </a:r>
-            <a:r>
-              <a:rPr lang="en-US" sz="3600" dirty="0"/>
-              <a:t>Dependency Inversion…</a:t>
-            </a:r>
-          </a:p>
-          <a:p>
-            <a:pPr marL="0" indent="0">
-              <a:buNone/>
-            </a:pPr>
-            <a:r>
-              <a:rPr lang="ru-RU" sz="3600" dirty="0"/>
-              <a:t>Необходимо произвести </a:t>
-            </a:r>
-            <a:r>
-              <a:rPr lang="ru-RU" sz="3600" dirty="0" err="1"/>
-              <a:t>рефакторинг</a:t>
-            </a:r>
-            <a:r>
-              <a:rPr lang="ru-RU" sz="3600" dirty="0"/>
-              <a:t> по </a:t>
-            </a:r>
-            <a:r>
-              <a:rPr lang="ru-RU" sz="3600" dirty="0" smtClean="0"/>
-              <a:t>списку</a:t>
-            </a:r>
-            <a:r>
-              <a:rPr lang="en-US" sz="3600" dirty="0" smtClean="0"/>
-              <a:t> </a:t>
-            </a:r>
-            <a:r>
-              <a:rPr lang="ru-RU" sz="3600" dirty="0" smtClean="0"/>
-              <a:t>в </a:t>
-            </a:r>
-            <a:r>
-              <a:rPr lang="en-US" sz="3600" dirty="0">
-                <a:solidFill>
-                  <a:schemeClr val="accent1"/>
-                </a:solidFill>
-              </a:rPr>
-              <a:t>README.md</a:t>
-            </a:r>
-            <a:endParaRPr lang="ru-RU" sz="3600" dirty="0">
-              <a:solidFill>
-                <a:schemeClr val="accent1"/>
-              </a:solidFill>
-            </a:endParaRPr>
-          </a:p>
-        </p:txBody>
-      </p:sp>
-      <p:sp>
-        <p:nvSpPr>
-          <p:cNvPr id="2" name="Заголовок 1"/>
-          <p:cNvSpPr>
-            <a:spLocks noGrp="1"/>
-          </p:cNvSpPr>
-          <p:nvPr>
-            <p:ph type="title"/>
-          </p:nvPr>
-        </p:nvSpPr>
-        <p:spPr/>
-        <p:txBody>
-          <a:bodyPr>
-            <a:noAutofit/>
-          </a:bodyPr>
-          <a:lstStyle/>
-          <a:p>
-            <a:r>
-              <a:rPr lang="ru-RU" dirty="0">
-                <a:solidFill>
-                  <a:schemeClr val="tx1"/>
-                </a:solidFill>
-              </a:rPr>
-              <a:t>Задача</a:t>
-            </a:r>
-            <a:r>
-              <a:rPr lang="ru-RU" dirty="0"/>
-              <a:t> </a:t>
-            </a:r>
-            <a:r>
-              <a:rPr lang="en-US" dirty="0" err="1"/>
-              <a:t>fRACTALpAINTER</a:t>
-            </a:r>
-            <a:endParaRPr lang="ru-RU" dirty="0"/>
-          </a:p>
-        </p:txBody>
-      </p:sp>
-    </p:spTree>
-    <p:extLst>
-      <p:ext uri="{BB962C8B-B14F-4D97-AF65-F5344CB8AC3E}">
-        <p14:creationId xmlns:p14="http://schemas.microsoft.com/office/powerpoint/2010/main" val="3642520840"/>
-      </p:ext>
-    </p:extLst>
-  </p:cSld>
-  <p:clrMapOvr>
-    <a:masterClrMapping/>
-  </p:clrMapOvr>
-  <p:timing>
-    <p:tnLst>
-      <p:par>
-        <p:cTn id="1" dur="indefinite" restart="never" nodeType="tmRoot"/>
-      </p:par>
-    </p:tnLst>
-  </p:timing>
-</p:sld>
-</file>
-
-<file path=ppt/slides/slide17.xml><?xml version="1.0" encoding="utf-8"?>
+<file path=ppt/slides/slide20.xml><?xml version="1.0" encoding="utf-8"?>
 <p:sld xmlns:a="http://schemas.openxmlformats.org/drawingml/2006/main" xmlns:r="http://schemas.openxmlformats.org/officeDocument/2006/relationships" xmlns:p="http://schemas.openxmlformats.org/presentationml/2006/main">
   <p:cSld>
     <p:spTree>
@@ -15047,1417 +16202,7 @@
 </p:sld>
 </file>
 
-<file path=ppt/slides/slide2.xml><?xml version="1.0" encoding="utf-8"?>
-<p:sld xmlns:a="http://schemas.openxmlformats.org/drawingml/2006/main" xmlns:r="http://schemas.openxmlformats.org/officeDocument/2006/relationships" xmlns:p="http://schemas.openxmlformats.org/presentationml/2006/main">
-  <p:cSld>
-    <p:spTree>
-      <p:nvGrpSpPr>
-        <p:cNvPr id="1" name=""/>
-        <p:cNvGrpSpPr/>
-        <p:nvPr/>
-      </p:nvGrpSpPr>
-      <p:grpSpPr>
-        <a:xfrm>
-          <a:off x="0" y="0"/>
-          <a:ext cx="0" cy="0"/>
-          <a:chOff x="0" y="0"/>
-          <a:chExt cx="0" cy="0"/>
-        </a:xfrm>
-      </p:grpSpPr>
-      <p:sp>
-        <p:nvSpPr>
-          <p:cNvPr id="3" name="Объект 2"/>
-          <p:cNvSpPr>
-            <a:spLocks noGrp="1"/>
-          </p:cNvSpPr>
-          <p:nvPr>
-            <p:ph sz="quarter" idx="13"/>
-          </p:nvPr>
-        </p:nvSpPr>
-        <p:spPr/>
-        <p:txBody>
-          <a:bodyPr>
-            <a:normAutofit/>
-          </a:bodyPr>
-          <a:lstStyle/>
-          <a:p>
-            <a:r>
-              <a:rPr lang="en-US" sz="2000" dirty="0">
-                <a:solidFill>
-                  <a:srgbClr val="0000FF"/>
-                </a:solidFill>
-                <a:latin typeface="Consolas" panose="020B0609020204030204" pitchFamily="49" charset="0"/>
-              </a:rPr>
-              <a:t>public</a:t>
-            </a:r>
-            <a:r>
-              <a:rPr lang="en-US" sz="2000" dirty="0">
-                <a:latin typeface="Consolas" panose="020B0609020204030204" pitchFamily="49" charset="0"/>
-              </a:rPr>
-              <a:t> </a:t>
-            </a:r>
-            <a:r>
-              <a:rPr lang="en-US" sz="2000" dirty="0">
-                <a:solidFill>
-                  <a:srgbClr val="0000FF"/>
-                </a:solidFill>
-                <a:latin typeface="Consolas" panose="020B0609020204030204" pitchFamily="49" charset="0"/>
-              </a:rPr>
-              <a:t>class</a:t>
-            </a:r>
-            <a:r>
-              <a:rPr lang="en-US" sz="2000" dirty="0">
-                <a:latin typeface="Consolas" panose="020B0609020204030204" pitchFamily="49" charset="0"/>
-              </a:rPr>
-              <a:t> </a:t>
-            </a:r>
-            <a:r>
-              <a:rPr lang="en-US" sz="2000" dirty="0">
-                <a:solidFill>
-                  <a:srgbClr val="00007F"/>
-                </a:solidFill>
-                <a:latin typeface="Consolas" panose="020B0609020204030204" pitchFamily="49" charset="0"/>
-              </a:rPr>
-              <a:t>Chessboard</a:t>
-            </a:r>
-          </a:p>
-          <a:p>
-            <a:r>
-              <a:rPr lang="ru-RU" sz="2000" dirty="0">
-                <a:latin typeface="Consolas" panose="020B0609020204030204" pitchFamily="49" charset="0"/>
-              </a:rPr>
-              <a:t>{</a:t>
-            </a:r>
-          </a:p>
-          <a:p>
-            <a:r>
-              <a:rPr lang="en-US" sz="2000" dirty="0">
-                <a:latin typeface="Consolas" panose="020B0609020204030204" pitchFamily="49" charset="0"/>
-              </a:rPr>
-              <a:t>    </a:t>
-            </a:r>
-            <a:r>
-              <a:rPr lang="en-US" sz="2000" dirty="0">
-                <a:solidFill>
-                  <a:srgbClr val="0000FF"/>
-                </a:solidFill>
-                <a:latin typeface="Consolas" panose="020B0609020204030204" pitchFamily="49" charset="0"/>
-              </a:rPr>
-              <a:t>public</a:t>
-            </a:r>
-            <a:r>
-              <a:rPr lang="en-US" sz="2000" dirty="0">
-                <a:latin typeface="Consolas" panose="020B0609020204030204" pitchFamily="49" charset="0"/>
-              </a:rPr>
-              <a:t> </a:t>
-            </a:r>
-            <a:r>
-              <a:rPr lang="en-US" sz="2000" dirty="0">
-                <a:solidFill>
-                  <a:srgbClr val="2B91AF"/>
-                </a:solidFill>
-                <a:latin typeface="Consolas" panose="020B0609020204030204" pitchFamily="49" charset="0"/>
-              </a:rPr>
-              <a:t>Chessboard</a:t>
-            </a:r>
-            <a:r>
-              <a:rPr lang="en-US" sz="2000" dirty="0">
-                <a:latin typeface="Consolas" panose="020B0609020204030204" pitchFamily="49" charset="0"/>
-              </a:rPr>
-              <a:t>()</a:t>
-            </a:r>
-          </a:p>
-          <a:p>
-            <a:r>
-              <a:rPr lang="ru-RU" sz="2000" dirty="0">
-                <a:latin typeface="Consolas" panose="020B0609020204030204" pitchFamily="49" charset="0"/>
-              </a:rPr>
-              <a:t>    {</a:t>
-            </a:r>
-          </a:p>
-          <a:p>
-            <a:r>
-              <a:rPr lang="en-US" sz="2000" dirty="0">
-                <a:latin typeface="Consolas" panose="020B0609020204030204" pitchFamily="49" charset="0"/>
-              </a:rPr>
-              <a:t>        </a:t>
-            </a:r>
-            <a:r>
-              <a:rPr lang="en-US" sz="2000" dirty="0" err="1">
-                <a:solidFill>
-                  <a:srgbClr val="0000FF"/>
-                </a:solidFill>
-                <a:latin typeface="Consolas" panose="020B0609020204030204" pitchFamily="49" charset="0"/>
-              </a:rPr>
-              <a:t>this</a:t>
-            </a:r>
-            <a:r>
-              <a:rPr lang="en-US" sz="2000" dirty="0" err="1">
-                <a:latin typeface="Consolas" panose="020B0609020204030204" pitchFamily="49" charset="0"/>
-              </a:rPr>
-              <a:t>.</a:t>
-            </a:r>
-            <a:r>
-              <a:rPr lang="en-US" sz="2000" dirty="0" err="1">
-                <a:solidFill>
-                  <a:srgbClr val="800080"/>
-                </a:solidFill>
-                <a:latin typeface="Consolas" panose="020B0609020204030204" pitchFamily="49" charset="0"/>
-              </a:rPr>
-              <a:t>cells</a:t>
-            </a:r>
-            <a:r>
-              <a:rPr lang="en-US" sz="2000" dirty="0">
-                <a:latin typeface="Consolas" panose="020B0609020204030204" pitchFamily="49" charset="0"/>
-              </a:rPr>
-              <a:t> = </a:t>
-            </a:r>
-            <a:r>
-              <a:rPr lang="en-US" sz="2000" dirty="0" err="1">
-                <a:solidFill>
-                  <a:srgbClr val="2B91AF"/>
-                </a:solidFill>
-                <a:latin typeface="Consolas" panose="020B0609020204030204" pitchFamily="49" charset="0"/>
-              </a:rPr>
-              <a:t>LoadBoard</a:t>
-            </a:r>
-            <a:r>
-              <a:rPr lang="en-US" sz="2000" dirty="0">
-                <a:latin typeface="Consolas" panose="020B0609020204030204" pitchFamily="49" charset="0"/>
-              </a:rPr>
-              <a:t>(</a:t>
-            </a:r>
-          </a:p>
-          <a:p>
-            <a:r>
-              <a:rPr lang="en-US" sz="2000" dirty="0">
-                <a:latin typeface="Consolas" panose="020B0609020204030204" pitchFamily="49" charset="0"/>
-              </a:rPr>
-              <a:t>            </a:t>
-            </a:r>
-            <a:r>
-              <a:rPr lang="en-US" sz="2000" dirty="0">
-                <a:solidFill>
-                  <a:srgbClr val="0000FF"/>
-                </a:solidFill>
-                <a:latin typeface="Consolas" panose="020B0609020204030204" pitchFamily="49" charset="0"/>
-              </a:rPr>
-              <a:t>new</a:t>
-            </a:r>
-            <a:r>
-              <a:rPr lang="en-US" sz="2000" dirty="0">
-                <a:latin typeface="Consolas" panose="020B0609020204030204" pitchFamily="49" charset="0"/>
-              </a:rPr>
-              <a:t> </a:t>
-            </a:r>
-            <a:r>
-              <a:rPr lang="en-US" sz="2000" dirty="0" err="1">
-                <a:solidFill>
-                  <a:srgbClr val="2B91AF"/>
-                </a:solidFill>
-                <a:latin typeface="Consolas" panose="020B0609020204030204" pitchFamily="49" charset="0"/>
-              </a:rPr>
-              <a:t>StreamReader</a:t>
-            </a:r>
-            <a:r>
-              <a:rPr lang="en-US" sz="2000" dirty="0">
-                <a:latin typeface="Consolas" panose="020B0609020204030204" pitchFamily="49" charset="0"/>
-              </a:rPr>
-              <a:t>(</a:t>
-            </a:r>
-            <a:r>
-              <a:rPr lang="en-US" sz="2000" dirty="0">
-                <a:solidFill>
-                  <a:srgbClr val="A31515"/>
-                </a:solidFill>
-                <a:latin typeface="Consolas" panose="020B0609020204030204" pitchFamily="49" charset="0"/>
-              </a:rPr>
-              <a:t>"input.txt"</a:t>
-            </a:r>
-            <a:r>
-              <a:rPr lang="en-US" sz="2000" dirty="0">
-                <a:latin typeface="Consolas" panose="020B0609020204030204" pitchFamily="49" charset="0"/>
-              </a:rPr>
-              <a:t>),</a:t>
-            </a:r>
-          </a:p>
-          <a:p>
-            <a:r>
-              <a:rPr lang="en-US" sz="2000" dirty="0">
-                <a:latin typeface="Consolas" panose="020B0609020204030204" pitchFamily="49" charset="0"/>
-              </a:rPr>
-              <a:t>            </a:t>
-            </a:r>
-            <a:r>
-              <a:rPr lang="en-US" sz="2000" dirty="0">
-                <a:solidFill>
-                  <a:srgbClr val="0000FF"/>
-                </a:solidFill>
-                <a:latin typeface="Consolas" panose="020B0609020204030204" pitchFamily="49" charset="0"/>
-              </a:rPr>
-              <a:t>new</a:t>
-            </a:r>
-            <a:r>
-              <a:rPr lang="en-US" sz="2000" dirty="0">
-                <a:latin typeface="Consolas" panose="020B0609020204030204" pitchFamily="49" charset="0"/>
-              </a:rPr>
-              <a:t> </a:t>
-            </a:r>
-            <a:r>
-              <a:rPr lang="en-US" sz="2000" dirty="0" err="1">
-                <a:solidFill>
-                  <a:srgbClr val="2B91AF"/>
-                </a:solidFill>
-                <a:latin typeface="Consolas" panose="020B0609020204030204" pitchFamily="49" charset="0"/>
-              </a:rPr>
-              <a:t>BoardParser</a:t>
-            </a:r>
-            <a:r>
-              <a:rPr lang="en-US" sz="2000" dirty="0">
-                <a:latin typeface="Consolas" panose="020B0609020204030204" pitchFamily="49" charset="0"/>
-              </a:rPr>
-              <a:t>());</a:t>
-            </a:r>
-          </a:p>
-          <a:p>
-            <a:r>
-              <a:rPr lang="en-US" sz="2000" dirty="0">
-                <a:latin typeface="Consolas" panose="020B0609020204030204" pitchFamily="49" charset="0"/>
-              </a:rPr>
-              <a:t>    </a:t>
-            </a:r>
-            <a:r>
-              <a:rPr lang="ru-RU" sz="2000" dirty="0">
-                <a:latin typeface="Consolas" panose="020B0609020204030204" pitchFamily="49" charset="0"/>
-              </a:rPr>
-              <a:t>}</a:t>
-            </a:r>
-            <a:endParaRPr lang="en-US" sz="2000" dirty="0">
-              <a:latin typeface="Consolas" panose="020B0609020204030204" pitchFamily="49" charset="0"/>
-            </a:endParaRPr>
-          </a:p>
-          <a:p>
-            <a:r>
-              <a:rPr lang="en-US" sz="2000" dirty="0">
-                <a:latin typeface="Consolas" panose="020B0609020204030204" pitchFamily="49" charset="0"/>
-              </a:rPr>
-              <a:t>}</a:t>
-            </a:r>
-            <a:endParaRPr lang="ru-RU" sz="2000" dirty="0">
-              <a:latin typeface="Consolas" panose="020B0609020204030204" pitchFamily="49" charset="0"/>
-            </a:endParaRPr>
-          </a:p>
-        </p:txBody>
-      </p:sp>
-      <p:sp>
-        <p:nvSpPr>
-          <p:cNvPr id="2" name="Заголовок 1"/>
-          <p:cNvSpPr>
-            <a:spLocks noGrp="1"/>
-          </p:cNvSpPr>
-          <p:nvPr>
-            <p:ph type="title"/>
-          </p:nvPr>
-        </p:nvSpPr>
-        <p:spPr/>
-        <p:txBody>
-          <a:bodyPr/>
-          <a:lstStyle/>
-          <a:p>
-            <a:r>
-              <a:rPr lang="ru-RU" sz="3600" dirty="0"/>
-              <a:t>Неявное управление</a:t>
-            </a:r>
-            <a:r>
-              <a:rPr lang="en-US" sz="3600" dirty="0"/>
-              <a:t> </a:t>
-            </a:r>
-            <a:r>
-              <a:rPr lang="ru-RU" sz="3600" dirty="0"/>
-              <a:t>зависимостями</a:t>
-            </a:r>
-          </a:p>
-        </p:txBody>
-      </p:sp>
-      <p:sp>
-        <p:nvSpPr>
-          <p:cNvPr id="13" name="TextBox 12"/>
-          <p:cNvSpPr txBox="1"/>
-          <p:nvPr/>
-        </p:nvSpPr>
-        <p:spPr>
-          <a:xfrm rot="20880000">
-            <a:off x="7084349" y="4732327"/>
-            <a:ext cx="2585965" cy="523220"/>
-          </a:xfrm>
-          <a:prstGeom prst="rect">
-            <a:avLst/>
-          </a:prstGeom>
-          <a:noFill/>
-        </p:spPr>
-        <p:txBody>
-          <a:bodyPr wrap="none" rtlCol="0">
-            <a:spAutoFit/>
-          </a:bodyPr>
-          <a:lstStyle/>
-          <a:p>
-            <a:pPr algn="ctr"/>
-            <a:r>
-              <a:rPr lang="ru-RU" sz="2800" i="1" dirty="0">
-                <a:solidFill>
-                  <a:schemeClr val="accent1"/>
-                </a:solidFill>
-              </a:rPr>
-              <a:t>Неявные связи</a:t>
-            </a:r>
-          </a:p>
-        </p:txBody>
-      </p:sp>
-      <p:cxnSp>
-        <p:nvCxnSpPr>
-          <p:cNvPr id="15" name="Прямая со стрелкой 14"/>
-          <p:cNvCxnSpPr>
-            <a:stCxn id="13" idx="0"/>
-          </p:cNvCxnSpPr>
-          <p:nvPr/>
-        </p:nvCxnSpPr>
-        <p:spPr>
-          <a:xfrm flipH="1" flipV="1">
-            <a:off x="6344093" y="3813544"/>
-            <a:ext cx="1978847" cy="924500"/>
-          </a:xfrm>
-          <a:prstGeom prst="straightConnector1">
-            <a:avLst/>
-          </a:prstGeom>
-          <a:ln w="38100">
-            <a:headEnd type="oval" w="med" len="med"/>
-            <a:tailEnd type="triangle" w="med" len="med"/>
-          </a:ln>
-        </p:spPr>
-        <p:style>
-          <a:lnRef idx="1">
-            <a:schemeClr val="accent1"/>
-          </a:lnRef>
-          <a:fillRef idx="0">
-            <a:schemeClr val="accent1"/>
-          </a:fillRef>
-          <a:effectRef idx="0">
-            <a:schemeClr val="accent1"/>
-          </a:effectRef>
-          <a:fontRef idx="minor">
-            <a:schemeClr val="tx1"/>
-          </a:fontRef>
-        </p:style>
-      </p:cxnSp>
-      <p:cxnSp>
-        <p:nvCxnSpPr>
-          <p:cNvPr id="16" name="Прямая со стрелкой 15"/>
-          <p:cNvCxnSpPr>
-            <a:stCxn id="13" idx="0"/>
-          </p:cNvCxnSpPr>
-          <p:nvPr/>
-        </p:nvCxnSpPr>
-        <p:spPr>
-          <a:xfrm flipH="1" flipV="1">
-            <a:off x="5798288" y="4079358"/>
-            <a:ext cx="2524652" cy="658686"/>
-          </a:xfrm>
-          <a:prstGeom prst="straightConnector1">
-            <a:avLst/>
-          </a:prstGeom>
-          <a:ln w="38100">
-            <a:headEnd type="oval" w="med" len="med"/>
-            <a:tailEnd type="triangle" w="med" len="med"/>
-          </a:ln>
-        </p:spPr>
-        <p:style>
-          <a:lnRef idx="1">
-            <a:schemeClr val="accent1"/>
-          </a:lnRef>
-          <a:fillRef idx="0">
-            <a:schemeClr val="accent1"/>
-          </a:fillRef>
-          <a:effectRef idx="0">
-            <a:schemeClr val="accent1"/>
-          </a:effectRef>
-          <a:fontRef idx="minor">
-            <a:schemeClr val="tx1"/>
-          </a:fontRef>
-        </p:style>
-      </p:cxnSp>
-    </p:spTree>
-    <p:extLst>
-      <p:ext uri="{BB962C8B-B14F-4D97-AF65-F5344CB8AC3E}">
-        <p14:creationId xmlns:p14="http://schemas.microsoft.com/office/powerpoint/2010/main" val="1419775813"/>
-      </p:ext>
-    </p:extLst>
-  </p:cSld>
-  <p:clrMapOvr>
-    <a:masterClrMapping/>
-  </p:clrMapOvr>
-  <p:timing>
-    <p:tnLst>
-      <p:par>
-        <p:cTn id="1" dur="indefinite" restart="never" nodeType="tmRoot"/>
-      </p:par>
-    </p:tnLst>
-  </p:timing>
-</p:sld>
-</file>
-
 <file path=ppt/slides/slide3.xml><?xml version="1.0" encoding="utf-8"?>
-<p:sld xmlns:a="http://schemas.openxmlformats.org/drawingml/2006/main" xmlns:r="http://schemas.openxmlformats.org/officeDocument/2006/relationships" xmlns:p="http://schemas.openxmlformats.org/presentationml/2006/main">
-  <p:cSld>
-    <p:spTree>
-      <p:nvGrpSpPr>
-        <p:cNvPr id="1" name=""/>
-        <p:cNvGrpSpPr/>
-        <p:nvPr/>
-      </p:nvGrpSpPr>
-      <p:grpSpPr>
-        <a:xfrm>
-          <a:off x="0" y="0"/>
-          <a:ext cx="0" cy="0"/>
-          <a:chOff x="0" y="0"/>
-          <a:chExt cx="0" cy="0"/>
-        </a:xfrm>
-      </p:grpSpPr>
-      <p:sp>
-        <p:nvSpPr>
-          <p:cNvPr id="3" name="Объект 2"/>
-          <p:cNvSpPr>
-            <a:spLocks noGrp="1"/>
-          </p:cNvSpPr>
-          <p:nvPr>
-            <p:ph sz="quarter" idx="13"/>
-          </p:nvPr>
-        </p:nvSpPr>
-        <p:spPr/>
-        <p:txBody>
-          <a:bodyPr>
-            <a:noAutofit/>
-          </a:bodyPr>
-          <a:lstStyle/>
-          <a:p>
-            <a:r>
-              <a:rPr lang="en-US" sz="2400" dirty="0">
-                <a:solidFill>
-                  <a:srgbClr val="0000FF"/>
-                </a:solidFill>
-                <a:latin typeface="Consolas" panose="020B0609020204030204" pitchFamily="49" charset="0"/>
-              </a:rPr>
-              <a:t>public</a:t>
-            </a:r>
-            <a:r>
-              <a:rPr lang="en-US" sz="2400" dirty="0">
-                <a:latin typeface="Consolas" panose="020B0609020204030204" pitchFamily="49" charset="0"/>
-              </a:rPr>
-              <a:t> </a:t>
-            </a:r>
-            <a:r>
-              <a:rPr lang="en-US" sz="2400" dirty="0">
-                <a:solidFill>
-                  <a:srgbClr val="0000FF"/>
-                </a:solidFill>
-                <a:latin typeface="Consolas" panose="020B0609020204030204" pitchFamily="49" charset="0"/>
-              </a:rPr>
-              <a:t>class</a:t>
-            </a:r>
-            <a:r>
-              <a:rPr lang="en-US" sz="2400" dirty="0">
-                <a:latin typeface="Consolas" panose="020B0609020204030204" pitchFamily="49" charset="0"/>
-              </a:rPr>
-              <a:t> </a:t>
-            </a:r>
-            <a:r>
-              <a:rPr lang="en-US" sz="2400" dirty="0">
-                <a:solidFill>
-                  <a:srgbClr val="00007F"/>
-                </a:solidFill>
-                <a:latin typeface="Consolas" panose="020B0609020204030204" pitchFamily="49" charset="0"/>
-              </a:rPr>
-              <a:t>Chessboard</a:t>
-            </a:r>
-          </a:p>
-          <a:p>
-            <a:r>
-              <a:rPr lang="ru-RU" sz="2400" dirty="0">
-                <a:latin typeface="Consolas" panose="020B0609020204030204" pitchFamily="49" charset="0"/>
-              </a:rPr>
-              <a:t>{</a:t>
-            </a:r>
-          </a:p>
-          <a:p>
-            <a:r>
-              <a:rPr lang="en-US" sz="2400" dirty="0">
-                <a:latin typeface="Consolas" panose="020B0609020204030204" pitchFamily="49" charset="0"/>
-              </a:rPr>
-              <a:t>    </a:t>
-            </a:r>
-            <a:r>
-              <a:rPr lang="en-US" sz="2400" dirty="0">
-                <a:solidFill>
-                  <a:srgbClr val="0000FF"/>
-                </a:solidFill>
-                <a:latin typeface="Consolas" panose="020B0609020204030204" pitchFamily="49" charset="0"/>
-              </a:rPr>
-              <a:t>public</a:t>
-            </a:r>
-            <a:r>
-              <a:rPr lang="en-US" sz="2400" dirty="0">
-                <a:latin typeface="Consolas" panose="020B0609020204030204" pitchFamily="49" charset="0"/>
-              </a:rPr>
-              <a:t> </a:t>
-            </a:r>
-            <a:r>
-              <a:rPr lang="en-US" sz="2400" dirty="0">
-                <a:solidFill>
-                  <a:srgbClr val="2B91AF"/>
-                </a:solidFill>
-                <a:latin typeface="Consolas" panose="020B0609020204030204" pitchFamily="49" charset="0"/>
-              </a:rPr>
-              <a:t>Chessboard</a:t>
-            </a:r>
-            <a:r>
-              <a:rPr lang="en-US" sz="2400" dirty="0">
-                <a:latin typeface="Consolas" panose="020B0609020204030204" pitchFamily="49" charset="0"/>
-              </a:rPr>
-              <a:t>(</a:t>
-            </a:r>
-            <a:endParaRPr lang="ru-RU" sz="2400" dirty="0">
-              <a:latin typeface="Consolas" panose="020B0609020204030204" pitchFamily="49" charset="0"/>
-            </a:endParaRPr>
-          </a:p>
-          <a:p>
-            <a:r>
-              <a:rPr lang="ru-RU" sz="2400" dirty="0">
-                <a:latin typeface="Consolas" panose="020B0609020204030204" pitchFamily="49" charset="0"/>
-              </a:rPr>
-              <a:t>		</a:t>
-            </a:r>
-            <a:r>
-              <a:rPr lang="en-US" sz="2400" dirty="0" err="1">
-                <a:solidFill>
-                  <a:srgbClr val="00007F"/>
-                </a:solidFill>
-                <a:latin typeface="Consolas" panose="020B0609020204030204" pitchFamily="49" charset="0"/>
-              </a:rPr>
-              <a:t>StreamReader</a:t>
-            </a:r>
-            <a:r>
-              <a:rPr lang="en-US" sz="2400" dirty="0">
-                <a:latin typeface="Consolas" panose="020B0609020204030204" pitchFamily="49" charset="0"/>
-              </a:rPr>
-              <a:t> input, </a:t>
-            </a:r>
-            <a:endParaRPr lang="ru-RU" sz="2400" dirty="0">
-              <a:latin typeface="Consolas" panose="020B0609020204030204" pitchFamily="49" charset="0"/>
-            </a:endParaRPr>
-          </a:p>
-          <a:p>
-            <a:r>
-              <a:rPr lang="ru-RU" sz="2400" dirty="0">
-                <a:latin typeface="Consolas" panose="020B0609020204030204" pitchFamily="49" charset="0"/>
-              </a:rPr>
-              <a:t>		</a:t>
-            </a:r>
-            <a:r>
-              <a:rPr lang="en-US" sz="2400" dirty="0" err="1">
-                <a:solidFill>
-                  <a:srgbClr val="00007F"/>
-                </a:solidFill>
-                <a:latin typeface="Consolas" panose="020B0609020204030204" pitchFamily="49" charset="0"/>
-              </a:rPr>
-              <a:t>IBoardParser</a:t>
-            </a:r>
-            <a:r>
-              <a:rPr lang="en-US" sz="2400" dirty="0">
-                <a:latin typeface="Consolas" panose="020B0609020204030204" pitchFamily="49" charset="0"/>
-              </a:rPr>
-              <a:t> </a:t>
-            </a:r>
-            <a:r>
-              <a:rPr lang="en-US" sz="2400" dirty="0" err="1">
-                <a:latin typeface="Consolas" panose="020B0609020204030204" pitchFamily="49" charset="0"/>
-              </a:rPr>
-              <a:t>boardParser</a:t>
-            </a:r>
-            <a:r>
-              <a:rPr lang="en-US" sz="2400" dirty="0">
-                <a:latin typeface="Consolas" panose="020B0609020204030204" pitchFamily="49" charset="0"/>
-              </a:rPr>
-              <a:t>)</a:t>
-            </a:r>
-          </a:p>
-          <a:p>
-            <a:r>
-              <a:rPr lang="ru-RU" sz="2400" dirty="0">
-                <a:latin typeface="Consolas" panose="020B0609020204030204" pitchFamily="49" charset="0"/>
-              </a:rPr>
-              <a:t>    {</a:t>
-            </a:r>
-          </a:p>
-          <a:p>
-            <a:r>
-              <a:rPr lang="en-US" sz="2400" dirty="0">
-                <a:latin typeface="Consolas" panose="020B0609020204030204" pitchFamily="49" charset="0"/>
-              </a:rPr>
-              <a:t>        </a:t>
-            </a:r>
-            <a:r>
-              <a:rPr lang="en-US" sz="2400" dirty="0" err="1">
-                <a:solidFill>
-                  <a:srgbClr val="0000FF"/>
-                </a:solidFill>
-                <a:latin typeface="Consolas" panose="020B0609020204030204" pitchFamily="49" charset="0"/>
-              </a:rPr>
-              <a:t>this</a:t>
-            </a:r>
-            <a:r>
-              <a:rPr lang="en-US" sz="2400" dirty="0" err="1">
-                <a:latin typeface="Consolas" panose="020B0609020204030204" pitchFamily="49" charset="0"/>
-              </a:rPr>
-              <a:t>.</a:t>
-            </a:r>
-            <a:r>
-              <a:rPr lang="en-US" sz="2400" dirty="0" err="1">
-                <a:solidFill>
-                  <a:srgbClr val="800080"/>
-                </a:solidFill>
-                <a:latin typeface="Consolas" panose="020B0609020204030204" pitchFamily="49" charset="0"/>
-              </a:rPr>
-              <a:t>cells</a:t>
-            </a:r>
-            <a:r>
-              <a:rPr lang="en-US" sz="2400" dirty="0">
-                <a:latin typeface="Consolas" panose="020B0609020204030204" pitchFamily="49" charset="0"/>
-              </a:rPr>
-              <a:t> = </a:t>
-            </a:r>
-            <a:r>
-              <a:rPr lang="en-US" sz="2400" dirty="0" err="1">
-                <a:solidFill>
-                  <a:srgbClr val="2B91AF"/>
-                </a:solidFill>
-                <a:latin typeface="Consolas" panose="020B0609020204030204" pitchFamily="49" charset="0"/>
-              </a:rPr>
-              <a:t>LoadBoard</a:t>
-            </a:r>
-            <a:r>
-              <a:rPr lang="en-US" sz="2400" dirty="0">
-                <a:latin typeface="Consolas" panose="020B0609020204030204" pitchFamily="49" charset="0"/>
-              </a:rPr>
-              <a:t>(input, </a:t>
-            </a:r>
-            <a:r>
-              <a:rPr lang="en-US" sz="2400" dirty="0" err="1">
-                <a:latin typeface="Consolas" panose="020B0609020204030204" pitchFamily="49" charset="0"/>
-              </a:rPr>
-              <a:t>boardParser</a:t>
-            </a:r>
-            <a:r>
-              <a:rPr lang="en-US" sz="2400" dirty="0">
-                <a:latin typeface="Consolas" panose="020B0609020204030204" pitchFamily="49" charset="0"/>
-              </a:rPr>
-              <a:t>);</a:t>
-            </a:r>
-          </a:p>
-          <a:p>
-            <a:r>
-              <a:rPr lang="en-US" sz="2400" dirty="0">
-                <a:latin typeface="Consolas" panose="020B0609020204030204" pitchFamily="49" charset="0"/>
-              </a:rPr>
-              <a:t>    </a:t>
-            </a:r>
-            <a:r>
-              <a:rPr lang="ru-RU" sz="2400" dirty="0">
-                <a:latin typeface="Consolas" panose="020B0609020204030204" pitchFamily="49" charset="0"/>
-              </a:rPr>
-              <a:t>}</a:t>
-            </a:r>
-          </a:p>
-          <a:p>
-            <a:r>
-              <a:rPr lang="en-US" sz="2400" dirty="0">
-                <a:latin typeface="Consolas" panose="020B0609020204030204" pitchFamily="49" charset="0"/>
-              </a:rPr>
-              <a:t>}</a:t>
-            </a:r>
-            <a:endParaRPr lang="ru-RU" sz="2400" dirty="0">
-              <a:latin typeface="Consolas" panose="020B0609020204030204" pitchFamily="49" charset="0"/>
-            </a:endParaRPr>
-          </a:p>
-        </p:txBody>
-      </p:sp>
-      <p:sp>
-        <p:nvSpPr>
-          <p:cNvPr id="2" name="Заголовок 1"/>
-          <p:cNvSpPr>
-            <a:spLocks noGrp="1"/>
-          </p:cNvSpPr>
-          <p:nvPr>
-            <p:ph type="title"/>
-          </p:nvPr>
-        </p:nvSpPr>
-        <p:spPr/>
-        <p:txBody>
-          <a:bodyPr/>
-          <a:lstStyle/>
-          <a:p>
-            <a:r>
-              <a:rPr lang="ru-RU"/>
-              <a:t>Явное (инъекция зависимостей)</a:t>
-            </a:r>
-            <a:endParaRPr lang="ru-RU" dirty="0"/>
-          </a:p>
-        </p:txBody>
-      </p:sp>
-      <p:sp>
-        <p:nvSpPr>
-          <p:cNvPr id="8" name="TextBox 7"/>
-          <p:cNvSpPr txBox="1"/>
-          <p:nvPr/>
-        </p:nvSpPr>
-        <p:spPr>
-          <a:xfrm rot="20880000">
-            <a:off x="7624371" y="1940673"/>
-            <a:ext cx="3100528" cy="954107"/>
-          </a:xfrm>
-          <a:prstGeom prst="rect">
-            <a:avLst/>
-          </a:prstGeom>
-          <a:noFill/>
-        </p:spPr>
-        <p:txBody>
-          <a:bodyPr wrap="none" rtlCol="0">
-            <a:spAutoFit/>
-          </a:bodyPr>
-          <a:lstStyle/>
-          <a:p>
-            <a:pPr algn="ctr"/>
-            <a:r>
-              <a:rPr lang="ru-RU" sz="2800" i="1" dirty="0">
-                <a:solidFill>
-                  <a:schemeClr val="accent1"/>
-                </a:solidFill>
-              </a:rPr>
-              <a:t>Нужные значения</a:t>
-            </a:r>
-            <a:br>
-              <a:rPr lang="ru-RU" sz="2800" i="1" dirty="0">
-                <a:solidFill>
-                  <a:schemeClr val="accent1"/>
-                </a:solidFill>
-              </a:rPr>
-            </a:br>
-            <a:r>
-              <a:rPr lang="ru-RU" sz="2800" i="1" dirty="0">
-                <a:solidFill>
-                  <a:schemeClr val="accent1"/>
-                </a:solidFill>
-              </a:rPr>
-              <a:t>передадут извне</a:t>
-            </a:r>
-          </a:p>
-        </p:txBody>
-      </p:sp>
-      <p:cxnSp>
-        <p:nvCxnSpPr>
-          <p:cNvPr id="9" name="Прямая со стрелкой 8"/>
-          <p:cNvCxnSpPr>
-            <a:stCxn id="8" idx="1"/>
-          </p:cNvCxnSpPr>
-          <p:nvPr/>
-        </p:nvCxnSpPr>
-        <p:spPr>
-          <a:xfrm flipH="1">
-            <a:off x="5649434" y="2740045"/>
-            <a:ext cx="2008814" cy="279602"/>
-          </a:xfrm>
-          <a:prstGeom prst="straightConnector1">
-            <a:avLst/>
-          </a:prstGeom>
-          <a:ln w="38100">
-            <a:headEnd type="oval" w="med" len="med"/>
-            <a:tailEnd type="triangle" w="med" len="med"/>
-          </a:ln>
-        </p:spPr>
-        <p:style>
-          <a:lnRef idx="1">
-            <a:schemeClr val="accent1"/>
-          </a:lnRef>
-          <a:fillRef idx="0">
-            <a:schemeClr val="accent1"/>
-          </a:fillRef>
-          <a:effectRef idx="0">
-            <a:schemeClr val="accent1"/>
-          </a:effectRef>
-          <a:fontRef idx="minor">
-            <a:schemeClr val="tx1"/>
-          </a:fontRef>
-        </p:style>
-      </p:cxnSp>
-      <p:cxnSp>
-        <p:nvCxnSpPr>
-          <p:cNvPr id="10" name="Прямая со стрелкой 9"/>
-          <p:cNvCxnSpPr>
-            <a:stCxn id="8" idx="1"/>
-          </p:cNvCxnSpPr>
-          <p:nvPr/>
-        </p:nvCxnSpPr>
-        <p:spPr>
-          <a:xfrm flipH="1">
-            <a:off x="6790660" y="2740045"/>
-            <a:ext cx="867588" cy="688955"/>
-          </a:xfrm>
-          <a:prstGeom prst="straightConnector1">
-            <a:avLst/>
-          </a:prstGeom>
-          <a:ln w="38100">
-            <a:headEnd type="oval" w="med" len="med"/>
-            <a:tailEnd type="triangle" w="med" len="med"/>
-          </a:ln>
-        </p:spPr>
-        <p:style>
-          <a:lnRef idx="1">
-            <a:schemeClr val="accent1"/>
-          </a:lnRef>
-          <a:fillRef idx="0">
-            <a:schemeClr val="accent1"/>
-          </a:fillRef>
-          <a:effectRef idx="0">
-            <a:schemeClr val="accent1"/>
-          </a:effectRef>
-          <a:fontRef idx="minor">
-            <a:schemeClr val="tx1"/>
-          </a:fontRef>
-        </p:style>
-      </p:cxnSp>
-    </p:spTree>
-    <p:extLst>
-      <p:ext uri="{BB962C8B-B14F-4D97-AF65-F5344CB8AC3E}">
-        <p14:creationId xmlns:p14="http://schemas.microsoft.com/office/powerpoint/2010/main" val="3913753908"/>
-      </p:ext>
-    </p:extLst>
-  </p:cSld>
-  <p:clrMapOvr>
-    <a:masterClrMapping/>
-  </p:clrMapOvr>
-  <p:timing>
-    <p:tnLst>
-      <p:par>
-        <p:cTn id="1" dur="indefinite" restart="never" nodeType="tmRoot"/>
-      </p:par>
-    </p:tnLst>
-  </p:timing>
-</p:sld>
-</file>
-
-<file path=ppt/slides/slide4.xml><?xml version="1.0" encoding="utf-8"?>
-<p:sld xmlns:a="http://schemas.openxmlformats.org/drawingml/2006/main" xmlns:r="http://schemas.openxmlformats.org/officeDocument/2006/relationships" xmlns:p="http://schemas.openxmlformats.org/presentationml/2006/main">
-  <p:cSld>
-    <p:spTree>
-      <p:nvGrpSpPr>
-        <p:cNvPr id="1" name=""/>
-        <p:cNvGrpSpPr/>
-        <p:nvPr/>
-      </p:nvGrpSpPr>
-      <p:grpSpPr>
-        <a:xfrm>
-          <a:off x="0" y="0"/>
-          <a:ext cx="0" cy="0"/>
-          <a:chOff x="0" y="0"/>
-          <a:chExt cx="0" cy="0"/>
-        </a:xfrm>
-      </p:grpSpPr>
-      <p:sp>
-        <p:nvSpPr>
-          <p:cNvPr id="3" name="Объект 2"/>
-          <p:cNvSpPr>
-            <a:spLocks noGrp="1"/>
-          </p:cNvSpPr>
-          <p:nvPr>
-            <p:ph sz="quarter" idx="13"/>
-          </p:nvPr>
-        </p:nvSpPr>
-        <p:spPr>
-          <a:xfrm>
-            <a:off x="1295469" y="1628775"/>
-            <a:ext cx="9601067" cy="4679950"/>
-          </a:xfrm>
-        </p:spPr>
-        <p:txBody>
-          <a:bodyPr>
-            <a:noAutofit/>
-          </a:bodyPr>
-          <a:lstStyle/>
-          <a:p>
-            <a:r>
-              <a:rPr lang="ru-RU" sz="3600" dirty="0"/>
-              <a:t>Имена файлов, пути, порты, ...</a:t>
-            </a:r>
-          </a:p>
-          <a:p>
-            <a:r>
-              <a:rPr lang="ru-RU" sz="2800" dirty="0"/>
-              <a:t>Неудобные зависимости (файлы, консоль, </a:t>
-            </a:r>
-            <a:r>
-              <a:rPr lang="en-US" sz="2800" dirty="0" err="1"/>
-              <a:t>ui</a:t>
-            </a:r>
-            <a:r>
-              <a:rPr lang="en-US" sz="2800" dirty="0"/>
-              <a:t>, </a:t>
-            </a:r>
-            <a:r>
-              <a:rPr lang="ru-RU" sz="2800" dirty="0"/>
-              <a:t>сеть, БД, ...)</a:t>
-            </a:r>
-            <a:endParaRPr lang="en-US" sz="2800" dirty="0"/>
-          </a:p>
-          <a:p>
-            <a:r>
-              <a:rPr lang="ru-RU" sz="2800" dirty="0"/>
-              <a:t>Другие сервисы</a:t>
-            </a:r>
-            <a:endParaRPr lang="en-US" sz="2800" dirty="0"/>
-          </a:p>
-          <a:p>
-            <a:r>
-              <a:rPr lang="ru-RU" sz="2400" dirty="0"/>
-              <a:t>Формат файла</a:t>
-            </a:r>
-          </a:p>
-          <a:p>
-            <a:r>
-              <a:rPr lang="ru-RU" sz="2400" i="1" dirty="0">
-                <a:solidFill>
-                  <a:schemeClr val="bg1">
-                    <a:lumMod val="50000"/>
-                  </a:schemeClr>
-                </a:solidFill>
-              </a:rPr>
-              <a:t>Алгоритм</a:t>
-            </a:r>
-            <a:br>
-              <a:rPr lang="ru-RU" sz="2400" i="1" dirty="0">
-                <a:solidFill>
-                  <a:schemeClr val="bg1">
-                    <a:lumMod val="50000"/>
-                  </a:schemeClr>
-                </a:solidFill>
-              </a:rPr>
-            </a:br>
-            <a:r>
-              <a:rPr lang="ru-RU" sz="2400" i="1" dirty="0">
-                <a:solidFill>
-                  <a:schemeClr val="bg1">
-                    <a:lumMod val="50000"/>
-                  </a:schemeClr>
-                </a:solidFill>
-              </a:rPr>
-              <a:t>	если его может понадобиться менять</a:t>
-            </a:r>
-          </a:p>
-          <a:p>
-            <a:r>
-              <a:rPr lang="ru-RU" sz="2400" i="1" dirty="0">
-                <a:solidFill>
-                  <a:schemeClr val="bg1">
-                    <a:lumMod val="50000"/>
-                  </a:schemeClr>
-                </a:solidFill>
-              </a:rPr>
-              <a:t>Реализация структуры данных</a:t>
-            </a:r>
-            <a:br>
-              <a:rPr lang="ru-RU" sz="2400" i="1" dirty="0">
-                <a:solidFill>
-                  <a:schemeClr val="bg1">
-                    <a:lumMod val="50000"/>
-                  </a:schemeClr>
-                </a:solidFill>
-              </a:rPr>
-            </a:br>
-            <a:r>
-              <a:rPr lang="ru-RU" sz="2400" i="1" dirty="0">
-                <a:solidFill>
-                  <a:schemeClr val="bg1">
-                    <a:lumMod val="50000"/>
-                  </a:schemeClr>
-                </a:solidFill>
-              </a:rPr>
-              <a:t>	если её может понадобиться менять</a:t>
-            </a:r>
-          </a:p>
-        </p:txBody>
-      </p:sp>
-      <p:sp>
-        <p:nvSpPr>
-          <p:cNvPr id="2" name="Заголовок 1"/>
-          <p:cNvSpPr>
-            <a:spLocks noGrp="1"/>
-          </p:cNvSpPr>
-          <p:nvPr>
-            <p:ph type="title"/>
-          </p:nvPr>
-        </p:nvSpPr>
-        <p:spPr/>
-        <p:txBody>
-          <a:bodyPr>
-            <a:normAutofit/>
-          </a:bodyPr>
-          <a:lstStyle/>
-          <a:p>
-            <a:r>
-              <a:rPr lang="ru-RU" sz="3600" dirty="0"/>
-              <a:t>Какие зависимости делать явными?</a:t>
-            </a:r>
-          </a:p>
-        </p:txBody>
-      </p:sp>
-    </p:spTree>
-    <p:extLst>
-      <p:ext uri="{BB962C8B-B14F-4D97-AF65-F5344CB8AC3E}">
-        <p14:creationId xmlns:p14="http://schemas.microsoft.com/office/powerpoint/2010/main" val="3543711898"/>
-      </p:ext>
-    </p:extLst>
-  </p:cSld>
-  <p:clrMapOvr>
-    <a:masterClrMapping/>
-  </p:clrMapOvr>
-  <p:timing>
-    <p:tnLst>
-      <p:par>
-        <p:cTn id="1" dur="indefinite" restart="never" nodeType="tmRoot">
-          <p:childTnLst>
-            <p:seq concurrent="1" nextAc="seek">
-              <p:cTn id="2" dur="indefinite" nodeType="mainSeq">
-                <p:childTnLst>
-                  <p:par>
-                    <p:cTn id="3" fill="hold">
-                      <p:stCondLst>
-                        <p:cond delay="indefinite"/>
-                      </p:stCondLst>
-                      <p:childTnLst>
-                        <p:par>
-                          <p:cTn id="4" fill="hold">
-                            <p:stCondLst>
-                              <p:cond delay="0"/>
-                            </p:stCondLst>
-                            <p:childTnLst>
-                              <p:par>
-                                <p:cTn id="5" presetID="1" presetClass="entr" presetSubtype="0" fill="hold" grpId="0" nodeType="clickEffect">
-                                  <p:stCondLst>
-                                    <p:cond delay="0"/>
-                                  </p:stCondLst>
-                                  <p:childTnLst>
-                                    <p:set>
-                                      <p:cBhvr>
-                                        <p:cTn id="6" dur="1" fill="hold">
-                                          <p:stCondLst>
-                                            <p:cond delay="0"/>
-                                          </p:stCondLst>
-                                        </p:cTn>
-                                        <p:tgtEl>
-                                          <p:spTgt spid="3">
-                                            <p:txEl>
-                                              <p:pRg st="0" end="0"/>
-                                            </p:txEl>
-                                          </p:spTgt>
-                                        </p:tgtEl>
-                                        <p:attrNameLst>
-                                          <p:attrName>style.visibility</p:attrName>
-                                        </p:attrNameLst>
-                                      </p:cBhvr>
-                                      <p:to>
-                                        <p:strVal val="visible"/>
-                                      </p:to>
-                                    </p:set>
-                                  </p:childTnLst>
-                                </p:cTn>
-                              </p:par>
-                            </p:childTnLst>
-                          </p:cTn>
-                        </p:par>
-                      </p:childTnLst>
-                    </p:cTn>
-                  </p:par>
-                  <p:par>
-                    <p:cTn id="7" fill="hold">
-                      <p:stCondLst>
-                        <p:cond delay="indefinite"/>
-                      </p:stCondLst>
-                      <p:childTnLst>
-                        <p:par>
-                          <p:cTn id="8" fill="hold">
-                            <p:stCondLst>
-                              <p:cond delay="0"/>
-                            </p:stCondLst>
-                            <p:childTnLst>
-                              <p:par>
-                                <p:cTn id="9" presetID="1" presetClass="entr" presetSubtype="0" fill="hold" grpId="0" nodeType="clickEffect">
-                                  <p:stCondLst>
-                                    <p:cond delay="0"/>
-                                  </p:stCondLst>
-                                  <p:childTnLst>
-                                    <p:set>
-                                      <p:cBhvr>
-                                        <p:cTn id="10" dur="1" fill="hold">
-                                          <p:stCondLst>
-                                            <p:cond delay="0"/>
-                                          </p:stCondLst>
-                                        </p:cTn>
-                                        <p:tgtEl>
-                                          <p:spTgt spid="3">
-                                            <p:txEl>
-                                              <p:pRg st="1" end="1"/>
-                                            </p:txEl>
-                                          </p:spTgt>
-                                        </p:tgtEl>
-                                        <p:attrNameLst>
-                                          <p:attrName>style.visibility</p:attrName>
-                                        </p:attrNameLst>
-                                      </p:cBhvr>
-                                      <p:to>
-                                        <p:strVal val="visible"/>
-                                      </p:to>
-                                    </p:set>
-                                  </p:childTnLst>
-                                </p:cTn>
-                              </p:par>
-                            </p:childTnLst>
-                          </p:cTn>
-                        </p:par>
-                      </p:childTnLst>
-                    </p:cTn>
-                  </p:par>
-                  <p:par>
-                    <p:cTn id="11" fill="hold">
-                      <p:stCondLst>
-                        <p:cond delay="indefinite"/>
-                      </p:stCondLst>
-                      <p:childTnLst>
-                        <p:par>
-                          <p:cTn id="12" fill="hold">
-                            <p:stCondLst>
-                              <p:cond delay="0"/>
-                            </p:stCondLst>
-                            <p:childTnLst>
-                              <p:par>
-                                <p:cTn id="13" presetID="1" presetClass="entr" presetSubtype="0" fill="hold" grpId="0" nodeType="clickEffect">
-                                  <p:stCondLst>
-                                    <p:cond delay="0"/>
-                                  </p:stCondLst>
-                                  <p:childTnLst>
-                                    <p:set>
-                                      <p:cBhvr>
-                                        <p:cTn id="14" dur="1" fill="hold">
-                                          <p:stCondLst>
-                                            <p:cond delay="0"/>
-                                          </p:stCondLst>
-                                        </p:cTn>
-                                        <p:tgtEl>
-                                          <p:spTgt spid="3">
-                                            <p:txEl>
-                                              <p:pRg st="2" end="2"/>
-                                            </p:txEl>
-                                          </p:spTgt>
-                                        </p:tgtEl>
-                                        <p:attrNameLst>
-                                          <p:attrName>style.visibility</p:attrName>
-                                        </p:attrNameLst>
-                                      </p:cBhvr>
-                                      <p:to>
-                                        <p:strVal val="visible"/>
-                                      </p:to>
-                                    </p:set>
-                                  </p:childTnLst>
-                                </p:cTn>
-                              </p:par>
-                            </p:childTnLst>
-                          </p:cTn>
-                        </p:par>
-                      </p:childTnLst>
-                    </p:cTn>
-                  </p:par>
-                  <p:par>
-                    <p:cTn id="15" fill="hold">
-                      <p:stCondLst>
-                        <p:cond delay="indefinite"/>
-                      </p:stCondLst>
-                      <p:childTnLst>
-                        <p:par>
-                          <p:cTn id="16" fill="hold">
-                            <p:stCondLst>
-                              <p:cond delay="0"/>
-                            </p:stCondLst>
-                            <p:childTnLst>
-                              <p:par>
-                                <p:cTn id="17" presetID="1" presetClass="entr" presetSubtype="0" fill="hold" grpId="0" nodeType="clickEffect">
-                                  <p:stCondLst>
-                                    <p:cond delay="0"/>
-                                  </p:stCondLst>
-                                  <p:childTnLst>
-                                    <p:set>
-                                      <p:cBhvr>
-                                        <p:cTn id="18" dur="1" fill="hold">
-                                          <p:stCondLst>
-                                            <p:cond delay="0"/>
-                                          </p:stCondLst>
-                                        </p:cTn>
-                                        <p:tgtEl>
-                                          <p:spTgt spid="3">
-                                            <p:txEl>
-                                              <p:pRg st="3" end="3"/>
-                                            </p:txEl>
-                                          </p:spTgt>
-                                        </p:tgtEl>
-                                        <p:attrNameLst>
-                                          <p:attrName>style.visibility</p:attrName>
-                                        </p:attrNameLst>
-                                      </p:cBhvr>
-                                      <p:to>
-                                        <p:strVal val="visible"/>
-                                      </p:to>
-                                    </p:set>
-                                  </p:childTnLst>
-                                </p:cTn>
-                              </p:par>
-                            </p:childTnLst>
-                          </p:cTn>
-                        </p:par>
-                      </p:childTnLst>
-                    </p:cTn>
-                  </p:par>
-                  <p:par>
-                    <p:cTn id="19" fill="hold">
-                      <p:stCondLst>
-                        <p:cond delay="indefinite"/>
-                      </p:stCondLst>
-                      <p:childTnLst>
-                        <p:par>
-                          <p:cTn id="20" fill="hold">
-                            <p:stCondLst>
-                              <p:cond delay="0"/>
-                            </p:stCondLst>
-                            <p:childTnLst>
-                              <p:par>
-                                <p:cTn id="21" presetID="1" presetClass="entr" presetSubtype="0" fill="hold" grpId="0" nodeType="clickEffect">
-                                  <p:stCondLst>
-                                    <p:cond delay="0"/>
-                                  </p:stCondLst>
-                                  <p:childTnLst>
-                                    <p:set>
-                                      <p:cBhvr>
-                                        <p:cTn id="22" dur="1" fill="hold">
-                                          <p:stCondLst>
-                                            <p:cond delay="0"/>
-                                          </p:stCondLst>
-                                        </p:cTn>
-                                        <p:tgtEl>
-                                          <p:spTgt spid="3">
-                                            <p:txEl>
-                                              <p:pRg st="4" end="4"/>
-                                            </p:txEl>
-                                          </p:spTgt>
-                                        </p:tgtEl>
-                                        <p:attrNameLst>
-                                          <p:attrName>style.visibility</p:attrName>
-                                        </p:attrNameLst>
-                                      </p:cBhvr>
-                                      <p:to>
-                                        <p:strVal val="visible"/>
-                                      </p:to>
-                                    </p:set>
-                                  </p:childTnLst>
-                                </p:cTn>
-                              </p:par>
-                            </p:childTnLst>
-                          </p:cTn>
-                        </p:par>
-                      </p:childTnLst>
-                    </p:cTn>
-                  </p:par>
-                  <p:par>
-                    <p:cTn id="23" fill="hold">
-                      <p:stCondLst>
-                        <p:cond delay="indefinite"/>
-                      </p:stCondLst>
-                      <p:childTnLst>
-                        <p:par>
-                          <p:cTn id="24" fill="hold">
-                            <p:stCondLst>
-                              <p:cond delay="0"/>
-                            </p:stCondLst>
-                            <p:childTnLst>
-                              <p:par>
-                                <p:cTn id="25" presetID="1" presetClass="entr" presetSubtype="0" fill="hold" grpId="0" nodeType="clickEffect">
-                                  <p:stCondLst>
-                                    <p:cond delay="0"/>
-                                  </p:stCondLst>
-                                  <p:childTnLst>
-                                    <p:set>
-                                      <p:cBhvr>
-                                        <p:cTn id="26" dur="1" fill="hold">
-                                          <p:stCondLst>
-                                            <p:cond delay="0"/>
-                                          </p:stCondLst>
-                                        </p:cTn>
-                                        <p:tgtEl>
-                                          <p:spTgt spid="3">
-                                            <p:txEl>
-                                              <p:pRg st="5" end="5"/>
-                                            </p:txEl>
-                                          </p:spTgt>
-                                        </p:tgtEl>
-                                        <p:attrNameLst>
-                                          <p:attrName>style.visibility</p:attrName>
-                                        </p:attrNameLst>
-                                      </p:cBhvr>
-                                      <p:to>
-                                        <p:strVal val="visible"/>
-                                      </p:to>
-                                    </p:set>
-                                  </p:childTnLst>
-                                </p:cTn>
-                              </p:par>
-                            </p:childTnLst>
-                          </p:cTn>
-                        </p:par>
-                      </p:childTnLst>
-                    </p:cTn>
-                  </p:par>
-                </p:childTnLst>
-              </p:cTn>
-              <p:prevCondLst>
-                <p:cond evt="onPrev" delay="0">
-                  <p:tgtEl>
-                    <p:sldTgt/>
-                  </p:tgtEl>
-                </p:cond>
-              </p:prevCondLst>
-              <p:nextCondLst>
-                <p:cond evt="onNext" delay="0">
-                  <p:tgtEl>
-                    <p:sldTgt/>
-                  </p:tgtEl>
-                </p:cond>
-              </p:nextCondLst>
-            </p:seq>
-          </p:childTnLst>
-        </p:cTn>
-      </p:par>
-    </p:tnLst>
-    <p:bldLst>
-      <p:bldP spid="3" grpId="0" build="p"/>
-    </p:bldLst>
-  </p:timing>
-</p:sld>
-</file>
-
-<file path=ppt/slides/slide5.xml><?xml version="1.0" encoding="utf-8"?>
 <p:sld xmlns:a="http://schemas.openxmlformats.org/drawingml/2006/main" xmlns:r="http://schemas.openxmlformats.org/officeDocument/2006/relationships" xmlns:p="http://schemas.openxmlformats.org/presentationml/2006/main">
   <p:cSld>
     <p:spTree>
@@ -19334,7 +19079,448 @@
 </p:sld>
 </file>
 
-<file path=ppt/slides/slide6.xml><?xml version="1.0" encoding="utf-8"?>
+<file path=ppt/slides/slide4.xml><?xml version="1.0" encoding="utf-8"?>
+<p:sld xmlns:a="http://schemas.openxmlformats.org/drawingml/2006/main" xmlns:r="http://schemas.openxmlformats.org/officeDocument/2006/relationships" xmlns:p="http://schemas.openxmlformats.org/presentationml/2006/main">
+  <p:cSld>
+    <p:spTree>
+      <p:nvGrpSpPr>
+        <p:cNvPr id="1" name=""/>
+        <p:cNvGrpSpPr/>
+        <p:nvPr/>
+      </p:nvGrpSpPr>
+      <p:grpSpPr>
+        <a:xfrm>
+          <a:off x="0" y="0"/>
+          <a:ext cx="0" cy="0"/>
+          <a:chOff x="0" y="0"/>
+          <a:chExt cx="0" cy="0"/>
+        </a:xfrm>
+      </p:grpSpPr>
+      <p:sp>
+        <p:nvSpPr>
+          <p:cNvPr id="3" name="Объект 2"/>
+          <p:cNvSpPr>
+            <a:spLocks noGrp="1"/>
+          </p:cNvSpPr>
+          <p:nvPr>
+            <p:ph sz="quarter" idx="13"/>
+          </p:nvPr>
+        </p:nvSpPr>
+        <p:spPr/>
+        <p:txBody>
+          <a:bodyPr>
+            <a:noAutofit/>
+          </a:bodyPr>
+          <a:lstStyle/>
+          <a:p>
+            <a:r>
+              <a:rPr lang="en-US" sz="2400" dirty="0">
+                <a:solidFill>
+                  <a:srgbClr val="0000FF"/>
+                </a:solidFill>
+                <a:latin typeface="Consolas" panose="020B0609020204030204" pitchFamily="49" charset="0"/>
+              </a:rPr>
+              <a:t>public</a:t>
+            </a:r>
+            <a:r>
+              <a:rPr lang="en-US" sz="2400" dirty="0">
+                <a:latin typeface="Consolas" panose="020B0609020204030204" pitchFamily="49" charset="0"/>
+              </a:rPr>
+              <a:t> </a:t>
+            </a:r>
+            <a:r>
+              <a:rPr lang="en-US" sz="2400" dirty="0">
+                <a:solidFill>
+                  <a:srgbClr val="0000FF"/>
+                </a:solidFill>
+                <a:latin typeface="Consolas" panose="020B0609020204030204" pitchFamily="49" charset="0"/>
+              </a:rPr>
+              <a:t>class</a:t>
+            </a:r>
+            <a:r>
+              <a:rPr lang="en-US" sz="2400" dirty="0">
+                <a:latin typeface="Consolas" panose="020B0609020204030204" pitchFamily="49" charset="0"/>
+              </a:rPr>
+              <a:t> </a:t>
+            </a:r>
+            <a:r>
+              <a:rPr lang="en-US" sz="2400" dirty="0">
+                <a:solidFill>
+                  <a:srgbClr val="00007F"/>
+                </a:solidFill>
+                <a:latin typeface="Consolas" panose="020B0609020204030204" pitchFamily="49" charset="0"/>
+              </a:rPr>
+              <a:t>Chessboard</a:t>
+            </a:r>
+          </a:p>
+          <a:p>
+            <a:r>
+              <a:rPr lang="ru-RU" sz="2400" dirty="0">
+                <a:latin typeface="Consolas" panose="020B0609020204030204" pitchFamily="49" charset="0"/>
+              </a:rPr>
+              <a:t>{</a:t>
+            </a:r>
+          </a:p>
+          <a:p>
+            <a:r>
+              <a:rPr lang="en-US" sz="2400" dirty="0">
+                <a:latin typeface="Consolas" panose="020B0609020204030204" pitchFamily="49" charset="0"/>
+              </a:rPr>
+              <a:t>    </a:t>
+            </a:r>
+            <a:r>
+              <a:rPr lang="en-US" sz="2400" dirty="0">
+                <a:solidFill>
+                  <a:srgbClr val="0000FF"/>
+                </a:solidFill>
+                <a:latin typeface="Consolas" panose="020B0609020204030204" pitchFamily="49" charset="0"/>
+              </a:rPr>
+              <a:t>public</a:t>
+            </a:r>
+            <a:r>
+              <a:rPr lang="en-US" sz="2400" dirty="0">
+                <a:latin typeface="Consolas" panose="020B0609020204030204" pitchFamily="49" charset="0"/>
+              </a:rPr>
+              <a:t> </a:t>
+            </a:r>
+            <a:r>
+              <a:rPr lang="en-US" sz="2400" dirty="0">
+                <a:solidFill>
+                  <a:srgbClr val="2B91AF"/>
+                </a:solidFill>
+                <a:latin typeface="Consolas" panose="020B0609020204030204" pitchFamily="49" charset="0"/>
+              </a:rPr>
+              <a:t>Chessboard</a:t>
+            </a:r>
+            <a:r>
+              <a:rPr lang="en-US" sz="2400" dirty="0">
+                <a:latin typeface="Consolas" panose="020B0609020204030204" pitchFamily="49" charset="0"/>
+              </a:rPr>
+              <a:t>(</a:t>
+            </a:r>
+            <a:endParaRPr lang="ru-RU" sz="2400" dirty="0">
+              <a:latin typeface="Consolas" panose="020B0609020204030204" pitchFamily="49" charset="0"/>
+            </a:endParaRPr>
+          </a:p>
+          <a:p>
+            <a:r>
+              <a:rPr lang="ru-RU" sz="2400" dirty="0">
+                <a:latin typeface="Consolas" panose="020B0609020204030204" pitchFamily="49" charset="0"/>
+              </a:rPr>
+              <a:t>		</a:t>
+            </a:r>
+            <a:r>
+              <a:rPr lang="en-US" sz="2400" dirty="0" err="1">
+                <a:solidFill>
+                  <a:srgbClr val="00007F"/>
+                </a:solidFill>
+                <a:latin typeface="Consolas" panose="020B0609020204030204" pitchFamily="49" charset="0"/>
+              </a:rPr>
+              <a:t>StreamReader</a:t>
+            </a:r>
+            <a:r>
+              <a:rPr lang="en-US" sz="2400" dirty="0">
+                <a:latin typeface="Consolas" panose="020B0609020204030204" pitchFamily="49" charset="0"/>
+              </a:rPr>
+              <a:t> input, </a:t>
+            </a:r>
+            <a:endParaRPr lang="ru-RU" sz="2400" dirty="0">
+              <a:latin typeface="Consolas" panose="020B0609020204030204" pitchFamily="49" charset="0"/>
+            </a:endParaRPr>
+          </a:p>
+          <a:p>
+            <a:r>
+              <a:rPr lang="ru-RU" sz="2400" dirty="0">
+                <a:latin typeface="Consolas" panose="020B0609020204030204" pitchFamily="49" charset="0"/>
+              </a:rPr>
+              <a:t>		</a:t>
+            </a:r>
+            <a:r>
+              <a:rPr lang="en-US" sz="2400" dirty="0" err="1">
+                <a:solidFill>
+                  <a:srgbClr val="00007F"/>
+                </a:solidFill>
+                <a:latin typeface="Consolas" panose="020B0609020204030204" pitchFamily="49" charset="0"/>
+              </a:rPr>
+              <a:t>IBoardParser</a:t>
+            </a:r>
+            <a:r>
+              <a:rPr lang="en-US" sz="2400" dirty="0">
+                <a:latin typeface="Consolas" panose="020B0609020204030204" pitchFamily="49" charset="0"/>
+              </a:rPr>
+              <a:t> </a:t>
+            </a:r>
+            <a:r>
+              <a:rPr lang="en-US" sz="2400" dirty="0" err="1">
+                <a:latin typeface="Consolas" panose="020B0609020204030204" pitchFamily="49" charset="0"/>
+              </a:rPr>
+              <a:t>boardParser</a:t>
+            </a:r>
+            <a:r>
+              <a:rPr lang="en-US" sz="2400" dirty="0">
+                <a:latin typeface="Consolas" panose="020B0609020204030204" pitchFamily="49" charset="0"/>
+              </a:rPr>
+              <a:t>)</a:t>
+            </a:r>
+          </a:p>
+          <a:p>
+            <a:r>
+              <a:rPr lang="ru-RU" sz="2400" dirty="0">
+                <a:latin typeface="Consolas" panose="020B0609020204030204" pitchFamily="49" charset="0"/>
+              </a:rPr>
+              <a:t>    {</a:t>
+            </a:r>
+          </a:p>
+          <a:p>
+            <a:r>
+              <a:rPr lang="en-US" sz="2400" dirty="0">
+                <a:latin typeface="Consolas" panose="020B0609020204030204" pitchFamily="49" charset="0"/>
+              </a:rPr>
+              <a:t>        </a:t>
+            </a:r>
+            <a:r>
+              <a:rPr lang="en-US" sz="2400" dirty="0" err="1">
+                <a:solidFill>
+                  <a:srgbClr val="0000FF"/>
+                </a:solidFill>
+                <a:latin typeface="Consolas" panose="020B0609020204030204" pitchFamily="49" charset="0"/>
+              </a:rPr>
+              <a:t>this</a:t>
+            </a:r>
+            <a:r>
+              <a:rPr lang="en-US" sz="2400" dirty="0" err="1">
+                <a:latin typeface="Consolas" panose="020B0609020204030204" pitchFamily="49" charset="0"/>
+              </a:rPr>
+              <a:t>.</a:t>
+            </a:r>
+            <a:r>
+              <a:rPr lang="en-US" sz="2400" dirty="0" err="1">
+                <a:solidFill>
+                  <a:srgbClr val="800080"/>
+                </a:solidFill>
+                <a:latin typeface="Consolas" panose="020B0609020204030204" pitchFamily="49" charset="0"/>
+              </a:rPr>
+              <a:t>cells</a:t>
+            </a:r>
+            <a:r>
+              <a:rPr lang="en-US" sz="2400" dirty="0">
+                <a:latin typeface="Consolas" panose="020B0609020204030204" pitchFamily="49" charset="0"/>
+              </a:rPr>
+              <a:t> = </a:t>
+            </a:r>
+            <a:r>
+              <a:rPr lang="en-US" sz="2400" dirty="0" err="1">
+                <a:solidFill>
+                  <a:srgbClr val="2B91AF"/>
+                </a:solidFill>
+                <a:latin typeface="Consolas" panose="020B0609020204030204" pitchFamily="49" charset="0"/>
+              </a:rPr>
+              <a:t>LoadBoard</a:t>
+            </a:r>
+            <a:r>
+              <a:rPr lang="en-US" sz="2400" dirty="0">
+                <a:latin typeface="Consolas" panose="020B0609020204030204" pitchFamily="49" charset="0"/>
+              </a:rPr>
+              <a:t>(input, </a:t>
+            </a:r>
+            <a:r>
+              <a:rPr lang="en-US" sz="2400" dirty="0" err="1">
+                <a:latin typeface="Consolas" panose="020B0609020204030204" pitchFamily="49" charset="0"/>
+              </a:rPr>
+              <a:t>boardParser</a:t>
+            </a:r>
+            <a:r>
+              <a:rPr lang="en-US" sz="2400" dirty="0">
+                <a:latin typeface="Consolas" panose="020B0609020204030204" pitchFamily="49" charset="0"/>
+              </a:rPr>
+              <a:t>);</a:t>
+            </a:r>
+          </a:p>
+          <a:p>
+            <a:r>
+              <a:rPr lang="en-US" sz="2400" dirty="0">
+                <a:latin typeface="Consolas" panose="020B0609020204030204" pitchFamily="49" charset="0"/>
+              </a:rPr>
+              <a:t>    </a:t>
+            </a:r>
+            <a:r>
+              <a:rPr lang="ru-RU" sz="2400" dirty="0">
+                <a:latin typeface="Consolas" panose="020B0609020204030204" pitchFamily="49" charset="0"/>
+              </a:rPr>
+              <a:t>}</a:t>
+            </a:r>
+          </a:p>
+          <a:p>
+            <a:r>
+              <a:rPr lang="en-US" sz="2400" dirty="0">
+                <a:latin typeface="Consolas" panose="020B0609020204030204" pitchFamily="49" charset="0"/>
+              </a:rPr>
+              <a:t>}</a:t>
+            </a:r>
+            <a:endParaRPr lang="ru-RU" sz="2400" dirty="0">
+              <a:latin typeface="Consolas" panose="020B0609020204030204" pitchFamily="49" charset="0"/>
+            </a:endParaRPr>
+          </a:p>
+        </p:txBody>
+      </p:sp>
+      <p:sp>
+        <p:nvSpPr>
+          <p:cNvPr id="2" name="Заголовок 1"/>
+          <p:cNvSpPr>
+            <a:spLocks noGrp="1"/>
+          </p:cNvSpPr>
+          <p:nvPr>
+            <p:ph type="title"/>
+          </p:nvPr>
+        </p:nvSpPr>
+        <p:spPr/>
+        <p:txBody>
+          <a:bodyPr/>
+          <a:lstStyle/>
+          <a:p>
+            <a:r>
+              <a:rPr lang="ru-RU"/>
+              <a:t>Явное (инъекция зависимостей)</a:t>
+            </a:r>
+            <a:endParaRPr lang="ru-RU" dirty="0"/>
+          </a:p>
+        </p:txBody>
+      </p:sp>
+      <p:sp>
+        <p:nvSpPr>
+          <p:cNvPr id="8" name="TextBox 7"/>
+          <p:cNvSpPr txBox="1"/>
+          <p:nvPr/>
+        </p:nvSpPr>
+        <p:spPr>
+          <a:xfrm rot="20880000">
+            <a:off x="7624371" y="1940673"/>
+            <a:ext cx="3100528" cy="954107"/>
+          </a:xfrm>
+          <a:prstGeom prst="rect">
+            <a:avLst/>
+          </a:prstGeom>
+          <a:noFill/>
+        </p:spPr>
+        <p:txBody>
+          <a:bodyPr wrap="none" rtlCol="0">
+            <a:spAutoFit/>
+          </a:bodyPr>
+          <a:lstStyle/>
+          <a:p>
+            <a:pPr algn="ctr"/>
+            <a:r>
+              <a:rPr lang="ru-RU" sz="2800" i="1" dirty="0">
+                <a:solidFill>
+                  <a:schemeClr val="accent1"/>
+                </a:solidFill>
+              </a:rPr>
+              <a:t>Нужные значения</a:t>
+            </a:r>
+            <a:br>
+              <a:rPr lang="ru-RU" sz="2800" i="1" dirty="0">
+                <a:solidFill>
+                  <a:schemeClr val="accent1"/>
+                </a:solidFill>
+              </a:rPr>
+            </a:br>
+            <a:r>
+              <a:rPr lang="ru-RU" sz="2800" i="1" dirty="0">
+                <a:solidFill>
+                  <a:schemeClr val="accent1"/>
+                </a:solidFill>
+              </a:rPr>
+              <a:t>передадут извне</a:t>
+            </a:r>
+          </a:p>
+        </p:txBody>
+      </p:sp>
+      <p:cxnSp>
+        <p:nvCxnSpPr>
+          <p:cNvPr id="9" name="Прямая со стрелкой 8"/>
+          <p:cNvCxnSpPr>
+            <a:stCxn id="8" idx="1"/>
+          </p:cNvCxnSpPr>
+          <p:nvPr/>
+        </p:nvCxnSpPr>
+        <p:spPr>
+          <a:xfrm flipH="1">
+            <a:off x="5649434" y="2740045"/>
+            <a:ext cx="2008814" cy="279602"/>
+          </a:xfrm>
+          <a:prstGeom prst="straightConnector1">
+            <a:avLst/>
+          </a:prstGeom>
+          <a:ln w="38100">
+            <a:headEnd type="oval" w="med" len="med"/>
+            <a:tailEnd type="triangle" w="med" len="med"/>
+          </a:ln>
+        </p:spPr>
+        <p:style>
+          <a:lnRef idx="1">
+            <a:schemeClr val="accent1"/>
+          </a:lnRef>
+          <a:fillRef idx="0">
+            <a:schemeClr val="accent1"/>
+          </a:fillRef>
+          <a:effectRef idx="0">
+            <a:schemeClr val="accent1"/>
+          </a:effectRef>
+          <a:fontRef idx="minor">
+            <a:schemeClr val="tx1"/>
+          </a:fontRef>
+        </p:style>
+      </p:cxnSp>
+      <p:cxnSp>
+        <p:nvCxnSpPr>
+          <p:cNvPr id="10" name="Прямая со стрелкой 9"/>
+          <p:cNvCxnSpPr>
+            <a:stCxn id="8" idx="1"/>
+          </p:cNvCxnSpPr>
+          <p:nvPr/>
+        </p:nvCxnSpPr>
+        <p:spPr>
+          <a:xfrm flipH="1">
+            <a:off x="6790660" y="2740045"/>
+            <a:ext cx="867588" cy="688955"/>
+          </a:xfrm>
+          <a:prstGeom prst="straightConnector1">
+            <a:avLst/>
+          </a:prstGeom>
+          <a:ln w="38100">
+            <a:headEnd type="oval" w="med" len="med"/>
+            <a:tailEnd type="triangle" w="med" len="med"/>
+          </a:ln>
+        </p:spPr>
+        <p:style>
+          <a:lnRef idx="1">
+            <a:schemeClr val="accent1"/>
+          </a:lnRef>
+          <a:fillRef idx="0">
+            <a:schemeClr val="accent1"/>
+          </a:fillRef>
+          <a:effectRef idx="0">
+            <a:schemeClr val="accent1"/>
+          </a:effectRef>
+          <a:fontRef idx="minor">
+            <a:schemeClr val="tx1"/>
+          </a:fontRef>
+        </p:style>
+      </p:cxnSp>
+    </p:spTree>
+    <p:extLst>
+      <p:ext uri="{BB962C8B-B14F-4D97-AF65-F5344CB8AC3E}">
+        <p14:creationId xmlns:p14="http://schemas.microsoft.com/office/powerpoint/2010/main" val="3913753908"/>
+      </p:ext>
+    </p:extLst>
+  </p:cSld>
+  <p:clrMapOvr>
+    <a:masterClrMapping/>
+  </p:clrMapOvr>
+</p:sld>
+</file>
+
+<file path=ppt/slides/slide5.xml><?xml version="1.0" encoding="utf-8"?>
 <p:sld xmlns:a="http://schemas.openxmlformats.org/drawingml/2006/main" xmlns:r="http://schemas.openxmlformats.org/officeDocument/2006/relationships" xmlns:p="http://schemas.openxmlformats.org/presentationml/2006/main">
   <p:cSld>
     <p:spTree>
@@ -20039,7 +20225,7 @@
 </p:sld>
 </file>
 
-<file path=ppt/slides/slide7.xml><?xml version="1.0" encoding="utf-8"?>
+<file path=ppt/slides/slide6.xml><?xml version="1.0" encoding="utf-8"?>
 <p:sld xmlns:a="http://schemas.openxmlformats.org/drawingml/2006/main" xmlns:r="http://schemas.openxmlformats.org/officeDocument/2006/relationships" xmlns:p="http://schemas.openxmlformats.org/presentationml/2006/main">
   <p:cSld>
     <p:spTree>
@@ -20068,18 +20254,68 @@
         </p:nvSpPr>
         <p:spPr/>
         <p:txBody>
-          <a:bodyPr/>
+          <a:bodyPr>
+            <a:normAutofit fontScale="92500"/>
+          </a:bodyPr>
           <a:lstStyle/>
           <a:p>
-            <a:pPr marL="0" indent="0">
-              <a:buNone/>
+            <a:r>
+              <a:rPr lang="en-US" dirty="0"/>
+              <a:t>Composition Root</a:t>
+            </a:r>
+          </a:p>
+          <a:p>
+            <a:pPr marL="457200" indent="-457200">
+              <a:buFont typeface="Arial" panose="020B0604020202020204" pitchFamily="34" charset="0"/>
+              <a:buChar char="•"/>
             </a:pPr>
+            <a:r>
+              <a:rPr lang="ru-RU" dirty="0"/>
+              <a:t>место, где модули соединяются вместе</a:t>
+            </a:r>
+          </a:p>
+          <a:p>
+            <a:pPr marL="457200" indent="-457200">
+              <a:buFont typeface="Arial" panose="020B0604020202020204" pitchFamily="34" charset="0"/>
+              <a:buChar char="•"/>
+            </a:pPr>
+            <a:r>
+              <a:rPr lang="ru-RU" dirty="0"/>
+              <a:t>загончик для операторов </a:t>
+            </a:r>
             <a:r>
               <a:rPr lang="en-US" dirty="0">
                 <a:solidFill>
                   <a:srgbClr val="0000FF"/>
                 </a:solidFill>
               </a:rPr>
+              <a:t>new</a:t>
+            </a:r>
+            <a:endParaRPr lang="ru-RU" dirty="0"/>
+          </a:p>
+          <a:p>
+            <a:pPr marL="0" indent="0">
+              <a:buNone/>
+            </a:pPr>
+            <a:endParaRPr lang="ru-RU" dirty="0"/>
+          </a:p>
+          <a:p>
+            <a:r>
+              <a:rPr lang="ru-RU" dirty="0"/>
+              <a:t>Чем ближе к точке входа – тем лучше</a:t>
+            </a:r>
+          </a:p>
+          <a:p>
+            <a:pPr marL="457200" indent="-457200">
+              <a:buFont typeface="Arial" panose="020B0604020202020204" pitchFamily="34" charset="0"/>
+              <a:buChar char="•"/>
+            </a:pPr>
+            <a:r>
+              <a:rPr lang="en-US" dirty="0">
+                <a:solidFill>
+                  <a:srgbClr val="0000FF"/>
+                </a:solidFill>
+              </a:rPr>
               <a:t>void</a:t>
             </a:r>
             <a:r>
@@ -20098,10 +20334,24 @@
               <a:rPr lang="en-US" dirty="0"/>
               <a:t>()</a:t>
             </a:r>
-          </a:p>
-          <a:p>
-            <a:pPr marL="0" indent="0">
-              <a:buNone/>
+            <a:r>
+              <a:rPr lang="ru-RU" dirty="0"/>
+              <a:t> для консольного</a:t>
+            </a:r>
+            <a:r>
+              <a:rPr lang="en-US" dirty="0"/>
+              <a:t> </a:t>
+            </a:r>
+            <a:r>
+              <a:rPr lang="ru-RU" dirty="0"/>
+              <a:t>приложения</a:t>
+            </a:r>
+            <a:endParaRPr lang="en-US" dirty="0"/>
+          </a:p>
+          <a:p>
+            <a:pPr marL="457200" indent="-457200">
+              <a:buFont typeface="Arial" panose="020B0604020202020204" pitchFamily="34" charset="0"/>
+              <a:buChar char="•"/>
             </a:pPr>
             <a:r>
               <a:rPr lang="en-US" dirty="0" err="1">
@@ -20111,43 +20361,19 @@
               </a:rPr>
               <a:t>HttpHandler</a:t>
             </a:r>
-            <a:endParaRPr lang="ru-RU" dirty="0">
-              <a:solidFill>
-                <a:srgbClr val="00007F"/>
-              </a:solidFill>
-            </a:endParaRPr>
-          </a:p>
-          <a:p>
-            <a:pPr marL="0" indent="0">
-              <a:buNone/>
+            <a:r>
+              <a:rPr lang="ru-RU" dirty="0"/>
+              <a:t> для веб-сервиса</a:t>
+            </a:r>
+          </a:p>
+          <a:p>
+            <a:pPr marL="457200" indent="-457200">
+              <a:buFont typeface="Arial" panose="020B0604020202020204" pitchFamily="34" charset="0"/>
+              <a:buChar char="•"/>
             </a:pPr>
-            <a:endParaRPr lang="en-US" dirty="0"/>
-          </a:p>
-          <a:p>
-            <a:pPr marL="0" indent="0">
-              <a:buNone/>
-            </a:pPr>
-            <a:endParaRPr lang="ru-RU" dirty="0"/>
-          </a:p>
-          <a:p>
-            <a:pPr marL="0" indent="0">
-              <a:buNone/>
-            </a:pPr>
-            <a:r>
-              <a:rPr lang="ru-RU" dirty="0" err="1"/>
-              <a:t>Загончик</a:t>
-            </a:r>
             <a:r>
               <a:rPr lang="ru-RU" dirty="0"/>
-              <a:t> для операторов </a:t>
-            </a:r>
-            <a:r>
-              <a:rPr lang="en-US" dirty="0">
-                <a:solidFill>
-                  <a:srgbClr val="0000FF"/>
-                </a:solidFill>
-              </a:rPr>
-              <a:t>new</a:t>
+              <a:t>В библиотеках – не нужно собирать зависимости</a:t>
             </a:r>
           </a:p>
         </p:txBody>
@@ -20192,12 +20418,509 @@
   <p:clrMapOvr>
     <a:masterClrMapping/>
   </p:clrMapOvr>
+</p:sld>
+</file>
+
+<file path=ppt/slides/slide7.xml><?xml version="1.0" encoding="utf-8"?>
+<p:sld xmlns:a="http://schemas.openxmlformats.org/drawingml/2006/main" xmlns:r="http://schemas.openxmlformats.org/officeDocument/2006/relationships" xmlns:p="http://schemas.openxmlformats.org/presentationml/2006/main">
+  <p:cSld>
+    <p:spTree>
+      <p:nvGrpSpPr>
+        <p:cNvPr id="1" name=""/>
+        <p:cNvGrpSpPr/>
+        <p:nvPr/>
+      </p:nvGrpSpPr>
+      <p:grpSpPr>
+        <a:xfrm>
+          <a:off x="0" y="0"/>
+          <a:ext cx="0" cy="0"/>
+          <a:chOff x="0" y="0"/>
+          <a:chExt cx="0" cy="0"/>
+        </a:xfrm>
+      </p:grpSpPr>
+      <p:sp>
+        <p:nvSpPr>
+          <p:cNvPr id="3" name="Объект 2"/>
+          <p:cNvSpPr>
+            <a:spLocks noGrp="1"/>
+          </p:cNvSpPr>
+          <p:nvPr>
+            <p:ph sz="quarter" idx="13"/>
+          </p:nvPr>
+        </p:nvSpPr>
+        <p:spPr>
+          <a:xfrm>
+            <a:off x="1295469" y="1628775"/>
+            <a:ext cx="9601067" cy="4679950"/>
+          </a:xfrm>
+        </p:spPr>
+        <p:txBody>
+          <a:bodyPr>
+            <a:noAutofit/>
+          </a:bodyPr>
+          <a:lstStyle/>
+          <a:p>
+            <a:r>
+              <a:rPr lang="ru-RU" sz="3600" dirty="0"/>
+              <a:t>Имена файлов, пути, порты, ...</a:t>
+            </a:r>
+          </a:p>
+          <a:p>
+            <a:r>
+              <a:rPr lang="ru-RU" sz="2800" dirty="0"/>
+              <a:t>Неудобные зависимости (файлы, консоль, </a:t>
+            </a:r>
+            <a:r>
+              <a:rPr lang="en-US" sz="2800" dirty="0" err="1"/>
+              <a:t>ui</a:t>
+            </a:r>
+            <a:r>
+              <a:rPr lang="en-US" sz="2800" dirty="0"/>
+              <a:t>, </a:t>
+            </a:r>
+            <a:r>
+              <a:rPr lang="ru-RU" sz="2800" dirty="0"/>
+              <a:t>сеть, БД, ...)</a:t>
+            </a:r>
+            <a:endParaRPr lang="en-US" sz="2800" dirty="0"/>
+          </a:p>
+          <a:p>
+            <a:r>
+              <a:rPr lang="ru-RU" sz="2800" dirty="0"/>
+              <a:t>Другие сервисы</a:t>
+            </a:r>
+            <a:endParaRPr lang="en-US" sz="2800" dirty="0"/>
+          </a:p>
+          <a:p>
+            <a:r>
+              <a:rPr lang="ru-RU" sz="2400" dirty="0"/>
+              <a:t>Формат файла</a:t>
+            </a:r>
+          </a:p>
+          <a:p>
+            <a:r>
+              <a:rPr lang="ru-RU" sz="2400" i="1" dirty="0">
+                <a:solidFill>
+                  <a:schemeClr val="bg1">
+                    <a:lumMod val="50000"/>
+                  </a:schemeClr>
+                </a:solidFill>
+              </a:rPr>
+              <a:t>Алгоритм</a:t>
+            </a:r>
+            <a:br>
+              <a:rPr lang="ru-RU" sz="2400" i="1" dirty="0">
+                <a:solidFill>
+                  <a:schemeClr val="bg1">
+                    <a:lumMod val="50000"/>
+                  </a:schemeClr>
+                </a:solidFill>
+              </a:rPr>
+            </a:br>
+            <a:r>
+              <a:rPr lang="ru-RU" sz="2400" i="1" dirty="0">
+                <a:solidFill>
+                  <a:schemeClr val="bg1">
+                    <a:lumMod val="50000"/>
+                  </a:schemeClr>
+                </a:solidFill>
+              </a:rPr>
+              <a:t>	если его может понадобиться менять</a:t>
+            </a:r>
+          </a:p>
+          <a:p>
+            <a:r>
+              <a:rPr lang="ru-RU" sz="2400" i="1" dirty="0">
+                <a:solidFill>
+                  <a:schemeClr val="bg1">
+                    <a:lumMod val="50000"/>
+                  </a:schemeClr>
+                </a:solidFill>
+              </a:rPr>
+              <a:t>Реализация структуры данных</a:t>
+            </a:r>
+            <a:br>
+              <a:rPr lang="ru-RU" sz="2400" i="1" dirty="0">
+                <a:solidFill>
+                  <a:schemeClr val="bg1">
+                    <a:lumMod val="50000"/>
+                  </a:schemeClr>
+                </a:solidFill>
+              </a:rPr>
+            </a:br>
+            <a:r>
+              <a:rPr lang="ru-RU" sz="2400" i="1" dirty="0">
+                <a:solidFill>
+                  <a:schemeClr val="bg1">
+                    <a:lumMod val="50000"/>
+                  </a:schemeClr>
+                </a:solidFill>
+              </a:rPr>
+              <a:t>	если её может понадобиться менять</a:t>
+            </a:r>
+          </a:p>
+        </p:txBody>
+      </p:sp>
+      <p:sp>
+        <p:nvSpPr>
+          <p:cNvPr id="2" name="Заголовок 1"/>
+          <p:cNvSpPr>
+            <a:spLocks noGrp="1"/>
+          </p:cNvSpPr>
+          <p:nvPr>
+            <p:ph type="title"/>
+          </p:nvPr>
+        </p:nvSpPr>
+        <p:spPr/>
+        <p:txBody>
+          <a:bodyPr>
+            <a:normAutofit/>
+          </a:bodyPr>
+          <a:lstStyle/>
+          <a:p>
+            <a:r>
+              <a:rPr lang="ru-RU" sz="3600" dirty="0"/>
+              <a:t>Какие зависимости делать явными?</a:t>
+            </a:r>
+          </a:p>
+        </p:txBody>
+      </p:sp>
+    </p:spTree>
+    <p:extLst>
+      <p:ext uri="{BB962C8B-B14F-4D97-AF65-F5344CB8AC3E}">
+        <p14:creationId xmlns:p14="http://schemas.microsoft.com/office/powerpoint/2010/main" val="3543711898"/>
+      </p:ext>
+    </p:extLst>
+  </p:cSld>
+  <p:clrMapOvr>
+    <a:masterClrMapping/>
+  </p:clrMapOvr>
   <p:timing>
     <p:tnLst>
       <p:par>
-        <p:cTn id="1" dur="indefinite" restart="never" nodeType="tmRoot"/>
+        <p:cTn id="1" dur="indefinite" restart="never" nodeType="tmRoot">
+          <p:childTnLst>
+            <p:seq concurrent="1" nextAc="seek">
+              <p:cTn id="2" dur="indefinite" nodeType="mainSeq">
+                <p:childTnLst>
+                  <p:par>
+                    <p:cTn id="3" fill="hold">
+                      <p:stCondLst>
+                        <p:cond delay="indefinite"/>
+                      </p:stCondLst>
+                      <p:childTnLst>
+                        <p:par>
+                          <p:cTn id="4" fill="hold">
+                            <p:stCondLst>
+                              <p:cond delay="0"/>
+                            </p:stCondLst>
+                            <p:childTnLst>
+                              <p:par>
+                                <p:cTn id="5" presetID="1" presetClass="entr" presetSubtype="0" fill="hold" grpId="0" nodeType="clickEffect">
+                                  <p:stCondLst>
+                                    <p:cond delay="0"/>
+                                  </p:stCondLst>
+                                  <p:childTnLst>
+                                    <p:set>
+                                      <p:cBhvr>
+                                        <p:cTn id="6" dur="1" fill="hold">
+                                          <p:stCondLst>
+                                            <p:cond delay="0"/>
+                                          </p:stCondLst>
+                                        </p:cTn>
+                                        <p:tgtEl>
+                                          <p:spTgt spid="3">
+                                            <p:txEl>
+                                              <p:pRg st="0" end="0"/>
+                                            </p:txEl>
+                                          </p:spTgt>
+                                        </p:tgtEl>
+                                        <p:attrNameLst>
+                                          <p:attrName>style.visibility</p:attrName>
+                                        </p:attrNameLst>
+                                      </p:cBhvr>
+                                      <p:to>
+                                        <p:strVal val="visible"/>
+                                      </p:to>
+                                    </p:set>
+                                  </p:childTnLst>
+                                </p:cTn>
+                              </p:par>
+                            </p:childTnLst>
+                          </p:cTn>
+                        </p:par>
+                      </p:childTnLst>
+                    </p:cTn>
+                  </p:par>
+                  <p:par>
+                    <p:cTn id="7" fill="hold">
+                      <p:stCondLst>
+                        <p:cond delay="indefinite"/>
+                      </p:stCondLst>
+                      <p:childTnLst>
+                        <p:par>
+                          <p:cTn id="8" fill="hold">
+                            <p:stCondLst>
+                              <p:cond delay="0"/>
+                            </p:stCondLst>
+                            <p:childTnLst>
+                              <p:par>
+                                <p:cTn id="9" presetID="1" presetClass="entr" presetSubtype="0" fill="hold" grpId="0" nodeType="clickEffect">
+                                  <p:stCondLst>
+                                    <p:cond delay="0"/>
+                                  </p:stCondLst>
+                                  <p:childTnLst>
+                                    <p:set>
+                                      <p:cBhvr>
+                                        <p:cTn id="10" dur="1" fill="hold">
+                                          <p:stCondLst>
+                                            <p:cond delay="0"/>
+                                          </p:stCondLst>
+                                        </p:cTn>
+                                        <p:tgtEl>
+                                          <p:spTgt spid="3">
+                                            <p:txEl>
+                                              <p:pRg st="1" end="1"/>
+                                            </p:txEl>
+                                          </p:spTgt>
+                                        </p:tgtEl>
+                                        <p:attrNameLst>
+                                          <p:attrName>style.visibility</p:attrName>
+                                        </p:attrNameLst>
+                                      </p:cBhvr>
+                                      <p:to>
+                                        <p:strVal val="visible"/>
+                                      </p:to>
+                                    </p:set>
+                                  </p:childTnLst>
+                                </p:cTn>
+                              </p:par>
+                            </p:childTnLst>
+                          </p:cTn>
+                        </p:par>
+                      </p:childTnLst>
+                    </p:cTn>
+                  </p:par>
+                  <p:par>
+                    <p:cTn id="11" fill="hold">
+                      <p:stCondLst>
+                        <p:cond delay="indefinite"/>
+                      </p:stCondLst>
+                      <p:childTnLst>
+                        <p:par>
+                          <p:cTn id="12" fill="hold">
+                            <p:stCondLst>
+                              <p:cond delay="0"/>
+                            </p:stCondLst>
+                            <p:childTnLst>
+                              <p:par>
+                                <p:cTn id="13" presetID="1" presetClass="entr" presetSubtype="0" fill="hold" grpId="0" nodeType="clickEffect">
+                                  <p:stCondLst>
+                                    <p:cond delay="0"/>
+                                  </p:stCondLst>
+                                  <p:childTnLst>
+                                    <p:set>
+                                      <p:cBhvr>
+                                        <p:cTn id="14" dur="1" fill="hold">
+                                          <p:stCondLst>
+                                            <p:cond delay="0"/>
+                                          </p:stCondLst>
+                                        </p:cTn>
+                                        <p:tgtEl>
+                                          <p:spTgt spid="3">
+                                            <p:txEl>
+                                              <p:pRg st="2" end="2"/>
+                                            </p:txEl>
+                                          </p:spTgt>
+                                        </p:tgtEl>
+                                        <p:attrNameLst>
+                                          <p:attrName>style.visibility</p:attrName>
+                                        </p:attrNameLst>
+                                      </p:cBhvr>
+                                      <p:to>
+                                        <p:strVal val="visible"/>
+                                      </p:to>
+                                    </p:set>
+                                  </p:childTnLst>
+                                </p:cTn>
+                              </p:par>
+                            </p:childTnLst>
+                          </p:cTn>
+                        </p:par>
+                      </p:childTnLst>
+                    </p:cTn>
+                  </p:par>
+                  <p:par>
+                    <p:cTn id="15" fill="hold">
+                      <p:stCondLst>
+                        <p:cond delay="indefinite"/>
+                      </p:stCondLst>
+                      <p:childTnLst>
+                        <p:par>
+                          <p:cTn id="16" fill="hold">
+                            <p:stCondLst>
+                              <p:cond delay="0"/>
+                            </p:stCondLst>
+                            <p:childTnLst>
+                              <p:par>
+                                <p:cTn id="17" presetID="1" presetClass="entr" presetSubtype="0" fill="hold" grpId="0" nodeType="clickEffect">
+                                  <p:stCondLst>
+                                    <p:cond delay="0"/>
+                                  </p:stCondLst>
+                                  <p:childTnLst>
+                                    <p:set>
+                                      <p:cBhvr>
+                                        <p:cTn id="18" dur="1" fill="hold">
+                                          <p:stCondLst>
+                                            <p:cond delay="0"/>
+                                          </p:stCondLst>
+                                        </p:cTn>
+                                        <p:tgtEl>
+                                          <p:spTgt spid="3">
+                                            <p:txEl>
+                                              <p:pRg st="3" end="3"/>
+                                            </p:txEl>
+                                          </p:spTgt>
+                                        </p:tgtEl>
+                                        <p:attrNameLst>
+                                          <p:attrName>style.visibility</p:attrName>
+                                        </p:attrNameLst>
+                                      </p:cBhvr>
+                                      <p:to>
+                                        <p:strVal val="visible"/>
+                                      </p:to>
+                                    </p:set>
+                                  </p:childTnLst>
+                                </p:cTn>
+                              </p:par>
+                            </p:childTnLst>
+                          </p:cTn>
+                        </p:par>
+                      </p:childTnLst>
+                    </p:cTn>
+                  </p:par>
+                  <p:par>
+                    <p:cTn id="19" fill="hold">
+                      <p:stCondLst>
+                        <p:cond delay="indefinite"/>
+                      </p:stCondLst>
+                      <p:childTnLst>
+                        <p:par>
+                          <p:cTn id="20" fill="hold">
+                            <p:stCondLst>
+                              <p:cond delay="0"/>
+                            </p:stCondLst>
+                            <p:childTnLst>
+                              <p:par>
+                                <p:cTn id="21" presetID="1" presetClass="entr" presetSubtype="0" fill="hold" grpId="0" nodeType="clickEffect">
+                                  <p:stCondLst>
+                                    <p:cond delay="0"/>
+                                  </p:stCondLst>
+                                  <p:childTnLst>
+                                    <p:set>
+                                      <p:cBhvr>
+                                        <p:cTn id="22" dur="1" fill="hold">
+                                          <p:stCondLst>
+                                            <p:cond delay="0"/>
+                                          </p:stCondLst>
+                                        </p:cTn>
+                                        <p:tgtEl>
+                                          <p:spTgt spid="3">
+                                            <p:txEl>
+                                              <p:pRg st="4" end="4"/>
+                                            </p:txEl>
+                                          </p:spTgt>
+                                        </p:tgtEl>
+                                        <p:attrNameLst>
+                                          <p:attrName>style.visibility</p:attrName>
+                                        </p:attrNameLst>
+                                      </p:cBhvr>
+                                      <p:to>
+                                        <p:strVal val="visible"/>
+                                      </p:to>
+                                    </p:set>
+                                  </p:childTnLst>
+                                </p:cTn>
+                              </p:par>
+                            </p:childTnLst>
+                          </p:cTn>
+                        </p:par>
+                      </p:childTnLst>
+                    </p:cTn>
+                  </p:par>
+                  <p:par>
+                    <p:cTn id="23" fill="hold">
+                      <p:stCondLst>
+                        <p:cond delay="indefinite"/>
+                      </p:stCondLst>
+                      <p:childTnLst>
+                        <p:par>
+                          <p:cTn id="24" fill="hold">
+                            <p:stCondLst>
+                              <p:cond delay="0"/>
+                            </p:stCondLst>
+                            <p:childTnLst>
+                              <p:par>
+                                <p:cTn id="25" presetID="1" presetClass="entr" presetSubtype="0" fill="hold" grpId="0" nodeType="clickEffect">
+                                  <p:stCondLst>
+                                    <p:cond delay="0"/>
+                                  </p:stCondLst>
+                                  <p:childTnLst>
+                                    <p:set>
+                                      <p:cBhvr>
+                                        <p:cTn id="26" dur="1" fill="hold">
+                                          <p:stCondLst>
+                                            <p:cond delay="0"/>
+                                          </p:stCondLst>
+                                        </p:cTn>
+                                        <p:tgtEl>
+                                          <p:spTgt spid="3">
+                                            <p:txEl>
+                                              <p:pRg st="5" end="5"/>
+                                            </p:txEl>
+                                          </p:spTgt>
+                                        </p:tgtEl>
+                                        <p:attrNameLst>
+                                          <p:attrName>style.visibility</p:attrName>
+                                        </p:attrNameLst>
+                                      </p:cBhvr>
+                                      <p:to>
+                                        <p:strVal val="visible"/>
+                                      </p:to>
+                                    </p:set>
+                                  </p:childTnLst>
+                                </p:cTn>
+                              </p:par>
+                            </p:childTnLst>
+                          </p:cTn>
+                        </p:par>
+                      </p:childTnLst>
+                    </p:cTn>
+                  </p:par>
+                </p:childTnLst>
+              </p:cTn>
+              <p:prevCondLst>
+                <p:cond evt="onPrev" delay="0">
+                  <p:tgtEl>
+                    <p:sldTgt/>
+                  </p:tgtEl>
+                </p:cond>
+              </p:prevCondLst>
+              <p:nextCondLst>
+                <p:cond evt="onNext" delay="0">
+                  <p:tgtEl>
+                    <p:sldTgt/>
+                  </p:tgtEl>
+                </p:cond>
+              </p:nextCondLst>
+            </p:seq>
+          </p:childTnLst>
+        </p:cTn>
       </p:par>
     </p:tnLst>
+    <p:bldLst>
+      <p:bldP spid="3" grpId="0" build="p"/>
+    </p:bldLst>
   </p:timing>
 </p:sld>
 </file>
@@ -20221,7 +20944,13 @@
       </p:grpSpPr>
       <p:sp>
         <p:nvSpPr>
-          <p:cNvPr id="2" name="Заголовок 1"/>
+          <p:cNvPr id="2" name="Заголовок 1">
+            <a:extLst>
+              <a:ext uri="{FF2B5EF4-FFF2-40B4-BE49-F238E27FC236}">
+                <a16:creationId xmlns:a16="http://schemas.microsoft.com/office/drawing/2014/main" id="{1718BF9D-40CC-497C-BFDA-9946965B6AB5}"/>
+              </a:ext>
+            </a:extLst>
+          </p:cNvPr>
           <p:cNvSpPr>
             <a:spLocks noGrp="1"/>
           </p:cNvSpPr>
@@ -20231,30 +20960,96 @@
         </p:nvSpPr>
         <p:spPr/>
         <p:txBody>
-          <a:bodyPr/>
+          <a:bodyPr>
+            <a:normAutofit/>
+          </a:bodyPr>
           <a:lstStyle/>
           <a:p>
             <a:r>
-              <a:rPr lang="en-US" dirty="0"/>
-              <a:t>Service Locator</a:t>
-            </a:r>
-            <a:r>
+              <a:rPr lang="ru-RU" sz="3200" dirty="0">
+                <a:solidFill>
+                  <a:schemeClr val="tx1"/>
+                </a:solidFill>
+              </a:rPr>
+              <a:t>В чем разница между</a:t>
+            </a:r>
+            <a:br>
               <a:rPr lang="ru-RU" dirty="0">
                 <a:solidFill>
                   <a:schemeClr val="tx1"/>
                 </a:solidFill>
               </a:rPr>
-              <a:t> - </a:t>
-            </a:r>
-            <a:r>
-              <a:rPr lang="ru-RU" dirty="0" err="1">
+            </a:br>
+            <a:r>
+              <a:rPr lang="en-US" dirty="0">
                 <a:solidFill>
                   <a:schemeClr val="tx1"/>
                 </a:solidFill>
               </a:rPr>
-              <a:t>антипаттерн</a:t>
-            </a:r>
-            <a:endParaRPr lang="ru-RU" dirty="0">
+              <a:t>Dependency </a:t>
+            </a:r>
+            <a:r>
+              <a:rPr lang="en-US" b="1" i="1" dirty="0"/>
+              <a:t>Injection</a:t>
+            </a:r>
+            <a:br>
+              <a:rPr lang="ru-RU" dirty="0">
+                <a:solidFill>
+                  <a:schemeClr val="tx1"/>
+                </a:solidFill>
+              </a:rPr>
+            </a:br>
+            <a:r>
+              <a:rPr lang="ru-RU" sz="3200" dirty="0">
+                <a:solidFill>
+                  <a:schemeClr val="tx1"/>
+                </a:solidFill>
+              </a:rPr>
+              <a:t>и</a:t>
+            </a:r>
+            <a:br>
+              <a:rPr lang="en-US" dirty="0">
+                <a:solidFill>
+                  <a:schemeClr val="tx1"/>
+                </a:solidFill>
+              </a:rPr>
+            </a:br>
+            <a:r>
+              <a:rPr lang="en-US" dirty="0">
+                <a:solidFill>
+                  <a:schemeClr val="tx1"/>
+                </a:solidFill>
+              </a:rPr>
+              <a:t>Dependency </a:t>
+            </a:r>
+            <a:r>
+              <a:rPr lang="en-US" b="1" i="1" dirty="0"/>
+              <a:t>Inversion</a:t>
+            </a:r>
+            <a:r>
+              <a:rPr lang="en-US" dirty="0">
+                <a:solidFill>
+                  <a:schemeClr val="tx1"/>
+                </a:solidFill>
+              </a:rPr>
+              <a:t> Principle</a:t>
+            </a:r>
+            <a:br>
+              <a:rPr lang="ru-RU" dirty="0">
+                <a:solidFill>
+                  <a:schemeClr val="tx1"/>
+                </a:solidFill>
+              </a:rPr>
+            </a:br>
+            <a:r>
+              <a:rPr lang="en-US" sz="6000" b="1" dirty="0">
+                <a:solidFill>
+                  <a:schemeClr val="tx1"/>
+                </a:solidFill>
+              </a:rPr>
+              <a:t>?</a:t>
+            </a:r>
+            <a:endParaRPr lang="en-US" b="1" dirty="0">
               <a:solidFill>
                 <a:schemeClr val="tx1"/>
               </a:solidFill>
@@ -20265,20 +21060,13 @@
     </p:spTree>
     <p:extLst>
       <p:ext uri="{BB962C8B-B14F-4D97-AF65-F5344CB8AC3E}">
-        <p14:creationId xmlns:p14="http://schemas.microsoft.com/office/powerpoint/2010/main" val="790166754"/>
+        <p14:creationId xmlns:p14="http://schemas.microsoft.com/office/powerpoint/2010/main" val="3480681167"/>
       </p:ext>
     </p:extLst>
   </p:cSld>
   <p:clrMapOvr>
     <a:masterClrMapping/>
   </p:clrMapOvr>
-  <p:timing>
-    <p:tnLst>
-      <p:par>
-        <p:cTn id="1" dur="indefinite" restart="never" nodeType="tmRoot"/>
-      </p:par>
-    </p:tnLst>
-  </p:timing>
 </p:sld>
 </file>
 
@@ -20301,6 +21089,466 @@
       </p:grpSpPr>
       <p:sp>
         <p:nvSpPr>
+          <p:cNvPr id="3" name="Объект 2"/>
+          <p:cNvSpPr>
+            <a:spLocks noGrp="1"/>
+          </p:cNvSpPr>
+          <p:nvPr>
+            <p:ph sz="quarter" idx="13"/>
+          </p:nvPr>
+        </p:nvSpPr>
+        <p:spPr/>
+        <p:txBody>
+          <a:bodyPr>
+            <a:normAutofit/>
+          </a:bodyPr>
+          <a:lstStyle/>
+          <a:p>
+            <a:r>
+              <a:rPr lang="en-US" sz="2000" dirty="0">
+                <a:solidFill>
+                  <a:srgbClr val="0000FF"/>
+                </a:solidFill>
+                <a:latin typeface="Consolas" panose="020B0609020204030204" pitchFamily="49" charset="0"/>
+              </a:rPr>
+              <a:t>public</a:t>
+            </a:r>
+            <a:r>
+              <a:rPr lang="en-US" sz="2000" dirty="0">
+                <a:latin typeface="Consolas" panose="020B0609020204030204" pitchFamily="49" charset="0"/>
+              </a:rPr>
+              <a:t> </a:t>
+            </a:r>
+            <a:r>
+              <a:rPr lang="en-US" sz="2000" dirty="0">
+                <a:solidFill>
+                  <a:srgbClr val="0000FF"/>
+                </a:solidFill>
+                <a:latin typeface="Consolas" panose="020B0609020204030204" pitchFamily="49" charset="0"/>
+              </a:rPr>
+              <a:t>class</a:t>
+            </a:r>
+            <a:r>
+              <a:rPr lang="en-US" sz="2000" dirty="0">
+                <a:latin typeface="Consolas" panose="020B0609020204030204" pitchFamily="49" charset="0"/>
+              </a:rPr>
+              <a:t> </a:t>
+            </a:r>
+            <a:r>
+              <a:rPr lang="en-US" sz="2000" dirty="0">
+                <a:solidFill>
+                  <a:srgbClr val="00007F"/>
+                </a:solidFill>
+                <a:latin typeface="Consolas" panose="020B0609020204030204" pitchFamily="49" charset="0"/>
+              </a:rPr>
+              <a:t>Chessboard</a:t>
+            </a:r>
+          </a:p>
+          <a:p>
+            <a:r>
+              <a:rPr lang="ru-RU" sz="2000" dirty="0">
+                <a:latin typeface="Consolas" panose="020B0609020204030204" pitchFamily="49" charset="0"/>
+              </a:rPr>
+              <a:t>{</a:t>
+            </a:r>
+          </a:p>
+          <a:p>
+            <a:r>
+              <a:rPr lang="en-US" sz="2000" dirty="0">
+                <a:latin typeface="Consolas" panose="020B0609020204030204" pitchFamily="49" charset="0"/>
+              </a:rPr>
+              <a:t>    </a:t>
+            </a:r>
+            <a:r>
+              <a:rPr lang="en-US" sz="2000" dirty="0">
+                <a:solidFill>
+                  <a:srgbClr val="0000FF"/>
+                </a:solidFill>
+                <a:latin typeface="Consolas" panose="020B0609020204030204" pitchFamily="49" charset="0"/>
+              </a:rPr>
+              <a:t>public</a:t>
+            </a:r>
+            <a:r>
+              <a:rPr lang="en-US" sz="2000" dirty="0">
+                <a:latin typeface="Consolas" panose="020B0609020204030204" pitchFamily="49" charset="0"/>
+              </a:rPr>
+              <a:t> </a:t>
+            </a:r>
+            <a:r>
+              <a:rPr lang="en-US" sz="2000" dirty="0">
+                <a:solidFill>
+                  <a:srgbClr val="2B91AF"/>
+                </a:solidFill>
+                <a:latin typeface="Consolas" panose="020B0609020204030204" pitchFamily="49" charset="0"/>
+              </a:rPr>
+              <a:t>Chessboard</a:t>
+            </a:r>
+            <a:r>
+              <a:rPr lang="en-US" sz="2000" dirty="0">
+                <a:latin typeface="Consolas" panose="020B0609020204030204" pitchFamily="49" charset="0"/>
+              </a:rPr>
+              <a:t>()</a:t>
+            </a:r>
+          </a:p>
+          <a:p>
+            <a:r>
+              <a:rPr lang="ru-RU" sz="2000" dirty="0">
+                <a:latin typeface="Consolas" panose="020B0609020204030204" pitchFamily="49" charset="0"/>
+              </a:rPr>
+              <a:t>    {</a:t>
+            </a:r>
+          </a:p>
+          <a:p>
+            <a:r>
+              <a:rPr lang="ru-RU" sz="2000" dirty="0">
+                <a:latin typeface="Consolas" panose="020B0609020204030204" pitchFamily="49" charset="0"/>
+              </a:rPr>
+              <a:t>        </a:t>
+            </a:r>
+            <a:r>
+              <a:rPr lang="en-US" sz="2000" dirty="0" err="1">
+                <a:solidFill>
+                  <a:srgbClr val="0000FF"/>
+                </a:solidFill>
+                <a:latin typeface="Consolas" panose="020B0609020204030204" pitchFamily="49" charset="0"/>
+              </a:rPr>
+              <a:t>var</a:t>
+            </a:r>
+            <a:r>
+              <a:rPr lang="en-US" sz="2000" dirty="0">
+                <a:latin typeface="Consolas" panose="020B0609020204030204" pitchFamily="49" charset="0"/>
+              </a:rPr>
+              <a:t> reader = </a:t>
+            </a:r>
+            <a:r>
+              <a:rPr lang="en-US" sz="2000" dirty="0" err="1">
+                <a:solidFill>
+                  <a:srgbClr val="00007F"/>
+                </a:solidFill>
+                <a:latin typeface="Consolas" panose="020B0609020204030204" pitchFamily="49" charset="0"/>
+              </a:rPr>
+              <a:t>ServiceLocator</a:t>
+            </a:r>
+            <a:r>
+              <a:rPr lang="en-US" sz="2000" dirty="0" err="1">
+                <a:latin typeface="Consolas" panose="020B0609020204030204" pitchFamily="49" charset="0"/>
+              </a:rPr>
+              <a:t>.</a:t>
+            </a:r>
+            <a:r>
+              <a:rPr lang="en-US" sz="2000" dirty="0" err="1">
+                <a:solidFill>
+                  <a:srgbClr val="800080"/>
+                </a:solidFill>
+                <a:latin typeface="Consolas" panose="020B0609020204030204" pitchFamily="49" charset="0"/>
+              </a:rPr>
+              <a:t>Instance</a:t>
+            </a:r>
+            <a:r>
+              <a:rPr lang="en-US" sz="2000" dirty="0" err="1">
+                <a:latin typeface="Consolas" panose="020B0609020204030204" pitchFamily="49" charset="0"/>
+              </a:rPr>
+              <a:t>.</a:t>
+            </a:r>
+            <a:r>
+              <a:rPr lang="en-US" sz="2000" dirty="0" err="1">
+                <a:solidFill>
+                  <a:srgbClr val="2B91AF"/>
+                </a:solidFill>
+                <a:latin typeface="Consolas" panose="020B0609020204030204" pitchFamily="49" charset="0"/>
+              </a:rPr>
+              <a:t>Get</a:t>
+            </a:r>
+            <a:r>
+              <a:rPr lang="en-US" sz="2000" dirty="0">
+                <a:latin typeface="Consolas" panose="020B0609020204030204" pitchFamily="49" charset="0"/>
+              </a:rPr>
+              <a:t>&lt;</a:t>
+            </a:r>
+            <a:r>
+              <a:rPr lang="en-US" sz="2000" dirty="0" err="1">
+                <a:solidFill>
+                  <a:srgbClr val="00007F"/>
+                </a:solidFill>
+                <a:latin typeface="Consolas" panose="020B0609020204030204" pitchFamily="49" charset="0"/>
+              </a:rPr>
+              <a:t>StreamReader</a:t>
+            </a:r>
+            <a:r>
+              <a:rPr lang="en-US" sz="2000" dirty="0">
+                <a:latin typeface="Consolas" panose="020B0609020204030204" pitchFamily="49" charset="0"/>
+              </a:rPr>
+              <a:t>&gt;();</a:t>
+            </a:r>
+          </a:p>
+          <a:p>
+            <a:r>
+              <a:rPr lang="ru-RU" sz="2000" dirty="0">
+                <a:latin typeface="Consolas" panose="020B0609020204030204" pitchFamily="49" charset="0"/>
+              </a:rPr>
+              <a:t> </a:t>
+            </a:r>
+            <a:r>
+              <a:rPr lang="en-US" sz="2000" dirty="0">
+                <a:latin typeface="Consolas" panose="020B0609020204030204" pitchFamily="49" charset="0"/>
+              </a:rPr>
+              <a:t>       </a:t>
+            </a:r>
+            <a:r>
+              <a:rPr lang="en-US" sz="2000" dirty="0" err="1">
+                <a:solidFill>
+                  <a:srgbClr val="0000FF"/>
+                </a:solidFill>
+                <a:latin typeface="Consolas" panose="020B0609020204030204" pitchFamily="49" charset="0"/>
+              </a:rPr>
+              <a:t>var</a:t>
+            </a:r>
+            <a:r>
+              <a:rPr lang="en-US" sz="2000" dirty="0">
+                <a:latin typeface="Consolas" panose="020B0609020204030204" pitchFamily="49" charset="0"/>
+              </a:rPr>
+              <a:t> parser = </a:t>
+            </a:r>
+            <a:r>
+              <a:rPr lang="en-US" sz="2000" dirty="0" err="1">
+                <a:solidFill>
+                  <a:srgbClr val="00007F"/>
+                </a:solidFill>
+                <a:latin typeface="Consolas" panose="020B0609020204030204" pitchFamily="49" charset="0"/>
+              </a:rPr>
+              <a:t>ServiceLocator</a:t>
+            </a:r>
+            <a:r>
+              <a:rPr lang="en-US" sz="2000" dirty="0" err="1">
+                <a:latin typeface="Consolas" panose="020B0609020204030204" pitchFamily="49" charset="0"/>
+              </a:rPr>
+              <a:t>.</a:t>
+            </a:r>
+            <a:r>
+              <a:rPr lang="en-US" sz="2000" dirty="0" err="1">
+                <a:solidFill>
+                  <a:srgbClr val="800080"/>
+                </a:solidFill>
+                <a:latin typeface="Consolas" panose="020B0609020204030204" pitchFamily="49" charset="0"/>
+              </a:rPr>
+              <a:t>Instance</a:t>
+            </a:r>
+            <a:r>
+              <a:rPr lang="en-US" sz="2000" dirty="0" err="1">
+                <a:latin typeface="Consolas" panose="020B0609020204030204" pitchFamily="49" charset="0"/>
+              </a:rPr>
+              <a:t>.</a:t>
+            </a:r>
+            <a:r>
+              <a:rPr lang="en-US" sz="2000" dirty="0" err="1">
+                <a:solidFill>
+                  <a:srgbClr val="2B91AF"/>
+                </a:solidFill>
+                <a:latin typeface="Consolas" panose="020B0609020204030204" pitchFamily="49" charset="0"/>
+              </a:rPr>
+              <a:t>Get</a:t>
+            </a:r>
+            <a:r>
+              <a:rPr lang="en-US" sz="2000" dirty="0">
+                <a:latin typeface="Consolas" panose="020B0609020204030204" pitchFamily="49" charset="0"/>
+              </a:rPr>
+              <a:t>&lt;</a:t>
+            </a:r>
+            <a:r>
+              <a:rPr lang="en-US" sz="2000" dirty="0" err="1">
+                <a:solidFill>
+                  <a:srgbClr val="00007F"/>
+                </a:solidFill>
+                <a:latin typeface="Consolas" panose="020B0609020204030204" pitchFamily="49" charset="0"/>
+              </a:rPr>
+              <a:t>IBoardParser</a:t>
+            </a:r>
+            <a:r>
+              <a:rPr lang="en-US" sz="2000" dirty="0">
+                <a:latin typeface="Consolas" panose="020B0609020204030204" pitchFamily="49" charset="0"/>
+              </a:rPr>
+              <a:t>&gt;();</a:t>
+            </a:r>
+            <a:endParaRPr lang="ru-RU" sz="2000" dirty="0">
+              <a:latin typeface="Consolas" panose="020B0609020204030204" pitchFamily="49" charset="0"/>
+            </a:endParaRPr>
+          </a:p>
+          <a:p>
+            <a:r>
+              <a:rPr lang="en-US" sz="2000" dirty="0">
+                <a:latin typeface="Consolas" panose="020B0609020204030204" pitchFamily="49" charset="0"/>
+              </a:rPr>
+              <a:t>        </a:t>
+            </a:r>
+            <a:r>
+              <a:rPr lang="en-US" sz="2000" dirty="0" err="1">
+                <a:solidFill>
+                  <a:srgbClr val="0000FF"/>
+                </a:solidFill>
+                <a:latin typeface="Consolas" panose="020B0609020204030204" pitchFamily="49" charset="0"/>
+              </a:rPr>
+              <a:t>this</a:t>
+            </a:r>
+            <a:r>
+              <a:rPr lang="en-US" sz="2000" dirty="0" err="1">
+                <a:latin typeface="Consolas" panose="020B0609020204030204" pitchFamily="49" charset="0"/>
+              </a:rPr>
+              <a:t>.</a:t>
+            </a:r>
+            <a:r>
+              <a:rPr lang="en-US" sz="2000" dirty="0" err="1">
+                <a:solidFill>
+                  <a:srgbClr val="800080"/>
+                </a:solidFill>
+                <a:latin typeface="Consolas" panose="020B0609020204030204" pitchFamily="49" charset="0"/>
+              </a:rPr>
+              <a:t>cells</a:t>
+            </a:r>
+            <a:r>
+              <a:rPr lang="en-US" sz="2000" dirty="0">
+                <a:latin typeface="Consolas" panose="020B0609020204030204" pitchFamily="49" charset="0"/>
+              </a:rPr>
+              <a:t> = </a:t>
+            </a:r>
+            <a:r>
+              <a:rPr lang="en-US" sz="2000" dirty="0" err="1">
+                <a:solidFill>
+                  <a:srgbClr val="2B91AF"/>
+                </a:solidFill>
+                <a:latin typeface="Consolas" panose="020B0609020204030204" pitchFamily="49" charset="0"/>
+              </a:rPr>
+              <a:t>LoadBoard</a:t>
+            </a:r>
+            <a:r>
+              <a:rPr lang="en-US" sz="2000" dirty="0">
+                <a:latin typeface="Consolas" panose="020B0609020204030204" pitchFamily="49" charset="0"/>
+              </a:rPr>
+              <a:t>(</a:t>
+            </a:r>
+          </a:p>
+          <a:p>
+            <a:r>
+              <a:rPr lang="en-US" sz="2000" dirty="0">
+                <a:latin typeface="Consolas" panose="020B0609020204030204" pitchFamily="49" charset="0"/>
+              </a:rPr>
+              <a:t>            </a:t>
+            </a:r>
+            <a:r>
+              <a:rPr lang="en-US" sz="2000" dirty="0">
+                <a:solidFill>
+                  <a:srgbClr val="0000FF"/>
+                </a:solidFill>
+                <a:latin typeface="Consolas" panose="020B0609020204030204" pitchFamily="49" charset="0"/>
+              </a:rPr>
+              <a:t>new</a:t>
+            </a:r>
+            <a:r>
+              <a:rPr lang="en-US" sz="2000" dirty="0">
+                <a:latin typeface="Consolas" panose="020B0609020204030204" pitchFamily="49" charset="0"/>
+              </a:rPr>
+              <a:t> </a:t>
+            </a:r>
+            <a:r>
+              <a:rPr lang="en-US" sz="2000" dirty="0" err="1">
+                <a:solidFill>
+                  <a:srgbClr val="00007F"/>
+                </a:solidFill>
+                <a:latin typeface="Consolas" panose="020B0609020204030204" pitchFamily="49" charset="0"/>
+              </a:rPr>
+              <a:t>StreamReader</a:t>
+            </a:r>
+            <a:r>
+              <a:rPr lang="en-US" sz="2000" dirty="0">
+                <a:latin typeface="Consolas" panose="020B0609020204030204" pitchFamily="49" charset="0"/>
+              </a:rPr>
+              <a:t>(</a:t>
+            </a:r>
+            <a:r>
+              <a:rPr lang="en-US" sz="2000" dirty="0">
+                <a:solidFill>
+                  <a:srgbClr val="A31515"/>
+                </a:solidFill>
+                <a:latin typeface="Consolas" panose="020B0609020204030204" pitchFamily="49" charset="0"/>
+              </a:rPr>
+              <a:t>"input.txt"</a:t>
+            </a:r>
+            <a:r>
+              <a:rPr lang="en-US" sz="2000" dirty="0">
+                <a:latin typeface="Consolas" panose="020B0609020204030204" pitchFamily="49" charset="0"/>
+              </a:rPr>
+              <a:t>),</a:t>
+            </a:r>
+          </a:p>
+          <a:p>
+            <a:r>
+              <a:rPr lang="en-US" sz="2000" dirty="0">
+                <a:latin typeface="Consolas" panose="020B0609020204030204" pitchFamily="49" charset="0"/>
+              </a:rPr>
+              <a:t>            </a:t>
+            </a:r>
+            <a:r>
+              <a:rPr lang="en-US" sz="2000" dirty="0">
+                <a:solidFill>
+                  <a:srgbClr val="0000FF"/>
+                </a:solidFill>
+                <a:latin typeface="Consolas" panose="020B0609020204030204" pitchFamily="49" charset="0"/>
+              </a:rPr>
+              <a:t>new</a:t>
+            </a:r>
+            <a:r>
+              <a:rPr lang="en-US" sz="2000" dirty="0">
+                <a:latin typeface="Consolas" panose="020B0609020204030204" pitchFamily="49" charset="0"/>
+              </a:rPr>
+              <a:t> </a:t>
+            </a:r>
+            <a:r>
+              <a:rPr lang="en-US" sz="2000" dirty="0" err="1">
+                <a:solidFill>
+                  <a:srgbClr val="00007F"/>
+                </a:solidFill>
+                <a:latin typeface="Consolas" panose="020B0609020204030204" pitchFamily="49" charset="0"/>
+              </a:rPr>
+              <a:t>BoardParser</a:t>
+            </a:r>
+            <a:r>
+              <a:rPr lang="en-US" sz="2000" dirty="0">
+                <a:latin typeface="Consolas" panose="020B0609020204030204" pitchFamily="49" charset="0"/>
+              </a:rPr>
+              <a:t>());</a:t>
+            </a:r>
+          </a:p>
+          <a:p>
+            <a:r>
+              <a:rPr lang="en-US" sz="2000" dirty="0">
+                <a:latin typeface="Consolas" panose="020B0609020204030204" pitchFamily="49" charset="0"/>
+              </a:rPr>
+              <a:t>    </a:t>
+            </a:r>
+            <a:r>
+              <a:rPr lang="ru-RU" sz="2000" dirty="0">
+                <a:latin typeface="Consolas" panose="020B0609020204030204" pitchFamily="49" charset="0"/>
+              </a:rPr>
+              <a:t>}</a:t>
+            </a:r>
+            <a:endParaRPr lang="en-US" sz="2000" dirty="0">
+              <a:latin typeface="Consolas" panose="020B0609020204030204" pitchFamily="49" charset="0"/>
+            </a:endParaRPr>
+          </a:p>
+          <a:p>
+            <a:r>
+              <a:rPr lang="en-US" sz="2000" dirty="0">
+                <a:latin typeface="Consolas" panose="020B0609020204030204" pitchFamily="49" charset="0"/>
+              </a:rPr>
+              <a:t>}</a:t>
+            </a:r>
+            <a:endParaRPr lang="ru-RU" sz="2000" dirty="0">
+              <a:latin typeface="Consolas" panose="020B0609020204030204" pitchFamily="49" charset="0"/>
+            </a:endParaRPr>
+          </a:p>
+        </p:txBody>
+      </p:sp>
+      <p:sp>
+        <p:nvSpPr>
           <p:cNvPr id="2" name="Заголовок 1"/>
           <p:cNvSpPr>
             <a:spLocks noGrp="1"/>
@@ -20315,30 +21563,31 @@
           <a:lstStyle/>
           <a:p>
             <a:r>
-              <a:rPr lang="en-US" dirty="0"/>
-              <a:t>DI Container</a:t>
-            </a:r>
-            <a:endParaRPr lang="ru-RU" dirty="0"/>
+              <a:rPr lang="en-US" sz="4000" dirty="0"/>
+              <a:t>DIP </a:t>
+            </a:r>
+            <a:r>
+              <a:rPr lang="ru-RU" sz="4000" dirty="0"/>
+              <a:t>через </a:t>
+            </a:r>
+            <a:r>
+              <a:rPr lang="en-US" sz="4000" dirty="0"/>
+              <a:t>SERVICE LOCATOR</a:t>
+            </a:r>
+            <a:endParaRPr lang="ru-RU" sz="4000" dirty="0"/>
           </a:p>
         </p:txBody>
       </p:sp>
     </p:spTree>
     <p:extLst>
       <p:ext uri="{BB962C8B-B14F-4D97-AF65-F5344CB8AC3E}">
-        <p14:creationId xmlns:p14="http://schemas.microsoft.com/office/powerpoint/2010/main" val="215197585"/>
+        <p14:creationId xmlns:p14="http://schemas.microsoft.com/office/powerpoint/2010/main" val="3442399668"/>
       </p:ext>
     </p:extLst>
   </p:cSld>
   <p:clrMapOvr>
     <a:masterClrMapping/>
   </p:clrMapOvr>
-  <p:timing>
-    <p:tnLst>
-      <p:par>
-        <p:cTn id="1" dur="indefinite" restart="never" nodeType="tmRoot"/>
-      </p:par>
-    </p:tnLst>
-  </p:timing>
 </p:sld>
 </file>
 

--- a/di.pptx
+++ b/di.pptx
@@ -2469,6 +2469,13 @@
         </dgm:presLayoutVars>
       </dgm:prSet>
       <dgm:spPr/>
+      <dgm:t>
+        <a:bodyPr/>
+        <a:lstStyle/>
+        <a:p>
+          <a:endParaRPr lang="ru-RU"/>
+        </a:p>
+      </dgm:t>
     </dgm:pt>
     <dgm:pt modelId="{CF6D50B3-578A-4EA0-A5A0-492FA729F6ED}" type="pres">
       <dgm:prSet presAssocID="{B75F6A3A-9A51-4DF3-8A57-9AEB0739425C}" presName="composite" presStyleCnt="0"/>
@@ -2481,6 +2488,13 @@
         </dgm:presLayoutVars>
       </dgm:prSet>
       <dgm:spPr/>
+      <dgm:t>
+        <a:bodyPr/>
+        <a:lstStyle/>
+        <a:p>
+          <a:endParaRPr lang="ru-RU"/>
+        </a:p>
+      </dgm:t>
     </dgm:pt>
     <dgm:pt modelId="{61EB78D8-69FF-471D-8FEB-71388C442F55}" type="pres">
       <dgm:prSet presAssocID="{B75F6A3A-9A51-4DF3-8A57-9AEB0739425C}" presName="rect1" presStyleLbl="alignImgPlace1" presStyleIdx="0" presStyleCnt="1" custScaleX="596594" custScaleY="114980" custLinFactX="-64576" custLinFactNeighborX="-100000" custLinFactNeighborY="-13065"/>
@@ -2502,9 +2516,9 @@
     </dgm:pt>
   </dgm:ptLst>
   <dgm:cxnLst>
+    <dgm:cxn modelId="{017518C9-1619-4B19-AA03-86BA999BA287}" srcId="{EAB81984-5B84-4970-8447-2B456B8C58DF}" destId="{B75F6A3A-9A51-4DF3-8A57-9AEB0739425C}" srcOrd="0" destOrd="0" parTransId="{203596AF-4F49-40BA-B1E1-11BDD34B512E}" sibTransId="{A056157B-3867-49A4-9195-F3A4F3FBBA8E}"/>
     <dgm:cxn modelId="{1CEAA455-5BF4-4666-95B8-390900AB8124}" type="presOf" srcId="{EAB81984-5B84-4970-8447-2B456B8C58DF}" destId="{3A252E36-3D7E-49E5-B812-EE4CACF0D5CF}" srcOrd="0" destOrd="0" presId="urn:microsoft.com/office/officeart/2008/layout/PictureGrid"/>
     <dgm:cxn modelId="{147A14B3-96E8-4139-969B-9DB1BCB4D95E}" type="presOf" srcId="{B75F6A3A-9A51-4DF3-8A57-9AEB0739425C}" destId="{B29ABF60-EC0F-45AD-A90E-9C76D15C2F14}" srcOrd="0" destOrd="0" presId="urn:microsoft.com/office/officeart/2008/layout/PictureGrid"/>
-    <dgm:cxn modelId="{017518C9-1619-4B19-AA03-86BA999BA287}" srcId="{EAB81984-5B84-4970-8447-2B456B8C58DF}" destId="{B75F6A3A-9A51-4DF3-8A57-9AEB0739425C}" srcOrd="0" destOrd="0" parTransId="{203596AF-4F49-40BA-B1E1-11BDD34B512E}" sibTransId="{A056157B-3867-49A4-9195-F3A4F3FBBA8E}"/>
     <dgm:cxn modelId="{D3458AFA-605E-43EE-8C8A-0E0C1E3CD931}" type="presParOf" srcId="{3A252E36-3D7E-49E5-B812-EE4CACF0D5CF}" destId="{CF6D50B3-578A-4EA0-A5A0-492FA729F6ED}" srcOrd="0" destOrd="0" presId="urn:microsoft.com/office/officeart/2008/layout/PictureGrid"/>
     <dgm:cxn modelId="{9835F3F3-3E30-4AC4-AD89-BC095FA9A878}" type="presParOf" srcId="{CF6D50B3-578A-4EA0-A5A0-492FA729F6ED}" destId="{B29ABF60-EC0F-45AD-A90E-9C76D15C2F14}" srcOrd="0" destOrd="0" presId="urn:microsoft.com/office/officeart/2008/layout/PictureGrid"/>
     <dgm:cxn modelId="{70FA379F-7827-49B9-806E-1FD72CAE8F89}" type="presParOf" srcId="{CF6D50B3-578A-4EA0-A5A0-492FA729F6ED}" destId="{61EB78D8-69FF-471D-8FEB-71388C442F55}" srcOrd="1" destOrd="0" presId="urn:microsoft.com/office/officeart/2008/layout/PictureGrid"/>
@@ -2576,6 +2590,13 @@
         </dgm:presLayoutVars>
       </dgm:prSet>
       <dgm:spPr/>
+      <dgm:t>
+        <a:bodyPr/>
+        <a:lstStyle/>
+        <a:p>
+          <a:endParaRPr lang="ru-RU"/>
+        </a:p>
+      </dgm:t>
     </dgm:pt>
     <dgm:pt modelId="{CF6D50B3-578A-4EA0-A5A0-492FA729F6ED}" type="pres">
       <dgm:prSet presAssocID="{B75F6A3A-9A51-4DF3-8A57-9AEB0739425C}" presName="composite" presStyleCnt="0"/>
@@ -2588,6 +2609,13 @@
         </dgm:presLayoutVars>
       </dgm:prSet>
       <dgm:spPr/>
+      <dgm:t>
+        <a:bodyPr/>
+        <a:lstStyle/>
+        <a:p>
+          <a:endParaRPr lang="ru-RU"/>
+        </a:p>
+      </dgm:t>
     </dgm:pt>
     <dgm:pt modelId="{61EB78D8-69FF-471D-8FEB-71388C442F55}" type="pres">
       <dgm:prSet presAssocID="{B75F6A3A-9A51-4DF3-8A57-9AEB0739425C}" presName="rect1" presStyleLbl="alignImgPlace1" presStyleIdx="0" presStyleCnt="1" custScaleX="596594" custScaleY="114980" custLinFactX="-64576" custLinFactNeighborX="-100000" custLinFactNeighborY="-13065"/>
@@ -2609,9 +2637,9 @@
     </dgm:pt>
   </dgm:ptLst>
   <dgm:cxnLst>
+    <dgm:cxn modelId="{017518C9-1619-4B19-AA03-86BA999BA287}" srcId="{EAB81984-5B84-4970-8447-2B456B8C58DF}" destId="{B75F6A3A-9A51-4DF3-8A57-9AEB0739425C}" srcOrd="0" destOrd="0" parTransId="{203596AF-4F49-40BA-B1E1-11BDD34B512E}" sibTransId="{A056157B-3867-49A4-9195-F3A4F3FBBA8E}"/>
     <dgm:cxn modelId="{1CEAA455-5BF4-4666-95B8-390900AB8124}" type="presOf" srcId="{EAB81984-5B84-4970-8447-2B456B8C58DF}" destId="{3A252E36-3D7E-49E5-B812-EE4CACF0D5CF}" srcOrd="0" destOrd="0" presId="urn:microsoft.com/office/officeart/2008/layout/PictureGrid"/>
     <dgm:cxn modelId="{147A14B3-96E8-4139-969B-9DB1BCB4D95E}" type="presOf" srcId="{B75F6A3A-9A51-4DF3-8A57-9AEB0739425C}" destId="{B29ABF60-EC0F-45AD-A90E-9C76D15C2F14}" srcOrd="0" destOrd="0" presId="urn:microsoft.com/office/officeart/2008/layout/PictureGrid"/>
-    <dgm:cxn modelId="{017518C9-1619-4B19-AA03-86BA999BA287}" srcId="{EAB81984-5B84-4970-8447-2B456B8C58DF}" destId="{B75F6A3A-9A51-4DF3-8A57-9AEB0739425C}" srcOrd="0" destOrd="0" parTransId="{203596AF-4F49-40BA-B1E1-11BDD34B512E}" sibTransId="{A056157B-3867-49A4-9195-F3A4F3FBBA8E}"/>
     <dgm:cxn modelId="{D3458AFA-605E-43EE-8C8A-0E0C1E3CD931}" type="presParOf" srcId="{3A252E36-3D7E-49E5-B812-EE4CACF0D5CF}" destId="{CF6D50B3-578A-4EA0-A5A0-492FA729F6ED}" srcOrd="0" destOrd="0" presId="urn:microsoft.com/office/officeart/2008/layout/PictureGrid"/>
     <dgm:cxn modelId="{9835F3F3-3E30-4AC4-AD89-BC095FA9A878}" type="presParOf" srcId="{CF6D50B3-578A-4EA0-A5A0-492FA729F6ED}" destId="{B29ABF60-EC0F-45AD-A90E-9C76D15C2F14}" srcOrd="0" destOrd="0" presId="urn:microsoft.com/office/officeart/2008/layout/PictureGrid"/>
     <dgm:cxn modelId="{70FA379F-7827-49B9-806E-1FD72CAE8F89}" type="presParOf" srcId="{CF6D50B3-578A-4EA0-A5A0-492FA729F6ED}" destId="{61EB78D8-69FF-471D-8FEB-71388C442F55}" srcOrd="1" destOrd="0" presId="urn:microsoft.com/office/officeart/2008/layout/PictureGrid"/>
@@ -2701,6 +2729,13 @@
         </dgm:presLayoutVars>
       </dgm:prSet>
       <dgm:spPr/>
+      <dgm:t>
+        <a:bodyPr/>
+        <a:lstStyle/>
+        <a:p>
+          <a:endParaRPr lang="ru-RU"/>
+        </a:p>
+      </dgm:t>
     </dgm:pt>
     <dgm:pt modelId="{65D73C51-61AB-436D-8191-975603FC9C68}" type="pres">
       <dgm:prSet presAssocID="{9C9C0585-42CE-4F34-A2BB-F1377DA03788}" presName="composite" presStyleCnt="0"/>
@@ -2713,6 +2748,13 @@
         </dgm:presLayoutVars>
       </dgm:prSet>
       <dgm:spPr/>
+      <dgm:t>
+        <a:bodyPr/>
+        <a:lstStyle/>
+        <a:p>
+          <a:endParaRPr lang="ru-RU"/>
+        </a:p>
+      </dgm:t>
     </dgm:pt>
     <dgm:pt modelId="{DFDA3CA3-5C68-4A2F-A4A8-285063A35D87}" type="pres">
       <dgm:prSet presAssocID="{9C9C0585-42CE-4F34-A2BB-F1377DA03788}" presName="rect1" presStyleLbl="alignImgPlace1" presStyleIdx="0" presStyleCnt="1" custScaleX="62421" custScaleY="62421" custLinFactNeighborX="1076" custLinFactNeighborY="-52209"/>
@@ -2737,8 +2779,8 @@
     </dgm:pt>
   </dgm:ptLst>
   <dgm:cxnLst>
+    <dgm:cxn modelId="{A177C822-7566-4410-A889-706A6CE15148}" srcId="{8F66C165-B39F-46D3-B19F-623799541DD3}" destId="{9C9C0585-42CE-4F34-A2BB-F1377DA03788}" srcOrd="0" destOrd="0" parTransId="{4E5DCF2B-AAE7-41E2-837F-518128C03597}" sibTransId="{56F70C7F-1925-4DBA-9BD6-AF5E91799A59}"/>
     <dgm:cxn modelId="{A9E27516-E8E4-42A7-A155-024D48E79559}" type="presOf" srcId="{8F66C165-B39F-46D3-B19F-623799541DD3}" destId="{B6F028CB-F170-4FEF-BC3A-25F0E90D434A}" srcOrd="0" destOrd="0" presId="urn:microsoft.com/office/officeart/2008/layout/PictureGrid"/>
-    <dgm:cxn modelId="{A177C822-7566-4410-A889-706A6CE15148}" srcId="{8F66C165-B39F-46D3-B19F-623799541DD3}" destId="{9C9C0585-42CE-4F34-A2BB-F1377DA03788}" srcOrd="0" destOrd="0" parTransId="{4E5DCF2B-AAE7-41E2-837F-518128C03597}" sibTransId="{56F70C7F-1925-4DBA-9BD6-AF5E91799A59}"/>
     <dgm:cxn modelId="{ACD53F50-5BA1-48C9-B5DF-09BF6DA4DE65}" type="presOf" srcId="{9C9C0585-42CE-4F34-A2BB-F1377DA03788}" destId="{A30F2283-C0A4-4A69-BCBE-833D967155A2}" srcOrd="0" destOrd="0" presId="urn:microsoft.com/office/officeart/2008/layout/PictureGrid"/>
     <dgm:cxn modelId="{CC189C1C-06A1-4F03-B886-67BF46A53703}" type="presParOf" srcId="{B6F028CB-F170-4FEF-BC3A-25F0E90D434A}" destId="{65D73C51-61AB-436D-8191-975603FC9C68}" srcOrd="0" destOrd="0" presId="urn:microsoft.com/office/officeart/2008/layout/PictureGrid"/>
     <dgm:cxn modelId="{CD7DB92E-B84F-43A0-AC2D-FBBFB40722EE}" type="presParOf" srcId="{65D73C51-61AB-436D-8191-975603FC9C68}" destId="{A30F2283-C0A4-4A69-BCBE-833D967155A2}" srcOrd="0" destOrd="0" presId="urn:microsoft.com/office/officeart/2008/layout/PictureGrid"/>
@@ -2799,7 +2841,7 @@
         </a:bodyPr>
         <a:lstStyle/>
         <a:p>
-          <a:pPr marL="0" lvl="0" indent="0" algn="l" defTabSz="222250">
+          <a:pPr lvl="0" algn="l" defTabSz="222250">
             <a:lnSpc>
               <a:spcPct val="90000"/>
             </a:lnSpc>
@@ -2809,7 +2851,6 @@
             <a:spcAft>
               <a:spcPct val="35000"/>
             </a:spcAft>
-            <a:buNone/>
           </a:pPr>
           <a:r>
             <a:rPr lang="ru-RU" sz="500" kern="1200" dirty="0"/>
@@ -2923,7 +2964,7 @@
         </a:bodyPr>
         <a:lstStyle/>
         <a:p>
-          <a:pPr marL="0" lvl="0" indent="0" algn="l" defTabSz="222250">
+          <a:pPr lvl="0" algn="l" defTabSz="222250">
             <a:lnSpc>
               <a:spcPct val="90000"/>
             </a:lnSpc>
@@ -2933,7 +2974,6 @@
             <a:spcAft>
               <a:spcPct val="35000"/>
             </a:spcAft>
-            <a:buNone/>
           </a:pPr>
           <a:r>
             <a:rPr lang="ru-RU" sz="500" kern="1200" dirty="0"/>
@@ -3047,7 +3087,7 @@
         </a:bodyPr>
         <a:lstStyle/>
         <a:p>
-          <a:pPr marL="0" lvl="0" indent="0" algn="ctr" defTabSz="1778000">
+          <a:pPr lvl="0" algn="ctr" defTabSz="1778000">
             <a:lnSpc>
               <a:spcPct val="90000"/>
             </a:lnSpc>
@@ -3057,7 +3097,6 @@
             <a:spcAft>
               <a:spcPct val="35000"/>
             </a:spcAft>
-            <a:buNone/>
           </a:pPr>
           <a:r>
             <a:rPr lang="ru-RU" sz="4000" kern="1200" dirty="0">
@@ -7118,7 +7157,7 @@
           <a:p>
             <a:fld id="{98715375-4139-4C08-98FD-C8890076A179}" type="datetimeFigureOut">
               <a:rPr lang="ru-RU" smtClean="0"/>
-              <a:t>31.07.2017</a:t>
+              <a:t>25.08.2017</a:t>
             </a:fld>
             <a:endParaRPr lang="ru-RU"/>
           </a:p>
@@ -7429,21 +7468,51 @@
           <a:bodyPr/>
           <a:lstStyle/>
           <a:p>
-            <a:r>
-              <a:rPr lang="ru-RU" dirty="0"/>
-              <a:t>Это</a:t>
-            </a:r>
-            <a:r>
-              <a:rPr lang="ru-RU" baseline="0" dirty="0"/>
-              <a:t> нарушение </a:t>
-            </a:r>
-            <a:r>
-              <a:rPr lang="en-US" baseline="0" dirty="0"/>
-              <a:t>DIP</a:t>
-            </a:r>
-            <a:r>
-              <a:rPr lang="ru-RU" baseline="0" dirty="0"/>
-              <a:t> — зависимость от конкретики.</a:t>
+            <a:pPr marL="0" indent="0">
+              <a:buFontTx/>
+              <a:buNone/>
+            </a:pPr>
+            <a:r>
+              <a:rPr lang="ru-RU" dirty="0" smtClean="0"/>
+              <a:t>Что здесь плохо?</a:t>
+            </a:r>
+          </a:p>
+          <a:p>
+            <a:pPr marL="171450" indent="-171450">
+              <a:buFontTx/>
+              <a:buChar char="-"/>
+            </a:pPr>
+            <a:r>
+              <a:rPr lang="ru-RU" dirty="0" err="1" smtClean="0"/>
+              <a:t>Chessboard</a:t>
+            </a:r>
+            <a:r>
+              <a:rPr lang="ru-RU" dirty="0" smtClean="0"/>
+              <a:t> знает откуда надо читать содержимое доски, как нужно </a:t>
+            </a:r>
+            <a:r>
+              <a:rPr lang="ru-RU" dirty="0" err="1" smtClean="0"/>
+              <a:t>парсить</a:t>
+            </a:r>
+            <a:r>
+              <a:rPr lang="ru-RU" dirty="0" smtClean="0"/>
+              <a:t> содержимое файлы. Если потребуется изменить путь до файла или</a:t>
+            </a:r>
+            <a:r>
+              <a:rPr lang="ru-RU" baseline="0" dirty="0" smtClean="0"/>
+              <a:t> придется работать с несколькими форматами </a:t>
+            </a:r>
+            <a:r>
+              <a:rPr lang="ru-RU" dirty="0" smtClean="0"/>
+              <a:t>- нужно будет лезть в код </a:t>
+            </a:r>
+            <a:r>
+              <a:rPr lang="en-US" dirty="0" smtClean="0"/>
+              <a:t>Chessboard</a:t>
+            </a:r>
+            <a:r>
+              <a:rPr lang="ru-RU" dirty="0" smtClean="0"/>
+              <a:t>.</a:t>
             </a:r>
             <a:endParaRPr lang="ru-RU" dirty="0"/>
           </a:p>
@@ -7476,6 +7545,715 @@
     <p:extLst>
       <p:ext uri="{BB962C8B-B14F-4D97-AF65-F5344CB8AC3E}">
         <p14:creationId xmlns:p14="http://schemas.microsoft.com/office/powerpoint/2010/main" val="3650076164"/>
+      </p:ext>
+    </p:extLst>
+  </p:cSld>
+  <p:clrMapOvr>
+    <a:masterClrMapping/>
+  </p:clrMapOvr>
+</p:notes>
+</file>
+
+<file path=ppt/notesSlides/notesSlide10.xml><?xml version="1.0" encoding="utf-8"?>
+<p:notes xmlns:a="http://schemas.openxmlformats.org/drawingml/2006/main" xmlns:r="http://schemas.openxmlformats.org/officeDocument/2006/relationships" xmlns:p="http://schemas.openxmlformats.org/presentationml/2006/main">
+  <p:cSld>
+    <p:spTree>
+      <p:nvGrpSpPr>
+        <p:cNvPr id="1" name=""/>
+        <p:cNvGrpSpPr/>
+        <p:nvPr/>
+      </p:nvGrpSpPr>
+      <p:grpSpPr>
+        <a:xfrm>
+          <a:off x="0" y="0"/>
+          <a:ext cx="0" cy="0"/>
+          <a:chOff x="0" y="0"/>
+          <a:chExt cx="0" cy="0"/>
+        </a:xfrm>
+      </p:grpSpPr>
+      <p:sp>
+        <p:nvSpPr>
+          <p:cNvPr id="2" name="Образ слайда 1"/>
+          <p:cNvSpPr>
+            <a:spLocks noGrp="1" noRot="1" noChangeAspect="1"/>
+          </p:cNvSpPr>
+          <p:nvPr>
+            <p:ph type="sldImg"/>
+          </p:nvPr>
+        </p:nvSpPr>
+        <p:spPr/>
+      </p:sp>
+      <p:sp>
+        <p:nvSpPr>
+          <p:cNvPr id="3" name="Заметки 2"/>
+          <p:cNvSpPr>
+            <a:spLocks noGrp="1"/>
+          </p:cNvSpPr>
+          <p:nvPr>
+            <p:ph type="body" idx="1"/>
+          </p:nvPr>
+        </p:nvSpPr>
+        <p:spPr/>
+        <p:txBody>
+          <a:bodyPr/>
+          <a:lstStyle/>
+          <a:p>
+            <a:r>
+              <a:rPr lang="ru-RU" dirty="0" smtClean="0"/>
+              <a:t>Контейнер будет строить граф зависимостей и создавать все что нужно.</a:t>
+            </a:r>
+            <a:endParaRPr lang="ru-RU" dirty="0"/>
+          </a:p>
+        </p:txBody>
+      </p:sp>
+      <p:sp>
+        <p:nvSpPr>
+          <p:cNvPr id="4" name="Номер слайда 3"/>
+          <p:cNvSpPr>
+            <a:spLocks noGrp="1"/>
+          </p:cNvSpPr>
+          <p:nvPr>
+            <p:ph type="sldNum" sz="quarter" idx="10"/>
+          </p:nvPr>
+        </p:nvSpPr>
+        <p:spPr/>
+        <p:txBody>
+          <a:bodyPr/>
+          <a:lstStyle/>
+          <a:p>
+            <a:fld id="{0558A792-AF02-4BD8-8606-DDEB1845C913}" type="slidenum">
+              <a:rPr lang="ru-RU" smtClean="0"/>
+              <a:t>14</a:t>
+            </a:fld>
+            <a:endParaRPr lang="ru-RU"/>
+          </a:p>
+        </p:txBody>
+      </p:sp>
+    </p:spTree>
+    <p:extLst>
+      <p:ext uri="{BB962C8B-B14F-4D97-AF65-F5344CB8AC3E}">
+        <p14:creationId xmlns:p14="http://schemas.microsoft.com/office/powerpoint/2010/main" val="1886853695"/>
+      </p:ext>
+    </p:extLst>
+  </p:cSld>
+  <p:clrMapOvr>
+    <a:masterClrMapping/>
+  </p:clrMapOvr>
+</p:notes>
+</file>
+
+<file path=ppt/notesSlides/notesSlide11.xml><?xml version="1.0" encoding="utf-8"?>
+<p:notes xmlns:a="http://schemas.openxmlformats.org/drawingml/2006/main" xmlns:r="http://schemas.openxmlformats.org/officeDocument/2006/relationships" xmlns:p="http://schemas.openxmlformats.org/presentationml/2006/main">
+  <p:cSld>
+    <p:spTree>
+      <p:nvGrpSpPr>
+        <p:cNvPr id="1" name=""/>
+        <p:cNvGrpSpPr/>
+        <p:nvPr/>
+      </p:nvGrpSpPr>
+      <p:grpSpPr>
+        <a:xfrm>
+          <a:off x="0" y="0"/>
+          <a:ext cx="0" cy="0"/>
+          <a:chOff x="0" y="0"/>
+          <a:chExt cx="0" cy="0"/>
+        </a:xfrm>
+      </p:grpSpPr>
+      <p:sp>
+        <p:nvSpPr>
+          <p:cNvPr id="2" name="Образ слайда 1"/>
+          <p:cNvSpPr>
+            <a:spLocks noGrp="1" noRot="1" noChangeAspect="1"/>
+          </p:cNvSpPr>
+          <p:nvPr>
+            <p:ph type="sldImg"/>
+          </p:nvPr>
+        </p:nvSpPr>
+        <p:spPr/>
+      </p:sp>
+      <p:sp>
+        <p:nvSpPr>
+          <p:cNvPr id="3" name="Заметки 2"/>
+          <p:cNvSpPr>
+            <a:spLocks noGrp="1"/>
+          </p:cNvSpPr>
+          <p:nvPr>
+            <p:ph type="body" idx="1"/>
+          </p:nvPr>
+        </p:nvSpPr>
+        <p:spPr/>
+        <p:txBody>
+          <a:bodyPr/>
+          <a:lstStyle/>
+          <a:p>
+            <a:pPr marL="0" indent="0">
+              <a:buFontTx/>
+              <a:buNone/>
+            </a:pPr>
+            <a:r>
+              <a:rPr lang="ru-RU" dirty="0" smtClean="0"/>
+              <a:t>А</a:t>
+            </a:r>
+            <a:r>
+              <a:rPr lang="ru-RU" baseline="0" dirty="0" smtClean="0"/>
+              <a:t> если зависимостей много?</a:t>
+            </a:r>
+            <a:endParaRPr lang="en-US" dirty="0" smtClean="0"/>
+          </a:p>
+          <a:p>
+            <a:pPr marL="171450" indent="-171450">
+              <a:buFontTx/>
+              <a:buChar char="-"/>
+            </a:pPr>
+            <a:r>
+              <a:rPr lang="ru-RU" dirty="0" smtClean="0"/>
+              <a:t>Вернет коллекцией (список, массив, </a:t>
+            </a:r>
+            <a:r>
+              <a:rPr lang="en-US" dirty="0" smtClean="0"/>
+              <a:t>IE</a:t>
+            </a:r>
+            <a:r>
+              <a:rPr lang="ru-RU" dirty="0" err="1" smtClean="0"/>
+              <a:t>numerable</a:t>
+            </a:r>
+            <a:r>
+              <a:rPr lang="ru-RU" dirty="0" smtClean="0"/>
+              <a:t>)</a:t>
+            </a:r>
+            <a:endParaRPr lang="en-US" dirty="0" smtClean="0"/>
+          </a:p>
+          <a:p>
+            <a:pPr marL="0" indent="0">
+              <a:buFontTx/>
+              <a:buNone/>
+            </a:pPr>
+            <a:endParaRPr lang="en-US" dirty="0" smtClean="0"/>
+          </a:p>
+          <a:p>
+            <a:pPr marL="0" indent="0">
+              <a:buFontTx/>
+              <a:buNone/>
+            </a:pPr>
+            <a:r>
+              <a:rPr lang="ru-RU" dirty="0" smtClean="0"/>
+              <a:t>А если бы попросили 1, а реализаций много?</a:t>
+            </a:r>
+            <a:endParaRPr lang="en-US" dirty="0" smtClean="0"/>
+          </a:p>
+          <a:p>
+            <a:pPr marL="171450" indent="-171450">
+              <a:buFontTx/>
+              <a:buChar char="-"/>
+            </a:pPr>
+            <a:r>
+              <a:rPr lang="ru-RU" dirty="0" smtClean="0"/>
+              <a:t>Все зависит от контейнера, но в данной ситуации появляется непредсказуемое поведение и лучше всего явно упасть.</a:t>
+            </a:r>
+          </a:p>
+          <a:p>
+            <a:pPr marL="0" indent="0">
+              <a:buFontTx/>
+              <a:buNone/>
+            </a:pPr>
+            <a:endParaRPr lang="ru-RU" dirty="0"/>
+          </a:p>
+        </p:txBody>
+      </p:sp>
+      <p:sp>
+        <p:nvSpPr>
+          <p:cNvPr id="4" name="Номер слайда 3"/>
+          <p:cNvSpPr>
+            <a:spLocks noGrp="1"/>
+          </p:cNvSpPr>
+          <p:nvPr>
+            <p:ph type="sldNum" sz="quarter" idx="10"/>
+          </p:nvPr>
+        </p:nvSpPr>
+        <p:spPr/>
+        <p:txBody>
+          <a:bodyPr/>
+          <a:lstStyle/>
+          <a:p>
+            <a:fld id="{0558A792-AF02-4BD8-8606-DDEB1845C913}" type="slidenum">
+              <a:rPr lang="ru-RU" smtClean="0"/>
+              <a:t>15</a:t>
+            </a:fld>
+            <a:endParaRPr lang="ru-RU"/>
+          </a:p>
+        </p:txBody>
+      </p:sp>
+    </p:spTree>
+    <p:extLst>
+      <p:ext uri="{BB962C8B-B14F-4D97-AF65-F5344CB8AC3E}">
+        <p14:creationId xmlns:p14="http://schemas.microsoft.com/office/powerpoint/2010/main" val="1487497788"/>
+      </p:ext>
+    </p:extLst>
+  </p:cSld>
+  <p:clrMapOvr>
+    <a:masterClrMapping/>
+  </p:clrMapOvr>
+</p:notes>
+</file>
+
+<file path=ppt/notesSlides/notesSlide12.xml><?xml version="1.0" encoding="utf-8"?>
+<p:notes xmlns:a="http://schemas.openxmlformats.org/drawingml/2006/main" xmlns:r="http://schemas.openxmlformats.org/officeDocument/2006/relationships" xmlns:p="http://schemas.openxmlformats.org/presentationml/2006/main">
+  <p:cSld>
+    <p:spTree>
+      <p:nvGrpSpPr>
+        <p:cNvPr id="1" name=""/>
+        <p:cNvGrpSpPr/>
+        <p:nvPr/>
+      </p:nvGrpSpPr>
+      <p:grpSpPr>
+        <a:xfrm>
+          <a:off x="0" y="0"/>
+          <a:ext cx="0" cy="0"/>
+          <a:chOff x="0" y="0"/>
+          <a:chExt cx="0" cy="0"/>
+        </a:xfrm>
+      </p:grpSpPr>
+      <p:sp>
+        <p:nvSpPr>
+          <p:cNvPr id="2" name="Образ слайда 1"/>
+          <p:cNvSpPr>
+            <a:spLocks noGrp="1" noRot="1" noChangeAspect="1"/>
+          </p:cNvSpPr>
+          <p:nvPr>
+            <p:ph type="sldImg"/>
+          </p:nvPr>
+        </p:nvSpPr>
+        <p:spPr/>
+      </p:sp>
+      <p:sp>
+        <p:nvSpPr>
+          <p:cNvPr id="3" name="Заметки 2"/>
+          <p:cNvSpPr>
+            <a:spLocks noGrp="1"/>
+          </p:cNvSpPr>
+          <p:nvPr>
+            <p:ph type="body" idx="1"/>
+          </p:nvPr>
+        </p:nvSpPr>
+        <p:spPr/>
+        <p:txBody>
+          <a:bodyPr/>
+          <a:lstStyle/>
+          <a:p>
+            <a:pPr marL="171450" indent="-171450">
+              <a:buFontTx/>
+              <a:buChar char="-"/>
+            </a:pPr>
+            <a:r>
+              <a:rPr lang="ru-RU" dirty="0" smtClean="0"/>
+              <a:t>А если зависимости циклические? </a:t>
+            </a:r>
+            <a:r>
+              <a:rPr lang="ru-RU" dirty="0" smtClean="0"/>
+              <a:t>Как разрулить?</a:t>
+            </a:r>
+            <a:endParaRPr lang="ru-RU" dirty="0" smtClean="0"/>
+          </a:p>
+          <a:p>
+            <a:pPr marL="171450" indent="-171450">
+              <a:buFontTx/>
+              <a:buChar char="-"/>
+            </a:pPr>
+            <a:r>
+              <a:rPr lang="ru-RU" dirty="0" smtClean="0"/>
+              <a:t>Использовать </a:t>
+            </a:r>
+            <a:r>
+              <a:rPr lang="ru-RU" dirty="0" err="1" smtClean="0"/>
+              <a:t>Lazy</a:t>
+            </a:r>
+            <a:endParaRPr lang="ru-RU" dirty="0" smtClean="0"/>
+          </a:p>
+          <a:p>
+            <a:pPr marL="171450" indent="-171450">
+              <a:buFontTx/>
+              <a:buChar char="-"/>
+            </a:pPr>
+            <a:endParaRPr lang="ru-RU" dirty="0"/>
+          </a:p>
+        </p:txBody>
+      </p:sp>
+      <p:sp>
+        <p:nvSpPr>
+          <p:cNvPr id="4" name="Номер слайда 3"/>
+          <p:cNvSpPr>
+            <a:spLocks noGrp="1"/>
+          </p:cNvSpPr>
+          <p:nvPr>
+            <p:ph type="sldNum" sz="quarter" idx="10"/>
+          </p:nvPr>
+        </p:nvSpPr>
+        <p:spPr/>
+        <p:txBody>
+          <a:bodyPr/>
+          <a:lstStyle/>
+          <a:p>
+            <a:fld id="{0558A792-AF02-4BD8-8606-DDEB1845C913}" type="slidenum">
+              <a:rPr lang="ru-RU" smtClean="0"/>
+              <a:t>16</a:t>
+            </a:fld>
+            <a:endParaRPr lang="ru-RU"/>
+          </a:p>
+        </p:txBody>
+      </p:sp>
+    </p:spTree>
+    <p:extLst>
+      <p:ext uri="{BB962C8B-B14F-4D97-AF65-F5344CB8AC3E}">
+        <p14:creationId xmlns:p14="http://schemas.microsoft.com/office/powerpoint/2010/main" val="777386134"/>
+      </p:ext>
+    </p:extLst>
+  </p:cSld>
+  <p:clrMapOvr>
+    <a:masterClrMapping/>
+  </p:clrMapOvr>
+</p:notes>
+</file>
+
+<file path=ppt/notesSlides/notesSlide13.xml><?xml version="1.0" encoding="utf-8"?>
+<p:notes xmlns:a="http://schemas.openxmlformats.org/drawingml/2006/main" xmlns:r="http://schemas.openxmlformats.org/officeDocument/2006/relationships" xmlns:p="http://schemas.openxmlformats.org/presentationml/2006/main">
+  <p:cSld>
+    <p:spTree>
+      <p:nvGrpSpPr>
+        <p:cNvPr id="1" name=""/>
+        <p:cNvGrpSpPr/>
+        <p:nvPr/>
+      </p:nvGrpSpPr>
+      <p:grpSpPr>
+        <a:xfrm>
+          <a:off x="0" y="0"/>
+          <a:ext cx="0" cy="0"/>
+          <a:chOff x="0" y="0"/>
+          <a:chExt cx="0" cy="0"/>
+        </a:xfrm>
+      </p:grpSpPr>
+      <p:sp>
+        <p:nvSpPr>
+          <p:cNvPr id="2" name="Образ слайда 1"/>
+          <p:cNvSpPr>
+            <a:spLocks noGrp="1" noRot="1" noChangeAspect="1"/>
+          </p:cNvSpPr>
+          <p:nvPr>
+            <p:ph type="sldImg"/>
+          </p:nvPr>
+        </p:nvSpPr>
+        <p:spPr/>
+      </p:sp>
+      <p:sp>
+        <p:nvSpPr>
+          <p:cNvPr id="3" name="Заметки 2"/>
+          <p:cNvSpPr>
+            <a:spLocks noGrp="1"/>
+          </p:cNvSpPr>
+          <p:nvPr>
+            <p:ph type="body" idx="1"/>
+          </p:nvPr>
+        </p:nvSpPr>
+        <p:spPr/>
+        <p:txBody>
+          <a:bodyPr/>
+          <a:lstStyle/>
+          <a:p>
+            <a:r>
+              <a:rPr lang="ru-RU" dirty="0" smtClean="0"/>
+              <a:t>Возможны ситуации, когда зависимость известна только в процессе выполнения.</a:t>
+            </a:r>
+          </a:p>
+          <a:p>
+            <a:r>
+              <a:rPr lang="ru-RU" dirty="0" smtClean="0"/>
+              <a:t>В этом случае удобно использовать фабрику, в которую мы передадим эту самую зависимость и получим экземпляр необходимого класса.</a:t>
+            </a:r>
+          </a:p>
+          <a:p>
+            <a:endParaRPr lang="ru-RU" dirty="0"/>
+          </a:p>
+        </p:txBody>
+      </p:sp>
+      <p:sp>
+        <p:nvSpPr>
+          <p:cNvPr id="4" name="Номер слайда 3"/>
+          <p:cNvSpPr>
+            <a:spLocks noGrp="1"/>
+          </p:cNvSpPr>
+          <p:nvPr>
+            <p:ph type="sldNum" sz="quarter" idx="10"/>
+          </p:nvPr>
+        </p:nvSpPr>
+        <p:spPr/>
+        <p:txBody>
+          <a:bodyPr/>
+          <a:lstStyle/>
+          <a:p>
+            <a:fld id="{0558A792-AF02-4BD8-8606-DDEB1845C913}" type="slidenum">
+              <a:rPr lang="ru-RU" smtClean="0"/>
+              <a:t>17</a:t>
+            </a:fld>
+            <a:endParaRPr lang="ru-RU"/>
+          </a:p>
+        </p:txBody>
+      </p:sp>
+    </p:spTree>
+    <p:extLst>
+      <p:ext uri="{BB962C8B-B14F-4D97-AF65-F5344CB8AC3E}">
+        <p14:creationId xmlns:p14="http://schemas.microsoft.com/office/powerpoint/2010/main" val="1982916518"/>
+      </p:ext>
+    </p:extLst>
+  </p:cSld>
+  <p:clrMapOvr>
+    <a:masterClrMapping/>
+  </p:clrMapOvr>
+</p:notes>
+</file>
+
+<file path=ppt/notesSlides/notesSlide14.xml><?xml version="1.0" encoding="utf-8"?>
+<p:notes xmlns:a="http://schemas.openxmlformats.org/drawingml/2006/main" xmlns:r="http://schemas.openxmlformats.org/officeDocument/2006/relationships" xmlns:p="http://schemas.openxmlformats.org/presentationml/2006/main">
+  <p:cSld>
+    <p:spTree>
+      <p:nvGrpSpPr>
+        <p:cNvPr id="1" name=""/>
+        <p:cNvGrpSpPr/>
+        <p:nvPr/>
+      </p:nvGrpSpPr>
+      <p:grpSpPr>
+        <a:xfrm>
+          <a:off x="0" y="0"/>
+          <a:ext cx="0" cy="0"/>
+          <a:chOff x="0" y="0"/>
+          <a:chExt cx="0" cy="0"/>
+        </a:xfrm>
+      </p:grpSpPr>
+      <p:sp>
+        <p:nvSpPr>
+          <p:cNvPr id="2" name="Образ слайда 1"/>
+          <p:cNvSpPr>
+            <a:spLocks noGrp="1" noRot="1" noChangeAspect="1"/>
+          </p:cNvSpPr>
+          <p:nvPr>
+            <p:ph type="sldImg"/>
+          </p:nvPr>
+        </p:nvSpPr>
+        <p:spPr/>
+      </p:sp>
+      <p:sp>
+        <p:nvSpPr>
+          <p:cNvPr id="3" name="Заметки 2"/>
+          <p:cNvSpPr>
+            <a:spLocks noGrp="1"/>
+          </p:cNvSpPr>
+          <p:nvPr>
+            <p:ph type="body" idx="1"/>
+          </p:nvPr>
+        </p:nvSpPr>
+        <p:spPr/>
+        <p:txBody>
+          <a:bodyPr/>
+          <a:lstStyle/>
+          <a:p>
+            <a:endParaRPr lang="ru-RU" dirty="0"/>
+          </a:p>
+        </p:txBody>
+      </p:sp>
+      <p:sp>
+        <p:nvSpPr>
+          <p:cNvPr id="4" name="Номер слайда 3"/>
+          <p:cNvSpPr>
+            <a:spLocks noGrp="1"/>
+          </p:cNvSpPr>
+          <p:nvPr>
+            <p:ph type="sldNum" sz="quarter" idx="10"/>
+          </p:nvPr>
+        </p:nvSpPr>
+        <p:spPr/>
+        <p:txBody>
+          <a:bodyPr/>
+          <a:lstStyle/>
+          <a:p>
+            <a:fld id="{0558A792-AF02-4BD8-8606-DDEB1845C913}" type="slidenum">
+              <a:rPr lang="ru-RU" smtClean="0"/>
+              <a:t>19</a:t>
+            </a:fld>
+            <a:endParaRPr lang="ru-RU"/>
+          </a:p>
+        </p:txBody>
+      </p:sp>
+    </p:spTree>
+    <p:extLst>
+      <p:ext uri="{BB962C8B-B14F-4D97-AF65-F5344CB8AC3E}">
+        <p14:creationId xmlns:p14="http://schemas.microsoft.com/office/powerpoint/2010/main" val="1638153927"/>
+      </p:ext>
+    </p:extLst>
+  </p:cSld>
+  <p:clrMapOvr>
+    <a:masterClrMapping/>
+  </p:clrMapOvr>
+</p:notes>
+</file>
+
+<file path=ppt/notesSlides/notesSlide15.xml><?xml version="1.0" encoding="utf-8"?>
+<p:notes xmlns:a="http://schemas.openxmlformats.org/drawingml/2006/main" xmlns:r="http://schemas.openxmlformats.org/officeDocument/2006/relationships" xmlns:p="http://schemas.openxmlformats.org/presentationml/2006/main">
+  <p:cSld>
+    <p:spTree>
+      <p:nvGrpSpPr>
+        <p:cNvPr id="1" name=""/>
+        <p:cNvGrpSpPr/>
+        <p:nvPr/>
+      </p:nvGrpSpPr>
+      <p:grpSpPr>
+        <a:xfrm>
+          <a:off x="0" y="0"/>
+          <a:ext cx="0" cy="0"/>
+          <a:chOff x="0" y="0"/>
+          <a:chExt cx="0" cy="0"/>
+        </a:xfrm>
+      </p:grpSpPr>
+      <p:sp>
+        <p:nvSpPr>
+          <p:cNvPr id="2" name="Образ слайда 1"/>
+          <p:cNvSpPr>
+            <a:spLocks noGrp="1" noRot="1" noChangeAspect="1"/>
+          </p:cNvSpPr>
+          <p:nvPr>
+            <p:ph type="sldImg"/>
+          </p:nvPr>
+        </p:nvSpPr>
+        <p:spPr/>
+      </p:sp>
+      <p:sp>
+        <p:nvSpPr>
+          <p:cNvPr id="3" name="Заметки 2"/>
+          <p:cNvSpPr>
+            <a:spLocks noGrp="1"/>
+          </p:cNvSpPr>
+          <p:nvPr>
+            <p:ph type="body" idx="1"/>
+          </p:nvPr>
+        </p:nvSpPr>
+        <p:spPr/>
+        <p:txBody>
+          <a:bodyPr/>
+          <a:lstStyle/>
+          <a:p>
+            <a:pPr marL="0" indent="0">
+              <a:buFontTx/>
+              <a:buNone/>
+            </a:pPr>
+            <a:r>
+              <a:rPr lang="ru-RU" dirty="0" smtClean="0"/>
+              <a:t>Дополнительно:</a:t>
+            </a:r>
+          </a:p>
+          <a:p>
+            <a:pPr marL="171450" indent="-171450">
+              <a:buFontTx/>
+              <a:buChar char="-"/>
+            </a:pPr>
+            <a:r>
+              <a:rPr lang="ru-RU" dirty="0" err="1" smtClean="0"/>
+              <a:t>Авторегистрация</a:t>
+            </a:r>
+            <a:r>
+              <a:rPr lang="ru-RU" dirty="0" smtClean="0"/>
+              <a:t> - круто.</a:t>
+            </a:r>
+          </a:p>
+          <a:p>
+            <a:pPr marL="171450" indent="-171450">
+              <a:buFontTx/>
+              <a:buChar char="-"/>
+            </a:pPr>
+            <a:r>
+              <a:rPr lang="ru-RU" dirty="0" smtClean="0"/>
+              <a:t>Позволяет сразу добавить новую реализацию интерфейса, </a:t>
+            </a:r>
+            <a:r>
+              <a:rPr lang="ru-RU" dirty="0" err="1" smtClean="0"/>
+              <a:t>вжух</a:t>
+            </a:r>
+            <a:r>
+              <a:rPr lang="ru-RU" dirty="0" smtClean="0"/>
+              <a:t> и все работает.</a:t>
+            </a:r>
+          </a:p>
+          <a:p>
+            <a:pPr marL="171450" indent="-171450">
+              <a:buFontTx/>
+              <a:buChar char="-"/>
+            </a:pPr>
+            <a:r>
+              <a:rPr lang="ru-RU" dirty="0" smtClean="0"/>
+              <a:t>Почти все контейнеры умеют почти все, контекст, константы, циклические зависимости - этим стоит пользоваться.</a:t>
+            </a:r>
+          </a:p>
+          <a:p>
+            <a:pPr marL="171450" indent="-171450">
+              <a:buFontTx/>
+              <a:buChar char="-"/>
+            </a:pPr>
+            <a:r>
+              <a:rPr lang="ru-RU" dirty="0" smtClean="0"/>
+              <a:t>Контейнер не должен заражать код, должен использоваться в одном месте (заражение может идти через атрибуты)</a:t>
+            </a:r>
+          </a:p>
+          <a:p>
+            <a:pPr marL="171450" indent="-171450">
+              <a:buFontTx/>
+              <a:buChar char="-"/>
+            </a:pPr>
+            <a:r>
+              <a:rPr lang="ru-RU" dirty="0" err="1" smtClean="0"/>
+              <a:t>Ninject</a:t>
+            </a:r>
+            <a:r>
+              <a:rPr lang="ru-RU" dirty="0" smtClean="0"/>
+              <a:t> (к примеру) разбит на куски, если необходимы фабрики или конвенции - нужно их подключить через </a:t>
+            </a:r>
+            <a:r>
+              <a:rPr lang="en-US" dirty="0" err="1" smtClean="0"/>
+              <a:t>NuGet</a:t>
+            </a:r>
+            <a:endParaRPr lang="ru-RU" dirty="0" smtClean="0"/>
+          </a:p>
+          <a:p>
+            <a:pPr marL="0" indent="0">
+              <a:buFontTx/>
+              <a:buNone/>
+            </a:pPr>
+            <a:endParaRPr lang="en-US" dirty="0"/>
+          </a:p>
+        </p:txBody>
+      </p:sp>
+      <p:sp>
+        <p:nvSpPr>
+          <p:cNvPr id="4" name="Номер слайда 3"/>
+          <p:cNvSpPr>
+            <a:spLocks noGrp="1"/>
+          </p:cNvSpPr>
+          <p:nvPr>
+            <p:ph type="sldNum" sz="quarter" idx="10"/>
+          </p:nvPr>
+        </p:nvSpPr>
+        <p:spPr/>
+        <p:txBody>
+          <a:bodyPr/>
+          <a:lstStyle/>
+          <a:p>
+            <a:fld id="{DC348DFF-10E5-4AE9-8016-9910A89BCDEE}" type="slidenum">
+              <a:rPr lang="ru-RU" smtClean="0"/>
+              <a:t>20</a:t>
+            </a:fld>
+            <a:endParaRPr lang="ru-RU"/>
+          </a:p>
+        </p:txBody>
+      </p:sp>
+    </p:spTree>
+    <p:extLst>
+      <p:ext uri="{BB962C8B-B14F-4D97-AF65-F5344CB8AC3E}">
+        <p14:creationId xmlns:p14="http://schemas.microsoft.com/office/powerpoint/2010/main" val="2603620883"/>
       </p:ext>
     </p:extLst>
   </p:cSld>
@@ -7534,6 +8312,28 @@
             <a:pPr marL="0" indent="0">
               <a:buNone/>
             </a:pPr>
+            <a:r>
+              <a:rPr lang="ru-RU" dirty="0" smtClean="0"/>
+              <a:t>Мы уже знаем, что с этим делать!</a:t>
+            </a:r>
+          </a:p>
+          <a:p>
+            <a:pPr marL="0" indent="0">
+              <a:buNone/>
+            </a:pPr>
+            <a:r>
+              <a:rPr lang="ru-RU" dirty="0" smtClean="0"/>
+              <a:t>Применим SRP - разобьем наши модули на отдельные компоненты</a:t>
+            </a:r>
+          </a:p>
+          <a:p>
+            <a:pPr marL="0" indent="0">
+              <a:buNone/>
+            </a:pPr>
+            <a:r>
+              <a:rPr lang="ru-RU" dirty="0" smtClean="0"/>
+              <a:t>А затем применим DIP – заменим конкретику на абстракции</a:t>
+            </a:r>
             <a:endParaRPr lang="ru-RU" sz="1200" b="0" i="0" kern="1200" baseline="0" dirty="0">
               <a:solidFill>
                 <a:schemeClr val="tx1"/>
@@ -7627,18 +8427,68 @@
           <a:lstStyle/>
           <a:p>
             <a:r>
-              <a:rPr lang="en-US" dirty="0"/>
-              <a:t>DIP</a:t>
-            </a:r>
-            <a:r>
-              <a:rPr lang="en-US" baseline="0" dirty="0"/>
-              <a:t> — </a:t>
-            </a:r>
-            <a:r>
-              <a:rPr lang="ru-RU" baseline="0" dirty="0"/>
-              <a:t>ОК</a:t>
-            </a:r>
-            <a:endParaRPr lang="ru-RU" dirty="0"/>
+              <a:rPr lang="ru-RU" dirty="0" smtClean="0"/>
+              <a:t>В этом варианте все зависимости передаются явно через</a:t>
+            </a:r>
+            <a:r>
+              <a:rPr lang="ru-RU" baseline="0" dirty="0" smtClean="0"/>
+              <a:t> конструктор.</a:t>
+            </a:r>
+          </a:p>
+          <a:p>
+            <a:pPr marL="0" marR="0" lvl="0" indent="0" algn="l" defTabSz="914400" rtl="0" eaLnBrk="1" fontAlgn="auto" latinLnBrk="0" hangingPunct="1">
+              <a:lnSpc>
+                <a:spcPct val="100000"/>
+              </a:lnSpc>
+              <a:spcBef>
+                <a:spcPts val="0"/>
+              </a:spcBef>
+              <a:spcAft>
+                <a:spcPts val="0"/>
+              </a:spcAft>
+              <a:buClrTx/>
+              <a:buSzTx/>
+              <a:buFontTx/>
+              <a:buNone/>
+              <a:tabLst/>
+              <a:defRPr/>
+            </a:pPr>
+            <a:r>
+              <a:rPr lang="ru-RU" baseline="0" dirty="0" smtClean="0"/>
+              <a:t>Вспомните, что инъекция – это укол, впрыскивание. Укол зависимостями.</a:t>
+            </a:r>
+            <a:endParaRPr lang="ru-RU" dirty="0" smtClean="0"/>
+          </a:p>
+          <a:p>
+            <a:r>
+              <a:rPr lang="ru-RU" baseline="0" dirty="0" smtClean="0"/>
+              <a:t>Зависимости</a:t>
+            </a:r>
+            <a:r>
+              <a:rPr lang="en-US" baseline="0" dirty="0" smtClean="0"/>
+              <a:t> </a:t>
+            </a:r>
+            <a:r>
+              <a:rPr lang="ru-RU" baseline="0" dirty="0" smtClean="0"/>
+              <a:t>как бы «впрыскиваются» в класс через конструктор.</a:t>
+            </a:r>
+          </a:p>
+          <a:p>
+            <a:r>
+              <a:rPr lang="ru-RU" baseline="0" dirty="0" smtClean="0"/>
+              <a:t>Теперь из кода, который использует </a:t>
+            </a:r>
+            <a:r>
+              <a:rPr lang="en-US" baseline="0" dirty="0" smtClean="0"/>
+              <a:t>Chessboard </a:t>
+            </a:r>
+            <a:r>
+              <a:rPr lang="ru-RU" baseline="0" dirty="0" smtClean="0"/>
+              <a:t>их можно легко подменить.</a:t>
+            </a:r>
+          </a:p>
+          <a:p>
+            <a:endParaRPr lang="ru-RU" baseline="0" dirty="0" smtClean="0"/>
           </a:p>
         </p:txBody>
       </p:sp>
@@ -7722,21 +8572,84 @@
           <a:bodyPr/>
           <a:lstStyle/>
           <a:p>
-            <a:r>
-              <a:rPr lang="ru-RU" dirty="0"/>
-              <a:t>Это</a:t>
-            </a:r>
-            <a:r>
-              <a:rPr lang="ru-RU" baseline="0" dirty="0"/>
-              <a:t> нарушение </a:t>
-            </a:r>
-            <a:r>
-              <a:rPr lang="en-US" baseline="0" dirty="0"/>
-              <a:t>DIP</a:t>
-            </a:r>
-            <a:r>
-              <a:rPr lang="ru-RU" baseline="0" dirty="0"/>
-              <a:t> — зависимость от конкретики.</a:t>
+            <a:pPr marL="0" indent="0">
+              <a:buFontTx/>
+              <a:buNone/>
+            </a:pPr>
+            <a:r>
+              <a:rPr lang="ru-RU" dirty="0" smtClean="0"/>
+              <a:t>Явное управление зависимостями = зависимости</a:t>
+            </a:r>
+            <a:r>
+              <a:rPr lang="ru-RU" baseline="0" dirty="0" smtClean="0"/>
+              <a:t> можно подменить.</a:t>
+            </a:r>
+            <a:endParaRPr lang="ru-RU" dirty="0" smtClean="0"/>
+          </a:p>
+          <a:p>
+            <a:pPr marL="0" indent="0">
+              <a:buFontTx/>
+              <a:buNone/>
+            </a:pPr>
+            <a:r>
+              <a:rPr lang="ru-RU" dirty="0" smtClean="0"/>
+              <a:t>Чтобы управление зависимостями оставалось явным мы не должны использовать какие либо статические методы.</a:t>
+            </a:r>
+            <a:endParaRPr lang="en-US" baseline="0" dirty="0" smtClean="0"/>
+          </a:p>
+          <a:p>
+            <a:pPr marL="0" indent="0">
+              <a:buFontTx/>
+              <a:buNone/>
+            </a:pPr>
+            <a:r>
+              <a:rPr lang="ru-RU" baseline="0" dirty="0" smtClean="0"/>
+              <a:t>Конструкторы тоже под запретом, ведь это по сути тоже статические методы.</a:t>
+            </a:r>
+            <a:endParaRPr lang="ru-RU" dirty="0" smtClean="0"/>
+          </a:p>
+          <a:p>
+            <a:pPr marL="0" indent="0">
+              <a:buFontTx/>
+              <a:buNone/>
+            </a:pPr>
+            <a:r>
+              <a:rPr lang="ru-RU" dirty="0" smtClean="0"/>
+              <a:t>Пример: </a:t>
+            </a:r>
+            <a:r>
+              <a:rPr lang="ru-RU" dirty="0" err="1" smtClean="0"/>
+              <a:t>DateTime.Now</a:t>
+            </a:r>
+            <a:r>
+              <a:rPr lang="ru-RU" dirty="0" smtClean="0"/>
+              <a:t> - процесс создание никак не контролируется, неизвестно что там внутри</a:t>
+            </a:r>
+            <a:r>
+              <a:rPr lang="ru-RU" baseline="0" dirty="0" smtClean="0"/>
+              <a:t>. </a:t>
+            </a:r>
+            <a:r>
+              <a:rPr lang="ru-RU" dirty="0" smtClean="0"/>
+              <a:t>В тестах никак</a:t>
+            </a:r>
+            <a:r>
+              <a:rPr lang="ru-RU" baseline="0" dirty="0" smtClean="0"/>
+              <a:t> не повлиять не генерацию даты</a:t>
+            </a:r>
+            <a:r>
+              <a:rPr lang="ru-RU" dirty="0" smtClean="0"/>
+              <a:t>.</a:t>
+            </a:r>
+          </a:p>
+          <a:p>
+            <a:pPr marL="0" indent="0">
+              <a:buFontTx/>
+              <a:buNone/>
+            </a:pPr>
+            <a:r>
+              <a:rPr lang="ru-RU" dirty="0" smtClean="0"/>
+              <a:t>Все зависимости должны передаваться через конструктор - тогда при создании экземпляра класса потребуются удовлетворить их все.</a:t>
             </a:r>
             <a:endParaRPr lang="ru-RU" dirty="0"/>
           </a:p>
@@ -7757,9 +8670,9 @@
           <a:bodyPr/>
           <a:lstStyle/>
           <a:p>
-            <a:fld id="{DC348DFF-10E5-4AE9-8016-9910A89BCDEE}" type="slidenum">
+            <a:fld id="{0558A792-AF02-4BD8-8606-DDEB1845C913}" type="slidenum">
               <a:rPr lang="ru-RU" smtClean="0"/>
-              <a:t>9</a:t>
+              <a:t>5</a:t>
             </a:fld>
             <a:endParaRPr lang="ru-RU"/>
           </a:p>
@@ -7768,7 +8681,7 @@
     </p:spTree>
     <p:extLst>
       <p:ext uri="{BB962C8B-B14F-4D97-AF65-F5344CB8AC3E}">
-        <p14:creationId xmlns:p14="http://schemas.microsoft.com/office/powerpoint/2010/main" val="3917950421"/>
+        <p14:creationId xmlns:p14="http://schemas.microsoft.com/office/powerpoint/2010/main" val="1942111211"/>
       </p:ext>
     </p:extLst>
   </p:cSld>
@@ -7823,18 +8736,51 @@
           <a:lstStyle/>
           <a:p>
             <a:r>
-              <a:rPr lang="en-US" dirty="0"/>
-              <a:t>DIP</a:t>
-            </a:r>
-            <a:r>
-              <a:rPr lang="en-US" baseline="0" dirty="0"/>
-              <a:t> — </a:t>
-            </a:r>
-            <a:r>
-              <a:rPr lang="ru-RU" baseline="0" dirty="0"/>
-              <a:t>ОК</a:t>
-            </a:r>
-            <a:endParaRPr lang="ru-RU" dirty="0"/>
+              <a:rPr lang="ru-RU" dirty="0" smtClean="0"/>
+              <a:t>Все же где-то все зависимости придется создать. Поэтому где-то «наверху» получится «</a:t>
+            </a:r>
+            <a:r>
+              <a:rPr lang="ru-RU" dirty="0" err="1" smtClean="0"/>
+              <a:t>загончик</a:t>
+            </a:r>
+            <a:r>
+              <a:rPr lang="ru-RU" dirty="0" smtClean="0"/>
+              <a:t> операторов </a:t>
+            </a:r>
+            <a:r>
+              <a:rPr lang="ru-RU" dirty="0" err="1" smtClean="0"/>
+              <a:t>new</a:t>
+            </a:r>
+            <a:r>
+              <a:rPr lang="ru-RU" dirty="0" smtClean="0"/>
+              <a:t>()».</a:t>
+            </a:r>
+          </a:p>
+          <a:p>
+            <a:r>
+              <a:rPr lang="ru-RU" dirty="0" smtClean="0"/>
+              <a:t>А по научному – </a:t>
+            </a:r>
+            <a:r>
+              <a:rPr lang="en-US" dirty="0" smtClean="0"/>
+              <a:t>Composition</a:t>
+            </a:r>
+            <a:r>
+              <a:rPr lang="en-US" baseline="0" dirty="0" smtClean="0"/>
+              <a:t> Root</a:t>
+            </a:r>
+            <a:r>
+              <a:rPr lang="ru-RU" baseline="0" dirty="0" smtClean="0"/>
+              <a:t>.</a:t>
+            </a:r>
+            <a:endParaRPr lang="en-US" baseline="0" dirty="0" smtClean="0"/>
+          </a:p>
+          <a:p>
+            <a:r>
+              <a:rPr lang="ru-RU" baseline="0" dirty="0" smtClean="0"/>
+              <a:t>Соединять зависимости лучше ближе к точке входа в приложения: понятно где искать, все можно сконфигурировать в одном месте.</a:t>
+            </a:r>
+            <a:endParaRPr lang="ru-RU" dirty="0" smtClean="0"/>
           </a:p>
         </p:txBody>
       </p:sp>
@@ -7853,9 +8799,9 @@
           <a:bodyPr/>
           <a:lstStyle/>
           <a:p>
-            <a:fld id="{DC348DFF-10E5-4AE9-8016-9910A89BCDEE}" type="slidenum">
+            <a:fld id="{0558A792-AF02-4BD8-8606-DDEB1845C913}" type="slidenum">
               <a:rPr lang="ru-RU" smtClean="0"/>
-              <a:t>10</a:t>
+              <a:t>6</a:t>
             </a:fld>
             <a:endParaRPr lang="ru-RU"/>
           </a:p>
@@ -7864,7 +8810,7 @@
     </p:spTree>
     <p:extLst>
       <p:ext uri="{BB962C8B-B14F-4D97-AF65-F5344CB8AC3E}">
-        <p14:creationId xmlns:p14="http://schemas.microsoft.com/office/powerpoint/2010/main" val="3082605243"/>
+        <p14:creationId xmlns:p14="http://schemas.microsoft.com/office/powerpoint/2010/main" val="1764272148"/>
       </p:ext>
     </p:extLst>
   </p:cSld>
@@ -7918,7 +8864,15 @@
           <a:bodyPr/>
           <a:lstStyle/>
           <a:p>
-            <a:endParaRPr lang="en-US" dirty="0"/>
+            <a:r>
+              <a:rPr lang="ru-RU" dirty="0" smtClean="0"/>
+              <a:t>Вопрос к</a:t>
+            </a:r>
+            <a:r>
+              <a:rPr lang="ru-RU" baseline="0" dirty="0" smtClean="0"/>
+              <a:t> залу. Ответы на слайде.</a:t>
+            </a:r>
+            <a:endParaRPr lang="ru-RU" dirty="0"/>
           </a:p>
         </p:txBody>
       </p:sp>
@@ -7937,9 +8891,9 @@
           <a:bodyPr/>
           <a:lstStyle/>
           <a:p>
-            <a:fld id="{DC348DFF-10E5-4AE9-8016-9910A89BCDEE}" type="slidenum">
+            <a:fld id="{0558A792-AF02-4BD8-8606-DDEB1845C913}" type="slidenum">
               <a:rPr lang="ru-RU" smtClean="0"/>
-              <a:t>20</a:t>
+              <a:t>7</a:t>
             </a:fld>
             <a:endParaRPr lang="ru-RU"/>
           </a:p>
@@ -7948,7 +8902,409 @@
     </p:spTree>
     <p:extLst>
       <p:ext uri="{BB962C8B-B14F-4D97-AF65-F5344CB8AC3E}">
-        <p14:creationId xmlns:p14="http://schemas.microsoft.com/office/powerpoint/2010/main" val="2603620883"/>
+        <p14:creationId xmlns:p14="http://schemas.microsoft.com/office/powerpoint/2010/main" val="1839704952"/>
+      </p:ext>
+    </p:extLst>
+  </p:cSld>
+  <p:clrMapOvr>
+    <a:masterClrMapping/>
+  </p:clrMapOvr>
+</p:notes>
+</file>
+
+<file path=ppt/notesSlides/notesSlide7.xml><?xml version="1.0" encoding="utf-8"?>
+<p:notes xmlns:a="http://schemas.openxmlformats.org/drawingml/2006/main" xmlns:r="http://schemas.openxmlformats.org/officeDocument/2006/relationships" xmlns:p="http://schemas.openxmlformats.org/presentationml/2006/main">
+  <p:cSld>
+    <p:spTree>
+      <p:nvGrpSpPr>
+        <p:cNvPr id="1" name=""/>
+        <p:cNvGrpSpPr/>
+        <p:nvPr/>
+      </p:nvGrpSpPr>
+      <p:grpSpPr>
+        <a:xfrm>
+          <a:off x="0" y="0"/>
+          <a:ext cx="0" cy="0"/>
+          <a:chOff x="0" y="0"/>
+          <a:chExt cx="0" cy="0"/>
+        </a:xfrm>
+      </p:grpSpPr>
+      <p:sp>
+        <p:nvSpPr>
+          <p:cNvPr id="2" name="Образ слайда 1"/>
+          <p:cNvSpPr>
+            <a:spLocks noGrp="1" noRot="1" noChangeAspect="1"/>
+          </p:cNvSpPr>
+          <p:nvPr>
+            <p:ph type="sldImg"/>
+          </p:nvPr>
+        </p:nvSpPr>
+        <p:spPr/>
+      </p:sp>
+      <p:sp>
+        <p:nvSpPr>
+          <p:cNvPr id="3" name="Заметки 2"/>
+          <p:cNvSpPr>
+            <a:spLocks noGrp="1"/>
+          </p:cNvSpPr>
+          <p:nvPr>
+            <p:ph type="body" idx="1"/>
+          </p:nvPr>
+        </p:nvSpPr>
+        <p:spPr/>
+        <p:txBody>
+          <a:bodyPr/>
+          <a:lstStyle/>
+          <a:p>
+            <a:pPr marL="0" indent="0">
+              <a:buFontTx/>
+              <a:buNone/>
+            </a:pPr>
+            <a:r>
+              <a:rPr lang="ru-RU" dirty="0" smtClean="0"/>
+              <a:t>Вопрос к залу. Если аудитория дает правильный ответ – подтверждаем. Если нет – идем дальше и даем</a:t>
+            </a:r>
+            <a:r>
+              <a:rPr lang="ru-RU" baseline="0" dirty="0" smtClean="0"/>
+              <a:t> правильный ответ </a:t>
+            </a:r>
+            <a:r>
+              <a:rPr lang="ru-RU" dirty="0" smtClean="0"/>
+              <a:t>на слайде «</a:t>
+            </a:r>
+            <a:r>
+              <a:rPr lang="en-US" dirty="0" smtClean="0"/>
+              <a:t>Dependency </a:t>
+            </a:r>
+            <a:r>
+              <a:rPr lang="en-US" dirty="0" err="1" smtClean="0"/>
+              <a:t>Invertion</a:t>
+            </a:r>
+            <a:r>
+              <a:rPr lang="en-US" dirty="0" smtClean="0"/>
+              <a:t>…</a:t>
+            </a:r>
+            <a:r>
+              <a:rPr lang="ru-RU" dirty="0" smtClean="0"/>
+              <a:t>»</a:t>
+            </a:r>
+          </a:p>
+          <a:p>
+            <a:pPr marL="0" indent="0">
+              <a:buFontTx/>
+              <a:buNone/>
+            </a:pPr>
+            <a:endParaRPr lang="ru-RU" dirty="0" smtClean="0"/>
+          </a:p>
+          <a:p>
+            <a:pPr marL="0" indent="0">
+              <a:buFontTx/>
+              <a:buNone/>
+            </a:pPr>
+            <a:r>
+              <a:rPr lang="ru-RU" dirty="0" smtClean="0"/>
+              <a:t>Правильный ответ:</a:t>
+            </a:r>
+          </a:p>
+          <a:p>
+            <a:pPr marL="171450" indent="-171450">
+              <a:buFontTx/>
+              <a:buChar char="-"/>
+            </a:pPr>
+            <a:r>
+              <a:rPr lang="ru-RU" dirty="0" smtClean="0"/>
+              <a:t>DIP дает рекомендации о том, какими должны быть зависимости:</a:t>
+            </a:r>
+          </a:p>
+          <a:p>
+            <a:pPr marL="628650" lvl="1" indent="-171450">
+              <a:buFontTx/>
+              <a:buChar char="-"/>
+            </a:pPr>
+            <a:r>
+              <a:rPr lang="ru-RU" dirty="0" smtClean="0"/>
+              <a:t>Модули верхних уровней не должны зависеть от модулей нижних уровней.</a:t>
+            </a:r>
+          </a:p>
+          <a:p>
+            <a:pPr marL="628650" lvl="1" indent="-171450">
+              <a:buFontTx/>
+              <a:buChar char="-"/>
+            </a:pPr>
+            <a:r>
+              <a:rPr lang="ru-RU" dirty="0" smtClean="0"/>
+              <a:t>Оба типа модулей должны зависеть от абстракций.</a:t>
+            </a:r>
+          </a:p>
+          <a:p>
+            <a:pPr marL="628650" lvl="1" indent="-171450">
+              <a:buFontTx/>
+              <a:buChar char="-"/>
+            </a:pPr>
+            <a:r>
+              <a:rPr lang="ru-RU" dirty="0" smtClean="0"/>
+              <a:t>Абстракции не должны зависеть от деталей. Детали должны зависеть от абстракций.</a:t>
+            </a:r>
+          </a:p>
+          <a:p>
+            <a:pPr marL="171450" indent="-171450">
+              <a:buFontTx/>
+              <a:buChar char="-"/>
+            </a:pPr>
+            <a:r>
+              <a:rPr lang="ru-RU" dirty="0" smtClean="0"/>
+              <a:t>DI это механизм передачи классу его зависимостей.</a:t>
+            </a:r>
+          </a:p>
+        </p:txBody>
+      </p:sp>
+      <p:sp>
+        <p:nvSpPr>
+          <p:cNvPr id="4" name="Номер слайда 3"/>
+          <p:cNvSpPr>
+            <a:spLocks noGrp="1"/>
+          </p:cNvSpPr>
+          <p:nvPr>
+            <p:ph type="sldNum" sz="quarter" idx="10"/>
+          </p:nvPr>
+        </p:nvSpPr>
+        <p:spPr/>
+        <p:txBody>
+          <a:bodyPr/>
+          <a:lstStyle/>
+          <a:p>
+            <a:fld id="{0558A792-AF02-4BD8-8606-DDEB1845C913}" type="slidenum">
+              <a:rPr lang="ru-RU" smtClean="0"/>
+              <a:t>8</a:t>
+            </a:fld>
+            <a:endParaRPr lang="ru-RU"/>
+          </a:p>
+        </p:txBody>
+      </p:sp>
+    </p:spTree>
+    <p:extLst>
+      <p:ext uri="{BB962C8B-B14F-4D97-AF65-F5344CB8AC3E}">
+        <p14:creationId xmlns:p14="http://schemas.microsoft.com/office/powerpoint/2010/main" val="2372006084"/>
+      </p:ext>
+    </p:extLst>
+  </p:cSld>
+  <p:clrMapOvr>
+    <a:masterClrMapping/>
+  </p:clrMapOvr>
+</p:notes>
+</file>
+
+<file path=ppt/notesSlides/notesSlide8.xml><?xml version="1.0" encoding="utf-8"?>
+<p:notes xmlns:a="http://schemas.openxmlformats.org/drawingml/2006/main" xmlns:r="http://schemas.openxmlformats.org/officeDocument/2006/relationships" xmlns:p="http://schemas.openxmlformats.org/presentationml/2006/main">
+  <p:cSld>
+    <p:spTree>
+      <p:nvGrpSpPr>
+        <p:cNvPr id="1" name=""/>
+        <p:cNvGrpSpPr/>
+        <p:nvPr/>
+      </p:nvGrpSpPr>
+      <p:grpSpPr>
+        <a:xfrm>
+          <a:off x="0" y="0"/>
+          <a:ext cx="0" cy="0"/>
+          <a:chOff x="0" y="0"/>
+          <a:chExt cx="0" cy="0"/>
+        </a:xfrm>
+      </p:grpSpPr>
+      <p:sp>
+        <p:nvSpPr>
+          <p:cNvPr id="2" name="Образ слайда 1"/>
+          <p:cNvSpPr>
+            <a:spLocks noGrp="1" noRot="1" noChangeAspect="1"/>
+          </p:cNvSpPr>
+          <p:nvPr>
+            <p:ph type="sldImg"/>
+          </p:nvPr>
+        </p:nvSpPr>
+        <p:spPr/>
+      </p:sp>
+      <p:sp>
+        <p:nvSpPr>
+          <p:cNvPr id="3" name="Заметки 2"/>
+          <p:cNvSpPr>
+            <a:spLocks noGrp="1"/>
+          </p:cNvSpPr>
+          <p:nvPr>
+            <p:ph type="body" idx="1"/>
+          </p:nvPr>
+        </p:nvSpPr>
+        <p:spPr/>
+        <p:txBody>
+          <a:bodyPr/>
+          <a:lstStyle/>
+          <a:p>
+            <a:r>
+              <a:rPr lang="ru-RU" dirty="0" smtClean="0"/>
+              <a:t>А</a:t>
+            </a:r>
+            <a:r>
+              <a:rPr lang="ru-RU" baseline="0" dirty="0" smtClean="0"/>
+              <a:t> это </a:t>
+            </a:r>
+            <a:r>
+              <a:rPr lang="en-US" baseline="0" dirty="0" smtClean="0"/>
+              <a:t>DIP? </a:t>
+            </a:r>
+            <a:r>
+              <a:rPr lang="ru-RU" baseline="0" dirty="0" smtClean="0"/>
+              <a:t>Почему? Это </a:t>
+            </a:r>
+            <a:r>
+              <a:rPr lang="en-US" baseline="0" dirty="0" smtClean="0"/>
+              <a:t>Dependency Injection? </a:t>
+            </a:r>
+            <a:r>
+              <a:rPr lang="ru-RU" baseline="0" dirty="0" smtClean="0"/>
+              <a:t>Почему?</a:t>
+            </a:r>
+          </a:p>
+          <a:p>
+            <a:endParaRPr lang="ru-RU" dirty="0"/>
+          </a:p>
+        </p:txBody>
+      </p:sp>
+      <p:sp>
+        <p:nvSpPr>
+          <p:cNvPr id="4" name="Номер слайда 3"/>
+          <p:cNvSpPr>
+            <a:spLocks noGrp="1"/>
+          </p:cNvSpPr>
+          <p:nvPr>
+            <p:ph type="sldNum" sz="quarter" idx="10"/>
+          </p:nvPr>
+        </p:nvSpPr>
+        <p:spPr/>
+        <p:txBody>
+          <a:bodyPr/>
+          <a:lstStyle/>
+          <a:p>
+            <a:fld id="{DC348DFF-10E5-4AE9-8016-9910A89BCDEE}" type="slidenum">
+              <a:rPr lang="ru-RU" smtClean="0"/>
+              <a:t>9</a:t>
+            </a:fld>
+            <a:endParaRPr lang="ru-RU"/>
+          </a:p>
+        </p:txBody>
+      </p:sp>
+    </p:spTree>
+    <p:extLst>
+      <p:ext uri="{BB962C8B-B14F-4D97-AF65-F5344CB8AC3E}">
+        <p14:creationId xmlns:p14="http://schemas.microsoft.com/office/powerpoint/2010/main" val="3917950421"/>
+      </p:ext>
+    </p:extLst>
+  </p:cSld>
+  <p:clrMapOvr>
+    <a:masterClrMapping/>
+  </p:clrMapOvr>
+</p:notes>
+</file>
+
+<file path=ppt/notesSlides/notesSlide9.xml><?xml version="1.0" encoding="utf-8"?>
+<p:notes xmlns:a="http://schemas.openxmlformats.org/drawingml/2006/main" xmlns:r="http://schemas.openxmlformats.org/officeDocument/2006/relationships" xmlns:p="http://schemas.openxmlformats.org/presentationml/2006/main">
+  <p:cSld>
+    <p:spTree>
+      <p:nvGrpSpPr>
+        <p:cNvPr id="1" name=""/>
+        <p:cNvGrpSpPr/>
+        <p:nvPr/>
+      </p:nvGrpSpPr>
+      <p:grpSpPr>
+        <a:xfrm>
+          <a:off x="0" y="0"/>
+          <a:ext cx="0" cy="0"/>
+          <a:chOff x="0" y="0"/>
+          <a:chExt cx="0" cy="0"/>
+        </a:xfrm>
+      </p:grpSpPr>
+      <p:sp>
+        <p:nvSpPr>
+          <p:cNvPr id="2" name="Образ слайда 1"/>
+          <p:cNvSpPr>
+            <a:spLocks noGrp="1" noRot="1" noChangeAspect="1"/>
+          </p:cNvSpPr>
+          <p:nvPr>
+            <p:ph type="sldImg"/>
+          </p:nvPr>
+        </p:nvSpPr>
+        <p:spPr/>
+      </p:sp>
+      <p:sp>
+        <p:nvSpPr>
+          <p:cNvPr id="3" name="Заметки 2"/>
+          <p:cNvSpPr>
+            <a:spLocks noGrp="1"/>
+          </p:cNvSpPr>
+          <p:nvPr>
+            <p:ph type="body" idx="1"/>
+          </p:nvPr>
+        </p:nvSpPr>
+        <p:spPr/>
+        <p:txBody>
+          <a:bodyPr/>
+          <a:lstStyle/>
+          <a:p>
+            <a:r>
+              <a:rPr lang="ru-RU" dirty="0" smtClean="0"/>
+              <a:t>А</a:t>
+            </a:r>
+            <a:r>
+              <a:rPr lang="ru-RU" baseline="0" dirty="0" smtClean="0"/>
+              <a:t> это </a:t>
+            </a:r>
+            <a:r>
+              <a:rPr lang="en-US" baseline="0" dirty="0" smtClean="0"/>
+              <a:t>DIP? </a:t>
+            </a:r>
+            <a:r>
+              <a:rPr lang="ru-RU" baseline="0" dirty="0" smtClean="0"/>
+              <a:t>Почему? Это </a:t>
+            </a:r>
+            <a:r>
+              <a:rPr lang="en-US" baseline="0" dirty="0" smtClean="0"/>
+              <a:t>Dependency Injection? </a:t>
+            </a:r>
+            <a:r>
+              <a:rPr lang="ru-RU" baseline="0" dirty="0" smtClean="0"/>
+              <a:t>Почему?</a:t>
+            </a:r>
+          </a:p>
+          <a:p>
+            <a:endParaRPr lang="ru-RU" dirty="0"/>
+          </a:p>
+        </p:txBody>
+      </p:sp>
+      <p:sp>
+        <p:nvSpPr>
+          <p:cNvPr id="4" name="Номер слайда 3"/>
+          <p:cNvSpPr>
+            <a:spLocks noGrp="1"/>
+          </p:cNvSpPr>
+          <p:nvPr>
+            <p:ph type="sldNum" sz="quarter" idx="10"/>
+          </p:nvPr>
+        </p:nvSpPr>
+        <p:spPr/>
+        <p:txBody>
+          <a:bodyPr/>
+          <a:lstStyle/>
+          <a:p>
+            <a:fld id="{DC348DFF-10E5-4AE9-8016-9910A89BCDEE}" type="slidenum">
+              <a:rPr lang="ru-RU" smtClean="0"/>
+              <a:t>10</a:t>
+            </a:fld>
+            <a:endParaRPr lang="ru-RU"/>
+          </a:p>
+        </p:txBody>
+      </p:sp>
+    </p:spTree>
+    <p:extLst>
+      <p:ext uri="{BB962C8B-B14F-4D97-AF65-F5344CB8AC3E}">
+        <p14:creationId xmlns:p14="http://schemas.microsoft.com/office/powerpoint/2010/main" val="3082605243"/>
       </p:ext>
     </p:extLst>
   </p:cSld>
@@ -12426,6 +13782,13 @@
   <p:clrMapOvr>
     <a:masterClrMapping/>
   </p:clrMapOvr>
+  <p:timing>
+    <p:tnLst>
+      <p:par>
+        <p:cTn id="1" dur="indefinite" restart="never" nodeType="tmRoot"/>
+      </p:par>
+    </p:tnLst>
+  </p:timing>
 </p:sld>
 </file>
 
@@ -12533,6 +13896,13 @@
   <p:clrMapOvr>
     <a:masterClrMapping/>
   </p:clrMapOvr>
+  <p:timing>
+    <p:tnLst>
+      <p:par>
+        <p:cTn id="1" dur="indefinite" restart="never" nodeType="tmRoot"/>
+      </p:par>
+    </p:tnLst>
+  </p:timing>
 </p:sld>
 </file>
 
@@ -12924,6 +14294,13 @@
   <p:clrMapOvr>
     <a:masterClrMapping/>
   </p:clrMapOvr>
+  <p:timing>
+    <p:tnLst>
+      <p:par>
+        <p:cTn id="1" dur="indefinite" restart="never" nodeType="tmRoot"/>
+      </p:par>
+    </p:tnLst>
+  </p:timing>
 </p:sld>
 </file>
 
@@ -13527,6 +14904,13 @@
               </a:spcAft>
               <a:buNone/>
             </a:pPr>
+            <a:r>
+              <a:rPr lang="ru-RU" altLang="ru-RU" sz="2000" dirty="0">
+                <a:latin typeface="Consolas" panose="020B0609020204030204" pitchFamily="49" charset="0"/>
+                <a:cs typeface="Consolas" panose="020B0609020204030204" pitchFamily="49" charset="0"/>
+              </a:rPr>
+              <a:t/>
+            </a:r>
             <a:br>
               <a:rPr lang="ru-RU" altLang="ru-RU" sz="2000" dirty="0">
                 <a:latin typeface="Consolas" panose="020B0609020204030204" pitchFamily="49" charset="0"/>
@@ -13694,6 +15078,13 @@
   <p:clrMapOvr>
     <a:masterClrMapping/>
   </p:clrMapOvr>
+  <p:timing>
+    <p:tnLst>
+      <p:par>
+        <p:cTn id="1" dur="indefinite" restart="never" nodeType="tmRoot"/>
+      </p:par>
+    </p:tnLst>
+  </p:timing>
 </p:sld>
 </file>
 
@@ -14256,7 +15647,7 @@
           <p:nvPr/>
         </p:nvPicPr>
         <p:blipFill>
-          <a:blip r:embed="rId2">
+          <a:blip r:embed="rId3">
             <a:extLst>
               <a:ext uri="{28A0092B-C50C-407E-A947-70E740481C1C}">
                 <a14:useLocalDpi xmlns:a14="http://schemas.microsoft.com/office/drawing/2010/main" val="0"/>
@@ -14872,7 +16263,7 @@
           <a:p>
             <a:r>
               <a:rPr lang="en-US" sz="2400" dirty="0">
-                <a:hlinkClick r:id="rId2"/>
+                <a:hlinkClick r:id="rId3"/>
               </a:rPr>
               <a:t>https://github.com/ninject/Ninject.Extensions.Factory/wiki</a:t>
             </a:r>
@@ -14928,6 +16319,13 @@
   <p:clrMapOvr>
     <a:masterClrMapping/>
   </p:clrMapOvr>
+  <p:timing>
+    <p:tnLst>
+      <p:par>
+        <p:cTn id="1" dur="indefinite" restart="never" nodeType="tmRoot"/>
+      </p:par>
+    </p:tnLst>
+  </p:timing>
 </p:sld>
 </file>
 
@@ -15144,6 +16542,13 @@
   <p:clrMapOvr>
     <a:masterClrMapping/>
   </p:clrMapOvr>
+  <p:timing>
+    <p:tnLst>
+      <p:par>
+        <p:cTn id="1" dur="indefinite" restart="never" nodeType="tmRoot"/>
+      </p:par>
+    </p:tnLst>
+  </p:timing>
 </p:sld>
 </file>
 
@@ -15292,6 +16697,13 @@
   <p:clrMapOvr>
     <a:masterClrMapping/>
   </p:clrMapOvr>
+  <p:timing>
+    <p:tnLst>
+      <p:par>
+        <p:cTn id="1" dur="indefinite" restart="never" nodeType="tmRoot"/>
+      </p:par>
+    </p:tnLst>
+  </p:timing>
 </p:sld>
 </file>
 
@@ -15743,6 +17155,13 @@
   <p:clrMapOvr>
     <a:masterClrMapping/>
   </p:clrMapOvr>
+  <p:timing>
+    <p:tnLst>
+      <p:par>
+        <p:cTn id="1" dur="indefinite" restart="never" nodeType="tmRoot"/>
+      </p:par>
+    </p:tnLst>
+  </p:timing>
 </p:sld>
 </file>
 
@@ -19517,6 +20936,13 @@
   <p:clrMapOvr>
     <a:masterClrMapping/>
   </p:clrMapOvr>
+  <p:timing>
+    <p:tnLst>
+      <p:par>
+        <p:cTn id="1" dur="indefinite" restart="never" nodeType="tmRoot"/>
+      </p:par>
+    </p:tnLst>
+  </p:timing>
 </p:sld>
 </file>
 
@@ -19710,7 +21136,7 @@
           <p:nvPr/>
         </p:nvPicPr>
         <p:blipFill>
-          <a:blip r:embed="rId2">
+          <a:blip r:embed="rId3">
             <a:extLst>
               <a:ext uri="{28A0092B-C50C-407E-A947-70E740481C1C}">
                 <a14:useLocalDpi xmlns:a14="http://schemas.microsoft.com/office/drawing/2010/main" val="0"/>
@@ -19803,26 +21229,39 @@
                                   </p:childTnLst>
                                 </p:cTn>
                               </p:par>
-                            </p:childTnLst>
-                          </p:cTn>
-                        </p:par>
-                      </p:childTnLst>
-                    </p:cTn>
-                  </p:par>
-                  <p:par>
-                    <p:cTn id="7" fill="hold">
-                      <p:stCondLst>
-                        <p:cond delay="indefinite"/>
-                      </p:stCondLst>
-                      <p:childTnLst>
-                        <p:par>
-                          <p:cTn id="8" fill="hold">
-                            <p:stCondLst>
-                              <p:cond delay="0"/>
-                            </p:stCondLst>
-                            <p:childTnLst>
                               <p:par>
-                                <p:cTn id="9" presetID="1" presetClass="entr" presetSubtype="0" fill="hold" grpId="0" nodeType="clickEffect">
+                                <p:cTn id="7" presetID="1" presetClass="entr" presetSubtype="0" fill="hold" grpId="0" nodeType="withEffect">
+                                  <p:stCondLst>
+                                    <p:cond delay="0"/>
+                                  </p:stCondLst>
+                                  <p:childTnLst>
+                                    <p:set>
+                                      <p:cBhvr>
+                                        <p:cTn id="8" dur="1" fill="hold">
+                                          <p:stCondLst>
+                                            <p:cond delay="0"/>
+                                          </p:stCondLst>
+                                        </p:cTn>
+                                        <p:tgtEl>
+                                          <p:spTgt spid="3">
+                                            <p:txEl>
+                                              <p:pRg st="1" end="1"/>
+                                            </p:txEl>
+                                          </p:spTgt>
+                                        </p:tgtEl>
+                                        <p:attrNameLst>
+                                          <p:attrName>style.visibility</p:attrName>
+                                        </p:attrNameLst>
+                                      </p:cBhvr>
+                                      <p:to>
+                                        <p:strVal val="visible"/>
+                                      </p:to>
+                                    </p:set>
+                                  </p:childTnLst>
+                                </p:cTn>
+                              </p:par>
+                              <p:par>
+                                <p:cTn id="9" presetID="1" presetClass="entr" presetSubtype="0" fill="hold" grpId="0" nodeType="withEffect">
                                   <p:stCondLst>
                                     <p:cond delay="0"/>
                                   </p:stCondLst>
@@ -19837,7 +21276,7 @@
                                         <p:tgtEl>
                                           <p:spTgt spid="3">
                                             <p:txEl>
-                                              <p:pRg st="1" end="1"/>
+                                              <p:pRg st="2" end="2"/>
                                             </p:txEl>
                                           </p:spTgt>
                                         </p:tgtEl>
@@ -19886,7 +21325,7 @@
                                         <p:tgtEl>
                                           <p:spTgt spid="3">
                                             <p:txEl>
-                                              <p:pRg st="2" end="2"/>
+                                              <p:pRg st="4" end="4"/>
                                             </p:txEl>
                                           </p:spTgt>
                                         </p:tgtEl>
@@ -19935,7 +21374,7 @@
                                         <p:tgtEl>
                                           <p:spTgt spid="3">
                                             <p:txEl>
-                                              <p:pRg st="4" end="4"/>
+                                              <p:pRg st="5" end="5"/>
                                             </p:txEl>
                                           </p:spTgt>
                                         </p:tgtEl>
@@ -19984,7 +21423,7 @@
                                         <p:tgtEl>
                                           <p:spTgt spid="3">
                                             <p:txEl>
-                                              <p:pRg st="5" end="5"/>
+                                              <p:pRg st="6" end="6"/>
                                             </p:txEl>
                                           </p:spTgt>
                                         </p:tgtEl>
@@ -20033,7 +21472,7 @@
                                         <p:tgtEl>
                                           <p:spTgt spid="3">
                                             <p:txEl>
-                                              <p:pRg st="6" end="6"/>
+                                              <p:pRg st="7" end="7"/>
                                             </p:txEl>
                                           </p:spTgt>
                                         </p:tgtEl>
@@ -20082,7 +21521,7 @@
                                         <p:tgtEl>
                                           <p:spTgt spid="3">
                                             <p:txEl>
-                                              <p:pRg st="7" end="7"/>
+                                              <p:pRg st="8" end="8"/>
                                             </p:txEl>
                                           </p:spTgt>
                                         </p:tgtEl>
@@ -20116,7 +21555,7 @@
                             </p:stCondLst>
                             <p:childTnLst>
                               <p:par>
-                                <p:cTn id="33" presetID="1" presetClass="entr" presetSubtype="0" fill="hold" grpId="0" nodeType="clickEffect">
+                                <p:cTn id="33" presetID="1" presetClass="entr" presetSubtype="0" fill="hold" nodeType="clickEffect">
                                   <p:stCondLst>
                                     <p:cond delay="0"/>
                                   </p:stCondLst>
@@ -20124,55 +21563,6 @@
                                     <p:set>
                                       <p:cBhvr>
                                         <p:cTn id="34" dur="1" fill="hold">
-                                          <p:stCondLst>
-                                            <p:cond delay="0"/>
-                                          </p:stCondLst>
-                                        </p:cTn>
-                                        <p:tgtEl>
-                                          <p:spTgt spid="3">
-                                            <p:txEl>
-                                              <p:pRg st="8" end="8"/>
-                                            </p:txEl>
-                                          </p:spTgt>
-                                        </p:tgtEl>
-                                        <p:attrNameLst>
-                                          <p:attrName>style.visibility</p:attrName>
-                                        </p:attrNameLst>
-                                      </p:cBhvr>
-                                      <p:to>
-                                        <p:strVal val="visible"/>
-                                      </p:to>
-                                    </p:set>
-                                  </p:childTnLst>
-                                </p:cTn>
-                              </p:par>
-                            </p:childTnLst>
-                          </p:cTn>
-                        </p:par>
-                      </p:childTnLst>
-                    </p:cTn>
-                  </p:par>
-                  <p:par>
-                    <p:cTn id="35" fill="hold">
-                      <p:stCondLst>
-                        <p:cond delay="indefinite"/>
-                      </p:stCondLst>
-                      <p:childTnLst>
-                        <p:par>
-                          <p:cTn id="36" fill="hold">
-                            <p:stCondLst>
-                              <p:cond delay="0"/>
-                            </p:stCondLst>
-                            <p:childTnLst>
-                              <p:par>
-                                <p:cTn id="37" presetID="1" presetClass="entr" presetSubtype="0" fill="hold" nodeType="clickEffect">
-                                  <p:stCondLst>
-                                    <p:cond delay="0"/>
-                                  </p:stCondLst>
-                                  <p:childTnLst>
-                                    <p:set>
-                                      <p:cBhvr>
-                                        <p:cTn id="38" dur="1" fill="hold">
                                           <p:stCondLst>
                                             <p:cond delay="0"/>
                                           </p:stCondLst>
@@ -20219,7 +21609,7 @@
       </p:par>
     </p:tnLst>
     <p:bldLst>
-      <p:bldP spid="3" grpId="0" build="p"/>
+      <p:bldP spid="3" grpId="0" uiExpand="1" build="p"/>
     </p:bldLst>
   </p:timing>
 </p:sld>
@@ -20255,7 +21645,7 @@
         <p:spPr/>
         <p:txBody>
           <a:bodyPr>
-            <a:normAutofit fontScale="92500"/>
+            <a:normAutofit fontScale="92500" lnSpcReduction="20000"/>
           </a:bodyPr>
           <a:lstStyle/>
           <a:p>
@@ -20373,8 +21763,36 @@
             </a:pPr>
             <a:r>
               <a:rPr lang="ru-RU" dirty="0"/>
-              <a:t>В библиотеках – не нужно собирать зависимости</a:t>
-            </a:r>
+              <a:t>В </a:t>
+            </a:r>
+            <a:r>
+              <a:rPr lang="ru-RU" dirty="0" smtClean="0"/>
+              <a:t>библиотеках</a:t>
+            </a:r>
+            <a:endParaRPr lang="en-US" dirty="0" smtClean="0"/>
+          </a:p>
+          <a:p>
+            <a:pPr marL="1200095" lvl="1" indent="-457200"/>
+            <a:r>
+              <a:rPr lang="ru-RU" dirty="0" smtClean="0"/>
+              <a:t>либо не собирать </a:t>
+            </a:r>
+            <a:r>
+              <a:rPr lang="en-US" dirty="0" smtClean="0"/>
+              <a:t>– </a:t>
+            </a:r>
+            <a:r>
+              <a:rPr lang="ru-RU" dirty="0" smtClean="0"/>
+              <a:t>пусть собирает использующий</a:t>
+            </a:r>
+          </a:p>
+          <a:p>
+            <a:pPr marL="1200095" lvl="1" indent="-457200"/>
+            <a:r>
+              <a:rPr lang="ru-RU" dirty="0" smtClean="0"/>
+              <a:t>либо в классе-фасаде библиотеки</a:t>
+            </a:r>
+            <a:endParaRPr lang="ru-RU" dirty="0"/>
           </a:p>
         </p:txBody>
       </p:sp>
@@ -20418,6 +21836,13 @@
   <p:clrMapOvr>
     <a:masterClrMapping/>
   </p:clrMapOvr>
+  <p:timing>
+    <p:tnLst>
+      <p:par>
+        <p:cTn id="1" dur="indefinite" restart="never" nodeType="tmRoot"/>
+      </p:par>
+    </p:tnLst>
+  </p:timing>
 </p:sld>
 </file>
 
@@ -20973,6 +22398,14 @@
               </a:rPr>
               <a:t>В чем разница между</a:t>
             </a:r>
+            <a:r>
+              <a:rPr lang="ru-RU" dirty="0">
+                <a:solidFill>
+                  <a:schemeClr val="tx1"/>
+                </a:solidFill>
+              </a:rPr>
+              <a:t/>
+            </a:r>
             <a:br>
               <a:rPr lang="ru-RU" dirty="0">
                 <a:solidFill>
@@ -20992,6 +22425,14 @@
               <a:rPr lang="en-US" b="1" i="1" dirty="0"/>
               <a:t>Injection</a:t>
             </a:r>
+            <a:r>
+              <a:rPr lang="ru-RU" dirty="0">
+                <a:solidFill>
+                  <a:schemeClr val="tx1"/>
+                </a:solidFill>
+              </a:rPr>
+              <a:t/>
+            </a:r>
             <a:br>
               <a:rPr lang="ru-RU" dirty="0">
                 <a:solidFill>
@@ -21007,6 +22448,14 @@
               </a:rPr>
               <a:t>и</a:t>
             </a:r>
+            <a:r>
+              <a:rPr lang="en-US" dirty="0">
+                <a:solidFill>
+                  <a:schemeClr val="tx1"/>
+                </a:solidFill>
+              </a:rPr>
+              <a:t/>
+            </a:r>
             <a:br>
               <a:rPr lang="en-US" dirty="0">
                 <a:solidFill>
@@ -21033,6 +22482,14 @@
                 </a:solidFill>
               </a:rPr>
               <a:t> Principle</a:t>
+            </a:r>
+            <a:r>
+              <a:rPr lang="ru-RU" dirty="0">
+                <a:solidFill>
+                  <a:schemeClr val="tx1"/>
+                </a:solidFill>
+              </a:rPr>
+              <a:t/>
             </a:r>
             <a:br>
               <a:rPr lang="ru-RU" dirty="0">
@@ -21067,6 +22524,13 @@
   <p:clrMapOvr>
     <a:masterClrMapping/>
   </p:clrMapOvr>
+  <p:timing>
+    <p:tnLst>
+      <p:par>
+        <p:cTn id="1" dur="indefinite" restart="never" nodeType="tmRoot"/>
+      </p:par>
+    </p:tnLst>
+  </p:timing>
 </p:sld>
 </file>
 
@@ -21411,7 +22875,7 @@
               <a:t> = </a:t>
             </a:r>
             <a:r>
-              <a:rPr lang="en-US" sz="2000" dirty="0" err="1">
+              <a:rPr lang="en-US" sz="2000" dirty="0" err="1" smtClean="0">
                 <a:solidFill>
                   <a:srgbClr val="2B91AF"/>
                 </a:solidFill>
@@ -21420,102 +22884,38 @@
               <a:t>LoadBoard</a:t>
             </a:r>
             <a:r>
+              <a:rPr lang="en-US" sz="2000" dirty="0" smtClean="0">
+                <a:latin typeface="Consolas" panose="020B0609020204030204" pitchFamily="49" charset="0"/>
+              </a:rPr>
+              <a:t>(</a:t>
+            </a:r>
+            <a:r>
+              <a:rPr lang="en-US" sz="2000" dirty="0" smtClean="0">
+                <a:latin typeface="Consolas" panose="020B0609020204030204" pitchFamily="49" charset="0"/>
+              </a:rPr>
+              <a:t>reader,</a:t>
+            </a:r>
+            <a:r>
+              <a:rPr lang="ru-RU" sz="2000" dirty="0">
+                <a:latin typeface="Consolas" panose="020B0609020204030204" pitchFamily="49" charset="0"/>
+              </a:rPr>
+              <a:t> </a:t>
+            </a:r>
+            <a:r>
+              <a:rPr lang="en-US" sz="2000" dirty="0" smtClean="0">
+                <a:latin typeface="Consolas" panose="020B0609020204030204" pitchFamily="49" charset="0"/>
+              </a:rPr>
+              <a:t>parser</a:t>
+            </a:r>
+            <a:r>
               <a:rPr lang="en-US" sz="2000" dirty="0">
                 <a:latin typeface="Consolas" panose="020B0609020204030204" pitchFamily="49" charset="0"/>
               </a:rPr>
-              <a:t>(</a:t>
-            </a:r>
-          </a:p>
-          <a:p>
-            <a:r>
-              <a:rPr lang="en-US" sz="2000" dirty="0">
-                <a:latin typeface="Consolas" panose="020B0609020204030204" pitchFamily="49" charset="0"/>
-              </a:rPr>
-              <a:t>            </a:t>
-            </a:r>
-            <a:r>
-              <a:rPr lang="en-US" sz="2000" dirty="0">
-                <a:solidFill>
-                  <a:srgbClr val="0000FF"/>
-                </a:solidFill>
-                <a:latin typeface="Consolas" panose="020B0609020204030204" pitchFamily="49" charset="0"/>
-              </a:rPr>
-              <a:t>new</a:t>
-            </a:r>
-            <a:r>
-              <a:rPr lang="en-US" sz="2000" dirty="0">
-                <a:latin typeface="Consolas" panose="020B0609020204030204" pitchFamily="49" charset="0"/>
-              </a:rPr>
-              <a:t> </a:t>
-            </a:r>
-            <a:r>
-              <a:rPr lang="en-US" sz="2000" dirty="0" err="1">
-                <a:solidFill>
-                  <a:srgbClr val="00007F"/>
-                </a:solidFill>
-                <a:latin typeface="Consolas" panose="020B0609020204030204" pitchFamily="49" charset="0"/>
-              </a:rPr>
-              <a:t>StreamReader</a:t>
-            </a:r>
-            <a:r>
-              <a:rPr lang="en-US" sz="2000" dirty="0">
-                <a:latin typeface="Consolas" panose="020B0609020204030204" pitchFamily="49" charset="0"/>
-              </a:rPr>
-              <a:t>(</a:t>
-            </a:r>
-            <a:r>
-              <a:rPr lang="en-US" sz="2000" dirty="0">
-                <a:solidFill>
-                  <a:srgbClr val="A31515"/>
-                </a:solidFill>
-                <a:latin typeface="Consolas" panose="020B0609020204030204" pitchFamily="49" charset="0"/>
-              </a:rPr>
-              <a:t>"input.txt"</a:t>
-            </a:r>
-            <a:r>
-              <a:rPr lang="en-US" sz="2000" dirty="0">
-                <a:latin typeface="Consolas" panose="020B0609020204030204" pitchFamily="49" charset="0"/>
-              </a:rPr>
-              <a:t>),</a:t>
-            </a:r>
-          </a:p>
-          <a:p>
-            <a:r>
-              <a:rPr lang="en-US" sz="2000" dirty="0">
-                <a:latin typeface="Consolas" panose="020B0609020204030204" pitchFamily="49" charset="0"/>
-              </a:rPr>
-              <a:t>            </a:t>
-            </a:r>
-            <a:r>
-              <a:rPr lang="en-US" sz="2000" dirty="0">
-                <a:solidFill>
-                  <a:srgbClr val="0000FF"/>
-                </a:solidFill>
-                <a:latin typeface="Consolas" panose="020B0609020204030204" pitchFamily="49" charset="0"/>
-              </a:rPr>
-              <a:t>new</a:t>
-            </a:r>
-            <a:r>
-              <a:rPr lang="en-US" sz="2000" dirty="0">
-                <a:latin typeface="Consolas" panose="020B0609020204030204" pitchFamily="49" charset="0"/>
-              </a:rPr>
-              <a:t> </a:t>
-            </a:r>
-            <a:r>
-              <a:rPr lang="en-US" sz="2000" dirty="0" err="1">
-                <a:solidFill>
-                  <a:srgbClr val="00007F"/>
-                </a:solidFill>
-                <a:latin typeface="Consolas" panose="020B0609020204030204" pitchFamily="49" charset="0"/>
-              </a:rPr>
-              <a:t>BoardParser</a:t>
-            </a:r>
-            <a:r>
-              <a:rPr lang="en-US" sz="2000" dirty="0">
-                <a:latin typeface="Consolas" panose="020B0609020204030204" pitchFamily="49" charset="0"/>
-              </a:rPr>
-              <a:t>());</a:t>
-            </a:r>
+              <a:t>);</a:t>
+            </a:r>
+            <a:endParaRPr lang="en-US" sz="2000" dirty="0">
+              <a:latin typeface="Consolas" panose="020B0609020204030204" pitchFamily="49" charset="0"/>
+            </a:endParaRPr>
           </a:p>
           <a:p>
             <a:r>
@@ -21588,6 +22988,13 @@
   <p:clrMapOvr>
     <a:masterClrMapping/>
   </p:clrMapOvr>
+  <p:timing>
+    <p:tnLst>
+      <p:par>
+        <p:cTn id="1" dur="indefinite" restart="never" nodeType="tmRoot"/>
+      </p:par>
+    </p:tnLst>
+  </p:timing>
 </p:sld>
 </file>
 

--- a/di.pptx
+++ b/di.pptx
@@ -6,7 +6,7 @@
     <p:sldMasterId id="2147483679" r:id="rId2"/>
   </p:sldMasterIdLst>
   <p:notesMasterIdLst>
-    <p:notesMasterId r:id="rId23"/>
+    <p:notesMasterId r:id="rId24"/>
   </p:notesMasterIdLst>
   <p:sldIdLst>
     <p:sldId id="300" r:id="rId3"/>
@@ -29,6 +29,7 @@
     <p:sldId id="294" r:id="rId20"/>
     <p:sldId id="301" r:id="rId21"/>
     <p:sldId id="302" r:id="rId22"/>
+    <p:sldId id="327" r:id="rId23"/>
   </p:sldIdLst>
   <p:sldSz cx="12192000" cy="6858000"/>
   <p:notesSz cx="6858000" cy="9144000"/>
@@ -156,6 +157,7 @@
             <p14:sldId id="294"/>
             <p14:sldId id="301"/>
             <p14:sldId id="302"/>
+            <p14:sldId id="327"/>
           </p14:sldIdLst>
         </p14:section>
       </p14:sectionLst>
@@ -165,10 +167,6 @@
     </p:ext>
   </p:extLst>
 </p:presentation>
-</file>
-
-<file path=ppt/revisionInfo.xml><?xml version="1.0" encoding="utf-8"?>
-<p1510:revInfo xmlns:a="http://schemas.openxmlformats.org/drawingml/2006/main" xmlns:r="http://schemas.openxmlformats.org/officeDocument/2006/relationships" xmlns:p1510="http://schemas.microsoft.com/office/powerpoint/2015/10/main"/>
 </file>
 
 <file path=ppt/diagrams/colors1.xml><?xml version="1.0" encoding="utf-8"?>
@@ -2469,13 +2467,6 @@
         </dgm:presLayoutVars>
       </dgm:prSet>
       <dgm:spPr/>
-      <dgm:t>
-        <a:bodyPr/>
-        <a:lstStyle/>
-        <a:p>
-          <a:endParaRPr lang="ru-RU"/>
-        </a:p>
-      </dgm:t>
     </dgm:pt>
     <dgm:pt modelId="{CF6D50B3-578A-4EA0-A5A0-492FA729F6ED}" type="pres">
       <dgm:prSet presAssocID="{B75F6A3A-9A51-4DF3-8A57-9AEB0739425C}" presName="composite" presStyleCnt="0"/>
@@ -2488,13 +2479,6 @@
         </dgm:presLayoutVars>
       </dgm:prSet>
       <dgm:spPr/>
-      <dgm:t>
-        <a:bodyPr/>
-        <a:lstStyle/>
-        <a:p>
-          <a:endParaRPr lang="ru-RU"/>
-        </a:p>
-      </dgm:t>
     </dgm:pt>
     <dgm:pt modelId="{61EB78D8-69FF-471D-8FEB-71388C442F55}" type="pres">
       <dgm:prSet presAssocID="{B75F6A3A-9A51-4DF3-8A57-9AEB0739425C}" presName="rect1" presStyleLbl="alignImgPlace1" presStyleIdx="0" presStyleCnt="1" custScaleX="596594" custScaleY="114980" custLinFactX="-64576" custLinFactNeighborX="-100000" custLinFactNeighborY="-13065"/>
@@ -2516,9 +2500,9 @@
     </dgm:pt>
   </dgm:ptLst>
   <dgm:cxnLst>
-    <dgm:cxn modelId="{017518C9-1619-4B19-AA03-86BA999BA287}" srcId="{EAB81984-5B84-4970-8447-2B456B8C58DF}" destId="{B75F6A3A-9A51-4DF3-8A57-9AEB0739425C}" srcOrd="0" destOrd="0" parTransId="{203596AF-4F49-40BA-B1E1-11BDD34B512E}" sibTransId="{A056157B-3867-49A4-9195-F3A4F3FBBA8E}"/>
     <dgm:cxn modelId="{1CEAA455-5BF4-4666-95B8-390900AB8124}" type="presOf" srcId="{EAB81984-5B84-4970-8447-2B456B8C58DF}" destId="{3A252E36-3D7E-49E5-B812-EE4CACF0D5CF}" srcOrd="0" destOrd="0" presId="urn:microsoft.com/office/officeart/2008/layout/PictureGrid"/>
     <dgm:cxn modelId="{147A14B3-96E8-4139-969B-9DB1BCB4D95E}" type="presOf" srcId="{B75F6A3A-9A51-4DF3-8A57-9AEB0739425C}" destId="{B29ABF60-EC0F-45AD-A90E-9C76D15C2F14}" srcOrd="0" destOrd="0" presId="urn:microsoft.com/office/officeart/2008/layout/PictureGrid"/>
+    <dgm:cxn modelId="{017518C9-1619-4B19-AA03-86BA999BA287}" srcId="{EAB81984-5B84-4970-8447-2B456B8C58DF}" destId="{B75F6A3A-9A51-4DF3-8A57-9AEB0739425C}" srcOrd="0" destOrd="0" parTransId="{203596AF-4F49-40BA-B1E1-11BDD34B512E}" sibTransId="{A056157B-3867-49A4-9195-F3A4F3FBBA8E}"/>
     <dgm:cxn modelId="{D3458AFA-605E-43EE-8C8A-0E0C1E3CD931}" type="presParOf" srcId="{3A252E36-3D7E-49E5-B812-EE4CACF0D5CF}" destId="{CF6D50B3-578A-4EA0-A5A0-492FA729F6ED}" srcOrd="0" destOrd="0" presId="urn:microsoft.com/office/officeart/2008/layout/PictureGrid"/>
     <dgm:cxn modelId="{9835F3F3-3E30-4AC4-AD89-BC095FA9A878}" type="presParOf" srcId="{CF6D50B3-578A-4EA0-A5A0-492FA729F6ED}" destId="{B29ABF60-EC0F-45AD-A90E-9C76D15C2F14}" srcOrd="0" destOrd="0" presId="urn:microsoft.com/office/officeart/2008/layout/PictureGrid"/>
     <dgm:cxn modelId="{70FA379F-7827-49B9-806E-1FD72CAE8F89}" type="presParOf" srcId="{CF6D50B3-578A-4EA0-A5A0-492FA729F6ED}" destId="{61EB78D8-69FF-471D-8FEB-71388C442F55}" srcOrd="1" destOrd="0" presId="urn:microsoft.com/office/officeart/2008/layout/PictureGrid"/>
@@ -2590,13 +2574,6 @@
         </dgm:presLayoutVars>
       </dgm:prSet>
       <dgm:spPr/>
-      <dgm:t>
-        <a:bodyPr/>
-        <a:lstStyle/>
-        <a:p>
-          <a:endParaRPr lang="ru-RU"/>
-        </a:p>
-      </dgm:t>
     </dgm:pt>
     <dgm:pt modelId="{CF6D50B3-578A-4EA0-A5A0-492FA729F6ED}" type="pres">
       <dgm:prSet presAssocID="{B75F6A3A-9A51-4DF3-8A57-9AEB0739425C}" presName="composite" presStyleCnt="0"/>
@@ -2609,13 +2586,6 @@
         </dgm:presLayoutVars>
       </dgm:prSet>
       <dgm:spPr/>
-      <dgm:t>
-        <a:bodyPr/>
-        <a:lstStyle/>
-        <a:p>
-          <a:endParaRPr lang="ru-RU"/>
-        </a:p>
-      </dgm:t>
     </dgm:pt>
     <dgm:pt modelId="{61EB78D8-69FF-471D-8FEB-71388C442F55}" type="pres">
       <dgm:prSet presAssocID="{B75F6A3A-9A51-4DF3-8A57-9AEB0739425C}" presName="rect1" presStyleLbl="alignImgPlace1" presStyleIdx="0" presStyleCnt="1" custScaleX="596594" custScaleY="114980" custLinFactX="-64576" custLinFactNeighborX="-100000" custLinFactNeighborY="-13065"/>
@@ -2637,9 +2607,9 @@
     </dgm:pt>
   </dgm:ptLst>
   <dgm:cxnLst>
-    <dgm:cxn modelId="{017518C9-1619-4B19-AA03-86BA999BA287}" srcId="{EAB81984-5B84-4970-8447-2B456B8C58DF}" destId="{B75F6A3A-9A51-4DF3-8A57-9AEB0739425C}" srcOrd="0" destOrd="0" parTransId="{203596AF-4F49-40BA-B1E1-11BDD34B512E}" sibTransId="{A056157B-3867-49A4-9195-F3A4F3FBBA8E}"/>
     <dgm:cxn modelId="{1CEAA455-5BF4-4666-95B8-390900AB8124}" type="presOf" srcId="{EAB81984-5B84-4970-8447-2B456B8C58DF}" destId="{3A252E36-3D7E-49E5-B812-EE4CACF0D5CF}" srcOrd="0" destOrd="0" presId="urn:microsoft.com/office/officeart/2008/layout/PictureGrid"/>
     <dgm:cxn modelId="{147A14B3-96E8-4139-969B-9DB1BCB4D95E}" type="presOf" srcId="{B75F6A3A-9A51-4DF3-8A57-9AEB0739425C}" destId="{B29ABF60-EC0F-45AD-A90E-9C76D15C2F14}" srcOrd="0" destOrd="0" presId="urn:microsoft.com/office/officeart/2008/layout/PictureGrid"/>
+    <dgm:cxn modelId="{017518C9-1619-4B19-AA03-86BA999BA287}" srcId="{EAB81984-5B84-4970-8447-2B456B8C58DF}" destId="{B75F6A3A-9A51-4DF3-8A57-9AEB0739425C}" srcOrd="0" destOrd="0" parTransId="{203596AF-4F49-40BA-B1E1-11BDD34B512E}" sibTransId="{A056157B-3867-49A4-9195-F3A4F3FBBA8E}"/>
     <dgm:cxn modelId="{D3458AFA-605E-43EE-8C8A-0E0C1E3CD931}" type="presParOf" srcId="{3A252E36-3D7E-49E5-B812-EE4CACF0D5CF}" destId="{CF6D50B3-578A-4EA0-A5A0-492FA729F6ED}" srcOrd="0" destOrd="0" presId="urn:microsoft.com/office/officeart/2008/layout/PictureGrid"/>
     <dgm:cxn modelId="{9835F3F3-3E30-4AC4-AD89-BC095FA9A878}" type="presParOf" srcId="{CF6D50B3-578A-4EA0-A5A0-492FA729F6ED}" destId="{B29ABF60-EC0F-45AD-A90E-9C76D15C2F14}" srcOrd="0" destOrd="0" presId="urn:microsoft.com/office/officeart/2008/layout/PictureGrid"/>
     <dgm:cxn modelId="{70FA379F-7827-49B9-806E-1FD72CAE8F89}" type="presParOf" srcId="{CF6D50B3-578A-4EA0-A5A0-492FA729F6ED}" destId="{61EB78D8-69FF-471D-8FEB-71388C442F55}" srcOrd="1" destOrd="0" presId="urn:microsoft.com/office/officeart/2008/layout/PictureGrid"/>
@@ -2729,13 +2699,6 @@
         </dgm:presLayoutVars>
       </dgm:prSet>
       <dgm:spPr/>
-      <dgm:t>
-        <a:bodyPr/>
-        <a:lstStyle/>
-        <a:p>
-          <a:endParaRPr lang="ru-RU"/>
-        </a:p>
-      </dgm:t>
     </dgm:pt>
     <dgm:pt modelId="{65D73C51-61AB-436D-8191-975603FC9C68}" type="pres">
       <dgm:prSet presAssocID="{9C9C0585-42CE-4F34-A2BB-F1377DA03788}" presName="composite" presStyleCnt="0"/>
@@ -2748,13 +2711,6 @@
         </dgm:presLayoutVars>
       </dgm:prSet>
       <dgm:spPr/>
-      <dgm:t>
-        <a:bodyPr/>
-        <a:lstStyle/>
-        <a:p>
-          <a:endParaRPr lang="ru-RU"/>
-        </a:p>
-      </dgm:t>
     </dgm:pt>
     <dgm:pt modelId="{DFDA3CA3-5C68-4A2F-A4A8-285063A35D87}" type="pres">
       <dgm:prSet presAssocID="{9C9C0585-42CE-4F34-A2BB-F1377DA03788}" presName="rect1" presStyleLbl="alignImgPlace1" presStyleIdx="0" presStyleCnt="1" custScaleX="62421" custScaleY="62421" custLinFactNeighborX="1076" custLinFactNeighborY="-52209"/>
@@ -2779,8 +2735,8 @@
     </dgm:pt>
   </dgm:ptLst>
   <dgm:cxnLst>
+    <dgm:cxn modelId="{A9E27516-E8E4-42A7-A155-024D48E79559}" type="presOf" srcId="{8F66C165-B39F-46D3-B19F-623799541DD3}" destId="{B6F028CB-F170-4FEF-BC3A-25F0E90D434A}" srcOrd="0" destOrd="0" presId="urn:microsoft.com/office/officeart/2008/layout/PictureGrid"/>
     <dgm:cxn modelId="{A177C822-7566-4410-A889-706A6CE15148}" srcId="{8F66C165-B39F-46D3-B19F-623799541DD3}" destId="{9C9C0585-42CE-4F34-A2BB-F1377DA03788}" srcOrd="0" destOrd="0" parTransId="{4E5DCF2B-AAE7-41E2-837F-518128C03597}" sibTransId="{56F70C7F-1925-4DBA-9BD6-AF5E91799A59}"/>
-    <dgm:cxn modelId="{A9E27516-E8E4-42A7-A155-024D48E79559}" type="presOf" srcId="{8F66C165-B39F-46D3-B19F-623799541DD3}" destId="{B6F028CB-F170-4FEF-BC3A-25F0E90D434A}" srcOrd="0" destOrd="0" presId="urn:microsoft.com/office/officeart/2008/layout/PictureGrid"/>
     <dgm:cxn modelId="{ACD53F50-5BA1-48C9-B5DF-09BF6DA4DE65}" type="presOf" srcId="{9C9C0585-42CE-4F34-A2BB-F1377DA03788}" destId="{A30F2283-C0A4-4A69-BCBE-833D967155A2}" srcOrd="0" destOrd="0" presId="urn:microsoft.com/office/officeart/2008/layout/PictureGrid"/>
     <dgm:cxn modelId="{CC189C1C-06A1-4F03-B886-67BF46A53703}" type="presParOf" srcId="{B6F028CB-F170-4FEF-BC3A-25F0E90D434A}" destId="{65D73C51-61AB-436D-8191-975603FC9C68}" srcOrd="0" destOrd="0" presId="urn:microsoft.com/office/officeart/2008/layout/PictureGrid"/>
     <dgm:cxn modelId="{CD7DB92E-B84F-43A0-AC2D-FBBFB40722EE}" type="presParOf" srcId="{65D73C51-61AB-436D-8191-975603FC9C68}" destId="{A30F2283-C0A4-4A69-BCBE-833D967155A2}" srcOrd="0" destOrd="0" presId="urn:microsoft.com/office/officeart/2008/layout/PictureGrid"/>
@@ -2841,7 +2797,7 @@
         </a:bodyPr>
         <a:lstStyle/>
         <a:p>
-          <a:pPr lvl="0" algn="l" defTabSz="222250">
+          <a:pPr marL="0" lvl="0" indent="0" algn="l" defTabSz="222250">
             <a:lnSpc>
               <a:spcPct val="90000"/>
             </a:lnSpc>
@@ -2851,6 +2807,7 @@
             <a:spcAft>
               <a:spcPct val="35000"/>
             </a:spcAft>
+            <a:buNone/>
           </a:pPr>
           <a:r>
             <a:rPr lang="ru-RU" sz="500" kern="1200" dirty="0"/>
@@ -2964,7 +2921,7 @@
         </a:bodyPr>
         <a:lstStyle/>
         <a:p>
-          <a:pPr lvl="0" algn="l" defTabSz="222250">
+          <a:pPr marL="0" lvl="0" indent="0" algn="l" defTabSz="222250">
             <a:lnSpc>
               <a:spcPct val="90000"/>
             </a:lnSpc>
@@ -2974,6 +2931,7 @@
             <a:spcAft>
               <a:spcPct val="35000"/>
             </a:spcAft>
+            <a:buNone/>
           </a:pPr>
           <a:r>
             <a:rPr lang="ru-RU" sz="500" kern="1200" dirty="0"/>
@@ -3087,7 +3045,7 @@
         </a:bodyPr>
         <a:lstStyle/>
         <a:p>
-          <a:pPr lvl="0" algn="ctr" defTabSz="1778000">
+          <a:pPr marL="0" lvl="0" indent="0" algn="ctr" defTabSz="1778000">
             <a:lnSpc>
               <a:spcPct val="90000"/>
             </a:lnSpc>
@@ -3097,6 +3055,7 @@
             <a:spcAft>
               <a:spcPct val="35000"/>
             </a:spcAft>
+            <a:buNone/>
           </a:pPr>
           <a:r>
             <a:rPr lang="ru-RU" sz="4000" kern="1200" dirty="0">
@@ -7157,7 +7116,7 @@
           <a:p>
             <a:fld id="{98715375-4139-4C08-98FD-C8890076A179}" type="datetimeFigureOut">
               <a:rPr lang="ru-RU" smtClean="0"/>
-              <a:t>25.08.2017</a:t>
+              <a:t>16.04.2018</a:t>
             </a:fld>
             <a:endParaRPr lang="ru-RU"/>
           </a:p>
@@ -7473,7 +7432,7 @@
               <a:buNone/>
             </a:pPr>
             <a:r>
-              <a:rPr lang="ru-RU" dirty="0" smtClean="0"/>
+              <a:rPr lang="ru-RU" dirty="0"/>
               <a:t>Что здесь плохо?</a:t>
             </a:r>
           </a:p>
@@ -7483,38 +7442,37 @@
               <a:buChar char="-"/>
             </a:pPr>
             <a:r>
-              <a:rPr lang="ru-RU" dirty="0" err="1" smtClean="0"/>
+              <a:rPr lang="ru-RU" dirty="0" err="1"/>
               <a:t>Chessboard</a:t>
             </a:r>
             <a:r>
-              <a:rPr lang="ru-RU" dirty="0" smtClean="0"/>
+              <a:rPr lang="ru-RU" dirty="0"/>
               <a:t> знает откуда надо читать содержимое доски, как нужно </a:t>
             </a:r>
             <a:r>
-              <a:rPr lang="ru-RU" dirty="0" err="1" smtClean="0"/>
+              <a:rPr lang="ru-RU" dirty="0" err="1"/>
               <a:t>парсить</a:t>
             </a:r>
             <a:r>
-              <a:rPr lang="ru-RU" dirty="0" smtClean="0"/>
+              <a:rPr lang="ru-RU" dirty="0"/>
               <a:t> содержимое файлы. Если потребуется изменить путь до файла или</a:t>
             </a:r>
             <a:r>
-              <a:rPr lang="ru-RU" baseline="0" dirty="0" smtClean="0"/>
+              <a:rPr lang="ru-RU" baseline="0" dirty="0"/>
               <a:t> придется работать с несколькими форматами </a:t>
             </a:r>
             <a:r>
-              <a:rPr lang="ru-RU" dirty="0" smtClean="0"/>
+              <a:rPr lang="ru-RU" dirty="0"/>
               <a:t>- нужно будет лезть в код </a:t>
             </a:r>
             <a:r>
-              <a:rPr lang="en-US" dirty="0" smtClean="0"/>
+              <a:rPr lang="en-US" dirty="0"/>
               <a:t>Chessboard</a:t>
             </a:r>
             <a:r>
-              <a:rPr lang="ru-RU" dirty="0" smtClean="0"/>
+              <a:rPr lang="ru-RU" dirty="0"/>
               <a:t>.</a:t>
             </a:r>
-            <a:endParaRPr lang="ru-RU" dirty="0"/>
           </a:p>
         </p:txBody>
       </p:sp>
@@ -7599,10 +7557,9 @@
           <a:lstStyle/>
           <a:p>
             <a:r>
-              <a:rPr lang="ru-RU" dirty="0" smtClean="0"/>
+              <a:rPr lang="ru-RU" dirty="0"/>
               <a:t>Контейнер будет строить граф зависимостей и создавать все что нужно.</a:t>
             </a:r>
-            <a:endParaRPr lang="ru-RU" dirty="0"/>
           </a:p>
         </p:txBody>
       </p:sp>
@@ -7691,14 +7648,14 @@
               <a:buNone/>
             </a:pPr>
             <a:r>
-              <a:rPr lang="ru-RU" dirty="0" smtClean="0"/>
+              <a:rPr lang="ru-RU" dirty="0"/>
               <a:t>А</a:t>
             </a:r>
             <a:r>
-              <a:rPr lang="ru-RU" baseline="0" dirty="0" smtClean="0"/>
+              <a:rPr lang="ru-RU" baseline="0" dirty="0"/>
               <a:t> если зависимостей много?</a:t>
             </a:r>
-            <a:endParaRPr lang="en-US" dirty="0" smtClean="0"/>
+            <a:endParaRPr lang="en-US" dirty="0"/>
           </a:p>
           <a:p>
             <a:pPr marL="171450" indent="-171450">
@@ -7706,29 +7663,29 @@
               <a:buChar char="-"/>
             </a:pPr>
             <a:r>
-              <a:rPr lang="ru-RU" dirty="0" smtClean="0"/>
+              <a:rPr lang="ru-RU" dirty="0"/>
               <a:t>Вернет коллекцией (список, массив, </a:t>
             </a:r>
             <a:r>
-              <a:rPr lang="en-US" dirty="0" smtClean="0"/>
+              <a:rPr lang="en-US" dirty="0"/>
               <a:t>IE</a:t>
             </a:r>
             <a:r>
-              <a:rPr lang="ru-RU" dirty="0" err="1" smtClean="0"/>
+              <a:rPr lang="ru-RU" dirty="0" err="1"/>
               <a:t>numerable</a:t>
             </a:r>
             <a:r>
-              <a:rPr lang="ru-RU" dirty="0" smtClean="0"/>
+              <a:rPr lang="ru-RU" dirty="0"/>
               <a:t>)</a:t>
             </a:r>
-            <a:endParaRPr lang="en-US" dirty="0" smtClean="0"/>
+            <a:endParaRPr lang="en-US" dirty="0"/>
           </a:p>
           <a:p>
             <a:pPr marL="0" indent="0">
               <a:buFontTx/>
               <a:buNone/>
             </a:pPr>
-            <a:endParaRPr lang="en-US" dirty="0" smtClean="0"/>
+            <a:endParaRPr lang="en-US" dirty="0"/>
           </a:p>
           <a:p>
             <a:pPr marL="0" indent="0">
@@ -7736,10 +7693,10 @@
               <a:buNone/>
             </a:pPr>
             <a:r>
-              <a:rPr lang="ru-RU" dirty="0" smtClean="0"/>
+              <a:rPr lang="ru-RU" dirty="0"/>
               <a:t>А если бы попросили 1, а реализаций много?</a:t>
             </a:r>
-            <a:endParaRPr lang="en-US" dirty="0" smtClean="0"/>
+            <a:endParaRPr lang="en-US" dirty="0"/>
           </a:p>
           <a:p>
             <a:pPr marL="171450" indent="-171450">
@@ -7747,7 +7704,7 @@
               <a:buChar char="-"/>
             </a:pPr>
             <a:r>
-              <a:rPr lang="ru-RU" dirty="0" smtClean="0"/>
+              <a:rPr lang="ru-RU" dirty="0"/>
               <a:t>Все зависит от контейнера, но в данной ситуации появляется непредсказуемое поведение и лучше всего явно упасть.</a:t>
             </a:r>
           </a:p>
@@ -7845,14 +7802,9 @@
               <a:buChar char="-"/>
             </a:pPr>
             <a:r>
-              <a:rPr lang="ru-RU" dirty="0" smtClean="0"/>
-              <a:t>А если зависимости циклические? </a:t>
-            </a:r>
-            <a:r>
-              <a:rPr lang="ru-RU" dirty="0" smtClean="0"/>
-              <a:t>Как разрулить?</a:t>
-            </a:r>
-            <a:endParaRPr lang="ru-RU" dirty="0" smtClean="0"/>
+              <a:rPr lang="ru-RU" dirty="0"/>
+              <a:t>А если зависимости циклические? Как разрулить?</a:t>
+            </a:r>
           </a:p>
           <a:p>
             <a:pPr marL="171450" indent="-171450">
@@ -7860,14 +7812,14 @@
               <a:buChar char="-"/>
             </a:pPr>
             <a:r>
-              <a:rPr lang="ru-RU" dirty="0" smtClean="0"/>
+              <a:rPr lang="ru-RU" dirty="0"/>
               <a:t>Использовать </a:t>
             </a:r>
             <a:r>
-              <a:rPr lang="ru-RU" dirty="0" err="1" smtClean="0"/>
+              <a:rPr lang="ru-RU" dirty="0" err="1"/>
               <a:t>Lazy</a:t>
             </a:r>
-            <a:endParaRPr lang="ru-RU" dirty="0" smtClean="0"/>
+            <a:endParaRPr lang="ru-RU" dirty="0"/>
           </a:p>
           <a:p>
             <a:pPr marL="171450" indent="-171450">
@@ -7959,13 +7911,13 @@
           <a:lstStyle/>
           <a:p>
             <a:r>
-              <a:rPr lang="ru-RU" dirty="0" smtClean="0"/>
+              <a:rPr lang="ru-RU" dirty="0"/>
               <a:t>Возможны ситуации, когда зависимость известна только в процессе выполнения.</a:t>
             </a:r>
           </a:p>
           <a:p>
             <a:r>
-              <a:rPr lang="ru-RU" dirty="0" smtClean="0"/>
+              <a:rPr lang="ru-RU" dirty="0"/>
               <a:t>В этом случае удобно использовать фабрику, в которую мы передадим эту самую зависимость и получим экземпляр необходимого класса.</a:t>
             </a:r>
           </a:p>
@@ -8143,7 +8095,7 @@
               <a:buNone/>
             </a:pPr>
             <a:r>
-              <a:rPr lang="ru-RU" dirty="0" smtClean="0"/>
+              <a:rPr lang="ru-RU" dirty="0"/>
               <a:t>Дополнительно:</a:t>
             </a:r>
           </a:p>
@@ -8153,11 +8105,11 @@
               <a:buChar char="-"/>
             </a:pPr>
             <a:r>
-              <a:rPr lang="ru-RU" dirty="0" err="1" smtClean="0"/>
+              <a:rPr lang="ru-RU" dirty="0" err="1"/>
               <a:t>Авторегистрация</a:t>
             </a:r>
             <a:r>
-              <a:rPr lang="ru-RU" dirty="0" smtClean="0"/>
+              <a:rPr lang="ru-RU" dirty="0"/>
               <a:t> - круто.</a:t>
             </a:r>
           </a:p>
@@ -8167,15 +8119,15 @@
               <a:buChar char="-"/>
             </a:pPr>
             <a:r>
-              <a:rPr lang="ru-RU" dirty="0" smtClean="0"/>
+              <a:rPr lang="ru-RU" dirty="0"/>
               <a:t>Позволяет сразу добавить новую реализацию интерфейса, </a:t>
             </a:r>
             <a:r>
-              <a:rPr lang="ru-RU" dirty="0" err="1" smtClean="0"/>
+              <a:rPr lang="ru-RU" dirty="0" err="1"/>
               <a:t>вжух</a:t>
             </a:r>
             <a:r>
-              <a:rPr lang="ru-RU" dirty="0" smtClean="0"/>
+              <a:rPr lang="ru-RU" dirty="0"/>
               <a:t> и все работает.</a:t>
             </a:r>
           </a:p>
@@ -8185,7 +8137,7 @@
               <a:buChar char="-"/>
             </a:pPr>
             <a:r>
-              <a:rPr lang="ru-RU" dirty="0" smtClean="0"/>
+              <a:rPr lang="ru-RU" dirty="0"/>
               <a:t>Почти все контейнеры умеют почти все, контекст, константы, циклические зависимости - этим стоит пользоваться.</a:t>
             </a:r>
           </a:p>
@@ -8195,7 +8147,7 @@
               <a:buChar char="-"/>
             </a:pPr>
             <a:r>
-              <a:rPr lang="ru-RU" dirty="0" smtClean="0"/>
+              <a:rPr lang="ru-RU" dirty="0"/>
               <a:t>Контейнер не должен заражать код, должен использоваться в одном месте (заражение может идти через атрибуты)</a:t>
             </a:r>
           </a:p>
@@ -8205,18 +8157,18 @@
               <a:buChar char="-"/>
             </a:pPr>
             <a:r>
-              <a:rPr lang="ru-RU" dirty="0" err="1" smtClean="0"/>
+              <a:rPr lang="ru-RU" dirty="0" err="1"/>
               <a:t>Ninject</a:t>
             </a:r>
             <a:r>
-              <a:rPr lang="ru-RU" dirty="0" smtClean="0"/>
+              <a:rPr lang="ru-RU" dirty="0"/>
               <a:t> (к примеру) разбит на куски, если необходимы фабрики или конвенции - нужно их подключить через </a:t>
             </a:r>
             <a:r>
-              <a:rPr lang="en-US" dirty="0" err="1" smtClean="0"/>
+              <a:rPr lang="en-US" dirty="0" err="1"/>
               <a:t>NuGet</a:t>
             </a:r>
-            <a:endParaRPr lang="ru-RU" dirty="0" smtClean="0"/>
+            <a:endParaRPr lang="ru-RU" dirty="0"/>
           </a:p>
           <a:p>
             <a:pPr marL="0" indent="0">
@@ -8313,7 +8265,7 @@
               <a:buNone/>
             </a:pPr>
             <a:r>
-              <a:rPr lang="ru-RU" dirty="0" smtClean="0"/>
+              <a:rPr lang="ru-RU" dirty="0"/>
               <a:t>Мы уже знаем, что с этим делать!</a:t>
             </a:r>
           </a:p>
@@ -8322,7 +8274,7 @@
               <a:buNone/>
             </a:pPr>
             <a:r>
-              <a:rPr lang="ru-RU" dirty="0" smtClean="0"/>
+              <a:rPr lang="ru-RU" dirty="0"/>
               <a:t>Применим SRP - разобьем наши модули на отдельные компоненты</a:t>
             </a:r>
           </a:p>
@@ -8331,7 +8283,7 @@
               <a:buNone/>
             </a:pPr>
             <a:r>
-              <a:rPr lang="ru-RU" dirty="0" smtClean="0"/>
+              <a:rPr lang="ru-RU" dirty="0"/>
               <a:t>А затем применим DIP – заменим конкретику на абстракции</a:t>
             </a:r>
             <a:endParaRPr lang="ru-RU" sz="1200" b="0" i="0" kern="1200" baseline="0" dirty="0">
@@ -8427,11 +8379,11 @@
           <a:lstStyle/>
           <a:p>
             <a:r>
-              <a:rPr lang="ru-RU" dirty="0" smtClean="0"/>
+              <a:rPr lang="ru-RU" dirty="0"/>
               <a:t>В этом варианте все зависимости передаются явно через</a:t>
             </a:r>
             <a:r>
-              <a:rPr lang="ru-RU" baseline="0" dirty="0" smtClean="0"/>
+              <a:rPr lang="ru-RU" baseline="0" dirty="0"/>
               <a:t> конструктор.</a:t>
             </a:r>
           </a:p>
@@ -8454,41 +8406,41 @@
               <a:defRPr/>
             </a:pPr>
             <a:r>
-              <a:rPr lang="ru-RU" baseline="0" dirty="0" smtClean="0"/>
+              <a:rPr lang="ru-RU" baseline="0" dirty="0"/>
               <a:t>Вспомните, что инъекция – это укол, впрыскивание. Укол зависимостями.</a:t>
             </a:r>
-            <a:endParaRPr lang="ru-RU" dirty="0" smtClean="0"/>
-          </a:p>
-          <a:p>
-            <a:r>
-              <a:rPr lang="ru-RU" baseline="0" dirty="0" smtClean="0"/>
+            <a:endParaRPr lang="ru-RU" dirty="0"/>
+          </a:p>
+          <a:p>
+            <a:r>
+              <a:rPr lang="ru-RU" baseline="0" dirty="0"/>
               <a:t>Зависимости</a:t>
             </a:r>
             <a:r>
-              <a:rPr lang="en-US" baseline="0" dirty="0" smtClean="0"/>
+              <a:rPr lang="en-US" baseline="0" dirty="0"/>
               <a:t> </a:t>
             </a:r>
             <a:r>
-              <a:rPr lang="ru-RU" baseline="0" dirty="0" smtClean="0"/>
+              <a:rPr lang="ru-RU" baseline="0" dirty="0"/>
               <a:t>как бы «впрыскиваются» в класс через конструктор.</a:t>
             </a:r>
           </a:p>
           <a:p>
             <a:r>
-              <a:rPr lang="ru-RU" baseline="0" dirty="0" smtClean="0"/>
+              <a:rPr lang="ru-RU" baseline="0" dirty="0"/>
               <a:t>Теперь из кода, который использует </a:t>
             </a:r>
             <a:r>
-              <a:rPr lang="en-US" baseline="0" dirty="0" smtClean="0"/>
+              <a:rPr lang="en-US" baseline="0" dirty="0"/>
               <a:t>Chessboard </a:t>
             </a:r>
             <a:r>
-              <a:rPr lang="ru-RU" baseline="0" dirty="0" smtClean="0"/>
+              <a:rPr lang="ru-RU" baseline="0" dirty="0"/>
               <a:t>их можно легко подменить.</a:t>
             </a:r>
           </a:p>
           <a:p>
-            <a:endParaRPr lang="ru-RU" baseline="0" dirty="0" smtClean="0"/>
+            <a:endParaRPr lang="ru-RU" baseline="0" dirty="0"/>
           </a:p>
         </p:txBody>
       </p:sp>
@@ -8577,14 +8529,14 @@
               <a:buNone/>
             </a:pPr>
             <a:r>
-              <a:rPr lang="ru-RU" dirty="0" smtClean="0"/>
+              <a:rPr lang="ru-RU" dirty="0"/>
               <a:t>Явное управление зависимостями = зависимости</a:t>
             </a:r>
             <a:r>
-              <a:rPr lang="ru-RU" baseline="0" dirty="0" smtClean="0"/>
+              <a:rPr lang="ru-RU" baseline="0" dirty="0"/>
               <a:t> можно подменить.</a:t>
             </a:r>
-            <a:endParaRPr lang="ru-RU" dirty="0" smtClean="0"/>
+            <a:endParaRPr lang="ru-RU" dirty="0"/>
           </a:p>
           <a:p>
             <a:pPr marL="0" indent="0">
@@ -8592,10 +8544,10 @@
               <a:buNone/>
             </a:pPr>
             <a:r>
-              <a:rPr lang="ru-RU" dirty="0" smtClean="0"/>
+              <a:rPr lang="ru-RU" dirty="0"/>
               <a:t>Чтобы управление зависимостями оставалось явным мы не должны использовать какие либо статические методы.</a:t>
             </a:r>
-            <a:endParaRPr lang="en-US" baseline="0" dirty="0" smtClean="0"/>
+            <a:endParaRPr lang="en-US" baseline="0" dirty="0"/>
           </a:p>
           <a:p>
             <a:pPr marL="0" indent="0">
@@ -8603,10 +8555,10 @@
               <a:buNone/>
             </a:pPr>
             <a:r>
-              <a:rPr lang="ru-RU" baseline="0" dirty="0" smtClean="0"/>
+              <a:rPr lang="ru-RU" baseline="0" dirty="0"/>
               <a:t>Конструкторы тоже под запретом, ведь это по сути тоже статические методы.</a:t>
             </a:r>
-            <a:endParaRPr lang="ru-RU" dirty="0" smtClean="0"/>
+            <a:endParaRPr lang="ru-RU" dirty="0"/>
           </a:p>
           <a:p>
             <a:pPr marL="0" indent="0">
@@ -8614,31 +8566,31 @@
               <a:buNone/>
             </a:pPr>
             <a:r>
-              <a:rPr lang="ru-RU" dirty="0" smtClean="0"/>
+              <a:rPr lang="ru-RU" dirty="0"/>
               <a:t>Пример: </a:t>
             </a:r>
             <a:r>
-              <a:rPr lang="ru-RU" dirty="0" err="1" smtClean="0"/>
+              <a:rPr lang="ru-RU" dirty="0" err="1"/>
               <a:t>DateTime.Now</a:t>
             </a:r>
             <a:r>
-              <a:rPr lang="ru-RU" dirty="0" smtClean="0"/>
+              <a:rPr lang="ru-RU" dirty="0"/>
               <a:t> - процесс создание никак не контролируется, неизвестно что там внутри</a:t>
             </a:r>
             <a:r>
-              <a:rPr lang="ru-RU" baseline="0" dirty="0" smtClean="0"/>
+              <a:rPr lang="ru-RU" baseline="0" dirty="0"/>
               <a:t>. </a:t>
             </a:r>
             <a:r>
-              <a:rPr lang="ru-RU" dirty="0" smtClean="0"/>
+              <a:rPr lang="ru-RU" dirty="0"/>
               <a:t>В тестах никак</a:t>
             </a:r>
             <a:r>
-              <a:rPr lang="ru-RU" baseline="0" dirty="0" smtClean="0"/>
+              <a:rPr lang="ru-RU" baseline="0" dirty="0"/>
               <a:t> не повлиять не генерацию даты</a:t>
             </a:r>
             <a:r>
-              <a:rPr lang="ru-RU" dirty="0" smtClean="0"/>
+              <a:rPr lang="ru-RU" dirty="0"/>
               <a:t>.</a:t>
             </a:r>
           </a:p>
@@ -8648,10 +8600,9 @@
               <a:buNone/>
             </a:pPr>
             <a:r>
-              <a:rPr lang="ru-RU" dirty="0" smtClean="0"/>
+              <a:rPr lang="ru-RU" dirty="0"/>
               <a:t>Все зависимости должны передаваться через конструктор - тогда при создании экземпляра класса потребуются удовлетворить их все.</a:t>
             </a:r>
-            <a:endParaRPr lang="ru-RU" dirty="0"/>
           </a:p>
         </p:txBody>
       </p:sp>
@@ -8736,51 +8687,51 @@
           <a:lstStyle/>
           <a:p>
             <a:r>
-              <a:rPr lang="ru-RU" dirty="0" smtClean="0"/>
+              <a:rPr lang="ru-RU" dirty="0"/>
               <a:t>Все же где-то все зависимости придется создать. Поэтому где-то «наверху» получится «</a:t>
             </a:r>
             <a:r>
-              <a:rPr lang="ru-RU" dirty="0" err="1" smtClean="0"/>
+              <a:rPr lang="ru-RU" dirty="0" err="1"/>
               <a:t>загончик</a:t>
             </a:r>
             <a:r>
-              <a:rPr lang="ru-RU" dirty="0" smtClean="0"/>
+              <a:rPr lang="ru-RU" dirty="0"/>
               <a:t> операторов </a:t>
             </a:r>
             <a:r>
-              <a:rPr lang="ru-RU" dirty="0" err="1" smtClean="0"/>
+              <a:rPr lang="ru-RU" dirty="0" err="1"/>
               <a:t>new</a:t>
             </a:r>
             <a:r>
-              <a:rPr lang="ru-RU" dirty="0" smtClean="0"/>
+              <a:rPr lang="ru-RU" dirty="0"/>
               <a:t>()».</a:t>
             </a:r>
           </a:p>
           <a:p>
             <a:r>
-              <a:rPr lang="ru-RU" dirty="0" smtClean="0"/>
+              <a:rPr lang="ru-RU" dirty="0"/>
               <a:t>А по научному – </a:t>
             </a:r>
             <a:r>
-              <a:rPr lang="en-US" dirty="0" smtClean="0"/>
+              <a:rPr lang="en-US" dirty="0"/>
               <a:t>Composition</a:t>
             </a:r>
             <a:r>
-              <a:rPr lang="en-US" baseline="0" dirty="0" smtClean="0"/>
+              <a:rPr lang="en-US" baseline="0" dirty="0"/>
               <a:t> Root</a:t>
             </a:r>
             <a:r>
-              <a:rPr lang="ru-RU" baseline="0" dirty="0" smtClean="0"/>
+              <a:rPr lang="ru-RU" baseline="0" dirty="0"/>
               <a:t>.</a:t>
             </a:r>
-            <a:endParaRPr lang="en-US" baseline="0" dirty="0" smtClean="0"/>
-          </a:p>
-          <a:p>
-            <a:r>
-              <a:rPr lang="ru-RU" baseline="0" dirty="0" smtClean="0"/>
+            <a:endParaRPr lang="en-US" baseline="0" dirty="0"/>
+          </a:p>
+          <a:p>
+            <a:r>
+              <a:rPr lang="ru-RU" baseline="0" dirty="0"/>
               <a:t>Соединять зависимости лучше ближе к точке входа в приложения: понятно где искать, все можно сконфигурировать в одном месте.</a:t>
             </a:r>
-            <a:endParaRPr lang="ru-RU" dirty="0" smtClean="0"/>
+            <a:endParaRPr lang="ru-RU" dirty="0"/>
           </a:p>
         </p:txBody>
       </p:sp>
@@ -8865,11 +8816,11 @@
           <a:lstStyle/>
           <a:p>
             <a:r>
-              <a:rPr lang="ru-RU" dirty="0" smtClean="0"/>
+              <a:rPr lang="ru-RU" dirty="0"/>
               <a:t>Вопрос к</a:t>
             </a:r>
             <a:r>
-              <a:rPr lang="ru-RU" baseline="0" dirty="0" smtClean="0"/>
+              <a:rPr lang="ru-RU" baseline="0" dirty="0"/>
               <a:t> залу. Ответы на слайде.</a:t>
             </a:r>
             <a:endParaRPr lang="ru-RU" dirty="0"/>
@@ -8961,31 +8912,31 @@
               <a:buNone/>
             </a:pPr>
             <a:r>
-              <a:rPr lang="ru-RU" dirty="0" smtClean="0"/>
+              <a:rPr lang="ru-RU" dirty="0"/>
               <a:t>Вопрос к залу. Если аудитория дает правильный ответ – подтверждаем. Если нет – идем дальше и даем</a:t>
             </a:r>
             <a:r>
-              <a:rPr lang="ru-RU" baseline="0" dirty="0" smtClean="0"/>
+              <a:rPr lang="ru-RU" baseline="0" dirty="0"/>
               <a:t> правильный ответ </a:t>
             </a:r>
             <a:r>
-              <a:rPr lang="ru-RU" dirty="0" smtClean="0"/>
+              <a:rPr lang="ru-RU" dirty="0"/>
               <a:t>на слайде «</a:t>
             </a:r>
             <a:r>
-              <a:rPr lang="en-US" dirty="0" smtClean="0"/>
+              <a:rPr lang="en-US" dirty="0"/>
               <a:t>Dependency </a:t>
             </a:r>
             <a:r>
-              <a:rPr lang="en-US" dirty="0" err="1" smtClean="0"/>
+              <a:rPr lang="en-US" dirty="0" err="1"/>
               <a:t>Invertion</a:t>
             </a:r>
             <a:r>
-              <a:rPr lang="en-US" dirty="0" smtClean="0"/>
+              <a:rPr lang="en-US" dirty="0"/>
               <a:t>…</a:t>
             </a:r>
             <a:r>
-              <a:rPr lang="ru-RU" dirty="0" smtClean="0"/>
+              <a:rPr lang="ru-RU" dirty="0"/>
               <a:t>»</a:t>
             </a:r>
           </a:p>
@@ -8994,7 +8945,7 @@
               <a:buFontTx/>
               <a:buNone/>
             </a:pPr>
-            <a:endParaRPr lang="ru-RU" dirty="0" smtClean="0"/>
+            <a:endParaRPr lang="ru-RU" dirty="0"/>
           </a:p>
           <a:p>
             <a:pPr marL="0" indent="0">
@@ -9002,7 +8953,7 @@
               <a:buNone/>
             </a:pPr>
             <a:r>
-              <a:rPr lang="ru-RU" dirty="0" smtClean="0"/>
+              <a:rPr lang="ru-RU" dirty="0"/>
               <a:t>Правильный ответ:</a:t>
             </a:r>
           </a:p>
@@ -9012,7 +8963,7 @@
               <a:buChar char="-"/>
             </a:pPr>
             <a:r>
-              <a:rPr lang="ru-RU" dirty="0" smtClean="0"/>
+              <a:rPr lang="ru-RU" dirty="0"/>
               <a:t>DIP дает рекомендации о том, какими должны быть зависимости:</a:t>
             </a:r>
           </a:p>
@@ -9022,7 +8973,7 @@
               <a:buChar char="-"/>
             </a:pPr>
             <a:r>
-              <a:rPr lang="ru-RU" dirty="0" smtClean="0"/>
+              <a:rPr lang="ru-RU" dirty="0"/>
               <a:t>Модули верхних уровней не должны зависеть от модулей нижних уровней.</a:t>
             </a:r>
           </a:p>
@@ -9032,7 +8983,7 @@
               <a:buChar char="-"/>
             </a:pPr>
             <a:r>
-              <a:rPr lang="ru-RU" dirty="0" smtClean="0"/>
+              <a:rPr lang="ru-RU" dirty="0"/>
               <a:t>Оба типа модулей должны зависеть от абстракций.</a:t>
             </a:r>
           </a:p>
@@ -9042,7 +8993,7 @@
               <a:buChar char="-"/>
             </a:pPr>
             <a:r>
-              <a:rPr lang="ru-RU" dirty="0" smtClean="0"/>
+              <a:rPr lang="ru-RU" dirty="0"/>
               <a:t>Абстракции не должны зависеть от деталей. Детали должны зависеть от абстракций.</a:t>
             </a:r>
           </a:p>
@@ -9052,7 +9003,7 @@
               <a:buChar char="-"/>
             </a:pPr>
             <a:r>
-              <a:rPr lang="ru-RU" dirty="0" smtClean="0"/>
+              <a:rPr lang="ru-RU" dirty="0"/>
               <a:t>DI это механизм передачи классу его зависимостей.</a:t>
             </a:r>
           </a:p>
@@ -9139,27 +9090,27 @@
           <a:lstStyle/>
           <a:p>
             <a:r>
-              <a:rPr lang="ru-RU" dirty="0" smtClean="0"/>
+              <a:rPr lang="ru-RU" dirty="0"/>
               <a:t>А</a:t>
             </a:r>
             <a:r>
-              <a:rPr lang="ru-RU" baseline="0" dirty="0" smtClean="0"/>
+              <a:rPr lang="ru-RU" baseline="0" dirty="0"/>
               <a:t> это </a:t>
             </a:r>
             <a:r>
-              <a:rPr lang="en-US" baseline="0" dirty="0" smtClean="0"/>
+              <a:rPr lang="en-US" baseline="0" dirty="0"/>
               <a:t>DIP? </a:t>
             </a:r>
             <a:r>
-              <a:rPr lang="ru-RU" baseline="0" dirty="0" smtClean="0"/>
+              <a:rPr lang="ru-RU" baseline="0" dirty="0"/>
               <a:t>Почему? Это </a:t>
             </a:r>
             <a:r>
-              <a:rPr lang="en-US" baseline="0" dirty="0" smtClean="0"/>
+              <a:rPr lang="en-US" baseline="0" dirty="0"/>
               <a:t>Dependency Injection? </a:t>
             </a:r>
             <a:r>
-              <a:rPr lang="ru-RU" baseline="0" dirty="0" smtClean="0"/>
+              <a:rPr lang="ru-RU" baseline="0" dirty="0"/>
               <a:t>Почему?</a:t>
             </a:r>
           </a:p>
@@ -9249,27 +9200,27 @@
           <a:lstStyle/>
           <a:p>
             <a:r>
-              <a:rPr lang="ru-RU" dirty="0" smtClean="0"/>
+              <a:rPr lang="ru-RU" dirty="0"/>
               <a:t>А</a:t>
             </a:r>
             <a:r>
-              <a:rPr lang="ru-RU" baseline="0" dirty="0" smtClean="0"/>
+              <a:rPr lang="ru-RU" baseline="0" dirty="0"/>
               <a:t> это </a:t>
             </a:r>
             <a:r>
-              <a:rPr lang="en-US" baseline="0" dirty="0" smtClean="0"/>
+              <a:rPr lang="en-US" baseline="0" dirty="0"/>
               <a:t>DIP? </a:t>
             </a:r>
             <a:r>
-              <a:rPr lang="ru-RU" baseline="0" dirty="0" smtClean="0"/>
+              <a:rPr lang="ru-RU" baseline="0" dirty="0"/>
               <a:t>Почему? Это </a:t>
             </a:r>
             <a:r>
-              <a:rPr lang="en-US" baseline="0" dirty="0" smtClean="0"/>
+              <a:rPr lang="en-US" baseline="0" dirty="0"/>
               <a:t>Dependency Injection? </a:t>
             </a:r>
             <a:r>
-              <a:rPr lang="ru-RU" baseline="0" dirty="0" smtClean="0"/>
+              <a:rPr lang="ru-RU" baseline="0" dirty="0"/>
               <a:t>Почему?</a:t>
             </a:r>
           </a:p>
@@ -13401,7 +13352,7 @@
               <a:rPr lang="en-US" dirty="0">
                 <a:hlinkClick r:id="rId2"/>
               </a:rPr>
-              <a:t>https://github.com/kontur-csharper/</a:t>
+              <a:t>https://github.com/kontur-courses/</a:t>
             </a:r>
             <a:r>
               <a:rPr lang="en-US" b="1" dirty="0">
@@ -13782,13 +13733,6 @@
   <p:clrMapOvr>
     <a:masterClrMapping/>
   </p:clrMapOvr>
-  <p:timing>
-    <p:tnLst>
-      <p:par>
-        <p:cTn id="1" dur="indefinite" restart="never" nodeType="tmRoot"/>
-      </p:par>
-    </p:tnLst>
-  </p:timing>
 </p:sld>
 </file>
 
@@ -13896,13 +13840,6 @@
   <p:clrMapOvr>
     <a:masterClrMapping/>
   </p:clrMapOvr>
-  <p:timing>
-    <p:tnLst>
-      <p:par>
-        <p:cTn id="1" dur="indefinite" restart="never" nodeType="tmRoot"/>
-      </p:par>
-    </p:tnLst>
-  </p:timing>
 </p:sld>
 </file>
 
@@ -14294,13 +14231,6 @@
   <p:clrMapOvr>
     <a:masterClrMapping/>
   </p:clrMapOvr>
-  <p:timing>
-    <p:tnLst>
-      <p:par>
-        <p:cTn id="1" dur="indefinite" restart="never" nodeType="tmRoot"/>
-      </p:par>
-    </p:tnLst>
-  </p:timing>
 </p:sld>
 </file>
 
@@ -14904,13 +14834,6 @@
               </a:spcAft>
               <a:buNone/>
             </a:pPr>
-            <a:r>
-              <a:rPr lang="ru-RU" altLang="ru-RU" sz="2000" dirty="0">
-                <a:latin typeface="Consolas" panose="020B0609020204030204" pitchFamily="49" charset="0"/>
-                <a:cs typeface="Consolas" panose="020B0609020204030204" pitchFamily="49" charset="0"/>
-              </a:rPr>
-              <a:t/>
-            </a:r>
             <a:br>
               <a:rPr lang="ru-RU" altLang="ru-RU" sz="2000" dirty="0">
                 <a:latin typeface="Consolas" panose="020B0609020204030204" pitchFamily="49" charset="0"/>
@@ -15078,13 +15001,6 @@
   <p:clrMapOvr>
     <a:masterClrMapping/>
   </p:clrMapOvr>
-  <p:timing>
-    <p:tnLst>
-      <p:par>
-        <p:cTn id="1" dur="indefinite" restart="never" nodeType="tmRoot"/>
-      </p:par>
-    </p:tnLst>
-  </p:timing>
 </p:sld>
 </file>
 
@@ -16319,13 +16235,6 @@
   <p:clrMapOvr>
     <a:masterClrMapping/>
   </p:clrMapOvr>
-  <p:timing>
-    <p:tnLst>
-      <p:par>
-        <p:cTn id="1" dur="indefinite" restart="never" nodeType="tmRoot"/>
-      </p:par>
-    </p:tnLst>
-  </p:timing>
 </p:sld>
 </file>
 
@@ -16542,13 +16451,6 @@
   <p:clrMapOvr>
     <a:masterClrMapping/>
   </p:clrMapOvr>
-  <p:timing>
-    <p:tnLst>
-      <p:par>
-        <p:cTn id="1" dur="indefinite" restart="never" nodeType="tmRoot"/>
-      </p:par>
-    </p:tnLst>
-  </p:timing>
 </p:sld>
 </file>
 
@@ -16697,13 +16599,6 @@
   <p:clrMapOvr>
     <a:masterClrMapping/>
   </p:clrMapOvr>
-  <p:timing>
-    <p:tnLst>
-      <p:par>
-        <p:cTn id="1" dur="indefinite" restart="never" nodeType="tmRoot"/>
-      </p:par>
-    </p:tnLst>
-  </p:timing>
 </p:sld>
 </file>
 
@@ -17155,13 +17050,6 @@
   <p:clrMapOvr>
     <a:masterClrMapping/>
   </p:clrMapOvr>
-  <p:timing>
-    <p:tnLst>
-      <p:par>
-        <p:cTn id="1" dur="indefinite" restart="never" nodeType="tmRoot"/>
-      </p:par>
-    </p:tnLst>
-  </p:timing>
 </p:sld>
 </file>
 
@@ -17618,6 +17506,201 @@
       <p:bldP spid="3" grpId="0" build="p"/>
     </p:bldLst>
   </p:timing>
+</p:sld>
+</file>
+
+<file path=ppt/slides/slide21.xml><?xml version="1.0" encoding="utf-8"?>
+<p:sld xmlns:a="http://schemas.openxmlformats.org/drawingml/2006/main" xmlns:r="http://schemas.openxmlformats.org/officeDocument/2006/relationships" xmlns:p="http://schemas.openxmlformats.org/presentationml/2006/main">
+  <p:cSld>
+    <p:spTree>
+      <p:nvGrpSpPr>
+        <p:cNvPr id="1" name=""/>
+        <p:cNvGrpSpPr/>
+        <p:nvPr/>
+      </p:nvGrpSpPr>
+      <p:grpSpPr>
+        <a:xfrm>
+          <a:off x="0" y="0"/>
+          <a:ext cx="0" cy="0"/>
+          <a:chOff x="0" y="0"/>
+          <a:chExt cx="0" cy="0"/>
+        </a:xfrm>
+      </p:grpSpPr>
+      <p:sp>
+        <p:nvSpPr>
+          <p:cNvPr id="2" name="Объект 1">
+            <a:extLst>
+              <a:ext uri="{FF2B5EF4-FFF2-40B4-BE49-F238E27FC236}">
+                <a16:creationId xmlns:a16="http://schemas.microsoft.com/office/drawing/2014/main" id="{4E05C4A9-0667-45B8-AC59-85FD9C81BD21}"/>
+              </a:ext>
+            </a:extLst>
+          </p:cNvPr>
+          <p:cNvSpPr>
+            <a:spLocks noGrp="1"/>
+          </p:cNvSpPr>
+          <p:nvPr>
+            <p:ph sz="quarter" idx="13"/>
+          </p:nvPr>
+        </p:nvSpPr>
+        <p:spPr/>
+        <p:txBody>
+          <a:bodyPr anchor="t">
+            <a:normAutofit/>
+          </a:bodyPr>
+          <a:lstStyle/>
+          <a:p>
+            <a:pPr marL="0" indent="0">
+              <a:buNone/>
+            </a:pPr>
+            <a:endParaRPr lang="en-US" dirty="0"/>
+          </a:p>
+          <a:p>
+            <a:pPr marL="0" indent="0">
+              <a:buNone/>
+            </a:pPr>
+            <a:endParaRPr lang="en-US" dirty="0"/>
+          </a:p>
+          <a:p>
+            <a:pPr marL="0" indent="0">
+              <a:buNone/>
+            </a:pPr>
+            <a:endParaRPr lang="en-US" dirty="0"/>
+          </a:p>
+          <a:p>
+            <a:pPr marL="0" indent="0" algn="ctr">
+              <a:buNone/>
+            </a:pPr>
+            <a:r>
+              <a:rPr lang="ru-RU" sz="2800" dirty="0"/>
+              <a:t>Заполни форму обратной связи по ссылке</a:t>
+            </a:r>
+          </a:p>
+          <a:p>
+            <a:pPr marL="0" indent="0" algn="ctr">
+              <a:buNone/>
+            </a:pPr>
+            <a:r>
+              <a:rPr lang="en-US" sz="2800" dirty="0">
+                <a:hlinkClick r:id="rId2"/>
+              </a:rPr>
+              <a:t>http://bit.ly/kontur-courses-feedback</a:t>
+            </a:r>
+            <a:endParaRPr lang="ru-RU" sz="2800" dirty="0"/>
+          </a:p>
+          <a:p>
+            <a:pPr marL="0" indent="0" algn="ctr">
+              <a:buNone/>
+            </a:pPr>
+            <a:r>
+              <a:rPr lang="ru-RU" sz="2800" dirty="0"/>
+              <a:t>или</a:t>
+            </a:r>
+            <a:endParaRPr lang="en-US" sz="2800" dirty="0"/>
+          </a:p>
+          <a:p>
+            <a:pPr marL="0" indent="0" algn="ctr">
+              <a:buNone/>
+            </a:pPr>
+            <a:r>
+              <a:rPr lang="ru-RU" sz="2800" dirty="0"/>
+              <a:t>по ярлыку </a:t>
+            </a:r>
+            <a:r>
+              <a:rPr lang="en-US" sz="2800" i="1" dirty="0">
+                <a:solidFill>
+                  <a:schemeClr val="accent1"/>
+                </a:solidFill>
+              </a:rPr>
+              <a:t>feedback</a:t>
+            </a:r>
+            <a:r>
+              <a:rPr lang="en-US" sz="2800" dirty="0"/>
+              <a:t> </a:t>
+            </a:r>
+            <a:r>
+              <a:rPr lang="ru-RU" sz="2800" dirty="0"/>
+              <a:t>в корне репозитория</a:t>
+            </a:r>
+          </a:p>
+        </p:txBody>
+      </p:sp>
+      <p:sp>
+        <p:nvSpPr>
+          <p:cNvPr id="3" name="Заголовок 2">
+            <a:extLst>
+              <a:ext uri="{FF2B5EF4-FFF2-40B4-BE49-F238E27FC236}">
+                <a16:creationId xmlns:a16="http://schemas.microsoft.com/office/drawing/2014/main" id="{1B72F5E6-5086-4A59-ADDF-28C342BF771A}"/>
+              </a:ext>
+            </a:extLst>
+          </p:cNvPr>
+          <p:cNvSpPr>
+            <a:spLocks noGrp="1"/>
+          </p:cNvSpPr>
+          <p:nvPr>
+            <p:ph type="title"/>
+          </p:nvPr>
+        </p:nvSpPr>
+        <p:spPr/>
+        <p:txBody>
+          <a:bodyPr/>
+          <a:lstStyle/>
+          <a:p>
+            <a:r>
+              <a:rPr lang="ru-RU" dirty="0"/>
+              <a:t>Обратная связь</a:t>
+            </a:r>
+          </a:p>
+        </p:txBody>
+      </p:sp>
+      <p:pic>
+        <p:nvPicPr>
+          <p:cNvPr id="5" name="Рисунок 4" descr="Речь">
+            <a:extLst>
+              <a:ext uri="{FF2B5EF4-FFF2-40B4-BE49-F238E27FC236}">
+                <a16:creationId xmlns:a16="http://schemas.microsoft.com/office/drawing/2014/main" id="{4CD964C9-55F6-450A-94E0-4A3D7D08BCAA}"/>
+              </a:ext>
+            </a:extLst>
+          </p:cNvPr>
+          <p:cNvPicPr>
+            <a:picLocks noChangeAspect="1"/>
+          </p:cNvPicPr>
+          <p:nvPr/>
+        </p:nvPicPr>
+        <p:blipFill>
+          <a:blip r:embed="rId3">
+            <a:extLst>
+              <a:ext uri="{28A0092B-C50C-407E-A947-70E740481C1C}">
+                <a14:useLocalDpi xmlns:a14="http://schemas.microsoft.com/office/drawing/2010/main" val="0"/>
+              </a:ext>
+              <a:ext uri="{96DAC541-7B7A-43D3-8B79-37D633B846F1}">
+                <asvg:svgBlip xmlns:asvg="http://schemas.microsoft.com/office/drawing/2016/SVG/main" r:embed="rId4"/>
+              </a:ext>
+            </a:extLst>
+          </a:blip>
+          <a:stretch>
+            <a:fillRect/>
+          </a:stretch>
+        </p:blipFill>
+        <p:spPr>
+          <a:xfrm>
+            <a:off x="5183290" y="1622285"/>
+            <a:ext cx="1825352" cy="1825352"/>
+          </a:xfrm>
+          <a:prstGeom prst="rect">
+            <a:avLst/>
+          </a:prstGeom>
+        </p:spPr>
+      </p:pic>
+    </p:spTree>
+    <p:extLst>
+      <p:ext uri="{BB962C8B-B14F-4D97-AF65-F5344CB8AC3E}">
+        <p14:creationId xmlns:p14="http://schemas.microsoft.com/office/powerpoint/2010/main" val="1635517412"/>
+      </p:ext>
+    </p:extLst>
+  </p:cSld>
+  <p:clrMapOvr>
+    <a:masterClrMapping/>
+  </p:clrMapOvr>
 </p:sld>
 </file>
 
@@ -20936,13 +21019,6 @@
   <p:clrMapOvr>
     <a:masterClrMapping/>
   </p:clrMapOvr>
-  <p:timing>
-    <p:tnLst>
-      <p:par>
-        <p:cTn id="1" dur="indefinite" restart="never" nodeType="tmRoot"/>
-      </p:par>
-    </p:tnLst>
-  </p:timing>
 </p:sld>
 </file>
 
@@ -21763,36 +21839,31 @@
             </a:pPr>
             <a:r>
               <a:rPr lang="ru-RU" dirty="0"/>
-              <a:t>В </a:t>
-            </a:r>
-            <a:r>
-              <a:rPr lang="ru-RU" dirty="0" smtClean="0"/>
-              <a:t>библиотеках</a:t>
-            </a:r>
-            <a:endParaRPr lang="en-US" dirty="0" smtClean="0"/>
+              <a:t>В библиотеках</a:t>
+            </a:r>
+            <a:endParaRPr lang="en-US" dirty="0"/>
           </a:p>
           <a:p>
             <a:pPr marL="1200095" lvl="1" indent="-457200"/>
             <a:r>
-              <a:rPr lang="ru-RU" dirty="0" smtClean="0"/>
+              <a:rPr lang="ru-RU" dirty="0"/>
               <a:t>либо не собирать </a:t>
             </a:r>
             <a:r>
-              <a:rPr lang="en-US" dirty="0" smtClean="0"/>
+              <a:rPr lang="en-US" dirty="0"/>
               <a:t>– </a:t>
             </a:r>
             <a:r>
-              <a:rPr lang="ru-RU" dirty="0" smtClean="0"/>
+              <a:rPr lang="ru-RU" dirty="0"/>
               <a:t>пусть собирает использующий</a:t>
             </a:r>
           </a:p>
           <a:p>
             <a:pPr marL="1200095" lvl="1" indent="-457200"/>
             <a:r>
-              <a:rPr lang="ru-RU" dirty="0" smtClean="0"/>
+              <a:rPr lang="ru-RU" dirty="0"/>
               <a:t>либо в классе-фасаде библиотеки</a:t>
             </a:r>
-            <a:endParaRPr lang="ru-RU" dirty="0"/>
           </a:p>
         </p:txBody>
       </p:sp>
@@ -21836,13 +21907,6 @@
   <p:clrMapOvr>
     <a:masterClrMapping/>
   </p:clrMapOvr>
-  <p:timing>
-    <p:tnLst>
-      <p:par>
-        <p:cTn id="1" dur="indefinite" restart="never" nodeType="tmRoot"/>
-      </p:par>
-    </p:tnLst>
-  </p:timing>
 </p:sld>
 </file>
 
@@ -22398,14 +22462,6 @@
               </a:rPr>
               <a:t>В чем разница между</a:t>
             </a:r>
-            <a:r>
-              <a:rPr lang="ru-RU" dirty="0">
-                <a:solidFill>
-                  <a:schemeClr val="tx1"/>
-                </a:solidFill>
-              </a:rPr>
-              <a:t/>
-            </a:r>
             <a:br>
               <a:rPr lang="ru-RU" dirty="0">
                 <a:solidFill>
@@ -22425,14 +22481,6 @@
               <a:rPr lang="en-US" b="1" i="1" dirty="0"/>
               <a:t>Injection</a:t>
             </a:r>
-            <a:r>
-              <a:rPr lang="ru-RU" dirty="0">
-                <a:solidFill>
-                  <a:schemeClr val="tx1"/>
-                </a:solidFill>
-              </a:rPr>
-              <a:t/>
-            </a:r>
             <a:br>
               <a:rPr lang="ru-RU" dirty="0">
                 <a:solidFill>
@@ -22448,14 +22496,6 @@
               </a:rPr>
               <a:t>и</a:t>
             </a:r>
-            <a:r>
-              <a:rPr lang="en-US" dirty="0">
-                <a:solidFill>
-                  <a:schemeClr val="tx1"/>
-                </a:solidFill>
-              </a:rPr>
-              <a:t/>
-            </a:r>
             <a:br>
               <a:rPr lang="en-US" dirty="0">
                 <a:solidFill>
@@ -22482,14 +22522,6 @@
                 </a:solidFill>
               </a:rPr>
               <a:t> Principle</a:t>
-            </a:r>
-            <a:r>
-              <a:rPr lang="ru-RU" dirty="0">
-                <a:solidFill>
-                  <a:schemeClr val="tx1"/>
-                </a:solidFill>
-              </a:rPr>
-              <a:t/>
             </a:r>
             <a:br>
               <a:rPr lang="ru-RU" dirty="0">
@@ -22524,13 +22556,6 @@
   <p:clrMapOvr>
     <a:masterClrMapping/>
   </p:clrMapOvr>
-  <p:timing>
-    <p:tnLst>
-      <p:par>
-        <p:cTn id="1" dur="indefinite" restart="never" nodeType="tmRoot"/>
-      </p:par>
-    </p:tnLst>
-  </p:timing>
 </p:sld>
 </file>
 
@@ -22875,7 +22900,7 @@
               <a:t> = </a:t>
             </a:r>
             <a:r>
-              <a:rPr lang="en-US" sz="2000" dirty="0" err="1" smtClean="0">
+              <a:rPr lang="en-US" sz="2000" dirty="0" err="1">
                 <a:solidFill>
                   <a:srgbClr val="2B91AF"/>
                 </a:solidFill>
@@ -22884,16 +22909,10 @@
               <a:t>LoadBoard</a:t>
             </a:r>
             <a:r>
-              <a:rPr lang="en-US" sz="2000" dirty="0" smtClean="0">
-                <a:latin typeface="Consolas" panose="020B0609020204030204" pitchFamily="49" charset="0"/>
-              </a:rPr>
-              <a:t>(</a:t>
-            </a:r>
-            <a:r>
-              <a:rPr lang="en-US" sz="2000" dirty="0" smtClean="0">
-                <a:latin typeface="Consolas" panose="020B0609020204030204" pitchFamily="49" charset="0"/>
-              </a:rPr>
-              <a:t>reader,</a:t>
+              <a:rPr lang="en-US" sz="2000" dirty="0">
+                <a:latin typeface="Consolas" panose="020B0609020204030204" pitchFamily="49" charset="0"/>
+              </a:rPr>
+              <a:t>(reader,</a:t>
             </a:r>
             <a:r>
               <a:rPr lang="ru-RU" sz="2000" dirty="0">
@@ -22902,20 +22921,11 @@
               <a:t> </a:t>
             </a:r>
             <a:r>
-              <a:rPr lang="en-US" sz="2000" dirty="0" smtClean="0">
-                <a:latin typeface="Consolas" panose="020B0609020204030204" pitchFamily="49" charset="0"/>
-              </a:rPr>
-              <a:t>parser</a:t>
-            </a:r>
-            <a:r>
               <a:rPr lang="en-US" sz="2000" dirty="0">
                 <a:latin typeface="Consolas" panose="020B0609020204030204" pitchFamily="49" charset="0"/>
               </a:rPr>
-              <a:t>);</a:t>
-            </a:r>
-            <a:endParaRPr lang="en-US" sz="2000" dirty="0">
-              <a:latin typeface="Consolas" panose="020B0609020204030204" pitchFamily="49" charset="0"/>
-            </a:endParaRPr>
+              <a:t>parser);</a:t>
+            </a:r>
           </a:p>
           <a:p>
             <a:r>
@@ -22988,13 +22998,6 @@
   <p:clrMapOvr>
     <a:masterClrMapping/>
   </p:clrMapOvr>
-  <p:timing>
-    <p:tnLst>
-      <p:par>
-        <p:cTn id="1" dur="indefinite" restart="never" nodeType="tmRoot"/>
-      </p:par>
-    </p:tnLst>
-  </p:timing>
 </p:sld>
 </file>
 

--- a/di.pptx
+++ b/di.pptx
@@ -2467,6 +2467,13 @@
         </dgm:presLayoutVars>
       </dgm:prSet>
       <dgm:spPr/>
+      <dgm:t>
+        <a:bodyPr/>
+        <a:lstStyle/>
+        <a:p>
+          <a:endParaRPr lang="ru-RU"/>
+        </a:p>
+      </dgm:t>
     </dgm:pt>
     <dgm:pt modelId="{CF6D50B3-578A-4EA0-A5A0-492FA729F6ED}" type="pres">
       <dgm:prSet presAssocID="{B75F6A3A-9A51-4DF3-8A57-9AEB0739425C}" presName="composite" presStyleCnt="0"/>
@@ -2479,6 +2486,13 @@
         </dgm:presLayoutVars>
       </dgm:prSet>
       <dgm:spPr/>
+      <dgm:t>
+        <a:bodyPr/>
+        <a:lstStyle/>
+        <a:p>
+          <a:endParaRPr lang="ru-RU"/>
+        </a:p>
+      </dgm:t>
     </dgm:pt>
     <dgm:pt modelId="{61EB78D8-69FF-471D-8FEB-71388C442F55}" type="pres">
       <dgm:prSet presAssocID="{B75F6A3A-9A51-4DF3-8A57-9AEB0739425C}" presName="rect1" presStyleLbl="alignImgPlace1" presStyleIdx="0" presStyleCnt="1" custScaleX="596594" custScaleY="114980" custLinFactX="-64576" custLinFactNeighborX="-100000" custLinFactNeighborY="-13065"/>
@@ -2500,9 +2514,9 @@
     </dgm:pt>
   </dgm:ptLst>
   <dgm:cxnLst>
+    <dgm:cxn modelId="{017518C9-1619-4B19-AA03-86BA999BA287}" srcId="{EAB81984-5B84-4970-8447-2B456B8C58DF}" destId="{B75F6A3A-9A51-4DF3-8A57-9AEB0739425C}" srcOrd="0" destOrd="0" parTransId="{203596AF-4F49-40BA-B1E1-11BDD34B512E}" sibTransId="{A056157B-3867-49A4-9195-F3A4F3FBBA8E}"/>
     <dgm:cxn modelId="{1CEAA455-5BF4-4666-95B8-390900AB8124}" type="presOf" srcId="{EAB81984-5B84-4970-8447-2B456B8C58DF}" destId="{3A252E36-3D7E-49E5-B812-EE4CACF0D5CF}" srcOrd="0" destOrd="0" presId="urn:microsoft.com/office/officeart/2008/layout/PictureGrid"/>
     <dgm:cxn modelId="{147A14B3-96E8-4139-969B-9DB1BCB4D95E}" type="presOf" srcId="{B75F6A3A-9A51-4DF3-8A57-9AEB0739425C}" destId="{B29ABF60-EC0F-45AD-A90E-9C76D15C2F14}" srcOrd="0" destOrd="0" presId="urn:microsoft.com/office/officeart/2008/layout/PictureGrid"/>
-    <dgm:cxn modelId="{017518C9-1619-4B19-AA03-86BA999BA287}" srcId="{EAB81984-5B84-4970-8447-2B456B8C58DF}" destId="{B75F6A3A-9A51-4DF3-8A57-9AEB0739425C}" srcOrd="0" destOrd="0" parTransId="{203596AF-4F49-40BA-B1E1-11BDD34B512E}" sibTransId="{A056157B-3867-49A4-9195-F3A4F3FBBA8E}"/>
     <dgm:cxn modelId="{D3458AFA-605E-43EE-8C8A-0E0C1E3CD931}" type="presParOf" srcId="{3A252E36-3D7E-49E5-B812-EE4CACF0D5CF}" destId="{CF6D50B3-578A-4EA0-A5A0-492FA729F6ED}" srcOrd="0" destOrd="0" presId="urn:microsoft.com/office/officeart/2008/layout/PictureGrid"/>
     <dgm:cxn modelId="{9835F3F3-3E30-4AC4-AD89-BC095FA9A878}" type="presParOf" srcId="{CF6D50B3-578A-4EA0-A5A0-492FA729F6ED}" destId="{B29ABF60-EC0F-45AD-A90E-9C76D15C2F14}" srcOrd="0" destOrd="0" presId="urn:microsoft.com/office/officeart/2008/layout/PictureGrid"/>
     <dgm:cxn modelId="{70FA379F-7827-49B9-806E-1FD72CAE8F89}" type="presParOf" srcId="{CF6D50B3-578A-4EA0-A5A0-492FA729F6ED}" destId="{61EB78D8-69FF-471D-8FEB-71388C442F55}" srcOrd="1" destOrd="0" presId="urn:microsoft.com/office/officeart/2008/layout/PictureGrid"/>
@@ -2574,6 +2588,13 @@
         </dgm:presLayoutVars>
       </dgm:prSet>
       <dgm:spPr/>
+      <dgm:t>
+        <a:bodyPr/>
+        <a:lstStyle/>
+        <a:p>
+          <a:endParaRPr lang="ru-RU"/>
+        </a:p>
+      </dgm:t>
     </dgm:pt>
     <dgm:pt modelId="{CF6D50B3-578A-4EA0-A5A0-492FA729F6ED}" type="pres">
       <dgm:prSet presAssocID="{B75F6A3A-9A51-4DF3-8A57-9AEB0739425C}" presName="composite" presStyleCnt="0"/>
@@ -2586,6 +2607,13 @@
         </dgm:presLayoutVars>
       </dgm:prSet>
       <dgm:spPr/>
+      <dgm:t>
+        <a:bodyPr/>
+        <a:lstStyle/>
+        <a:p>
+          <a:endParaRPr lang="ru-RU"/>
+        </a:p>
+      </dgm:t>
     </dgm:pt>
     <dgm:pt modelId="{61EB78D8-69FF-471D-8FEB-71388C442F55}" type="pres">
       <dgm:prSet presAssocID="{B75F6A3A-9A51-4DF3-8A57-9AEB0739425C}" presName="rect1" presStyleLbl="alignImgPlace1" presStyleIdx="0" presStyleCnt="1" custScaleX="596594" custScaleY="114980" custLinFactX="-64576" custLinFactNeighborX="-100000" custLinFactNeighborY="-13065"/>
@@ -2607,9 +2635,9 @@
     </dgm:pt>
   </dgm:ptLst>
   <dgm:cxnLst>
+    <dgm:cxn modelId="{017518C9-1619-4B19-AA03-86BA999BA287}" srcId="{EAB81984-5B84-4970-8447-2B456B8C58DF}" destId="{B75F6A3A-9A51-4DF3-8A57-9AEB0739425C}" srcOrd="0" destOrd="0" parTransId="{203596AF-4F49-40BA-B1E1-11BDD34B512E}" sibTransId="{A056157B-3867-49A4-9195-F3A4F3FBBA8E}"/>
     <dgm:cxn modelId="{1CEAA455-5BF4-4666-95B8-390900AB8124}" type="presOf" srcId="{EAB81984-5B84-4970-8447-2B456B8C58DF}" destId="{3A252E36-3D7E-49E5-B812-EE4CACF0D5CF}" srcOrd="0" destOrd="0" presId="urn:microsoft.com/office/officeart/2008/layout/PictureGrid"/>
     <dgm:cxn modelId="{147A14B3-96E8-4139-969B-9DB1BCB4D95E}" type="presOf" srcId="{B75F6A3A-9A51-4DF3-8A57-9AEB0739425C}" destId="{B29ABF60-EC0F-45AD-A90E-9C76D15C2F14}" srcOrd="0" destOrd="0" presId="urn:microsoft.com/office/officeart/2008/layout/PictureGrid"/>
-    <dgm:cxn modelId="{017518C9-1619-4B19-AA03-86BA999BA287}" srcId="{EAB81984-5B84-4970-8447-2B456B8C58DF}" destId="{B75F6A3A-9A51-4DF3-8A57-9AEB0739425C}" srcOrd="0" destOrd="0" parTransId="{203596AF-4F49-40BA-B1E1-11BDD34B512E}" sibTransId="{A056157B-3867-49A4-9195-F3A4F3FBBA8E}"/>
     <dgm:cxn modelId="{D3458AFA-605E-43EE-8C8A-0E0C1E3CD931}" type="presParOf" srcId="{3A252E36-3D7E-49E5-B812-EE4CACF0D5CF}" destId="{CF6D50B3-578A-4EA0-A5A0-492FA729F6ED}" srcOrd="0" destOrd="0" presId="urn:microsoft.com/office/officeart/2008/layout/PictureGrid"/>
     <dgm:cxn modelId="{9835F3F3-3E30-4AC4-AD89-BC095FA9A878}" type="presParOf" srcId="{CF6D50B3-578A-4EA0-A5A0-492FA729F6ED}" destId="{B29ABF60-EC0F-45AD-A90E-9C76D15C2F14}" srcOrd="0" destOrd="0" presId="urn:microsoft.com/office/officeart/2008/layout/PictureGrid"/>
     <dgm:cxn modelId="{70FA379F-7827-49B9-806E-1FD72CAE8F89}" type="presParOf" srcId="{CF6D50B3-578A-4EA0-A5A0-492FA729F6ED}" destId="{61EB78D8-69FF-471D-8FEB-71388C442F55}" srcOrd="1" destOrd="0" presId="urn:microsoft.com/office/officeart/2008/layout/PictureGrid"/>
@@ -2699,6 +2727,13 @@
         </dgm:presLayoutVars>
       </dgm:prSet>
       <dgm:spPr/>
+      <dgm:t>
+        <a:bodyPr/>
+        <a:lstStyle/>
+        <a:p>
+          <a:endParaRPr lang="ru-RU"/>
+        </a:p>
+      </dgm:t>
     </dgm:pt>
     <dgm:pt modelId="{65D73C51-61AB-436D-8191-975603FC9C68}" type="pres">
       <dgm:prSet presAssocID="{9C9C0585-42CE-4F34-A2BB-F1377DA03788}" presName="composite" presStyleCnt="0"/>
@@ -2711,6 +2746,13 @@
         </dgm:presLayoutVars>
       </dgm:prSet>
       <dgm:spPr/>
+      <dgm:t>
+        <a:bodyPr/>
+        <a:lstStyle/>
+        <a:p>
+          <a:endParaRPr lang="ru-RU"/>
+        </a:p>
+      </dgm:t>
     </dgm:pt>
     <dgm:pt modelId="{DFDA3CA3-5C68-4A2F-A4A8-285063A35D87}" type="pres">
       <dgm:prSet presAssocID="{9C9C0585-42CE-4F34-A2BB-F1377DA03788}" presName="rect1" presStyleLbl="alignImgPlace1" presStyleIdx="0" presStyleCnt="1" custScaleX="62421" custScaleY="62421" custLinFactNeighborX="1076" custLinFactNeighborY="-52209"/>
@@ -2735,8 +2777,8 @@
     </dgm:pt>
   </dgm:ptLst>
   <dgm:cxnLst>
+    <dgm:cxn modelId="{A177C822-7566-4410-A889-706A6CE15148}" srcId="{8F66C165-B39F-46D3-B19F-623799541DD3}" destId="{9C9C0585-42CE-4F34-A2BB-F1377DA03788}" srcOrd="0" destOrd="0" parTransId="{4E5DCF2B-AAE7-41E2-837F-518128C03597}" sibTransId="{56F70C7F-1925-4DBA-9BD6-AF5E91799A59}"/>
     <dgm:cxn modelId="{A9E27516-E8E4-42A7-A155-024D48E79559}" type="presOf" srcId="{8F66C165-B39F-46D3-B19F-623799541DD3}" destId="{B6F028CB-F170-4FEF-BC3A-25F0E90D434A}" srcOrd="0" destOrd="0" presId="urn:microsoft.com/office/officeart/2008/layout/PictureGrid"/>
-    <dgm:cxn modelId="{A177C822-7566-4410-A889-706A6CE15148}" srcId="{8F66C165-B39F-46D3-B19F-623799541DD3}" destId="{9C9C0585-42CE-4F34-A2BB-F1377DA03788}" srcOrd="0" destOrd="0" parTransId="{4E5DCF2B-AAE7-41E2-837F-518128C03597}" sibTransId="{56F70C7F-1925-4DBA-9BD6-AF5E91799A59}"/>
     <dgm:cxn modelId="{ACD53F50-5BA1-48C9-B5DF-09BF6DA4DE65}" type="presOf" srcId="{9C9C0585-42CE-4F34-A2BB-F1377DA03788}" destId="{A30F2283-C0A4-4A69-BCBE-833D967155A2}" srcOrd="0" destOrd="0" presId="urn:microsoft.com/office/officeart/2008/layout/PictureGrid"/>
     <dgm:cxn modelId="{CC189C1C-06A1-4F03-B886-67BF46A53703}" type="presParOf" srcId="{B6F028CB-F170-4FEF-BC3A-25F0E90D434A}" destId="{65D73C51-61AB-436D-8191-975603FC9C68}" srcOrd="0" destOrd="0" presId="urn:microsoft.com/office/officeart/2008/layout/PictureGrid"/>
     <dgm:cxn modelId="{CD7DB92E-B84F-43A0-AC2D-FBBFB40722EE}" type="presParOf" srcId="{65D73C51-61AB-436D-8191-975603FC9C68}" destId="{A30F2283-C0A4-4A69-BCBE-833D967155A2}" srcOrd="0" destOrd="0" presId="urn:microsoft.com/office/officeart/2008/layout/PictureGrid"/>
@@ -2797,7 +2839,7 @@
         </a:bodyPr>
         <a:lstStyle/>
         <a:p>
-          <a:pPr marL="0" lvl="0" indent="0" algn="l" defTabSz="222250">
+          <a:pPr lvl="0" algn="l" defTabSz="222250">
             <a:lnSpc>
               <a:spcPct val="90000"/>
             </a:lnSpc>
@@ -2807,7 +2849,6 @@
             <a:spcAft>
               <a:spcPct val="35000"/>
             </a:spcAft>
-            <a:buNone/>
           </a:pPr>
           <a:r>
             <a:rPr lang="ru-RU" sz="500" kern="1200" dirty="0"/>
@@ -2921,7 +2962,7 @@
         </a:bodyPr>
         <a:lstStyle/>
         <a:p>
-          <a:pPr marL="0" lvl="0" indent="0" algn="l" defTabSz="222250">
+          <a:pPr lvl="0" algn="l" defTabSz="222250">
             <a:lnSpc>
               <a:spcPct val="90000"/>
             </a:lnSpc>
@@ -2931,7 +2972,6 @@
             <a:spcAft>
               <a:spcPct val="35000"/>
             </a:spcAft>
-            <a:buNone/>
           </a:pPr>
           <a:r>
             <a:rPr lang="ru-RU" sz="500" kern="1200" dirty="0"/>
@@ -3045,7 +3085,7 @@
         </a:bodyPr>
         <a:lstStyle/>
         <a:p>
-          <a:pPr marL="0" lvl="0" indent="0" algn="ctr" defTabSz="1778000">
+          <a:pPr lvl="0" algn="ctr" defTabSz="1778000">
             <a:lnSpc>
               <a:spcPct val="90000"/>
             </a:lnSpc>
@@ -3055,7 +3095,6 @@
             <a:spcAft>
               <a:spcPct val="35000"/>
             </a:spcAft>
-            <a:buNone/>
           </a:pPr>
           <a:r>
             <a:rPr lang="ru-RU" sz="4000" kern="1200" dirty="0">
@@ -7116,7 +7155,7 @@
           <a:p>
             <a:fld id="{98715375-4139-4C08-98FD-C8890076A179}" type="datetimeFigureOut">
               <a:rPr lang="ru-RU" smtClean="0"/>
-              <a:t>16.04.2018</a:t>
+              <a:t>21.11.2018</a:t>
             </a:fld>
             <a:endParaRPr lang="ru-RU"/>
           </a:p>
@@ -14834,6 +14873,13 @@
               </a:spcAft>
               <a:buNone/>
             </a:pPr>
+            <a:r>
+              <a:rPr lang="ru-RU" altLang="ru-RU" sz="2000" dirty="0">
+                <a:latin typeface="Consolas" panose="020B0609020204030204" pitchFamily="49" charset="0"/>
+                <a:cs typeface="Consolas" panose="020B0609020204030204" pitchFamily="49" charset="0"/>
+              </a:rPr>
+              <a:t/>
+            </a:r>
             <a:br>
               <a:rPr lang="ru-RU" altLang="ru-RU" sz="2000" dirty="0">
                 <a:latin typeface="Consolas" panose="020B0609020204030204" pitchFamily="49" charset="0"/>
@@ -17673,7 +17719,7 @@
                 <a14:useLocalDpi xmlns:a14="http://schemas.microsoft.com/office/drawing/2010/main" val="0"/>
               </a:ext>
               <a:ext uri="{96DAC541-7B7A-43D3-8B79-37D633B846F1}">
-                <asvg:svgBlip xmlns:asvg="http://schemas.microsoft.com/office/drawing/2016/SVG/main" r:embed="rId4"/>
+                <asvg:svgBlip xmlns:asvg="http://schemas.microsoft.com/office/drawing/2016/SVG/main" xmlns="" r:embed="rId4"/>
               </a:ext>
             </a:extLst>
           </a:blip>
@@ -17705,7 +17751,7 @@
 </file>
 
 <file path=ppt/slides/slide3.xml><?xml version="1.0" encoding="utf-8"?>
-<p:sld xmlns:a="http://schemas.openxmlformats.org/drawingml/2006/main" xmlns:r="http://schemas.openxmlformats.org/officeDocument/2006/relationships" xmlns:p="http://schemas.openxmlformats.org/presentationml/2006/main">
+<p:sld xmlns:a="http://schemas.openxmlformats.org/drawingml/2006/main" xmlns:r="http://schemas.openxmlformats.org/officeDocument/2006/relationships" xmlns:p="http://schemas.openxmlformats.org/presentationml/2006/main" show="0">
   <p:cSld>
     <p:spTree>
       <p:nvGrpSpPr>
@@ -19432,6 +19478,14 @@
   <p:clrMapOvr>
     <a:masterClrMapping/>
   </p:clrMapOvr>
+  <mc:AlternateContent xmlns:mc="http://schemas.openxmlformats.org/markup-compatibility/2006">
+    <mc:Choice xmlns:p14="http://schemas.microsoft.com/office/powerpoint/2010/main" Requires="p14">
+      <p:transition spd="slow" p14:dur="2000"/>
+    </mc:Choice>
+    <mc:Fallback>
+      <p:transition spd="slow"/>
+    </mc:Fallback>
+  </mc:AlternateContent>
   <p:timing>
     <p:tnLst>
       <p:par>
@@ -21019,6 +21073,13 @@
   <p:clrMapOvr>
     <a:masterClrMapping/>
   </p:clrMapOvr>
+  <p:timing>
+    <p:tnLst>
+      <p:par>
+        <p:cTn id="1" dur="indefinite" restart="never" nodeType="tmRoot"/>
+      </p:par>
+    </p:tnLst>
+  </p:timing>
 </p:sld>
 </file>
 
@@ -22462,6 +22523,14 @@
               </a:rPr>
               <a:t>В чем разница между</a:t>
             </a:r>
+            <a:r>
+              <a:rPr lang="ru-RU" dirty="0">
+                <a:solidFill>
+                  <a:schemeClr val="tx1"/>
+                </a:solidFill>
+              </a:rPr>
+              <a:t/>
+            </a:r>
             <a:br>
               <a:rPr lang="ru-RU" dirty="0">
                 <a:solidFill>
@@ -22481,6 +22550,14 @@
               <a:rPr lang="en-US" b="1" i="1" dirty="0"/>
               <a:t>Injection</a:t>
             </a:r>
+            <a:r>
+              <a:rPr lang="ru-RU" dirty="0">
+                <a:solidFill>
+                  <a:schemeClr val="tx1"/>
+                </a:solidFill>
+              </a:rPr>
+              <a:t/>
+            </a:r>
             <a:br>
               <a:rPr lang="ru-RU" dirty="0">
                 <a:solidFill>
@@ -22496,6 +22573,14 @@
               </a:rPr>
               <a:t>и</a:t>
             </a:r>
+            <a:r>
+              <a:rPr lang="en-US" dirty="0">
+                <a:solidFill>
+                  <a:schemeClr val="tx1"/>
+                </a:solidFill>
+              </a:rPr>
+              <a:t/>
+            </a:r>
             <a:br>
               <a:rPr lang="en-US" dirty="0">
                 <a:solidFill>
@@ -22522,6 +22607,14 @@
                 </a:solidFill>
               </a:rPr>
               <a:t> Principle</a:t>
+            </a:r>
+            <a:r>
+              <a:rPr lang="ru-RU" dirty="0">
+                <a:solidFill>
+                  <a:schemeClr val="tx1"/>
+                </a:solidFill>
+              </a:rPr>
+              <a:t/>
             </a:r>
             <a:br>
               <a:rPr lang="ru-RU" dirty="0">
